--- a/source/Security/images_OAuth/materialOAuth.pptx
+++ b/source/Security/images_OAuth/materialOAuth.pptx
@@ -5,7 +5,7 @@
     <p:sldMasterId id="2147483648" r:id="rId1"/>
   </p:sldMasterIdLst>
   <p:notesMasterIdLst>
-    <p:notesMasterId r:id="rId22"/>
+    <p:notesMasterId r:id="rId23"/>
   </p:notesMasterIdLst>
   <p:sldIdLst>
     <p:sldId id="272" r:id="rId2"/>
@@ -20,14 +20,15 @@
     <p:sldId id="294" r:id="rId11"/>
     <p:sldId id="264" r:id="rId12"/>
     <p:sldId id="285" r:id="rId13"/>
-    <p:sldId id="281" r:id="rId14"/>
-    <p:sldId id="286" r:id="rId15"/>
-    <p:sldId id="274" r:id="rId16"/>
-    <p:sldId id="268" r:id="rId17"/>
-    <p:sldId id="269" r:id="rId18"/>
-    <p:sldId id="257" r:id="rId19"/>
-    <p:sldId id="270" r:id="rId20"/>
-    <p:sldId id="271" r:id="rId21"/>
+    <p:sldId id="295" r:id="rId14"/>
+    <p:sldId id="281" r:id="rId15"/>
+    <p:sldId id="286" r:id="rId16"/>
+    <p:sldId id="274" r:id="rId17"/>
+    <p:sldId id="268" r:id="rId18"/>
+    <p:sldId id="269" r:id="rId19"/>
+    <p:sldId id="257" r:id="rId20"/>
+    <p:sldId id="270" r:id="rId21"/>
+    <p:sldId id="271" r:id="rId22"/>
   </p:sldIdLst>
   <p:sldSz cx="12192000" cy="6858000"/>
   <p:notesSz cx="6858000" cy="9144000"/>
@@ -143,6 +144,7 @@
             <p14:sldId id="294"/>
             <p14:sldId id="264"/>
             <p14:sldId id="285"/>
+            <p14:sldId id="295"/>
             <p14:sldId id="281"/>
             <p14:sldId id="286"/>
             <p14:sldId id="274"/>
@@ -252,7 +254,7 @@
           <a:p>
             <a:fld id="{E364C4AB-FECB-4A61-B71C-A45CCAC46987}" type="datetimeFigureOut">
               <a:rPr kumimoji="1" lang="ja-JP" altLang="en-US" smtClean="0"/>
-              <a:t>2017/7/24</a:t>
+              <a:t>2017/8/28</a:t>
             </a:fld>
             <a:endParaRPr kumimoji="1" lang="ja-JP" altLang="en-US"/>
           </a:p>
@@ -1130,7 +1132,7 @@
     </p:spTree>
     <p:extLst>
       <p:ext uri="{BB962C8B-B14F-4D97-AF65-F5344CB8AC3E}">
-        <p14:creationId xmlns:p14="http://schemas.microsoft.com/office/powerpoint/2010/main" val="427632005"/>
+        <p14:creationId xmlns:p14="http://schemas.microsoft.com/office/powerpoint/2010/main" val="3657518232"/>
       </p:ext>
     </p:extLst>
   </p:cSld>
@@ -1205,7 +1207,91 @@
           <a:p>
             <a:fld id="{9F1B7F1F-FDAA-480C-AB59-C4CE09E787E7}" type="slidenum">
               <a:rPr kumimoji="1" lang="ja-JP" altLang="en-US" smtClean="0"/>
-              <a:t>15</a:t>
+              <a:t>14</a:t>
+            </a:fld>
+            <a:endParaRPr kumimoji="1" lang="ja-JP" altLang="en-US"/>
+          </a:p>
+        </p:txBody>
+      </p:sp>
+    </p:spTree>
+    <p:extLst>
+      <p:ext uri="{BB962C8B-B14F-4D97-AF65-F5344CB8AC3E}">
+        <p14:creationId xmlns:p14="http://schemas.microsoft.com/office/powerpoint/2010/main" val="427632005"/>
+      </p:ext>
+    </p:extLst>
+  </p:cSld>
+  <p:clrMapOvr>
+    <a:masterClrMapping/>
+  </p:clrMapOvr>
+</p:notes>
+</file>
+
+<file path=ppt/notesSlides/notesSlide9.xml><?xml version="1.0" encoding="utf-8"?>
+<p:notes xmlns:a="http://schemas.openxmlformats.org/drawingml/2006/main" xmlns:r="http://schemas.openxmlformats.org/officeDocument/2006/relationships" xmlns:p="http://schemas.openxmlformats.org/presentationml/2006/main">
+  <p:cSld>
+    <p:spTree>
+      <p:nvGrpSpPr>
+        <p:cNvPr id="1" name=""/>
+        <p:cNvGrpSpPr/>
+        <p:nvPr/>
+      </p:nvGrpSpPr>
+      <p:grpSpPr>
+        <a:xfrm>
+          <a:off x="0" y="0"/>
+          <a:ext cx="0" cy="0"/>
+          <a:chOff x="0" y="0"/>
+          <a:chExt cx="0" cy="0"/>
+        </a:xfrm>
+      </p:grpSpPr>
+      <p:sp>
+        <p:nvSpPr>
+          <p:cNvPr id="2" name="スライド イメージ プレースホルダー 1"/>
+          <p:cNvSpPr>
+            <a:spLocks noGrp="1" noRot="1" noChangeAspect="1"/>
+          </p:cNvSpPr>
+          <p:nvPr>
+            <p:ph type="sldImg"/>
+          </p:nvPr>
+        </p:nvSpPr>
+        <p:spPr/>
+      </p:sp>
+      <p:sp>
+        <p:nvSpPr>
+          <p:cNvPr id="3" name="ノート プレースホルダー 2"/>
+          <p:cNvSpPr>
+            <a:spLocks noGrp="1"/>
+          </p:cNvSpPr>
+          <p:nvPr>
+            <p:ph type="body" idx="1"/>
+          </p:nvPr>
+        </p:nvSpPr>
+        <p:spPr/>
+        <p:txBody>
+          <a:bodyPr/>
+          <a:lstStyle/>
+          <a:p>
+            <a:endParaRPr kumimoji="1" lang="ja-JP" altLang="en-US" dirty="0"/>
+          </a:p>
+        </p:txBody>
+      </p:sp>
+      <p:sp>
+        <p:nvSpPr>
+          <p:cNvPr id="4" name="スライド番号プレースホルダー 3"/>
+          <p:cNvSpPr>
+            <a:spLocks noGrp="1"/>
+          </p:cNvSpPr>
+          <p:nvPr>
+            <p:ph type="sldNum" sz="quarter" idx="10"/>
+          </p:nvPr>
+        </p:nvSpPr>
+        <p:spPr/>
+        <p:txBody>
+          <a:bodyPr/>
+          <a:lstStyle/>
+          <a:p>
+            <a:fld id="{9F1B7F1F-FDAA-480C-AB59-C4CE09E787E7}" type="slidenum">
+              <a:rPr kumimoji="1" lang="ja-JP" altLang="en-US" smtClean="0"/>
+              <a:t>16</a:t>
             </a:fld>
             <a:endParaRPr kumimoji="1" lang="ja-JP" altLang="en-US"/>
           </a:p>
@@ -1355,7 +1441,7 @@
           <a:p>
             <a:fld id="{22B92BF3-AD3C-41E2-AD5A-4FFB42BC5A7D}" type="datetimeFigureOut">
               <a:rPr kumimoji="1" lang="ja-JP" altLang="en-US" smtClean="0"/>
-              <a:t>2017/7/24</a:t>
+              <a:t>2017/8/28</a:t>
             </a:fld>
             <a:endParaRPr kumimoji="1" lang="ja-JP" altLang="en-US"/>
           </a:p>
@@ -1557,7 +1643,7 @@
           <a:p>
             <a:fld id="{22B92BF3-AD3C-41E2-AD5A-4FFB42BC5A7D}" type="datetimeFigureOut">
               <a:rPr kumimoji="1" lang="ja-JP" altLang="en-US" smtClean="0"/>
-              <a:t>2017/7/24</a:t>
+              <a:t>2017/8/28</a:t>
             </a:fld>
             <a:endParaRPr kumimoji="1" lang="ja-JP" altLang="en-US"/>
           </a:p>
@@ -1769,7 +1855,7 @@
           <a:p>
             <a:fld id="{22B92BF3-AD3C-41E2-AD5A-4FFB42BC5A7D}" type="datetimeFigureOut">
               <a:rPr kumimoji="1" lang="ja-JP" altLang="en-US" smtClean="0"/>
-              <a:t>2017/7/24</a:t>
+              <a:t>2017/8/28</a:t>
             </a:fld>
             <a:endParaRPr kumimoji="1" lang="ja-JP" altLang="en-US"/>
           </a:p>
@@ -1971,7 +2057,7 @@
           <a:p>
             <a:fld id="{22B92BF3-AD3C-41E2-AD5A-4FFB42BC5A7D}" type="datetimeFigureOut">
               <a:rPr kumimoji="1" lang="ja-JP" altLang="en-US" smtClean="0"/>
-              <a:t>2017/7/24</a:t>
+              <a:t>2017/8/28</a:t>
             </a:fld>
             <a:endParaRPr kumimoji="1" lang="ja-JP" altLang="en-US"/>
           </a:p>
@@ -2217,7 +2303,7 @@
           <a:p>
             <a:fld id="{22B92BF3-AD3C-41E2-AD5A-4FFB42BC5A7D}" type="datetimeFigureOut">
               <a:rPr kumimoji="1" lang="ja-JP" altLang="en-US" smtClean="0"/>
-              <a:t>2017/7/24</a:t>
+              <a:t>2017/8/28</a:t>
             </a:fld>
             <a:endParaRPr kumimoji="1" lang="ja-JP" altLang="en-US"/>
           </a:p>
@@ -2513,7 +2599,7 @@
           <a:p>
             <a:fld id="{22B92BF3-AD3C-41E2-AD5A-4FFB42BC5A7D}" type="datetimeFigureOut">
               <a:rPr kumimoji="1" lang="ja-JP" altLang="en-US" smtClean="0"/>
-              <a:t>2017/7/24</a:t>
+              <a:t>2017/8/28</a:t>
             </a:fld>
             <a:endParaRPr kumimoji="1" lang="ja-JP" altLang="en-US"/>
           </a:p>
@@ -2944,7 +3030,7 @@
           <a:p>
             <a:fld id="{22B92BF3-AD3C-41E2-AD5A-4FFB42BC5A7D}" type="datetimeFigureOut">
               <a:rPr kumimoji="1" lang="ja-JP" altLang="en-US" smtClean="0"/>
-              <a:t>2017/7/24</a:t>
+              <a:t>2017/8/28</a:t>
             </a:fld>
             <a:endParaRPr kumimoji="1" lang="ja-JP" altLang="en-US"/>
           </a:p>
@@ -3062,7 +3148,7 @@
           <a:p>
             <a:fld id="{22B92BF3-AD3C-41E2-AD5A-4FFB42BC5A7D}" type="datetimeFigureOut">
               <a:rPr kumimoji="1" lang="ja-JP" altLang="en-US" smtClean="0"/>
-              <a:t>2017/7/24</a:t>
+              <a:t>2017/8/28</a:t>
             </a:fld>
             <a:endParaRPr kumimoji="1" lang="ja-JP" altLang="en-US"/>
           </a:p>
@@ -3157,7 +3243,7 @@
           <a:p>
             <a:fld id="{22B92BF3-AD3C-41E2-AD5A-4FFB42BC5A7D}" type="datetimeFigureOut">
               <a:rPr kumimoji="1" lang="ja-JP" altLang="en-US" smtClean="0"/>
-              <a:t>2017/7/24</a:t>
+              <a:t>2017/8/28</a:t>
             </a:fld>
             <a:endParaRPr kumimoji="1" lang="ja-JP" altLang="en-US"/>
           </a:p>
@@ -3466,7 +3552,7 @@
           <a:p>
             <a:fld id="{22B92BF3-AD3C-41E2-AD5A-4FFB42BC5A7D}" type="datetimeFigureOut">
               <a:rPr kumimoji="1" lang="ja-JP" altLang="en-US" smtClean="0"/>
-              <a:t>2017/7/24</a:t>
+              <a:t>2017/8/28</a:t>
             </a:fld>
             <a:endParaRPr kumimoji="1" lang="ja-JP" altLang="en-US"/>
           </a:p>
@@ -3719,7 +3805,7 @@
           <a:p>
             <a:fld id="{22B92BF3-AD3C-41E2-AD5A-4FFB42BC5A7D}" type="datetimeFigureOut">
               <a:rPr kumimoji="1" lang="ja-JP" altLang="en-US" smtClean="0"/>
-              <a:t>2017/7/24</a:t>
+              <a:t>2017/8/28</a:t>
             </a:fld>
             <a:endParaRPr kumimoji="1" lang="ja-JP" altLang="en-US"/>
           </a:p>
@@ -3964,7 +4050,7 @@
           <a:p>
             <a:fld id="{22B92BF3-AD3C-41E2-AD5A-4FFB42BC5A7D}" type="datetimeFigureOut">
               <a:rPr kumimoji="1" lang="ja-JP" altLang="en-US" smtClean="0"/>
-              <a:t>2017/7/24</a:t>
+              <a:t>2017/8/28</a:t>
             </a:fld>
             <a:endParaRPr kumimoji="1" lang="ja-JP" altLang="en-US"/>
           </a:p>
@@ -10041,14 +10127,14 @@
           <p:cNvPr id="200" name="直線矢印コネクタ 199"/>
           <p:cNvCxnSpPr>
             <a:stCxn id="66" idx="1"/>
-            <a:endCxn id="31" idx="3"/>
+            <a:endCxn id="32" idx="3"/>
           </p:cNvCxnSpPr>
           <p:nvPr/>
         </p:nvCxnSpPr>
         <p:spPr>
           <a:xfrm flipH="1" flipV="1">
-            <a:off x="5771710" y="2711583"/>
-            <a:ext cx="350645" cy="6497"/>
+            <a:off x="5771711" y="2711583"/>
+            <a:ext cx="350644" cy="6497"/>
           </a:xfrm>
           <a:prstGeom prst="straightConnector1">
             <a:avLst/>
@@ -10509,16 +10595,159 @@
           </a:fontRef>
         </p:style>
       </p:cxnSp>
-      <p:sp>
-        <p:nvSpPr>
-          <p:cNvPr id="31" name="正方形/長方形 30"/>
+      <p:cxnSp>
+        <p:nvCxnSpPr>
+          <p:cNvPr id="34" name="カギ線コネクタ 33"/>
+          <p:cNvCxnSpPr>
+            <a:endCxn id="59" idx="0"/>
+          </p:cNvCxnSpPr>
+          <p:nvPr/>
+        </p:nvCxnSpPr>
+        <p:spPr>
+          <a:xfrm rot="5400000">
+            <a:off x="5358767" y="1970166"/>
+            <a:ext cx="595582" cy="2758930"/>
+          </a:xfrm>
+          <a:prstGeom prst="bentConnector3">
+            <a:avLst>
+              <a:gd name="adj1" fmla="val 50000"/>
+            </a:avLst>
+          </a:prstGeom>
+          <a:ln w="38100">
+            <a:tailEnd type="arrow"/>
+          </a:ln>
+        </p:spPr>
+        <p:style>
+          <a:lnRef idx="2">
+            <a:schemeClr val="dk1"/>
+          </a:lnRef>
+          <a:fillRef idx="0">
+            <a:schemeClr val="dk1"/>
+          </a:fillRef>
+          <a:effectRef idx="1">
+            <a:schemeClr val="dk1"/>
+          </a:effectRef>
+          <a:fontRef idx="minor">
+            <a:schemeClr val="tx1"/>
+          </a:fontRef>
+        </p:style>
+      </p:cxnSp>
+      <p:sp>
+        <p:nvSpPr>
+          <p:cNvPr id="46" name="テキスト ボックス 45"/>
+          <p:cNvSpPr txBox="1"/>
+          <p:nvPr/>
+        </p:nvSpPr>
+        <p:spPr>
+          <a:xfrm>
+            <a:off x="5741670" y="2213805"/>
+            <a:ext cx="719090" cy="369332"/>
+          </a:xfrm>
+          <a:prstGeom prst="rect">
+            <a:avLst/>
+          </a:prstGeom>
+          <a:noFill/>
+        </p:spPr>
+        <p:txBody>
+          <a:bodyPr wrap="square" rtlCol="0">
+            <a:spAutoFit/>
+          </a:bodyPr>
+          <a:lstStyle/>
+          <a:p>
+            <a:r>
+              <a:rPr lang="en-US" altLang="ja-JP" dirty="0" smtClean="0"/>
+              <a:t>(4)</a:t>
+            </a:r>
+            <a:endParaRPr lang="en-US" altLang="ja-JP" dirty="0"/>
+          </a:p>
+        </p:txBody>
+      </p:sp>
+      <p:sp>
+        <p:nvSpPr>
+          <p:cNvPr id="76" name="テキスト ボックス 75"/>
+          <p:cNvSpPr txBox="1"/>
+          <p:nvPr/>
+        </p:nvSpPr>
+        <p:spPr>
+          <a:xfrm>
+            <a:off x="6652385" y="2371494"/>
+            <a:ext cx="2227820" cy="369332"/>
+          </a:xfrm>
+          <a:prstGeom prst="rect">
+            <a:avLst/>
+          </a:prstGeom>
+          <a:noFill/>
+        </p:spPr>
+        <p:txBody>
+          <a:bodyPr wrap="square" rtlCol="0">
+            <a:spAutoFit/>
+          </a:bodyPr>
+          <a:lstStyle/>
+          <a:p>
+            <a:r>
+              <a:rPr lang="en-US" altLang="ja-JP" dirty="0" smtClean="0"/>
+              <a:t>(</a:t>
+            </a:r>
+            <a:r>
+              <a:rPr lang="en-US" altLang="ja-JP" i="1" dirty="0" smtClean="0"/>
+              <a:t>/</a:t>
+            </a:r>
+            <a:r>
+              <a:rPr lang="en-US" altLang="ja-JP" i="1" dirty="0" err="1" smtClean="0"/>
+              <a:t>oauth</a:t>
+            </a:r>
+            <a:r>
+              <a:rPr lang="en-US" altLang="ja-JP" i="1" dirty="0" smtClean="0"/>
+              <a:t>/authorize</a:t>
+            </a:r>
+            <a:r>
+              <a:rPr lang="en-US" altLang="ja-JP" dirty="0" smtClean="0"/>
+              <a:t>)</a:t>
+            </a:r>
+            <a:endParaRPr lang="en-US" altLang="ja-JP" dirty="0"/>
+          </a:p>
+        </p:txBody>
+      </p:sp>
+      <p:sp>
+        <p:nvSpPr>
+          <p:cNvPr id="106" name="テキスト ボックス 105"/>
+          <p:cNvSpPr txBox="1"/>
+          <p:nvPr/>
+        </p:nvSpPr>
+        <p:spPr>
+          <a:xfrm>
+            <a:off x="7708697" y="4888924"/>
+            <a:ext cx="719090" cy="369332"/>
+          </a:xfrm>
+          <a:prstGeom prst="rect">
+            <a:avLst/>
+          </a:prstGeom>
+          <a:noFill/>
+        </p:spPr>
+        <p:txBody>
+          <a:bodyPr wrap="square" rtlCol="0">
+            <a:spAutoFit/>
+          </a:bodyPr>
+          <a:lstStyle/>
+          <a:p>
+            <a:r>
+              <a:rPr lang="en-US" altLang="ja-JP" dirty="0" smtClean="0"/>
+              <a:t>(8)</a:t>
+            </a:r>
+            <a:endParaRPr lang="en-US" altLang="ja-JP" dirty="0"/>
+          </a:p>
+        </p:txBody>
+      </p:sp>
+      <p:sp>
+        <p:nvSpPr>
+          <p:cNvPr id="32" name="正方形/長方形 31"/>
           <p:cNvSpPr/>
           <p:nvPr/>
         </p:nvSpPr>
         <p:spPr>
           <a:xfrm>
-            <a:off x="2782476" y="2377822"/>
-            <a:ext cx="2989234" cy="667521"/>
+            <a:off x="2782477" y="2377653"/>
+            <a:ext cx="2989234" cy="667860"/>
           </a:xfrm>
           <a:prstGeom prst="rect">
             <a:avLst/>
@@ -10533,123 +10762,30 @@
         </p:spPr>
         <p:style>
           <a:lnRef idx="1">
-            <a:schemeClr val="accent4"/>
+            <a:schemeClr val="accent6"/>
           </a:lnRef>
           <a:fillRef idx="2">
-            <a:schemeClr val="accent4"/>
+            <a:schemeClr val="accent6"/>
           </a:fillRef>
           <a:effectRef idx="1">
-            <a:schemeClr val="accent4"/>
+            <a:schemeClr val="accent6"/>
           </a:effectRef>
           <a:fontRef idx="minor">
             <a:schemeClr val="dk1"/>
           </a:fontRef>
         </p:style>
         <p:txBody>
-          <a:bodyPr rtlCol="0" anchor="b" anchorCtr="0"/>
+          <a:bodyPr rtlCol="0" anchor="ctr"/>
           <a:lstStyle/>
           <a:p>
             <a:pPr algn="ctr"/>
             <a:r>
-              <a:rPr lang="en-US" altLang="ja-JP" dirty="0" err="1"/>
-              <a:t>AccessConfirmationController</a:t>
-            </a:r>
-            <a:endParaRPr lang="en-US" altLang="ja-JP" i="1" dirty="0"/>
-          </a:p>
-        </p:txBody>
-      </p:sp>
-      <p:cxnSp>
-        <p:nvCxnSpPr>
-          <p:cNvPr id="34" name="カギ線コネクタ 33"/>
-          <p:cNvCxnSpPr>
-            <a:endCxn id="59" idx="0"/>
-          </p:cNvCxnSpPr>
-          <p:nvPr/>
-        </p:nvCxnSpPr>
-        <p:spPr>
-          <a:xfrm rot="5400000">
-            <a:off x="5358767" y="1970166"/>
-            <a:ext cx="595582" cy="2758930"/>
-          </a:xfrm>
-          <a:prstGeom prst="bentConnector3">
-            <a:avLst>
-              <a:gd name="adj1" fmla="val 50000"/>
-            </a:avLst>
-          </a:prstGeom>
-          <a:ln w="38100">
-            <a:tailEnd type="arrow"/>
-          </a:ln>
-        </p:spPr>
-        <p:style>
-          <a:lnRef idx="2">
-            <a:schemeClr val="dk1"/>
-          </a:lnRef>
-          <a:fillRef idx="0">
-            <a:schemeClr val="dk1"/>
-          </a:fillRef>
-          <a:effectRef idx="1">
-            <a:schemeClr val="dk1"/>
-          </a:effectRef>
-          <a:fontRef idx="minor">
-            <a:schemeClr val="tx1"/>
-          </a:fontRef>
-        </p:style>
-      </p:cxnSp>
-      <p:sp>
-        <p:nvSpPr>
-          <p:cNvPr id="46" name="テキスト ボックス 45"/>
-          <p:cNvSpPr txBox="1"/>
-          <p:nvPr/>
-        </p:nvSpPr>
-        <p:spPr>
-          <a:xfrm>
-            <a:off x="5741670" y="2213805"/>
-            <a:ext cx="719090" cy="369332"/>
-          </a:xfrm>
-          <a:prstGeom prst="rect">
-            <a:avLst/>
-          </a:prstGeom>
-          <a:noFill/>
-        </p:spPr>
-        <p:txBody>
-          <a:bodyPr wrap="square" rtlCol="0">
-            <a:spAutoFit/>
-          </a:bodyPr>
-          <a:lstStyle/>
-          <a:p>
-            <a:r>
-              <a:rPr lang="en-US" altLang="ja-JP" dirty="0" smtClean="0"/>
-              <a:t>(4)</a:t>
-            </a:r>
-            <a:endParaRPr lang="en-US" altLang="ja-JP" dirty="0"/>
-          </a:p>
-        </p:txBody>
-      </p:sp>
-      <p:sp>
-        <p:nvSpPr>
-          <p:cNvPr id="76" name="テキスト ボックス 75"/>
-          <p:cNvSpPr txBox="1"/>
-          <p:nvPr/>
-        </p:nvSpPr>
-        <p:spPr>
-          <a:xfrm>
-            <a:off x="6652385" y="2371494"/>
-            <a:ext cx="2227820" cy="369332"/>
-          </a:xfrm>
-          <a:prstGeom prst="rect">
-            <a:avLst/>
-          </a:prstGeom>
-          <a:noFill/>
-        </p:spPr>
-        <p:txBody>
-          <a:bodyPr wrap="square" rtlCol="0">
-            <a:spAutoFit/>
-          </a:bodyPr>
-          <a:lstStyle/>
-          <a:p>
-            <a:r>
-              <a:rPr lang="en-US" altLang="ja-JP" dirty="0" smtClean="0"/>
-              <a:t>(</a:t>
+              <a:rPr lang="en-US" altLang="ja-JP" i="1" dirty="0" smtClean="0"/>
+              <a:t>(/</a:t>
+            </a:r>
+            <a:r>
+              <a:rPr lang="en-US" altLang="ja-JP" i="1" dirty="0" err="1" smtClean="0"/>
+              <a:t>oauth</a:t>
             </a:r>
             <a:r>
               <a:rPr lang="en-US" altLang="ja-JP" i="1" dirty="0" smtClean="0"/>
@@ -10657,97 +10793,20 @@
             </a:r>
             <a:r>
               <a:rPr lang="en-US" altLang="ja-JP" i="1" dirty="0" err="1" smtClean="0"/>
-              <a:t>oauth</a:t>
+              <a:t>confirm_access</a:t>
             </a:r>
             <a:r>
               <a:rPr lang="en-US" altLang="ja-JP" i="1" dirty="0" smtClean="0"/>
-              <a:t>/authorize</a:t>
-            </a:r>
+              <a:t>)</a:t>
+            </a:r>
+          </a:p>
+          <a:p>
+            <a:pPr algn="ctr"/>
             <a:r>
               <a:rPr lang="en-US" altLang="ja-JP" dirty="0" smtClean="0"/>
-              <a:t>)</a:t>
-            </a:r>
-            <a:endParaRPr lang="en-US" altLang="ja-JP" dirty="0"/>
-          </a:p>
-        </p:txBody>
-      </p:sp>
-      <p:sp>
-        <p:nvSpPr>
-          <p:cNvPr id="77" name="テキスト ボックス 76"/>
-          <p:cNvSpPr txBox="1"/>
-          <p:nvPr/>
-        </p:nvSpPr>
-        <p:spPr>
-          <a:xfrm>
-            <a:off x="3055638" y="2362043"/>
-            <a:ext cx="2576146" cy="369332"/>
-          </a:xfrm>
-          <a:prstGeom prst="rect">
-            <a:avLst/>
-          </a:prstGeom>
-          <a:noFill/>
-        </p:spPr>
-        <p:txBody>
-          <a:bodyPr wrap="square" rtlCol="0">
-            <a:spAutoFit/>
-          </a:bodyPr>
-          <a:lstStyle/>
-          <a:p>
-            <a:r>
-              <a:rPr lang="en-US" altLang="ja-JP" dirty="0" smtClean="0"/>
-              <a:t>(</a:t>
-            </a:r>
-            <a:r>
-              <a:rPr lang="en-US" altLang="ja-JP" i="1" dirty="0" smtClean="0"/>
-              <a:t>/</a:t>
-            </a:r>
-            <a:r>
-              <a:rPr lang="en-US" altLang="ja-JP" i="1" dirty="0" err="1" smtClean="0"/>
-              <a:t>oauth</a:t>
-            </a:r>
-            <a:r>
-              <a:rPr lang="en-US" altLang="ja-JP" i="1" dirty="0" smtClean="0"/>
-              <a:t>/</a:t>
-            </a:r>
-            <a:r>
-              <a:rPr lang="en-US" altLang="ja-JP" i="1" dirty="0" err="1" smtClean="0"/>
-              <a:t>confirm_access</a:t>
-            </a:r>
-            <a:r>
-              <a:rPr lang="en-US" altLang="ja-JP" dirty="0" smtClean="0"/>
-              <a:t>)</a:t>
-            </a:r>
-            <a:endParaRPr lang="en-US" altLang="ja-JP" dirty="0"/>
-          </a:p>
-        </p:txBody>
-      </p:sp>
-      <p:sp>
-        <p:nvSpPr>
-          <p:cNvPr id="106" name="テキスト ボックス 105"/>
-          <p:cNvSpPr txBox="1"/>
-          <p:nvPr/>
-        </p:nvSpPr>
-        <p:spPr>
-          <a:xfrm>
-            <a:off x="7708697" y="4888924"/>
-            <a:ext cx="719090" cy="369332"/>
-          </a:xfrm>
-          <a:prstGeom prst="rect">
-            <a:avLst/>
-          </a:prstGeom>
-          <a:noFill/>
-        </p:spPr>
-        <p:txBody>
-          <a:bodyPr wrap="square" rtlCol="0">
-            <a:spAutoFit/>
-          </a:bodyPr>
-          <a:lstStyle/>
-          <a:p>
-            <a:r>
-              <a:rPr lang="en-US" altLang="ja-JP" dirty="0" smtClean="0"/>
-              <a:t>(8)</a:t>
-            </a:r>
-            <a:endParaRPr lang="en-US" altLang="ja-JP" dirty="0"/>
+              <a:t>Controller</a:t>
+            </a:r>
+            <a:endParaRPr lang="ja-JP" altLang="en-US" dirty="0"/>
           </a:p>
         </p:txBody>
       </p:sp>
@@ -10783,28 +10842,31 @@
       </p:grpSpPr>
       <p:sp>
         <p:nvSpPr>
-          <p:cNvPr id="8" name="角丸四角形 7"/>
+          <p:cNvPr id="20" name="角丸四角形 19"/>
           <p:cNvSpPr/>
           <p:nvPr/>
         </p:nvSpPr>
         <p:spPr>
           <a:xfrm>
-            <a:off x="1460500" y="812237"/>
-            <a:ext cx="9272718" cy="4597964"/>
+            <a:off x="7859793" y="951333"/>
+            <a:ext cx="3939976" cy="4801767"/>
           </a:xfrm>
           <a:prstGeom prst="roundRect">
-            <a:avLst/>
-          </a:prstGeom>
+            <a:avLst>
+              <a:gd name="adj" fmla="val 5614"/>
+            </a:avLst>
+          </a:prstGeom>
+          <a:ln/>
         </p:spPr>
         <p:style>
           <a:lnRef idx="1">
-            <a:schemeClr val="accent2"/>
+            <a:schemeClr val="accent5"/>
           </a:lnRef>
           <a:fillRef idx="3">
-            <a:schemeClr val="accent2"/>
+            <a:schemeClr val="accent5"/>
           </a:fillRef>
           <a:effectRef idx="2">
-            <a:schemeClr val="accent2"/>
+            <a:schemeClr val="accent5"/>
           </a:effectRef>
           <a:fontRef idx="minor">
             <a:schemeClr val="lt1"/>
@@ -10827,8 +10889,8 @@
         </p:nvSpPr>
         <p:spPr>
           <a:xfrm>
-            <a:off x="8162671" y="5021336"/>
-            <a:ext cx="2200826" cy="369332"/>
+            <a:off x="10903514" y="5282221"/>
+            <a:ext cx="1009119" cy="369332"/>
           </a:xfrm>
           <a:prstGeom prst="rect">
             <a:avLst/>
@@ -10841,21 +10903,13 @@
           </a:bodyPr>
           <a:lstStyle/>
           <a:p>
-            <a:r>
-              <a:rPr lang="en-US" altLang="ja-JP" dirty="0">
-                <a:solidFill>
-                  <a:schemeClr val="bg1"/>
-                </a:solidFill>
-              </a:rPr>
-              <a:t>Authorization </a:t>
-            </a:r>
             <a:r>
               <a:rPr lang="en-US" altLang="ja-JP" dirty="0" smtClean="0">
                 <a:solidFill>
                   <a:schemeClr val="bg1"/>
                 </a:solidFill>
               </a:rPr>
-              <a:t>server</a:t>
+              <a:t>Client</a:t>
             </a:r>
             <a:endParaRPr lang="en-US" altLang="ja-JP" dirty="0">
               <a:solidFill>
@@ -10867,57 +10921,14 @@
       </p:sp>
       <p:sp>
         <p:nvSpPr>
-          <p:cNvPr id="7" name="角丸四角形 6"/>
+          <p:cNvPr id="51" name="正方形/長方形 50"/>
           <p:cNvSpPr/>
           <p:nvPr/>
         </p:nvSpPr>
         <p:spPr>
           <a:xfrm>
-            <a:off x="3367673" y="113517"/>
-            <a:ext cx="1835555" cy="514620"/>
-          </a:xfrm>
-          <a:prstGeom prst="roundRect">
-            <a:avLst/>
-          </a:prstGeom>
-          <a:ln/>
-        </p:spPr>
-        <p:style>
-          <a:lnRef idx="1">
-            <a:schemeClr val="accent5"/>
-          </a:lnRef>
-          <a:fillRef idx="3">
-            <a:schemeClr val="accent5"/>
-          </a:fillRef>
-          <a:effectRef idx="2">
-            <a:schemeClr val="accent5"/>
-          </a:effectRef>
-          <a:fontRef idx="minor">
-            <a:schemeClr val="lt1"/>
-          </a:fontRef>
-        </p:style>
-        <p:txBody>
-          <a:bodyPr rtlCol="0" anchor="ctr"/>
-          <a:lstStyle/>
-          <a:p>
-            <a:pPr algn="ctr"/>
-            <a:r>
-              <a:rPr lang="en-US" altLang="ja-JP" sz="1600" dirty="0" smtClean="0"/>
-              <a:t>Client</a:t>
-            </a:r>
-            <a:endParaRPr lang="en-US" altLang="ja-JP" sz="1600" dirty="0"/>
-          </a:p>
-        </p:txBody>
-      </p:sp>
-      <p:sp>
-        <p:nvSpPr>
-          <p:cNvPr id="59" name="正方形/長方形 58"/>
-          <p:cNvSpPr/>
-          <p:nvPr/>
-        </p:nvSpPr>
-        <p:spPr>
-          <a:xfrm>
-            <a:off x="6513460" y="1648992"/>
-            <a:ext cx="2989234" cy="499064"/>
+            <a:off x="8466977" y="3316610"/>
+            <a:ext cx="2791430" cy="374124"/>
           </a:xfrm>
           <a:prstGeom prst="rect">
             <a:avLst/>
@@ -10950,30 +10961,22 @@
           <a:p>
             <a:pPr algn="ctr"/>
             <a:r>
-              <a:rPr lang="en-US" altLang="ja-JP" dirty="0" smtClean="0"/>
-              <a:t>&lt;interface&gt;</a:t>
-            </a:r>
-          </a:p>
-          <a:p>
-            <a:pPr algn="ctr"/>
-            <a:r>
-              <a:rPr lang="en-US" altLang="ja-JP" i="1" dirty="0" err="1" smtClean="0"/>
-              <a:t>ClientDetailsService</a:t>
-            </a:r>
-            <a:endParaRPr lang="en-US" altLang="ja-JP" i="1" dirty="0"/>
-          </a:p>
-        </p:txBody>
-      </p:sp>
-      <p:sp>
-        <p:nvSpPr>
-          <p:cNvPr id="62" name="正方形/長方形 61"/>
+              <a:rPr lang="en-US" altLang="ja-JP" dirty="0"/>
+              <a:t>OAuth2RestTemplate</a:t>
+            </a:r>
+          </a:p>
+        </p:txBody>
+      </p:sp>
+      <p:sp>
+        <p:nvSpPr>
+          <p:cNvPr id="14" name="正方形/長方形 13"/>
           <p:cNvSpPr/>
           <p:nvPr/>
         </p:nvSpPr>
         <p:spPr>
           <a:xfrm>
-            <a:off x="6513460" y="3477799"/>
-            <a:ext cx="2989234" cy="499064"/>
+            <a:off x="8049689" y="1185278"/>
+            <a:ext cx="3628239" cy="733323"/>
           </a:xfrm>
           <a:prstGeom prst="rect">
             <a:avLst/>
@@ -10988,13 +10991,13 @@
         </p:spPr>
         <p:style>
           <a:lnRef idx="1">
-            <a:schemeClr val="accent4"/>
+            <a:schemeClr val="accent2"/>
           </a:lnRef>
           <a:fillRef idx="2">
-            <a:schemeClr val="accent4"/>
+            <a:schemeClr val="accent2"/>
           </a:fillRef>
           <a:effectRef idx="1">
-            <a:schemeClr val="accent4"/>
+            <a:schemeClr val="accent2"/>
           </a:effectRef>
           <a:fontRef idx="minor">
             <a:schemeClr val="dk1"/>
@@ -11005,24 +11008,20 @@
           <a:lstStyle/>
           <a:p>
             <a:pPr algn="ctr"/>
-            <a:r>
-              <a:rPr lang="en-US" altLang="ja-JP" dirty="0" err="1"/>
-              <a:t>DefaultTokenServices</a:t>
-            </a:r>
-            <a:endParaRPr lang="en-US" altLang="ja-JP" dirty="0"/>
-          </a:p>
-        </p:txBody>
-      </p:sp>
-      <p:sp>
-        <p:nvSpPr>
-          <p:cNvPr id="63" name="正方形/長方形 62"/>
+            <a:endParaRPr lang="ja-JP" altLang="en-US"/>
+          </a:p>
+        </p:txBody>
+      </p:sp>
+      <p:sp>
+        <p:nvSpPr>
+          <p:cNvPr id="15" name="正方形/長方形 14"/>
           <p:cNvSpPr/>
           <p:nvPr/>
         </p:nvSpPr>
         <p:spPr>
           <a:xfrm>
-            <a:off x="2790835" y="1647341"/>
-            <a:ext cx="2989232" cy="499064"/>
+            <a:off x="8205488" y="1329608"/>
+            <a:ext cx="3316642" cy="446014"/>
           </a:xfrm>
           <a:prstGeom prst="rect">
             <a:avLst/>
@@ -11055,23 +11054,64 @@
           <a:p>
             <a:pPr algn="ctr"/>
             <a:r>
-              <a:rPr lang="en-US" altLang="ja-JP" dirty="0" err="1"/>
-              <a:t>TokenEndpoint</a:t>
-            </a:r>
-            <a:endParaRPr lang="en-US" altLang="ja-JP" dirty="0"/>
-          </a:p>
-        </p:txBody>
-      </p:sp>
-      <p:sp>
-        <p:nvSpPr>
-          <p:cNvPr id="65" name="正方形/長方形 64"/>
+              <a:rPr lang="en-US" altLang="ja-JP" dirty="0"/>
+              <a:t>OAuth2ClientContextFilter</a:t>
+            </a:r>
+            <a:endParaRPr lang="ja-JP" altLang="en-US" dirty="0"/>
+          </a:p>
+        </p:txBody>
+      </p:sp>
+      <p:sp>
+        <p:nvSpPr>
+          <p:cNvPr id="16" name="角丸四角形 15"/>
           <p:cNvSpPr/>
           <p:nvPr/>
         </p:nvSpPr>
         <p:spPr>
           <a:xfrm>
-            <a:off x="2790835" y="2562570"/>
-            <a:ext cx="2989232" cy="499064"/>
+            <a:off x="3447460" y="1202282"/>
+            <a:ext cx="3237255" cy="699313"/>
+          </a:xfrm>
+          <a:prstGeom prst="roundRect">
+            <a:avLst/>
+          </a:prstGeom>
+        </p:spPr>
+        <p:style>
+          <a:lnRef idx="1">
+            <a:schemeClr val="accent6"/>
+          </a:lnRef>
+          <a:fillRef idx="3">
+            <a:schemeClr val="accent6"/>
+          </a:fillRef>
+          <a:effectRef idx="2">
+            <a:schemeClr val="accent6"/>
+          </a:effectRef>
+          <a:fontRef idx="minor">
+            <a:schemeClr val="lt1"/>
+          </a:fontRef>
+        </p:style>
+        <p:txBody>
+          <a:bodyPr rtlCol="0" anchor="ctr"/>
+          <a:lstStyle/>
+          <a:p>
+            <a:pPr algn="ctr"/>
+            <a:r>
+              <a:rPr lang="en-US" altLang="ja-JP" sz="1600" dirty="0"/>
+              <a:t>User agent</a:t>
+            </a:r>
+          </a:p>
+        </p:txBody>
+      </p:sp>
+      <p:sp>
+        <p:nvSpPr>
+          <p:cNvPr id="32" name="正方形/長方形 31"/>
+          <p:cNvSpPr/>
+          <p:nvPr/>
+        </p:nvSpPr>
+        <p:spPr>
+          <a:xfrm>
+            <a:off x="8465354" y="4081835"/>
+            <a:ext cx="2792914" cy="497128"/>
           </a:xfrm>
           <a:prstGeom prst="rect">
             <a:avLst/>
@@ -11104,15 +11144,19 @@
           <a:p>
             <a:pPr algn="ctr"/>
             <a:r>
+              <a:rPr lang="en-US" altLang="ja-JP" dirty="0"/>
+              <a:t>&lt;interface</a:t>
+            </a:r>
+            <a:r>
               <a:rPr lang="en-US" altLang="ja-JP" dirty="0" smtClean="0"/>
-              <a:t>&lt;interface&gt;</a:t>
+              <a:t>&gt;</a:t>
             </a:r>
           </a:p>
           <a:p>
             <a:pPr algn="ctr"/>
             <a:r>
               <a:rPr lang="en-US" altLang="ja-JP" i="1" dirty="0" err="1" smtClean="0"/>
-              <a:t>TokenGranter</a:t>
+              <a:t>AccessTokenProvider</a:t>
             </a:r>
             <a:endParaRPr lang="en-US" altLang="ja-JP" i="1" dirty="0"/>
           </a:p>
@@ -11120,14 +11164,14 @@
       </p:sp>
       <p:sp>
         <p:nvSpPr>
-          <p:cNvPr id="70" name="正方形/長方形 69"/>
+          <p:cNvPr id="54" name="正方形/長方形 53"/>
           <p:cNvSpPr/>
           <p:nvPr/>
         </p:nvSpPr>
         <p:spPr>
           <a:xfrm>
-            <a:off x="6245642" y="2562570"/>
-            <a:ext cx="3524872" cy="499064"/>
+            <a:off x="8560141" y="2644333"/>
+            <a:ext cx="2607336" cy="414929"/>
           </a:xfrm>
           <a:prstGeom prst="rect">
             <a:avLst/>
@@ -11142,13 +11186,13 @@
         </p:spPr>
         <p:style>
           <a:lnRef idx="1">
-            <a:schemeClr val="accent4"/>
+            <a:schemeClr val="accent6"/>
           </a:lnRef>
           <a:fillRef idx="2">
-            <a:schemeClr val="accent4"/>
+            <a:schemeClr val="accent6"/>
           </a:fillRef>
           <a:effectRef idx="1">
-            <a:schemeClr val="accent4"/>
+            <a:schemeClr val="accent6"/>
           </a:effectRef>
           <a:fontRef idx="minor">
             <a:schemeClr val="dk1"/>
@@ -11160,66 +11204,61 @@
           <a:p>
             <a:pPr algn="ctr"/>
             <a:r>
-              <a:rPr lang="en-US" altLang="ja-JP" dirty="0" smtClean="0"/>
-              <a:t>&lt;interface&gt;</a:t>
-            </a:r>
-          </a:p>
-          <a:p>
-            <a:pPr algn="ctr"/>
-            <a:r>
-              <a:rPr lang="en-US" altLang="ja-JP" i="1" dirty="0" err="1" smtClean="0"/>
-              <a:t>AuthorizationServerTokenServices</a:t>
-            </a:r>
-            <a:endParaRPr lang="en-US" altLang="ja-JP" i="1" dirty="0"/>
-          </a:p>
-        </p:txBody>
-      </p:sp>
-      <p:cxnSp>
-        <p:nvCxnSpPr>
-          <p:cNvPr id="106" name="直線矢印コネクタ 105"/>
-          <p:cNvCxnSpPr>
-            <a:stCxn id="63" idx="2"/>
-            <a:endCxn id="65" idx="0"/>
-          </p:cNvCxnSpPr>
-          <p:nvPr/>
-        </p:nvCxnSpPr>
-        <p:spPr>
-          <a:xfrm>
-            <a:off x="4285451" y="2146405"/>
-            <a:ext cx="0" cy="416165"/>
-          </a:xfrm>
-          <a:prstGeom prst="straightConnector1">
-            <a:avLst/>
-          </a:prstGeom>
-          <a:ln w="38100">
-            <a:tailEnd type="arrow"/>
-          </a:ln>
-        </p:spPr>
-        <p:style>
-          <a:lnRef idx="2">
-            <a:schemeClr val="dk1"/>
-          </a:lnRef>
-          <a:fillRef idx="0">
-            <a:schemeClr val="dk1"/>
-          </a:fillRef>
-          <a:effectRef idx="1">
-            <a:schemeClr val="dk1"/>
-          </a:effectRef>
-          <a:fontRef idx="minor">
-            <a:schemeClr val="tx1"/>
-          </a:fontRef>
-        </p:style>
-      </p:cxnSp>
-      <p:sp>
-        <p:nvSpPr>
-          <p:cNvPr id="71" name="正方形/長方形 70"/>
+              <a:rPr lang="en-US" altLang="ja-JP" dirty="0"/>
+              <a:t>Service</a:t>
+            </a:r>
+            <a:endParaRPr lang="ja-JP" altLang="en-US" dirty="0"/>
+          </a:p>
+        </p:txBody>
+      </p:sp>
+      <p:sp>
+        <p:nvSpPr>
+          <p:cNvPr id="318" name="テキスト ボックス 317"/>
+          <p:cNvSpPr txBox="1"/>
+          <p:nvPr/>
+        </p:nvSpPr>
+        <p:spPr>
+          <a:xfrm>
+            <a:off x="9240624" y="3687331"/>
+            <a:ext cx="719090" cy="369332"/>
+          </a:xfrm>
+          <a:prstGeom prst="rect">
+            <a:avLst/>
+          </a:prstGeom>
+          <a:noFill/>
+        </p:spPr>
+        <p:txBody>
+          <a:bodyPr wrap="square" rtlCol="0">
+            <a:spAutoFit/>
+          </a:bodyPr>
+          <a:lstStyle/>
+          <a:p>
+            <a:r>
+              <a:rPr lang="en-US" altLang="ja-JP" dirty="0" smtClean="0">
+                <a:solidFill>
+                  <a:schemeClr val="bg1"/>
+                </a:solidFill>
+              </a:rPr>
+              <a:t>B-2</a:t>
+            </a:r>
+            <a:endParaRPr lang="en-US" altLang="ja-JP" dirty="0">
+              <a:solidFill>
+                <a:schemeClr val="bg1"/>
+              </a:solidFill>
+            </a:endParaRPr>
+          </a:p>
+        </p:txBody>
+      </p:sp>
+      <p:sp>
+        <p:nvSpPr>
+          <p:cNvPr id="44" name="正方形/長方形 43"/>
           <p:cNvSpPr/>
           <p:nvPr/>
         </p:nvSpPr>
         <p:spPr>
           <a:xfrm>
-            <a:off x="2790835" y="3477799"/>
-            <a:ext cx="2989232" cy="499064"/>
+            <a:off x="8560141" y="2023990"/>
+            <a:ext cx="2607336" cy="414929"/>
           </a:xfrm>
           <a:prstGeom prst="rect">
             <a:avLst/>
@@ -11234,13 +11273,13 @@
         </p:spPr>
         <p:style>
           <a:lnRef idx="1">
-            <a:schemeClr val="accent4"/>
+            <a:schemeClr val="accent6"/>
           </a:lnRef>
           <a:fillRef idx="2">
-            <a:schemeClr val="accent4"/>
+            <a:schemeClr val="accent6"/>
           </a:fillRef>
           <a:effectRef idx="1">
-            <a:schemeClr val="accent4"/>
+            <a:schemeClr val="accent6"/>
           </a:effectRef>
           <a:fontRef idx="minor">
             <a:schemeClr val="dk1"/>
@@ -11252,63 +11291,91 @@
           <a:p>
             <a:pPr algn="ctr"/>
             <a:r>
-              <a:rPr lang="en-US" altLang="ja-JP"/>
-              <a:t>AbstractTokenGranter</a:t>
+              <a:rPr lang="en-US" altLang="ja-JP" dirty="0" smtClean="0"/>
+              <a:t>Controller</a:t>
+            </a:r>
+            <a:endParaRPr lang="ja-JP" altLang="en-US" dirty="0"/>
+          </a:p>
+        </p:txBody>
+      </p:sp>
+      <p:sp>
+        <p:nvSpPr>
+          <p:cNvPr id="64" name="テキスト ボックス 63"/>
+          <p:cNvSpPr txBox="1"/>
+          <p:nvPr/>
+        </p:nvSpPr>
+        <p:spPr>
+          <a:xfrm>
+            <a:off x="7143183" y="1081692"/>
+            <a:ext cx="681213" cy="369332"/>
+          </a:xfrm>
+          <a:prstGeom prst="rect">
+            <a:avLst/>
+          </a:prstGeom>
+          <a:noFill/>
+        </p:spPr>
+        <p:txBody>
+          <a:bodyPr wrap="square" rtlCol="0">
+            <a:spAutoFit/>
+          </a:bodyPr>
+          <a:lstStyle/>
+          <a:p>
+            <a:r>
+              <a:rPr lang="en-US" altLang="ja-JP" dirty="0" smtClean="0"/>
+              <a:t>B-1</a:t>
             </a:r>
             <a:endParaRPr lang="en-US" altLang="ja-JP" dirty="0"/>
           </a:p>
         </p:txBody>
       </p:sp>
-      <p:cxnSp>
-        <p:nvCxnSpPr>
-          <p:cNvPr id="86" name="カギ線コネクタ 85"/>
-          <p:cNvCxnSpPr>
-            <a:stCxn id="71" idx="2"/>
-            <a:endCxn id="70" idx="0"/>
-          </p:cNvCxnSpPr>
-          <p:nvPr/>
-        </p:nvCxnSpPr>
-        <p:spPr>
-          <a:xfrm rot="5400000" flipH="1" flipV="1">
-            <a:off x="5439617" y="1408403"/>
-            <a:ext cx="1414293" cy="3722627"/>
-          </a:xfrm>
-          <a:prstGeom prst="bentConnector5">
-            <a:avLst>
-              <a:gd name="adj1" fmla="val -16164"/>
-              <a:gd name="adj2" fmla="val 46403"/>
-              <a:gd name="adj3" fmla="val 116164"/>
-            </a:avLst>
-          </a:prstGeom>
-          <a:ln w="38100">
-            <a:tailEnd type="arrow"/>
-          </a:ln>
-        </p:spPr>
-        <p:style>
-          <a:lnRef idx="2">
-            <a:schemeClr val="dk1"/>
-          </a:lnRef>
-          <a:fillRef idx="0">
-            <a:schemeClr val="dk1"/>
-          </a:fillRef>
-          <a:effectRef idx="1">
-            <a:schemeClr val="dk1"/>
-          </a:effectRef>
-          <a:fontRef idx="minor">
-            <a:schemeClr val="tx1"/>
-          </a:fontRef>
-        </p:style>
-      </p:cxnSp>
-      <p:sp>
-        <p:nvSpPr>
-          <p:cNvPr id="92" name="正方形/長方形 91"/>
+      <p:sp>
+        <p:nvSpPr>
+          <p:cNvPr id="84" name="テキスト ボックス 83"/>
+          <p:cNvSpPr txBox="1"/>
+          <p:nvPr/>
+        </p:nvSpPr>
+        <p:spPr>
+          <a:xfrm>
+            <a:off x="10372187" y="3700587"/>
+            <a:ext cx="719090" cy="369332"/>
+          </a:xfrm>
+          <a:prstGeom prst="rect">
+            <a:avLst/>
+          </a:prstGeom>
+          <a:noFill/>
+        </p:spPr>
+        <p:txBody>
+          <a:bodyPr wrap="square" rtlCol="0">
+            <a:spAutoFit/>
+          </a:bodyPr>
+          <a:lstStyle/>
+          <a:p>
+            <a:r>
+              <a:rPr lang="en-US" altLang="ja-JP" dirty="0" smtClean="0">
+                <a:solidFill>
+                  <a:schemeClr val="bg1"/>
+                </a:solidFill>
+              </a:rPr>
+              <a:t>B-3</a:t>
+            </a:r>
+            <a:endParaRPr lang="en-US" altLang="ja-JP" dirty="0">
+              <a:solidFill>
+                <a:schemeClr val="bg1"/>
+              </a:solidFill>
+            </a:endParaRPr>
+          </a:p>
+        </p:txBody>
+      </p:sp>
+      <p:sp>
+        <p:nvSpPr>
+          <p:cNvPr id="87" name="正方形/長方形 86"/>
           <p:cNvSpPr/>
           <p:nvPr/>
         </p:nvSpPr>
         <p:spPr>
           <a:xfrm>
-            <a:off x="6513462" y="4391377"/>
-            <a:ext cx="2989232" cy="499064"/>
+            <a:off x="8465215" y="4903036"/>
+            <a:ext cx="2791430" cy="351247"/>
           </a:xfrm>
           <a:prstGeom prst="rect">
             <a:avLst/>
@@ -11341,15 +11408,8 @@
           <a:p>
             <a:pPr algn="ctr"/>
             <a:r>
-              <a:rPr lang="en-US" altLang="ja-JP" dirty="0" smtClean="0"/>
-              <a:t>&lt;interface&gt;</a:t>
-            </a:r>
-          </a:p>
-          <a:p>
-            <a:pPr algn="ctr"/>
-            <a:r>
-              <a:rPr lang="en-US" altLang="ja-JP" dirty="0" err="1" smtClean="0"/>
-              <a:t>TokenStore</a:t>
+              <a:rPr lang="en-US" altLang="ja-JP" dirty="0" err="1"/>
+              <a:t>AccessTokenProviderChain</a:t>
             </a:r>
             <a:endParaRPr lang="en-US" altLang="ja-JP" dirty="0"/>
           </a:p>
@@ -11357,17 +11417,17 @@
       </p:sp>
       <p:cxnSp>
         <p:nvCxnSpPr>
-          <p:cNvPr id="113" name="直線矢印コネクタ 112"/>
+          <p:cNvPr id="88" name="直線矢印コネクタ 87"/>
           <p:cNvCxnSpPr>
-            <a:stCxn id="62" idx="0"/>
-            <a:endCxn id="70" idx="2"/>
+            <a:stCxn id="87" idx="0"/>
+            <a:endCxn id="32" idx="2"/>
           </p:cNvCxnSpPr>
           <p:nvPr/>
         </p:nvCxnSpPr>
         <p:spPr>
           <a:xfrm flipV="1">
-            <a:off x="8008077" y="3061634"/>
-            <a:ext cx="1" cy="416165"/>
+            <a:off x="9860930" y="4578963"/>
+            <a:ext cx="881" cy="324073"/>
           </a:xfrm>
           <a:prstGeom prst="straightConnector1">
             <a:avLst/>
@@ -11394,17 +11454,17 @@
       </p:cxnSp>
       <p:cxnSp>
         <p:nvCxnSpPr>
-          <p:cNvPr id="122" name="直線矢印コネクタ 121"/>
+          <p:cNvPr id="220" name="直線矢印コネクタ 219"/>
           <p:cNvCxnSpPr>
-            <a:stCxn id="62" idx="2"/>
-            <a:endCxn id="92" idx="0"/>
+            <a:stCxn id="40" idx="2"/>
+            <a:endCxn id="41" idx="0"/>
           </p:cNvCxnSpPr>
           <p:nvPr/>
         </p:nvCxnSpPr>
         <p:spPr>
           <a:xfrm>
-            <a:off x="8008077" y="3976863"/>
-            <a:ext cx="1" cy="414514"/>
+            <a:off x="9220373" y="1783849"/>
+            <a:ext cx="1914" cy="3112545"/>
           </a:xfrm>
           <a:prstGeom prst="straightConnector1">
             <a:avLst/>
@@ -11428,56 +11488,239 @@
           </a:fontRef>
         </p:style>
       </p:cxnSp>
+      <p:sp>
+        <p:nvSpPr>
+          <p:cNvPr id="31" name="正方形/長方形 30"/>
+          <p:cNvSpPr/>
+          <p:nvPr/>
+        </p:nvSpPr>
+        <p:spPr>
+          <a:xfrm>
+            <a:off x="8209101" y="1367089"/>
+            <a:ext cx="153909" cy="153910"/>
+          </a:xfrm>
+          <a:prstGeom prst="rect">
+            <a:avLst/>
+          </a:prstGeom>
+          <a:noFill/>
+          <a:ln>
+            <a:noFill/>
+          </a:ln>
+        </p:spPr>
+        <p:style>
+          <a:lnRef idx="2">
+            <a:schemeClr val="accent1">
+              <a:shade val="50000"/>
+            </a:schemeClr>
+          </a:lnRef>
+          <a:fillRef idx="1">
+            <a:schemeClr val="accent1"/>
+          </a:fillRef>
+          <a:effectRef idx="0">
+            <a:schemeClr val="accent1"/>
+          </a:effectRef>
+          <a:fontRef idx="minor">
+            <a:schemeClr val="lt1"/>
+          </a:fontRef>
+        </p:style>
+        <p:txBody>
+          <a:bodyPr rtlCol="0" anchor="ctr"/>
+          <a:lstStyle/>
+          <a:p>
+            <a:pPr algn="ctr"/>
+            <a:endParaRPr kumimoji="1" lang="ja-JP" altLang="en-US"/>
+          </a:p>
+        </p:txBody>
+      </p:sp>
+      <p:sp>
+        <p:nvSpPr>
+          <p:cNvPr id="33" name="正方形/長方形 32"/>
+          <p:cNvSpPr/>
+          <p:nvPr/>
+        </p:nvSpPr>
+        <p:spPr>
+          <a:xfrm>
+            <a:off x="8226163" y="1580407"/>
+            <a:ext cx="153909" cy="153910"/>
+          </a:xfrm>
+          <a:prstGeom prst="rect">
+            <a:avLst/>
+          </a:prstGeom>
+          <a:noFill/>
+          <a:ln>
+            <a:noFill/>
+          </a:ln>
+        </p:spPr>
+        <p:style>
+          <a:lnRef idx="2">
+            <a:schemeClr val="accent1">
+              <a:shade val="50000"/>
+            </a:schemeClr>
+          </a:lnRef>
+          <a:fillRef idx="1">
+            <a:schemeClr val="accent1"/>
+          </a:fillRef>
+          <a:effectRef idx="0">
+            <a:schemeClr val="accent1"/>
+          </a:effectRef>
+          <a:fontRef idx="minor">
+            <a:schemeClr val="lt1"/>
+          </a:fontRef>
+        </p:style>
+        <p:txBody>
+          <a:bodyPr rtlCol="0" anchor="ctr"/>
+          <a:lstStyle/>
+          <a:p>
+            <a:pPr algn="ctr"/>
+            <a:endParaRPr kumimoji="1" lang="ja-JP" altLang="en-US"/>
+          </a:p>
+        </p:txBody>
+      </p:sp>
+      <p:sp>
+        <p:nvSpPr>
+          <p:cNvPr id="41" name="正方形/長方形 40"/>
+          <p:cNvSpPr/>
+          <p:nvPr/>
+        </p:nvSpPr>
+        <p:spPr>
+          <a:xfrm>
+            <a:off x="9145332" y="4896394"/>
+            <a:ext cx="153909" cy="153910"/>
+          </a:xfrm>
+          <a:prstGeom prst="rect">
+            <a:avLst/>
+          </a:prstGeom>
+          <a:noFill/>
+          <a:ln>
+            <a:noFill/>
+          </a:ln>
+        </p:spPr>
+        <p:style>
+          <a:lnRef idx="2">
+            <a:schemeClr val="accent1">
+              <a:shade val="50000"/>
+            </a:schemeClr>
+          </a:lnRef>
+          <a:fillRef idx="1">
+            <a:schemeClr val="accent1"/>
+          </a:fillRef>
+          <a:effectRef idx="0">
+            <a:schemeClr val="accent1"/>
+          </a:effectRef>
+          <a:fontRef idx="minor">
+            <a:schemeClr val="lt1"/>
+          </a:fontRef>
+        </p:style>
+        <p:txBody>
+          <a:bodyPr rtlCol="0" anchor="ctr"/>
+          <a:lstStyle/>
+          <a:p>
+            <a:pPr algn="ctr"/>
+            <a:endParaRPr kumimoji="1" lang="ja-JP" altLang="en-US"/>
+          </a:p>
+        </p:txBody>
+      </p:sp>
+      <p:sp>
+        <p:nvSpPr>
+          <p:cNvPr id="42" name="正方形/長方形 41"/>
+          <p:cNvSpPr/>
+          <p:nvPr/>
+        </p:nvSpPr>
+        <p:spPr>
+          <a:xfrm>
+            <a:off x="10254896" y="4905810"/>
+            <a:ext cx="153909" cy="153910"/>
+          </a:xfrm>
+          <a:prstGeom prst="rect">
+            <a:avLst/>
+          </a:prstGeom>
+          <a:noFill/>
+          <a:ln>
+            <a:noFill/>
+          </a:ln>
+        </p:spPr>
+        <p:style>
+          <a:lnRef idx="2">
+            <a:schemeClr val="accent1">
+              <a:shade val="50000"/>
+            </a:schemeClr>
+          </a:lnRef>
+          <a:fillRef idx="1">
+            <a:schemeClr val="accent1"/>
+          </a:fillRef>
+          <a:effectRef idx="0">
+            <a:schemeClr val="accent1"/>
+          </a:effectRef>
+          <a:fontRef idx="minor">
+            <a:schemeClr val="lt1"/>
+          </a:fontRef>
+        </p:style>
+        <p:txBody>
+          <a:bodyPr rtlCol="0" anchor="ctr"/>
+          <a:lstStyle/>
+          <a:p>
+            <a:pPr algn="ctr"/>
+            <a:endParaRPr kumimoji="1" lang="ja-JP" altLang="en-US"/>
+          </a:p>
+        </p:txBody>
+      </p:sp>
+      <p:sp>
+        <p:nvSpPr>
+          <p:cNvPr id="43" name="正方形/長方形 42"/>
+          <p:cNvSpPr/>
+          <p:nvPr/>
+        </p:nvSpPr>
+        <p:spPr>
+          <a:xfrm>
+            <a:off x="10255406" y="2285230"/>
+            <a:ext cx="153909" cy="153910"/>
+          </a:xfrm>
+          <a:prstGeom prst="rect">
+            <a:avLst/>
+          </a:prstGeom>
+          <a:noFill/>
+          <a:ln>
+            <a:noFill/>
+          </a:ln>
+        </p:spPr>
+        <p:style>
+          <a:lnRef idx="2">
+            <a:schemeClr val="accent1">
+              <a:shade val="50000"/>
+            </a:schemeClr>
+          </a:lnRef>
+          <a:fillRef idx="1">
+            <a:schemeClr val="accent1"/>
+          </a:fillRef>
+          <a:effectRef idx="0">
+            <a:schemeClr val="accent1"/>
+          </a:effectRef>
+          <a:fontRef idx="minor">
+            <a:schemeClr val="lt1"/>
+          </a:fontRef>
+        </p:style>
+        <p:txBody>
+          <a:bodyPr rtlCol="0" anchor="ctr"/>
+          <a:lstStyle/>
+          <a:p>
+            <a:pPr algn="ctr"/>
+            <a:endParaRPr kumimoji="1" lang="ja-JP" altLang="en-US"/>
+          </a:p>
+        </p:txBody>
+      </p:sp>
       <p:cxnSp>
         <p:nvCxnSpPr>
-          <p:cNvPr id="190" name="直線矢印コネクタ 189"/>
+          <p:cNvPr id="80" name="直線矢印コネクタ 79"/>
           <p:cNvCxnSpPr>
-            <a:stCxn id="71" idx="0"/>
-            <a:endCxn id="65" idx="2"/>
+            <a:stCxn id="42" idx="0"/>
+            <a:endCxn id="43" idx="2"/>
           </p:cNvCxnSpPr>
           <p:nvPr/>
         </p:nvCxnSpPr>
         <p:spPr>
           <a:xfrm flipV="1">
-            <a:off x="4285451" y="3061634"/>
-            <a:ext cx="0" cy="416165"/>
-          </a:xfrm>
-          <a:prstGeom prst="straightConnector1">
-            <a:avLst/>
-          </a:prstGeom>
-          <a:ln w="38100">
-            <a:prstDash val="sysDash"/>
-            <a:tailEnd type="arrow"/>
-          </a:ln>
-        </p:spPr>
-        <p:style>
-          <a:lnRef idx="2">
-            <a:schemeClr val="dk1"/>
-          </a:lnRef>
-          <a:fillRef idx="0">
-            <a:schemeClr val="dk1"/>
-          </a:fillRef>
-          <a:effectRef idx="1">
-            <a:schemeClr val="dk1"/>
-          </a:effectRef>
-          <a:fontRef idx="minor">
-            <a:schemeClr val="tx1"/>
-          </a:fontRef>
-        </p:style>
-      </p:cxnSp>
-      <p:cxnSp>
-        <p:nvCxnSpPr>
-          <p:cNvPr id="198" name="直線矢印コネクタ 197"/>
-          <p:cNvCxnSpPr>
-            <a:stCxn id="63" idx="3"/>
-            <a:endCxn id="59" idx="1"/>
-          </p:cNvCxnSpPr>
-          <p:nvPr/>
-        </p:nvCxnSpPr>
-        <p:spPr>
-          <a:xfrm>
-            <a:off x="5780067" y="1896873"/>
-            <a:ext cx="733393" cy="1651"/>
+            <a:off x="10331851" y="2439140"/>
+            <a:ext cx="510" cy="2466670"/>
           </a:xfrm>
           <a:prstGeom prst="straightConnector1">
             <a:avLst/>
@@ -11501,54 +11744,100 @@
           </a:fontRef>
         </p:style>
       </p:cxnSp>
-      <p:cxnSp>
-        <p:nvCxnSpPr>
-          <p:cNvPr id="209" name="カギ線コネクタ 208"/>
-          <p:cNvCxnSpPr>
-            <a:stCxn id="62" idx="3"/>
-            <a:endCxn id="59" idx="3"/>
-          </p:cNvCxnSpPr>
-          <p:nvPr/>
-        </p:nvCxnSpPr>
-        <p:spPr>
-          <a:xfrm flipV="1">
-            <a:off x="9502694" y="1898524"/>
-            <a:ext cx="12700" cy="1828807"/>
-          </a:xfrm>
-          <a:prstGeom prst="bentConnector3">
+      <p:sp>
+        <p:nvSpPr>
+          <p:cNvPr id="40" name="正方形/長方形 39"/>
+          <p:cNvSpPr/>
+          <p:nvPr/>
+        </p:nvSpPr>
+        <p:spPr>
+          <a:xfrm>
+            <a:off x="9143418" y="1629939"/>
+            <a:ext cx="153909" cy="153910"/>
+          </a:xfrm>
+          <a:prstGeom prst="rect">
+            <a:avLst/>
+          </a:prstGeom>
+          <a:noFill/>
+          <a:ln>
+            <a:noFill/>
+          </a:ln>
+        </p:spPr>
+        <p:style>
+          <a:lnRef idx="2">
+            <a:schemeClr val="accent1">
+              <a:shade val="50000"/>
+            </a:schemeClr>
+          </a:lnRef>
+          <a:fillRef idx="1">
+            <a:schemeClr val="accent1"/>
+          </a:fillRef>
+          <a:effectRef idx="0">
+            <a:schemeClr val="accent1"/>
+          </a:effectRef>
+          <a:fontRef idx="minor">
+            <a:schemeClr val="lt1"/>
+          </a:fontRef>
+        </p:style>
+        <p:txBody>
+          <a:bodyPr rtlCol="0" anchor="ctr"/>
+          <a:lstStyle/>
+          <a:p>
+            <a:pPr algn="ctr"/>
+            <a:endParaRPr kumimoji="1" lang="ja-JP" altLang="en-US"/>
+          </a:p>
+        </p:txBody>
+      </p:sp>
+      <p:sp>
+        <p:nvSpPr>
+          <p:cNvPr id="57" name="角丸四角形 56"/>
+          <p:cNvSpPr/>
+          <p:nvPr/>
+        </p:nvSpPr>
+        <p:spPr>
+          <a:xfrm>
+            <a:off x="1849128" y="2306421"/>
+            <a:ext cx="5600700" cy="2434467"/>
+          </a:xfrm>
+          <a:prstGeom prst="roundRect">
             <a:avLst>
-              <a:gd name="adj1" fmla="val 4000000"/>
+              <a:gd name="adj" fmla="val 8716"/>
             </a:avLst>
           </a:prstGeom>
-          <a:ln w="38100">
-            <a:tailEnd type="arrow"/>
-          </a:ln>
-        </p:spPr>
-        <p:style>
-          <a:lnRef idx="2">
-            <a:schemeClr val="dk1"/>
-          </a:lnRef>
-          <a:fillRef idx="0">
-            <a:schemeClr val="dk1"/>
-          </a:fillRef>
-          <a:effectRef idx="1">
-            <a:schemeClr val="dk1"/>
-          </a:effectRef>
-          <a:fontRef idx="minor">
-            <a:schemeClr val="tx1"/>
-          </a:fontRef>
-        </p:style>
-      </p:cxnSp>
-      <p:sp>
-        <p:nvSpPr>
-          <p:cNvPr id="36" name="正方形/長方形 35"/>
+        </p:spPr>
+        <p:style>
+          <a:lnRef idx="1">
+            <a:schemeClr val="accent2"/>
+          </a:lnRef>
+          <a:fillRef idx="3">
+            <a:schemeClr val="accent2"/>
+          </a:fillRef>
+          <a:effectRef idx="2">
+            <a:schemeClr val="accent2"/>
+          </a:effectRef>
+          <a:fontRef idx="minor">
+            <a:schemeClr val="lt1"/>
+          </a:fontRef>
+        </p:style>
+        <p:txBody>
+          <a:bodyPr rtlCol="0" anchor="ctr"/>
+          <a:lstStyle/>
+          <a:p>
+            <a:pPr algn="ctr"/>
+            <a:endParaRPr lang="en-US" altLang="ja-JP" sz="1600" dirty="0"/>
+          </a:p>
+        </p:txBody>
+      </p:sp>
+      <p:sp>
+        <p:nvSpPr>
+          <p:cNvPr id="58" name="正方形/長方形 57"/>
           <p:cNvSpPr/>
           <p:nvPr/>
         </p:nvSpPr>
         <p:spPr>
           <a:xfrm>
-            <a:off x="2450977" y="950744"/>
-            <a:ext cx="3668948" cy="456073"/>
+            <a:off x="2027743" y="2444929"/>
+            <a:ext cx="5172187" cy="456073"/>
           </a:xfrm>
           <a:prstGeom prst="rect">
             <a:avLst/>
@@ -11586,13 +11875,13 @@
       </p:sp>
       <p:sp>
         <p:nvSpPr>
-          <p:cNvPr id="37" name="テキスト ボックス 36"/>
+          <p:cNvPr id="59" name="テキスト ボックス 58"/>
           <p:cNvSpPr txBox="1"/>
           <p:nvPr/>
         </p:nvSpPr>
         <p:spPr>
           <a:xfrm>
-            <a:off x="4441938" y="993213"/>
+            <a:off x="3576100" y="2485174"/>
             <a:ext cx="1677988" cy="369332"/>
           </a:xfrm>
           <a:prstGeom prst="rect">
@@ -11616,17 +11905,17 @@
       </p:sp>
       <p:cxnSp>
         <p:nvCxnSpPr>
-          <p:cNvPr id="186" name="直線矢印コネクタ 185"/>
+          <p:cNvPr id="63" name="直線矢印コネクタ 62"/>
           <p:cNvCxnSpPr>
-            <a:stCxn id="7" idx="2"/>
-            <a:endCxn id="63" idx="0"/>
+            <a:stCxn id="72" idx="1"/>
+            <a:endCxn id="45" idx="3"/>
           </p:cNvCxnSpPr>
           <p:nvPr/>
         </p:nvCxnSpPr>
         <p:spPr>
-          <a:xfrm>
-            <a:off x="4285451" y="628137"/>
-            <a:ext cx="0" cy="1019204"/>
+          <a:xfrm flipH="1">
+            <a:off x="4518708" y="3475286"/>
+            <a:ext cx="328891" cy="4595"/>
           </a:xfrm>
           <a:prstGeom prst="straightConnector1">
             <a:avLst/>
@@ -11652,14 +11941,14 @@
       </p:cxnSp>
       <p:sp>
         <p:nvSpPr>
-          <p:cNvPr id="93" name="テキスト ボックス 92"/>
+          <p:cNvPr id="66" name="テキスト ボックス 65"/>
           <p:cNvSpPr txBox="1"/>
           <p:nvPr/>
         </p:nvSpPr>
         <p:spPr>
           <a:xfrm>
-            <a:off x="4319326" y="591264"/>
-            <a:ext cx="719090" cy="369332"/>
+            <a:off x="5136958" y="4355422"/>
+            <a:ext cx="2200826" cy="369332"/>
           </a:xfrm>
           <a:prstGeom prst="rect">
             <a:avLst/>
@@ -11673,23 +11962,81 @@
           <a:lstStyle/>
           <a:p>
             <a:r>
-              <a:rPr lang="en-US" altLang="ja-JP" dirty="0" smtClean="0"/>
-              <a:t>(1)</a:t>
-            </a:r>
-            <a:endParaRPr lang="en-US" altLang="ja-JP" dirty="0"/>
-          </a:p>
-        </p:txBody>
-      </p:sp>
-      <p:sp>
-        <p:nvSpPr>
-          <p:cNvPr id="94" name="テキスト ボックス 93"/>
+              <a:rPr lang="en-US" altLang="ja-JP" dirty="0">
+                <a:solidFill>
+                  <a:schemeClr val="bg1"/>
+                </a:solidFill>
+              </a:rPr>
+              <a:t>Authorization </a:t>
+            </a:r>
+            <a:r>
+              <a:rPr lang="en-US" altLang="ja-JP" dirty="0" smtClean="0">
+                <a:solidFill>
+                  <a:schemeClr val="bg1"/>
+                </a:solidFill>
+              </a:rPr>
+              <a:t>server</a:t>
+            </a:r>
+            <a:endParaRPr lang="en-US" altLang="ja-JP" dirty="0">
+              <a:solidFill>
+                <a:schemeClr val="bg1"/>
+              </a:solidFill>
+            </a:endParaRPr>
+          </a:p>
+        </p:txBody>
+      </p:sp>
+      <p:sp>
+        <p:nvSpPr>
+          <p:cNvPr id="69" name="角丸四角形 68"/>
+          <p:cNvSpPr/>
+          <p:nvPr/>
+        </p:nvSpPr>
+        <p:spPr>
+          <a:xfrm>
+            <a:off x="214581" y="1202282"/>
+            <a:ext cx="2433713" cy="717661"/>
+          </a:xfrm>
+          <a:prstGeom prst="roundRect">
+            <a:avLst/>
+          </a:prstGeom>
+        </p:spPr>
+        <p:style>
+          <a:lnRef idx="1">
+            <a:schemeClr val="accent1"/>
+          </a:lnRef>
+          <a:fillRef idx="3">
+            <a:schemeClr val="accent1"/>
+          </a:fillRef>
+          <a:effectRef idx="2">
+            <a:schemeClr val="accent1"/>
+          </a:effectRef>
+          <a:fontRef idx="minor">
+            <a:schemeClr val="lt1"/>
+          </a:fontRef>
+        </p:style>
+        <p:txBody>
+          <a:bodyPr rtlCol="0" anchor="ctr"/>
+          <a:lstStyle/>
+          <a:p>
+            <a:pPr algn="ctr"/>
+            <a:r>
+              <a:rPr lang="en-US" altLang="ja-JP" sz="1600"/>
+              <a:t>Resource owner</a:t>
+            </a:r>
+            <a:endParaRPr lang="en-US" altLang="ja-JP" sz="1600" dirty="0"/>
+          </a:p>
+        </p:txBody>
+      </p:sp>
+      <p:sp>
+        <p:nvSpPr>
+          <p:cNvPr id="70" name="テキスト ボックス 69"/>
           <p:cNvSpPr txBox="1"/>
           <p:nvPr/>
         </p:nvSpPr>
         <p:spPr>
           <a:xfrm>
-            <a:off x="6119925" y="1353660"/>
-            <a:ext cx="719090" cy="369332"/>
+            <a:off x="2831971" y="1604038"/>
+            <a:ext cx="737171" cy="369332"/>
           </a:xfrm>
           <a:prstGeom prst="rect">
             <a:avLst/>
@@ -11704,21 +12051,121 @@
           <a:p>
             <a:r>
               <a:rPr lang="en-US" altLang="ja-JP" dirty="0" smtClean="0"/>
-              <a:t>(2)</a:t>
+              <a:t>A-2</a:t>
             </a:r>
             <a:endParaRPr lang="en-US" altLang="ja-JP" dirty="0"/>
           </a:p>
         </p:txBody>
       </p:sp>
-      <p:sp>
-        <p:nvSpPr>
-          <p:cNvPr id="95" name="テキスト ボックス 94"/>
+      <p:cxnSp>
+        <p:nvCxnSpPr>
+          <p:cNvPr id="71" name="カギ線コネクタ 70"/>
+          <p:cNvCxnSpPr>
+            <a:stCxn id="77" idx="0"/>
+            <a:endCxn id="69" idx="3"/>
+          </p:cNvCxnSpPr>
+          <p:nvPr/>
+        </p:nvCxnSpPr>
+        <p:spPr>
+          <a:xfrm rot="16200000" flipV="1">
+            <a:off x="2537103" y="1672304"/>
+            <a:ext cx="1580412" cy="1358029"/>
+          </a:xfrm>
+          <a:prstGeom prst="bentConnector2">
+            <a:avLst/>
+          </a:prstGeom>
+          <a:ln w="38100">
+            <a:tailEnd type="arrow"/>
+          </a:ln>
+        </p:spPr>
+        <p:style>
+          <a:lnRef idx="2">
+            <a:schemeClr val="dk1"/>
+          </a:lnRef>
+          <a:fillRef idx="0">
+            <a:schemeClr val="dk1"/>
+          </a:fillRef>
+          <a:effectRef idx="1">
+            <a:schemeClr val="dk1"/>
+          </a:effectRef>
+          <a:fontRef idx="minor">
+            <a:schemeClr val="tx1"/>
+          </a:fontRef>
+        </p:style>
+      </p:cxnSp>
+      <p:sp>
+        <p:nvSpPr>
+          <p:cNvPr id="72" name="正方形/長方形 71"/>
+          <p:cNvSpPr/>
+          <p:nvPr/>
+        </p:nvSpPr>
+        <p:spPr>
+          <a:xfrm>
+            <a:off x="4847599" y="3141525"/>
+            <a:ext cx="2352332" cy="667521"/>
+          </a:xfrm>
+          <a:prstGeom prst="rect">
+            <a:avLst/>
+          </a:prstGeom>
+          <a:effectLst>
+            <a:outerShdw blurRad="50800" dist="38100" dir="2700000" algn="tl" rotWithShape="0">
+              <a:prstClr val="black">
+                <a:alpha val="40000"/>
+              </a:prstClr>
+            </a:outerShdw>
+          </a:effectLst>
+        </p:spPr>
+        <p:style>
+          <a:lnRef idx="1">
+            <a:schemeClr val="accent4"/>
+          </a:lnRef>
+          <a:fillRef idx="2">
+            <a:schemeClr val="accent4"/>
+          </a:fillRef>
+          <a:effectRef idx="1">
+            <a:schemeClr val="accent4"/>
+          </a:effectRef>
+          <a:fontRef idx="minor">
+            <a:schemeClr val="dk1"/>
+          </a:fontRef>
+        </p:style>
+        <p:txBody>
+          <a:bodyPr rtlCol="0" anchor="b" anchorCtr="0"/>
+          <a:lstStyle/>
+          <a:p>
+            <a:pPr algn="ctr"/>
+            <a:r>
+              <a:rPr lang="en-US" altLang="ja-JP" i="1" dirty="0" smtClean="0"/>
+              <a:t>(/</a:t>
+            </a:r>
+            <a:r>
+              <a:rPr lang="en-US" altLang="ja-JP" i="1" dirty="0" err="1" smtClean="0"/>
+              <a:t>oauth</a:t>
+            </a:r>
+            <a:r>
+              <a:rPr lang="en-US" altLang="ja-JP" i="1" dirty="0" smtClean="0"/>
+              <a:t>/authorize)</a:t>
+            </a:r>
+          </a:p>
+          <a:p>
+            <a:pPr algn="ctr"/>
+            <a:r>
+              <a:rPr lang="en-US" altLang="ja-JP" dirty="0" err="1" smtClean="0"/>
+              <a:t>AuthorizationEndpoint</a:t>
+            </a:r>
+            <a:endParaRPr lang="en-US" altLang="ja-JP" dirty="0"/>
+          </a:p>
+        </p:txBody>
+      </p:sp>
+      <p:sp>
+        <p:nvSpPr>
+          <p:cNvPr id="76" name="テキスト ボックス 75"/>
           <p:cNvSpPr txBox="1"/>
           <p:nvPr/>
         </p:nvSpPr>
         <p:spPr>
           <a:xfrm>
-            <a:off x="4319326" y="2170196"/>
+            <a:off x="4438014" y="2837455"/>
             <a:ext cx="719090" cy="369332"/>
           </a:xfrm>
           <a:prstGeom prst="rect">
@@ -11734,7 +12181,7 @@
           <a:p>
             <a:r>
               <a:rPr lang="en-US" altLang="ja-JP" dirty="0" smtClean="0"/>
-              <a:t>(3)</a:t>
+              <a:t>A-1</a:t>
             </a:r>
             <a:endParaRPr lang="en-US" altLang="ja-JP" dirty="0"/>
           </a:p>
@@ -11742,68 +12189,276 @@
       </p:sp>
       <p:sp>
         <p:nvSpPr>
-          <p:cNvPr id="96" name="テキスト ボックス 95"/>
-          <p:cNvSpPr txBox="1"/>
-          <p:nvPr/>
-        </p:nvSpPr>
-        <p:spPr>
-          <a:xfrm>
-            <a:off x="4319326" y="4206711"/>
-            <a:ext cx="719090" cy="369332"/>
+          <p:cNvPr id="77" name="正方形/長方形 76"/>
+          <p:cNvSpPr/>
+          <p:nvPr/>
+        </p:nvSpPr>
+        <p:spPr>
+          <a:xfrm>
+            <a:off x="3929368" y="3141525"/>
+            <a:ext cx="153909" cy="153910"/>
           </a:xfrm>
           <a:prstGeom prst="rect">
             <a:avLst/>
           </a:prstGeom>
           <a:noFill/>
-        </p:spPr>
-        <p:txBody>
-          <a:bodyPr wrap="square" rtlCol="0">
-            <a:spAutoFit/>
-          </a:bodyPr>
-          <a:lstStyle/>
-          <a:p>
+          <a:ln>
+            <a:noFill/>
+          </a:ln>
+        </p:spPr>
+        <p:style>
+          <a:lnRef idx="2">
+            <a:schemeClr val="accent1">
+              <a:shade val="50000"/>
+            </a:schemeClr>
+          </a:lnRef>
+          <a:fillRef idx="1">
+            <a:schemeClr val="accent1"/>
+          </a:fillRef>
+          <a:effectRef idx="0">
+            <a:schemeClr val="accent1"/>
+          </a:effectRef>
+          <a:fontRef idx="minor">
+            <a:schemeClr val="lt1"/>
+          </a:fontRef>
+        </p:style>
+        <p:txBody>
+          <a:bodyPr rtlCol="0" anchor="ctr"/>
+          <a:lstStyle/>
+          <a:p>
+            <a:pPr algn="ctr"/>
+            <a:endParaRPr kumimoji="1" lang="ja-JP" altLang="en-US"/>
+          </a:p>
+        </p:txBody>
+      </p:sp>
+      <p:sp>
+        <p:nvSpPr>
+          <p:cNvPr id="27" name="正方形/長方形 26"/>
+          <p:cNvSpPr/>
+          <p:nvPr/>
+        </p:nvSpPr>
+        <p:spPr>
+          <a:xfrm>
+            <a:off x="5760694" y="3141525"/>
+            <a:ext cx="153909" cy="153910"/>
+          </a:xfrm>
+          <a:prstGeom prst="rect">
+            <a:avLst/>
+          </a:prstGeom>
+          <a:noFill/>
+          <a:ln>
+            <a:noFill/>
+          </a:ln>
+        </p:spPr>
+        <p:style>
+          <a:lnRef idx="2">
+            <a:schemeClr val="accent1">
+              <a:shade val="50000"/>
+            </a:schemeClr>
+          </a:lnRef>
+          <a:fillRef idx="1">
+            <a:schemeClr val="accent1"/>
+          </a:fillRef>
+          <a:effectRef idx="0">
+            <a:schemeClr val="accent1"/>
+          </a:effectRef>
+          <a:fontRef idx="minor">
+            <a:schemeClr val="lt1"/>
+          </a:fontRef>
+        </p:style>
+        <p:txBody>
+          <a:bodyPr rtlCol="0" anchor="ctr"/>
+          <a:lstStyle/>
+          <a:p>
+            <a:pPr algn="ctr"/>
+            <a:endParaRPr kumimoji="1" lang="ja-JP" altLang="en-US"/>
+          </a:p>
+        </p:txBody>
+      </p:sp>
+      <p:sp>
+        <p:nvSpPr>
+          <p:cNvPr id="28" name="正方形/長方形 27"/>
+          <p:cNvSpPr/>
+          <p:nvPr/>
+        </p:nvSpPr>
+        <p:spPr>
+          <a:xfrm>
+            <a:off x="6311933" y="3151918"/>
+            <a:ext cx="153909" cy="153910"/>
+          </a:xfrm>
+          <a:prstGeom prst="rect">
+            <a:avLst/>
+          </a:prstGeom>
+          <a:noFill/>
+          <a:ln>
+            <a:noFill/>
+          </a:ln>
+        </p:spPr>
+        <p:style>
+          <a:lnRef idx="2">
+            <a:schemeClr val="accent1">
+              <a:shade val="50000"/>
+            </a:schemeClr>
+          </a:lnRef>
+          <a:fillRef idx="1">
+            <a:schemeClr val="accent1"/>
+          </a:fillRef>
+          <a:effectRef idx="0">
+            <a:schemeClr val="accent1"/>
+          </a:effectRef>
+          <a:fontRef idx="minor">
+            <a:schemeClr val="lt1"/>
+          </a:fontRef>
+        </p:style>
+        <p:txBody>
+          <a:bodyPr rtlCol="0" anchor="ctr"/>
+          <a:lstStyle/>
+          <a:p>
+            <a:pPr algn="ctr"/>
+            <a:endParaRPr kumimoji="1" lang="ja-JP" altLang="en-US"/>
+          </a:p>
+        </p:txBody>
+      </p:sp>
+      <p:cxnSp>
+        <p:nvCxnSpPr>
+          <p:cNvPr id="62" name="カギ線コネクタ 61"/>
+          <p:cNvCxnSpPr>
+            <a:stCxn id="33" idx="1"/>
+            <a:endCxn id="28" idx="0"/>
+          </p:cNvCxnSpPr>
+          <p:nvPr/>
+        </p:nvCxnSpPr>
+        <p:spPr>
+          <a:xfrm rot="10800000" flipV="1">
+            <a:off x="6388889" y="1657362"/>
+            <a:ext cx="1837275" cy="1494556"/>
+          </a:xfrm>
+          <a:prstGeom prst="bentConnector2">
+            <a:avLst/>
+          </a:prstGeom>
+          <a:ln w="38100">
+            <a:tailEnd type="arrow"/>
+          </a:ln>
+        </p:spPr>
+        <p:style>
+          <a:lnRef idx="2">
+            <a:schemeClr val="dk1"/>
+          </a:lnRef>
+          <a:fillRef idx="0">
+            <a:schemeClr val="dk1"/>
+          </a:fillRef>
+          <a:effectRef idx="1">
+            <a:schemeClr val="dk1"/>
+          </a:effectRef>
+          <a:fontRef idx="minor">
+            <a:schemeClr val="tx1"/>
+          </a:fontRef>
+        </p:style>
+      </p:cxnSp>
+      <p:cxnSp>
+        <p:nvCxnSpPr>
+          <p:cNvPr id="269" name="直線矢印コネクタ 268"/>
+          <p:cNvCxnSpPr>
+            <a:stCxn id="27" idx="0"/>
+            <a:endCxn id="31" idx="1"/>
+          </p:cNvCxnSpPr>
+          <p:nvPr/>
+        </p:nvCxnSpPr>
+        <p:spPr>
+          <a:xfrm rot="5400000" flipH="1" flipV="1">
+            <a:off x="6174635" y="1107059"/>
+            <a:ext cx="1697481" cy="2371452"/>
+          </a:xfrm>
+          <a:prstGeom prst="bentConnector2">
+            <a:avLst/>
+          </a:prstGeom>
+          <a:ln w="38100">
+            <a:tailEnd type="arrow"/>
+          </a:ln>
+        </p:spPr>
+        <p:style>
+          <a:lnRef idx="2">
+            <a:schemeClr val="dk1"/>
+          </a:lnRef>
+          <a:fillRef idx="0">
+            <a:schemeClr val="dk1"/>
+          </a:fillRef>
+          <a:effectRef idx="1">
+            <a:schemeClr val="dk1"/>
+          </a:effectRef>
+          <a:fontRef idx="minor">
+            <a:schemeClr val="tx1"/>
+          </a:fontRef>
+        </p:style>
+      </p:cxnSp>
+      <p:sp>
+        <p:nvSpPr>
+          <p:cNvPr id="45" name="正方形/長方形 44"/>
+          <p:cNvSpPr/>
+          <p:nvPr/>
+        </p:nvSpPr>
+        <p:spPr>
+          <a:xfrm>
+            <a:off x="2027743" y="3145951"/>
+            <a:ext cx="2490965" cy="667860"/>
+          </a:xfrm>
+          <a:prstGeom prst="rect">
+            <a:avLst/>
+          </a:prstGeom>
+          <a:effectLst>
+            <a:outerShdw blurRad="50800" dist="38100" dir="2700000" algn="tl" rotWithShape="0">
+              <a:prstClr val="black">
+                <a:alpha val="40000"/>
+              </a:prstClr>
+            </a:outerShdw>
+          </a:effectLst>
+        </p:spPr>
+        <p:style>
+          <a:lnRef idx="1">
+            <a:schemeClr val="accent6"/>
+          </a:lnRef>
+          <a:fillRef idx="2">
+            <a:schemeClr val="accent6"/>
+          </a:fillRef>
+          <a:effectRef idx="1">
+            <a:schemeClr val="accent6"/>
+          </a:effectRef>
+          <a:fontRef idx="minor">
+            <a:schemeClr val="dk1"/>
+          </a:fontRef>
+        </p:style>
+        <p:txBody>
+          <a:bodyPr rtlCol="0" anchor="ctr"/>
+          <a:lstStyle/>
+          <a:p>
+            <a:pPr algn="ctr"/>
+            <a:r>
+              <a:rPr lang="en-US" altLang="ja-JP" i="1" dirty="0" smtClean="0"/>
+              <a:t>(/</a:t>
+            </a:r>
+            <a:r>
+              <a:rPr lang="en-US" altLang="ja-JP" i="1" dirty="0" err="1" smtClean="0"/>
+              <a:t>oauth</a:t>
+            </a:r>
+            <a:r>
+              <a:rPr lang="en-US" altLang="ja-JP" i="1" dirty="0" smtClean="0"/>
+              <a:t>/error)</a:t>
+            </a:r>
+          </a:p>
+          <a:p>
+            <a:pPr algn="ctr"/>
             <a:r>
               <a:rPr lang="en-US" altLang="ja-JP" dirty="0" smtClean="0"/>
-              <a:t>(4)</a:t>
-            </a:r>
-            <a:endParaRPr lang="en-US" altLang="ja-JP" dirty="0"/>
-          </a:p>
-        </p:txBody>
-      </p:sp>
-      <p:sp>
-        <p:nvSpPr>
-          <p:cNvPr id="97" name="テキスト ボックス 96"/>
-          <p:cNvSpPr txBox="1"/>
-          <p:nvPr/>
-        </p:nvSpPr>
-        <p:spPr>
-          <a:xfrm>
-            <a:off x="8067064" y="3986956"/>
-            <a:ext cx="719090" cy="369332"/>
-          </a:xfrm>
-          <a:prstGeom prst="rect">
-            <a:avLst/>
-          </a:prstGeom>
-          <a:noFill/>
-        </p:spPr>
-        <p:txBody>
-          <a:bodyPr wrap="square" rtlCol="0">
-            <a:spAutoFit/>
-          </a:bodyPr>
-          <a:lstStyle/>
-          <a:p>
-            <a:r>
-              <a:rPr lang="en-US" altLang="ja-JP" dirty="0" smtClean="0"/>
-              <a:t>(5)</a:t>
-            </a:r>
-            <a:endParaRPr lang="en-US" altLang="ja-JP" dirty="0"/>
+              <a:t>Controller</a:t>
+            </a:r>
+            <a:endParaRPr lang="ja-JP" altLang="en-US" dirty="0"/>
           </a:p>
         </p:txBody>
       </p:sp>
     </p:spTree>
     <p:extLst>
       <p:ext uri="{BB962C8B-B14F-4D97-AF65-F5344CB8AC3E}">
-        <p14:creationId xmlns:p14="http://schemas.microsoft.com/office/powerpoint/2010/main" val="3205589076"/>
+        <p14:creationId xmlns:p14="http://schemas.microsoft.com/office/powerpoint/2010/main" val="431513644"/>
       </p:ext>
     </p:extLst>
   </p:cSld>
@@ -11832,57 +12487,14 @@
       </p:grpSpPr>
       <p:sp>
         <p:nvSpPr>
-          <p:cNvPr id="7" name="角丸四角形 6"/>
-          <p:cNvSpPr/>
-          <p:nvPr/>
-        </p:nvSpPr>
-        <p:spPr>
-          <a:xfrm>
-            <a:off x="5102882" y="480348"/>
-            <a:ext cx="1835555" cy="514620"/>
-          </a:xfrm>
-          <a:prstGeom prst="roundRect">
-            <a:avLst/>
-          </a:prstGeom>
-          <a:ln/>
-        </p:spPr>
-        <p:style>
-          <a:lnRef idx="1">
-            <a:schemeClr val="accent5"/>
-          </a:lnRef>
-          <a:fillRef idx="3">
-            <a:schemeClr val="accent5"/>
-          </a:fillRef>
-          <a:effectRef idx="2">
-            <a:schemeClr val="accent5"/>
-          </a:effectRef>
-          <a:fontRef idx="minor">
-            <a:schemeClr val="lt1"/>
-          </a:fontRef>
-        </p:style>
-        <p:txBody>
-          <a:bodyPr rtlCol="0" anchor="ctr"/>
-          <a:lstStyle/>
-          <a:p>
-            <a:pPr algn="ctr"/>
-            <a:r>
-              <a:rPr lang="en-US" altLang="ja-JP" sz="1600" dirty="0" smtClean="0"/>
-              <a:t>Client</a:t>
-            </a:r>
-            <a:endParaRPr lang="en-US" altLang="ja-JP" sz="1600" dirty="0"/>
-          </a:p>
-        </p:txBody>
-      </p:sp>
-      <p:sp>
-        <p:nvSpPr>
           <p:cNvPr id="8" name="角丸四角形 7"/>
           <p:cNvSpPr/>
           <p:nvPr/>
         </p:nvSpPr>
         <p:spPr>
           <a:xfrm>
-            <a:off x="76197" y="1509588"/>
-            <a:ext cx="11976099" cy="5055897"/>
+            <a:off x="1460500" y="812237"/>
+            <a:ext cx="9272718" cy="4597964"/>
           </a:xfrm>
           <a:prstGeom prst="roundRect">
             <a:avLst/>
@@ -11890,13 +12502,13 @@
         </p:spPr>
         <p:style>
           <a:lnRef idx="1">
-            <a:schemeClr val="accent4"/>
+            <a:schemeClr val="accent2"/>
           </a:lnRef>
           <a:fillRef idx="3">
-            <a:schemeClr val="accent4"/>
+            <a:schemeClr val="accent2"/>
           </a:fillRef>
           <a:effectRef idx="2">
-            <a:schemeClr val="accent4"/>
+            <a:schemeClr val="accent2"/>
           </a:effectRef>
           <a:fontRef idx="minor">
             <a:schemeClr val="lt1"/>
@@ -11907,7 +12519,49 @@
           <a:lstStyle/>
           <a:p>
             <a:pPr algn="ctr"/>
-            <a:endParaRPr lang="en-US" altLang="ja-JP" sz="1600" dirty="0">
+            <a:endParaRPr lang="en-US" altLang="ja-JP" sz="1600" dirty="0"/>
+          </a:p>
+        </p:txBody>
+      </p:sp>
+      <p:sp>
+        <p:nvSpPr>
+          <p:cNvPr id="73" name="テキスト ボックス 72"/>
+          <p:cNvSpPr txBox="1"/>
+          <p:nvPr/>
+        </p:nvSpPr>
+        <p:spPr>
+          <a:xfrm>
+            <a:off x="8162671" y="5021336"/>
+            <a:ext cx="2200826" cy="369332"/>
+          </a:xfrm>
+          <a:prstGeom prst="rect">
+            <a:avLst/>
+          </a:prstGeom>
+          <a:noFill/>
+        </p:spPr>
+        <p:txBody>
+          <a:bodyPr wrap="square" rtlCol="0">
+            <a:spAutoFit/>
+          </a:bodyPr>
+          <a:lstStyle/>
+          <a:p>
+            <a:r>
+              <a:rPr lang="en-US" altLang="ja-JP" dirty="0">
+                <a:solidFill>
+                  <a:schemeClr val="bg1"/>
+                </a:solidFill>
+              </a:rPr>
+              <a:t>Authorization </a:t>
+            </a:r>
+            <a:r>
+              <a:rPr lang="en-US" altLang="ja-JP" dirty="0" smtClean="0">
+                <a:solidFill>
+                  <a:schemeClr val="bg1"/>
+                </a:solidFill>
+              </a:rPr>
+              <a:t>server</a:t>
+            </a:r>
+            <a:endParaRPr lang="en-US" altLang="ja-JP" dirty="0">
               <a:solidFill>
                 <a:schemeClr val="bg1"/>
               </a:solidFill>
@@ -11917,14 +12571,57 @@
       </p:sp>
       <p:sp>
         <p:nvSpPr>
-          <p:cNvPr id="53" name="正方形/長方形 52"/>
+          <p:cNvPr id="7" name="角丸四角形 6"/>
           <p:cNvSpPr/>
           <p:nvPr/>
         </p:nvSpPr>
         <p:spPr>
           <a:xfrm>
-            <a:off x="8342990" y="5629654"/>
-            <a:ext cx="3316642" cy="499064"/>
+            <a:off x="3367673" y="113517"/>
+            <a:ext cx="1835555" cy="514620"/>
+          </a:xfrm>
+          <a:prstGeom prst="roundRect">
+            <a:avLst/>
+          </a:prstGeom>
+          <a:ln/>
+        </p:spPr>
+        <p:style>
+          <a:lnRef idx="1">
+            <a:schemeClr val="accent5"/>
+          </a:lnRef>
+          <a:fillRef idx="3">
+            <a:schemeClr val="accent5"/>
+          </a:fillRef>
+          <a:effectRef idx="2">
+            <a:schemeClr val="accent5"/>
+          </a:effectRef>
+          <a:fontRef idx="minor">
+            <a:schemeClr val="lt1"/>
+          </a:fontRef>
+        </p:style>
+        <p:txBody>
+          <a:bodyPr rtlCol="0" anchor="ctr"/>
+          <a:lstStyle/>
+          <a:p>
+            <a:pPr algn="ctr"/>
+            <a:r>
+              <a:rPr lang="en-US" altLang="ja-JP" sz="1600" dirty="0" smtClean="0"/>
+              <a:t>Client</a:t>
+            </a:r>
+            <a:endParaRPr lang="en-US" altLang="ja-JP" sz="1600" dirty="0"/>
+          </a:p>
+        </p:txBody>
+      </p:sp>
+      <p:sp>
+        <p:nvSpPr>
+          <p:cNvPr id="59" name="正方形/長方形 58"/>
+          <p:cNvSpPr/>
+          <p:nvPr/>
+        </p:nvSpPr>
+        <p:spPr>
+          <a:xfrm>
+            <a:off x="6513460" y="1648992"/>
+            <a:ext cx="2989234" cy="499064"/>
           </a:xfrm>
           <a:prstGeom prst="rect">
             <a:avLst/>
@@ -11957,19 +12654,15 @@
           <a:p>
             <a:pPr algn="ctr"/>
             <a:r>
-              <a:rPr lang="en-US" altLang="ja-JP" dirty="0"/>
-              <a:t>&lt;interface</a:t>
-            </a:r>
-            <a:r>
               <a:rPr lang="en-US" altLang="ja-JP" dirty="0" smtClean="0"/>
-              <a:t>&gt;</a:t>
+              <a:t>&lt;interface&gt;</a:t>
             </a:r>
           </a:p>
           <a:p>
             <a:pPr algn="ctr"/>
             <a:r>
               <a:rPr lang="en-US" altLang="ja-JP" i="1" dirty="0" err="1" smtClean="0"/>
-              <a:t>ResourceServerTokenServices</a:t>
+              <a:t>ClientDetailsService</a:t>
             </a:r>
             <a:endParaRPr lang="en-US" altLang="ja-JP" i="1" dirty="0"/>
           </a:p>
@@ -11977,14 +12670,14 @@
       </p:sp>
       <p:sp>
         <p:nvSpPr>
-          <p:cNvPr id="52" name="正方形/長方形 51"/>
+          <p:cNvPr id="62" name="正方形/長方形 61"/>
           <p:cNvSpPr/>
           <p:nvPr/>
         </p:nvSpPr>
         <p:spPr>
           <a:xfrm>
-            <a:off x="4897239" y="5623553"/>
-            <a:ext cx="2246840" cy="499064"/>
+            <a:off x="6513460" y="3477799"/>
+            <a:ext cx="2989234" cy="499064"/>
           </a:xfrm>
           <a:prstGeom prst="rect">
             <a:avLst/>
@@ -11999,13 +12692,13 @@
         </p:spPr>
         <p:style>
           <a:lnRef idx="1">
-            <a:schemeClr val="accent6"/>
+            <a:schemeClr val="accent4"/>
           </a:lnRef>
           <a:fillRef idx="2">
-            <a:schemeClr val="accent6"/>
+            <a:schemeClr val="accent4"/>
           </a:fillRef>
           <a:effectRef idx="1">
-            <a:schemeClr val="accent6"/>
+            <a:schemeClr val="accent4"/>
           </a:effectRef>
           <a:fontRef idx="minor">
             <a:schemeClr val="dk1"/>
@@ -12017,55 +12710,23 @@
           <a:p>
             <a:pPr algn="ctr"/>
             <a:r>
-              <a:rPr lang="en-US" altLang="ja-JP" dirty="0"/>
-              <a:t>Resource</a:t>
-            </a:r>
-          </a:p>
-        </p:txBody>
-      </p:sp>
-      <p:sp>
-        <p:nvSpPr>
-          <p:cNvPr id="55" name="テキスト ボックス 54"/>
-          <p:cNvSpPr txBox="1"/>
-          <p:nvPr/>
-        </p:nvSpPr>
-        <p:spPr>
-          <a:xfrm>
-            <a:off x="10095698" y="6152670"/>
-            <a:ext cx="2018238" cy="369332"/>
-          </a:xfrm>
-          <a:prstGeom prst="rect">
-            <a:avLst/>
-          </a:prstGeom>
-          <a:noFill/>
-        </p:spPr>
-        <p:txBody>
-          <a:bodyPr wrap="square" rtlCol="0">
-            <a:spAutoFit/>
-          </a:bodyPr>
-          <a:lstStyle/>
-          <a:p>
-            <a:r>
-              <a:rPr lang="en-US" altLang="ja-JP" dirty="0">
-                <a:solidFill>
-                  <a:schemeClr val="bg1"/>
-                </a:solidFill>
-              </a:rPr>
-              <a:t>Resource server</a:t>
-            </a:r>
-          </a:p>
-        </p:txBody>
-      </p:sp>
-      <p:sp>
-        <p:nvSpPr>
-          <p:cNvPr id="16" name="正方形/長方形 15"/>
+              <a:rPr lang="en-US" altLang="ja-JP" dirty="0" err="1"/>
+              <a:t>DefaultTokenServices</a:t>
+            </a:r>
+            <a:endParaRPr lang="en-US" altLang="ja-JP" dirty="0"/>
+          </a:p>
+        </p:txBody>
+      </p:sp>
+      <p:sp>
+        <p:nvSpPr>
+          <p:cNvPr id="63" name="正方形/長方形 62"/>
           <p:cNvSpPr/>
           <p:nvPr/>
         </p:nvSpPr>
         <p:spPr>
           <a:xfrm>
-            <a:off x="252171" y="1864056"/>
-            <a:ext cx="11536979" cy="3520744"/>
+            <a:off x="2790835" y="1647341"/>
+            <a:ext cx="2989232" cy="499064"/>
           </a:xfrm>
           <a:prstGeom prst="rect">
             <a:avLst/>
@@ -12080,13 +12741,13 @@
         </p:spPr>
         <p:style>
           <a:lnRef idx="1">
-            <a:schemeClr val="accent2"/>
+            <a:schemeClr val="accent4"/>
           </a:lnRef>
           <a:fillRef idx="2">
-            <a:schemeClr val="accent2"/>
+            <a:schemeClr val="accent4"/>
           </a:fillRef>
           <a:effectRef idx="1">
-            <a:schemeClr val="accent2"/>
+            <a:schemeClr val="accent4"/>
           </a:effectRef>
           <a:fontRef idx="minor">
             <a:schemeClr val="dk1"/>
@@ -12097,20 +12758,24 @@
           <a:lstStyle/>
           <a:p>
             <a:pPr algn="ctr"/>
-            <a:endParaRPr lang="ja-JP" altLang="en-US"/>
-          </a:p>
-        </p:txBody>
-      </p:sp>
-      <p:sp>
-        <p:nvSpPr>
-          <p:cNvPr id="51" name="正方形/長方形 50"/>
+            <a:r>
+              <a:rPr lang="en-US" altLang="ja-JP" dirty="0" err="1"/>
+              <a:t>TokenEndpoint</a:t>
+            </a:r>
+            <a:endParaRPr lang="en-US" altLang="ja-JP" dirty="0"/>
+          </a:p>
+        </p:txBody>
+      </p:sp>
+      <p:sp>
+        <p:nvSpPr>
+          <p:cNvPr id="65" name="正方形/長方形 64"/>
           <p:cNvSpPr/>
           <p:nvPr/>
         </p:nvSpPr>
         <p:spPr>
           <a:xfrm>
-            <a:off x="4364940" y="2304456"/>
-            <a:ext cx="3316642" cy="499064"/>
+            <a:off x="2790835" y="2562570"/>
+            <a:ext cx="2989232" cy="499064"/>
           </a:xfrm>
           <a:prstGeom prst="rect">
             <a:avLst/>
@@ -12144,29 +12809,29 @@
             <a:pPr algn="ctr"/>
             <a:r>
               <a:rPr lang="en-US" altLang="ja-JP" dirty="0" smtClean="0"/>
-              <a:t>OAuth2Authentication</a:t>
+              <a:t>&lt;interface&gt;</a:t>
             </a:r>
           </a:p>
           <a:p>
             <a:pPr algn="ctr"/>
             <a:r>
-              <a:rPr lang="en-US" altLang="ja-JP" dirty="0" err="1" smtClean="0"/>
-              <a:t>ProcessingFilter</a:t>
-            </a:r>
-            <a:endParaRPr lang="en-US" altLang="ja-JP" dirty="0"/>
-          </a:p>
-        </p:txBody>
-      </p:sp>
-      <p:sp>
-        <p:nvSpPr>
-          <p:cNvPr id="56" name="正方形/長方形 55"/>
+              <a:rPr lang="en-US" altLang="ja-JP" i="1" dirty="0" err="1" smtClean="0"/>
+              <a:t>TokenGranter</a:t>
+            </a:r>
+            <a:endParaRPr lang="en-US" altLang="ja-JP" i="1" dirty="0"/>
+          </a:p>
+        </p:txBody>
+      </p:sp>
+      <p:sp>
+        <p:nvSpPr>
+          <p:cNvPr id="70" name="正方形/長方形 69"/>
           <p:cNvSpPr/>
           <p:nvPr/>
         </p:nvSpPr>
         <p:spPr>
           <a:xfrm>
-            <a:off x="8324803" y="3499936"/>
-            <a:ext cx="3316642" cy="499064"/>
+            <a:off x="6245642" y="2562570"/>
+            <a:ext cx="3524872" cy="499064"/>
           </a:xfrm>
           <a:prstGeom prst="rect">
             <a:avLst/>
@@ -12199,25 +12864,33 @@
           <a:p>
             <a:pPr algn="ctr"/>
             <a:r>
-              <a:rPr lang="en-US" altLang="ja-JP" dirty="0"/>
-              <a:t>OAuth2AuthenticationManager</a:t>
-            </a:r>
+              <a:rPr lang="en-US" altLang="ja-JP" dirty="0" smtClean="0"/>
+              <a:t>&lt;interface&gt;</a:t>
+            </a:r>
+          </a:p>
+          <a:p>
+            <a:pPr algn="ctr"/>
+            <a:r>
+              <a:rPr lang="en-US" altLang="ja-JP" i="1" dirty="0" err="1" smtClean="0"/>
+              <a:t>AuthorizationServerTokenServices</a:t>
+            </a:r>
+            <a:endParaRPr lang="en-US" altLang="ja-JP" i="1" dirty="0"/>
           </a:p>
         </p:txBody>
       </p:sp>
       <p:cxnSp>
         <p:nvCxnSpPr>
-          <p:cNvPr id="82" name="直線矢印コネクタ 81"/>
+          <p:cNvPr id="106" name="直線矢印コネクタ 105"/>
           <p:cNvCxnSpPr>
-            <a:stCxn id="51" idx="3"/>
-            <a:endCxn id="37" idx="1"/>
+            <a:stCxn id="63" idx="2"/>
+            <a:endCxn id="65" idx="0"/>
           </p:cNvCxnSpPr>
           <p:nvPr/>
         </p:nvCxnSpPr>
         <p:spPr>
-          <a:xfrm flipV="1">
-            <a:off x="7681582" y="2548322"/>
-            <a:ext cx="643221" cy="5666"/>
+          <a:xfrm>
+            <a:off x="4285451" y="2146405"/>
+            <a:ext cx="0" cy="416165"/>
           </a:xfrm>
           <a:prstGeom prst="straightConnector1">
             <a:avLst/>
@@ -12243,104 +12916,14 @@
       </p:cxnSp>
       <p:sp>
         <p:nvSpPr>
-          <p:cNvPr id="202" name="テキスト ボックス 201"/>
-          <p:cNvSpPr txBox="1"/>
-          <p:nvPr/>
-        </p:nvSpPr>
-        <p:spPr>
-          <a:xfrm>
-            <a:off x="10170982" y="1847881"/>
-            <a:ext cx="1757869" cy="369332"/>
-          </a:xfrm>
-          <a:prstGeom prst="rect">
-            <a:avLst/>
-          </a:prstGeom>
-          <a:noFill/>
-        </p:spPr>
-        <p:txBody>
-          <a:bodyPr wrap="square" rtlCol="0">
-            <a:spAutoFit/>
-          </a:bodyPr>
-          <a:lstStyle/>
-          <a:p>
-            <a:r>
-              <a:rPr lang="en-US" altLang="ja-JP" dirty="0" smtClean="0"/>
-              <a:t>Spring Security</a:t>
-            </a:r>
-            <a:endParaRPr lang="en-US" altLang="ja-JP" dirty="0"/>
-          </a:p>
-        </p:txBody>
-      </p:sp>
-      <p:sp>
-        <p:nvSpPr>
-          <p:cNvPr id="30" name="テキスト ボックス 29"/>
-          <p:cNvSpPr txBox="1"/>
-          <p:nvPr/>
-        </p:nvSpPr>
-        <p:spPr>
-          <a:xfrm>
-            <a:off x="7750565" y="2185885"/>
-            <a:ext cx="719090" cy="369332"/>
-          </a:xfrm>
-          <a:prstGeom prst="rect">
-            <a:avLst/>
-          </a:prstGeom>
-          <a:noFill/>
-        </p:spPr>
-        <p:txBody>
-          <a:bodyPr wrap="square" rtlCol="0">
-            <a:spAutoFit/>
-          </a:bodyPr>
-          <a:lstStyle/>
-          <a:p>
-            <a:r>
-              <a:rPr lang="en-US" altLang="ja-JP" dirty="0" smtClean="0"/>
-              <a:t>(2)</a:t>
-            </a:r>
-            <a:endParaRPr lang="en-US" altLang="ja-JP" dirty="0"/>
-          </a:p>
-        </p:txBody>
-      </p:sp>
-      <p:sp>
-        <p:nvSpPr>
-          <p:cNvPr id="23" name="テキスト ボックス 22"/>
-          <p:cNvSpPr txBox="1"/>
-          <p:nvPr/>
-        </p:nvSpPr>
-        <p:spPr>
-          <a:xfrm>
-            <a:off x="5502516" y="4611058"/>
-            <a:ext cx="719090" cy="369332"/>
-          </a:xfrm>
-          <a:prstGeom prst="rect">
-            <a:avLst/>
-          </a:prstGeom>
-          <a:noFill/>
-        </p:spPr>
-        <p:txBody>
-          <a:bodyPr wrap="square" rtlCol="0">
-            <a:spAutoFit/>
-          </a:bodyPr>
-          <a:lstStyle/>
-          <a:p>
-            <a:r>
-              <a:rPr lang="en-US" altLang="ja-JP" dirty="0" smtClean="0"/>
-              <a:t>(4)</a:t>
-            </a:r>
-            <a:endParaRPr lang="en-US" altLang="ja-JP" dirty="0"/>
-          </a:p>
-        </p:txBody>
-      </p:sp>
-      <p:sp>
-        <p:nvSpPr>
-          <p:cNvPr id="37" name="正方形/長方形 36"/>
+          <p:cNvPr id="71" name="正方形/長方形 70"/>
           <p:cNvSpPr/>
           <p:nvPr/>
         </p:nvSpPr>
         <p:spPr>
           <a:xfrm>
-            <a:off x="8324803" y="2298790"/>
-            <a:ext cx="3316642" cy="499064"/>
+            <a:off x="2790835" y="3477799"/>
+            <a:ext cx="2989232" cy="499064"/>
           </a:xfrm>
           <a:prstGeom prst="rect">
             <a:avLst/>
@@ -12355,13 +12938,13 @@
         </p:spPr>
         <p:style>
           <a:lnRef idx="1">
-            <a:schemeClr val="accent2"/>
+            <a:schemeClr val="accent4"/>
           </a:lnRef>
           <a:fillRef idx="2">
-            <a:schemeClr val="accent2"/>
+            <a:schemeClr val="accent4"/>
           </a:fillRef>
           <a:effectRef idx="1">
-            <a:schemeClr val="accent2"/>
+            <a:schemeClr val="accent4"/>
           </a:effectRef>
           <a:fontRef idx="minor">
             <a:schemeClr val="dk1"/>
@@ -12373,15 +12956,8 @@
           <a:p>
             <a:pPr algn="ctr"/>
             <a:r>
-              <a:rPr lang="en-US" altLang="ja-JP" dirty="0"/>
-              <a:t>&lt;interface&gt;</a:t>
-            </a:r>
-          </a:p>
-          <a:p>
-            <a:pPr algn="ctr"/>
-            <a:r>
-              <a:rPr lang="en-US" altLang="ja-JP" dirty="0" err="1"/>
-              <a:t>AuthenticationManager</a:t>
+              <a:rPr lang="en-US" altLang="ja-JP"/>
+              <a:t>AbstractTokenGranter</a:t>
             </a:r>
             <a:endParaRPr lang="en-US" altLang="ja-JP" dirty="0"/>
           </a:p>
@@ -12389,23 +12965,26 @@
       </p:sp>
       <p:cxnSp>
         <p:nvCxnSpPr>
-          <p:cNvPr id="43" name="直線矢印コネクタ 42"/>
+          <p:cNvPr id="86" name="カギ線コネクタ 85"/>
           <p:cNvCxnSpPr>
-            <a:stCxn id="56" idx="0"/>
-            <a:endCxn id="37" idx="2"/>
+            <a:stCxn id="71" idx="2"/>
+            <a:endCxn id="70" idx="0"/>
           </p:cNvCxnSpPr>
           <p:nvPr/>
         </p:nvCxnSpPr>
         <p:spPr>
-          <a:xfrm flipV="1">
-            <a:off x="9983124" y="2797854"/>
-            <a:ext cx="0" cy="702082"/>
-          </a:xfrm>
-          <a:prstGeom prst="straightConnector1">
-            <a:avLst/>
+          <a:xfrm rot="5400000" flipH="1" flipV="1">
+            <a:off x="5439617" y="1408403"/>
+            <a:ext cx="1414293" cy="3722627"/>
+          </a:xfrm>
+          <a:prstGeom prst="bentConnector5">
+            <a:avLst>
+              <a:gd name="adj1" fmla="val -16164"/>
+              <a:gd name="adj2" fmla="val 46403"/>
+              <a:gd name="adj3" fmla="val 116164"/>
+            </a:avLst>
           </a:prstGeom>
           <a:ln w="38100">
-            <a:prstDash val="sysDash"/>
             <a:tailEnd type="arrow"/>
           </a:ln>
         </p:spPr>
@@ -12426,14 +13005,14 @@
       </p:cxnSp>
       <p:sp>
         <p:nvSpPr>
-          <p:cNvPr id="27" name="正方形/長方形 26"/>
+          <p:cNvPr id="92" name="正方形/長方形 91"/>
           <p:cNvSpPr/>
           <p:nvPr/>
         </p:nvSpPr>
         <p:spPr>
           <a:xfrm>
-            <a:off x="365570" y="2306914"/>
-            <a:ext cx="3316642" cy="499064"/>
+            <a:off x="6513462" y="4391377"/>
+            <a:ext cx="2989232" cy="499064"/>
           </a:xfrm>
           <a:prstGeom prst="rect">
             <a:avLst/>
@@ -12448,13 +13027,13 @@
         </p:spPr>
         <p:style>
           <a:lnRef idx="1">
-            <a:schemeClr val="accent2"/>
+            <a:schemeClr val="accent4"/>
           </a:lnRef>
           <a:fillRef idx="2">
-            <a:schemeClr val="accent2"/>
+            <a:schemeClr val="accent4"/>
           </a:fillRef>
           <a:effectRef idx="1">
-            <a:schemeClr val="accent2"/>
+            <a:schemeClr val="accent4"/>
           </a:effectRef>
           <a:fontRef idx="minor">
             <a:schemeClr val="dk1"/>
@@ -12466,64 +13045,214 @@
           <a:p>
             <a:pPr algn="ctr"/>
             <a:r>
-              <a:rPr lang="en-US" altLang="ja-JP" dirty="0"/>
-              <a:t>&lt;interface</a:t>
-            </a:r>
-            <a:r>
               <a:rPr lang="en-US" altLang="ja-JP" dirty="0" smtClean="0"/>
-              <a:t>&gt;</a:t>
+              <a:t>&lt;interface&gt;</a:t>
             </a:r>
           </a:p>
           <a:p>
             <a:pPr algn="ctr"/>
             <a:r>
-              <a:rPr lang="en-US" altLang="ja-JP" i="1" dirty="0" err="1" smtClean="0"/>
-              <a:t>AuthenticationEntryPoint</a:t>
-            </a:r>
-            <a:endParaRPr lang="en-US" altLang="ja-JP" i="1" dirty="0"/>
-          </a:p>
-        </p:txBody>
-      </p:sp>
-      <p:sp>
-        <p:nvSpPr>
-          <p:cNvPr id="24" name="テキスト ボックス 23"/>
-          <p:cNvSpPr txBox="1"/>
-          <p:nvPr/>
-        </p:nvSpPr>
-        <p:spPr>
-          <a:xfrm>
-            <a:off x="1706420" y="1959289"/>
-            <a:ext cx="719090" cy="369332"/>
-          </a:xfrm>
-          <a:prstGeom prst="rect">
-            <a:avLst/>
-          </a:prstGeom>
-          <a:noFill/>
-        </p:spPr>
-        <p:txBody>
-          <a:bodyPr wrap="square" rtlCol="0">
-            <a:spAutoFit/>
-          </a:bodyPr>
-          <a:lstStyle/>
-          <a:p>
-            <a:r>
-              <a:rPr lang="en-US" altLang="ja-JP" dirty="0" smtClean="0"/>
-              <a:t>(2’)</a:t>
+              <a:rPr lang="en-US" altLang="ja-JP" dirty="0" err="1" smtClean="0"/>
+              <a:t>TokenStore</a:t>
             </a:r>
             <a:endParaRPr lang="en-US" altLang="ja-JP" dirty="0"/>
           </a:p>
         </p:txBody>
       </p:sp>
-      <p:sp>
-        <p:nvSpPr>
-          <p:cNvPr id="25" name="正方形/長方形 24"/>
+      <p:cxnSp>
+        <p:nvCxnSpPr>
+          <p:cNvPr id="113" name="直線矢印コネクタ 112"/>
+          <p:cNvCxnSpPr>
+            <a:stCxn id="62" idx="0"/>
+            <a:endCxn id="70" idx="2"/>
+          </p:cNvCxnSpPr>
+          <p:nvPr/>
+        </p:nvCxnSpPr>
+        <p:spPr>
+          <a:xfrm flipV="1">
+            <a:off x="8008077" y="3061634"/>
+            <a:ext cx="1" cy="416165"/>
+          </a:xfrm>
+          <a:prstGeom prst="straightConnector1">
+            <a:avLst/>
+          </a:prstGeom>
+          <a:ln w="38100">
+            <a:prstDash val="sysDash"/>
+            <a:tailEnd type="arrow"/>
+          </a:ln>
+        </p:spPr>
+        <p:style>
+          <a:lnRef idx="2">
+            <a:schemeClr val="dk1"/>
+          </a:lnRef>
+          <a:fillRef idx="0">
+            <a:schemeClr val="dk1"/>
+          </a:fillRef>
+          <a:effectRef idx="1">
+            <a:schemeClr val="dk1"/>
+          </a:effectRef>
+          <a:fontRef idx="minor">
+            <a:schemeClr val="tx1"/>
+          </a:fontRef>
+        </p:style>
+      </p:cxnSp>
+      <p:cxnSp>
+        <p:nvCxnSpPr>
+          <p:cNvPr id="122" name="直線矢印コネクタ 121"/>
+          <p:cNvCxnSpPr>
+            <a:stCxn id="62" idx="2"/>
+            <a:endCxn id="92" idx="0"/>
+          </p:cNvCxnSpPr>
+          <p:nvPr/>
+        </p:nvCxnSpPr>
+        <p:spPr>
+          <a:xfrm>
+            <a:off x="8008077" y="3976863"/>
+            <a:ext cx="1" cy="414514"/>
+          </a:xfrm>
+          <a:prstGeom prst="straightConnector1">
+            <a:avLst/>
+          </a:prstGeom>
+          <a:ln w="38100">
+            <a:tailEnd type="arrow"/>
+          </a:ln>
+        </p:spPr>
+        <p:style>
+          <a:lnRef idx="2">
+            <a:schemeClr val="dk1"/>
+          </a:lnRef>
+          <a:fillRef idx="0">
+            <a:schemeClr val="dk1"/>
+          </a:fillRef>
+          <a:effectRef idx="1">
+            <a:schemeClr val="dk1"/>
+          </a:effectRef>
+          <a:fontRef idx="minor">
+            <a:schemeClr val="tx1"/>
+          </a:fontRef>
+        </p:style>
+      </p:cxnSp>
+      <p:cxnSp>
+        <p:nvCxnSpPr>
+          <p:cNvPr id="190" name="直線矢印コネクタ 189"/>
+          <p:cNvCxnSpPr>
+            <a:stCxn id="71" idx="0"/>
+            <a:endCxn id="65" idx="2"/>
+          </p:cNvCxnSpPr>
+          <p:nvPr/>
+        </p:nvCxnSpPr>
+        <p:spPr>
+          <a:xfrm flipV="1">
+            <a:off x="4285451" y="3061634"/>
+            <a:ext cx="0" cy="416165"/>
+          </a:xfrm>
+          <a:prstGeom prst="straightConnector1">
+            <a:avLst/>
+          </a:prstGeom>
+          <a:ln w="38100">
+            <a:prstDash val="sysDash"/>
+            <a:tailEnd type="arrow"/>
+          </a:ln>
+        </p:spPr>
+        <p:style>
+          <a:lnRef idx="2">
+            <a:schemeClr val="dk1"/>
+          </a:lnRef>
+          <a:fillRef idx="0">
+            <a:schemeClr val="dk1"/>
+          </a:fillRef>
+          <a:effectRef idx="1">
+            <a:schemeClr val="dk1"/>
+          </a:effectRef>
+          <a:fontRef idx="minor">
+            <a:schemeClr val="tx1"/>
+          </a:fontRef>
+        </p:style>
+      </p:cxnSp>
+      <p:cxnSp>
+        <p:nvCxnSpPr>
+          <p:cNvPr id="198" name="直線矢印コネクタ 197"/>
+          <p:cNvCxnSpPr>
+            <a:stCxn id="63" idx="3"/>
+            <a:endCxn id="59" idx="1"/>
+          </p:cNvCxnSpPr>
+          <p:nvPr/>
+        </p:nvCxnSpPr>
+        <p:spPr>
+          <a:xfrm>
+            <a:off x="5780067" y="1896873"/>
+            <a:ext cx="733393" cy="1651"/>
+          </a:xfrm>
+          <a:prstGeom prst="straightConnector1">
+            <a:avLst/>
+          </a:prstGeom>
+          <a:ln w="38100">
+            <a:tailEnd type="arrow"/>
+          </a:ln>
+        </p:spPr>
+        <p:style>
+          <a:lnRef idx="2">
+            <a:schemeClr val="dk1"/>
+          </a:lnRef>
+          <a:fillRef idx="0">
+            <a:schemeClr val="dk1"/>
+          </a:fillRef>
+          <a:effectRef idx="1">
+            <a:schemeClr val="dk1"/>
+          </a:effectRef>
+          <a:fontRef idx="minor">
+            <a:schemeClr val="tx1"/>
+          </a:fontRef>
+        </p:style>
+      </p:cxnSp>
+      <p:cxnSp>
+        <p:nvCxnSpPr>
+          <p:cNvPr id="209" name="カギ線コネクタ 208"/>
+          <p:cNvCxnSpPr>
+            <a:stCxn id="62" idx="3"/>
+            <a:endCxn id="59" idx="3"/>
+          </p:cNvCxnSpPr>
+          <p:nvPr/>
+        </p:nvCxnSpPr>
+        <p:spPr>
+          <a:xfrm flipV="1">
+            <a:off x="9502694" y="1898524"/>
+            <a:ext cx="12700" cy="1828807"/>
+          </a:xfrm>
+          <a:prstGeom prst="bentConnector3">
+            <a:avLst>
+              <a:gd name="adj1" fmla="val 4000000"/>
+            </a:avLst>
+          </a:prstGeom>
+          <a:ln w="38100">
+            <a:tailEnd type="arrow"/>
+          </a:ln>
+        </p:spPr>
+        <p:style>
+          <a:lnRef idx="2">
+            <a:schemeClr val="dk1"/>
+          </a:lnRef>
+          <a:fillRef idx="0">
+            <a:schemeClr val="dk1"/>
+          </a:fillRef>
+          <a:effectRef idx="1">
+            <a:schemeClr val="dk1"/>
+          </a:effectRef>
+          <a:fontRef idx="minor">
+            <a:schemeClr val="tx1"/>
+          </a:fontRef>
+        </p:style>
+      </p:cxnSp>
+      <p:sp>
+        <p:nvSpPr>
+          <p:cNvPr id="36" name="正方形/長方形 35"/>
           <p:cNvSpPr/>
           <p:nvPr/>
         </p:nvSpPr>
         <p:spPr>
           <a:xfrm>
-            <a:off x="365570" y="3944416"/>
-            <a:ext cx="3316642" cy="499064"/>
+            <a:off x="2450977" y="950744"/>
+            <a:ext cx="3668948" cy="456073"/>
           </a:xfrm>
           <a:prstGeom prst="rect">
             <a:avLst/>
@@ -12555,31 +13284,20 @@
           <a:lstStyle/>
           <a:p>
             <a:pPr algn="ctr"/>
-            <a:r>
-              <a:rPr lang="en-US" altLang="ja-JP" dirty="0"/>
-              <a:t>&lt;interface&gt;</a:t>
-            </a:r>
-          </a:p>
-          <a:p>
-            <a:pPr algn="ctr"/>
-            <a:r>
-              <a:rPr lang="en-US" altLang="ja-JP" i="1" dirty="0" err="1" smtClean="0"/>
-              <a:t>AccessDeniedHandler</a:t>
-            </a:r>
-            <a:endParaRPr lang="en-US" altLang="ja-JP" i="1" dirty="0"/>
-          </a:p>
-        </p:txBody>
-      </p:sp>
-      <p:sp>
-        <p:nvSpPr>
-          <p:cNvPr id="26" name="テキスト ボックス 25"/>
+            <a:endParaRPr lang="ja-JP" altLang="en-US"/>
+          </a:p>
+        </p:txBody>
+      </p:sp>
+      <p:sp>
+        <p:nvSpPr>
+          <p:cNvPr id="37" name="テキスト ボックス 36"/>
           <p:cNvSpPr txBox="1"/>
           <p:nvPr/>
         </p:nvSpPr>
         <p:spPr>
           <a:xfrm>
-            <a:off x="1706420" y="3596190"/>
-            <a:ext cx="719090" cy="369332"/>
+            <a:off x="4441938" y="993213"/>
+            <a:ext cx="1677988" cy="369332"/>
           </a:xfrm>
           <a:prstGeom prst="rect">
             <a:avLst/>
@@ -12594,7 +13312,7 @@
           <a:p>
             <a:r>
               <a:rPr lang="en-US" altLang="ja-JP" dirty="0" smtClean="0"/>
-              <a:t>(3’)</a:t>
+              <a:t>Spring Security</a:t>
             </a:r>
             <a:endParaRPr lang="en-US" altLang="ja-JP" dirty="0"/>
           </a:p>
@@ -12602,103 +13320,17 @@
       </p:sp>
       <p:cxnSp>
         <p:nvCxnSpPr>
-          <p:cNvPr id="28" name="直線矢印コネクタ 27"/>
+          <p:cNvPr id="186" name="直線矢印コネクタ 185"/>
           <p:cNvCxnSpPr>
-            <a:stCxn id="27" idx="3"/>
-            <a:endCxn id="51" idx="1"/>
+            <a:stCxn id="7" idx="2"/>
+            <a:endCxn id="63" idx="0"/>
           </p:cNvCxnSpPr>
           <p:nvPr/>
         </p:nvCxnSpPr>
         <p:spPr>
-          <a:xfrm flipV="1">
-            <a:off x="3682212" y="2553988"/>
-            <a:ext cx="682728" cy="2458"/>
-          </a:xfrm>
-          <a:prstGeom prst="straightConnector1">
-            <a:avLst/>
-          </a:prstGeom>
-          <a:ln w="38100">
-            <a:headEnd type="arrow"/>
-            <a:tailEnd type="none"/>
-          </a:ln>
-        </p:spPr>
-        <p:style>
-          <a:lnRef idx="2">
-            <a:schemeClr val="dk1"/>
-          </a:lnRef>
-          <a:fillRef idx="0">
-            <a:schemeClr val="dk1"/>
-          </a:fillRef>
-          <a:effectRef idx="1">
-            <a:schemeClr val="dk1"/>
-          </a:effectRef>
-          <a:fontRef idx="minor">
-            <a:schemeClr val="tx1"/>
-          </a:fontRef>
-        </p:style>
-      </p:cxnSp>
-      <p:sp>
-        <p:nvSpPr>
-          <p:cNvPr id="44" name="正方形/長方形 43"/>
-          <p:cNvSpPr/>
-          <p:nvPr/>
-        </p:nvSpPr>
-        <p:spPr>
-          <a:xfrm>
-            <a:off x="4362339" y="3944416"/>
-            <a:ext cx="3316642" cy="499064"/>
-          </a:xfrm>
-          <a:prstGeom prst="rect">
-            <a:avLst/>
-          </a:prstGeom>
-          <a:effectLst>
-            <a:outerShdw blurRad="50800" dist="38100" dir="2700000" algn="tl" rotWithShape="0">
-              <a:prstClr val="black">
-                <a:alpha val="40000"/>
-              </a:prstClr>
-            </a:outerShdw>
-          </a:effectLst>
-        </p:spPr>
-        <p:style>
-          <a:lnRef idx="1">
-            <a:schemeClr val="accent2"/>
-          </a:lnRef>
-          <a:fillRef idx="2">
-            <a:schemeClr val="accent2"/>
-          </a:fillRef>
-          <a:effectRef idx="1">
-            <a:schemeClr val="accent2"/>
-          </a:effectRef>
-          <a:fontRef idx="minor">
-            <a:schemeClr val="dk1"/>
-          </a:fontRef>
-        </p:style>
-        <p:txBody>
-          <a:bodyPr rtlCol="0" anchor="ctr"/>
-          <a:lstStyle/>
-          <a:p>
-            <a:pPr algn="ctr"/>
-            <a:r>
-              <a:rPr lang="en-US" altLang="ja-JP" dirty="0" err="1"/>
-              <a:t>ExceptionTranslationFilter</a:t>
-            </a:r>
-            <a:endParaRPr lang="en-US" altLang="ja-JP" dirty="0"/>
-          </a:p>
-        </p:txBody>
-      </p:sp>
-      <p:cxnSp>
-        <p:nvCxnSpPr>
-          <p:cNvPr id="47" name="直線矢印コネクタ 46"/>
-          <p:cNvCxnSpPr>
-            <a:stCxn id="51" idx="2"/>
-            <a:endCxn id="44" idx="0"/>
-          </p:cNvCxnSpPr>
-          <p:nvPr/>
-        </p:nvCxnSpPr>
-        <p:spPr>
-          <a:xfrm flipH="1">
-            <a:off x="6020660" y="2803520"/>
-            <a:ext cx="2601" cy="1140896"/>
+          <a:xfrm>
+            <a:off x="4285451" y="628137"/>
+            <a:ext cx="0" cy="1019204"/>
           </a:xfrm>
           <a:prstGeom prst="straightConnector1">
             <a:avLst/>
@@ -12722,124 +13354,15 @@
           </a:fontRef>
         </p:style>
       </p:cxnSp>
-      <p:cxnSp>
-        <p:nvCxnSpPr>
-          <p:cNvPr id="50" name="直線矢印コネクタ 49"/>
-          <p:cNvCxnSpPr>
-            <a:stCxn id="25" idx="3"/>
-            <a:endCxn id="44" idx="1"/>
-          </p:cNvCxnSpPr>
-          <p:nvPr/>
-        </p:nvCxnSpPr>
-        <p:spPr>
-          <a:xfrm>
-            <a:off x="3682212" y="4193948"/>
-            <a:ext cx="680127" cy="0"/>
-          </a:xfrm>
-          <a:prstGeom prst="straightConnector1">
-            <a:avLst/>
-          </a:prstGeom>
-          <a:ln w="38100">
-            <a:headEnd type="arrow"/>
-            <a:tailEnd type="none"/>
-          </a:ln>
-        </p:spPr>
-        <p:style>
-          <a:lnRef idx="2">
-            <a:schemeClr val="dk1"/>
-          </a:lnRef>
-          <a:fillRef idx="0">
-            <a:schemeClr val="dk1"/>
-          </a:fillRef>
-          <a:effectRef idx="1">
-            <a:schemeClr val="dk1"/>
-          </a:effectRef>
-          <a:fontRef idx="minor">
-            <a:schemeClr val="tx1"/>
-          </a:fontRef>
-        </p:style>
-      </p:cxnSp>
-      <p:cxnSp>
-        <p:nvCxnSpPr>
-          <p:cNvPr id="92" name="直線矢印コネクタ 91"/>
-          <p:cNvCxnSpPr>
-            <a:stCxn id="7" idx="2"/>
-            <a:endCxn id="51" idx="0"/>
-          </p:cNvCxnSpPr>
-          <p:nvPr/>
-        </p:nvCxnSpPr>
-        <p:spPr>
-          <a:xfrm>
-            <a:off x="6020660" y="994968"/>
-            <a:ext cx="2601" cy="1309488"/>
-          </a:xfrm>
-          <a:prstGeom prst="straightConnector1">
-            <a:avLst/>
-          </a:prstGeom>
-          <a:ln w="38100">
-            <a:tailEnd type="arrow"/>
-          </a:ln>
-        </p:spPr>
-        <p:style>
-          <a:lnRef idx="2">
-            <a:schemeClr val="dk1"/>
-          </a:lnRef>
-          <a:fillRef idx="0">
-            <a:schemeClr val="dk1"/>
-          </a:fillRef>
-          <a:effectRef idx="1">
-            <a:schemeClr val="dk1"/>
-          </a:effectRef>
-          <a:fontRef idx="minor">
-            <a:schemeClr val="tx1"/>
-          </a:fontRef>
-        </p:style>
-      </p:cxnSp>
-      <p:cxnSp>
-        <p:nvCxnSpPr>
-          <p:cNvPr id="54" name="直線矢印コネクタ 53"/>
-          <p:cNvCxnSpPr>
-            <a:stCxn id="44" idx="2"/>
-            <a:endCxn id="52" idx="0"/>
-          </p:cNvCxnSpPr>
-          <p:nvPr/>
-        </p:nvCxnSpPr>
-        <p:spPr>
-          <a:xfrm flipH="1">
-            <a:off x="6020659" y="4443480"/>
-            <a:ext cx="1" cy="1180073"/>
-          </a:xfrm>
-          <a:prstGeom prst="straightConnector1">
-            <a:avLst/>
-          </a:prstGeom>
-          <a:ln w="38100">
-            <a:tailEnd type="arrow"/>
-          </a:ln>
-        </p:spPr>
-        <p:style>
-          <a:lnRef idx="2">
-            <a:schemeClr val="dk1"/>
-          </a:lnRef>
-          <a:fillRef idx="0">
-            <a:schemeClr val="dk1"/>
-          </a:fillRef>
-          <a:effectRef idx="1">
-            <a:schemeClr val="dk1"/>
-          </a:effectRef>
-          <a:fontRef idx="minor">
-            <a:schemeClr val="tx1"/>
-          </a:fontRef>
-        </p:style>
-      </p:cxnSp>
-      <p:sp>
-        <p:nvSpPr>
-          <p:cNvPr id="29" name="テキスト ボックス 28"/>
+      <p:sp>
+        <p:nvSpPr>
+          <p:cNvPr id="93" name="テキスト ボックス 92"/>
           <p:cNvSpPr txBox="1"/>
           <p:nvPr/>
         </p:nvSpPr>
         <p:spPr>
           <a:xfrm>
-            <a:off x="5502516" y="1949833"/>
+            <a:off x="4319326" y="591264"/>
             <a:ext cx="719090" cy="369332"/>
           </a:xfrm>
           <a:prstGeom prst="rect">
@@ -12861,51 +13384,15 @@
           </a:p>
         </p:txBody>
       </p:sp>
-      <p:cxnSp>
-        <p:nvCxnSpPr>
-          <p:cNvPr id="22" name="直線矢印コネクタ 21"/>
-          <p:cNvCxnSpPr>
-            <a:stCxn id="56" idx="2"/>
-            <a:endCxn id="53" idx="0"/>
-          </p:cNvCxnSpPr>
-          <p:nvPr/>
-        </p:nvCxnSpPr>
-        <p:spPr>
-          <a:xfrm>
-            <a:off x="9983124" y="3999000"/>
-            <a:ext cx="18187" cy="1630654"/>
-          </a:xfrm>
-          <a:prstGeom prst="straightConnector1">
-            <a:avLst/>
-          </a:prstGeom>
-          <a:ln w="38100">
-            <a:tailEnd type="arrow"/>
-          </a:ln>
-        </p:spPr>
-        <p:style>
-          <a:lnRef idx="2">
-            <a:schemeClr val="dk1"/>
-          </a:lnRef>
-          <a:fillRef idx="0">
-            <a:schemeClr val="dk1"/>
-          </a:fillRef>
-          <a:effectRef idx="1">
-            <a:schemeClr val="dk1"/>
-          </a:effectRef>
-          <a:fontRef idx="minor">
-            <a:schemeClr val="tx1"/>
-          </a:fontRef>
-        </p:style>
-      </p:cxnSp>
-      <p:sp>
-        <p:nvSpPr>
-          <p:cNvPr id="105" name="テキスト ボックス 104"/>
+      <p:sp>
+        <p:nvSpPr>
+          <p:cNvPr id="94" name="テキスト ボックス 93"/>
           <p:cNvSpPr txBox="1"/>
           <p:nvPr/>
         </p:nvSpPr>
         <p:spPr>
           <a:xfrm>
-            <a:off x="5502516" y="3611852"/>
+            <a:off x="6119925" y="1353660"/>
             <a:ext cx="719090" cy="369332"/>
           </a:xfrm>
           <a:prstGeom prst="rect">
@@ -12921,6 +13408,36 @@
           <a:p>
             <a:r>
               <a:rPr lang="en-US" altLang="ja-JP" dirty="0" smtClean="0"/>
+              <a:t>(2)</a:t>
+            </a:r>
+            <a:endParaRPr lang="en-US" altLang="ja-JP" dirty="0"/>
+          </a:p>
+        </p:txBody>
+      </p:sp>
+      <p:sp>
+        <p:nvSpPr>
+          <p:cNvPr id="95" name="テキスト ボックス 94"/>
+          <p:cNvSpPr txBox="1"/>
+          <p:nvPr/>
+        </p:nvSpPr>
+        <p:spPr>
+          <a:xfrm>
+            <a:off x="4319326" y="2170196"/>
+            <a:ext cx="719090" cy="369332"/>
+          </a:xfrm>
+          <a:prstGeom prst="rect">
+            <a:avLst/>
+          </a:prstGeom>
+          <a:noFill/>
+        </p:spPr>
+        <p:txBody>
+          <a:bodyPr wrap="square" rtlCol="0">
+            <a:spAutoFit/>
+          </a:bodyPr>
+          <a:lstStyle/>
+          <a:p>
+            <a:r>
+              <a:rPr lang="en-US" altLang="ja-JP" dirty="0" smtClean="0"/>
               <a:t>(3)</a:t>
             </a:r>
             <a:endParaRPr lang="en-US" altLang="ja-JP" dirty="0"/>
@@ -12929,179 +13446,68 @@
       </p:sp>
       <p:sp>
         <p:nvSpPr>
-          <p:cNvPr id="114" name="正方形/長方形 113"/>
-          <p:cNvSpPr/>
-          <p:nvPr/>
-        </p:nvSpPr>
-        <p:spPr>
-          <a:xfrm>
-            <a:off x="365570" y="3110074"/>
-            <a:ext cx="3316642" cy="499064"/>
+          <p:cNvPr id="96" name="テキスト ボックス 95"/>
+          <p:cNvSpPr txBox="1"/>
+          <p:nvPr/>
+        </p:nvSpPr>
+        <p:spPr>
+          <a:xfrm>
+            <a:off x="4319326" y="4206711"/>
+            <a:ext cx="719090" cy="369332"/>
           </a:xfrm>
           <a:prstGeom prst="rect">
             <a:avLst/>
           </a:prstGeom>
-          <a:effectLst>
-            <a:outerShdw blurRad="50800" dist="38100" dir="2700000" algn="tl" rotWithShape="0">
-              <a:prstClr val="black">
-                <a:alpha val="40000"/>
-              </a:prstClr>
-            </a:outerShdw>
-          </a:effectLst>
-        </p:spPr>
-        <p:style>
-          <a:lnRef idx="1">
-            <a:schemeClr val="accent4"/>
-          </a:lnRef>
-          <a:fillRef idx="2">
-            <a:schemeClr val="accent4"/>
-          </a:fillRef>
-          <a:effectRef idx="1">
-            <a:schemeClr val="accent4"/>
-          </a:effectRef>
-          <a:fontRef idx="minor">
-            <a:schemeClr val="dk1"/>
-          </a:fontRef>
-        </p:style>
-        <p:txBody>
-          <a:bodyPr rtlCol="0" anchor="ctr"/>
-          <a:lstStyle/>
-          <a:p>
-            <a:pPr algn="ctr"/>
-            <a:r>
-              <a:rPr lang="en-US" altLang="ja-JP" dirty="0"/>
-              <a:t>OAuth2AuthenticationEntryPoint</a:t>
-            </a:r>
-          </a:p>
-        </p:txBody>
-      </p:sp>
-      <p:sp>
-        <p:nvSpPr>
-          <p:cNvPr id="120" name="正方形/長方形 119"/>
-          <p:cNvSpPr/>
-          <p:nvPr/>
-        </p:nvSpPr>
-        <p:spPr>
-          <a:xfrm>
-            <a:off x="365570" y="4734876"/>
-            <a:ext cx="3316642" cy="499064"/>
+          <a:noFill/>
+        </p:spPr>
+        <p:txBody>
+          <a:bodyPr wrap="square" rtlCol="0">
+            <a:spAutoFit/>
+          </a:bodyPr>
+          <a:lstStyle/>
+          <a:p>
+            <a:r>
+              <a:rPr lang="en-US" altLang="ja-JP" dirty="0" smtClean="0"/>
+              <a:t>(4)</a:t>
+            </a:r>
+            <a:endParaRPr lang="en-US" altLang="ja-JP" dirty="0"/>
+          </a:p>
+        </p:txBody>
+      </p:sp>
+      <p:sp>
+        <p:nvSpPr>
+          <p:cNvPr id="97" name="テキスト ボックス 96"/>
+          <p:cNvSpPr txBox="1"/>
+          <p:nvPr/>
+        </p:nvSpPr>
+        <p:spPr>
+          <a:xfrm>
+            <a:off x="8067064" y="3986956"/>
+            <a:ext cx="719090" cy="369332"/>
           </a:xfrm>
           <a:prstGeom prst="rect">
             <a:avLst/>
           </a:prstGeom>
-          <a:effectLst>
-            <a:outerShdw blurRad="50800" dist="38100" dir="2700000" algn="tl" rotWithShape="0">
-              <a:prstClr val="black">
-                <a:alpha val="40000"/>
-              </a:prstClr>
-            </a:outerShdw>
-          </a:effectLst>
-        </p:spPr>
-        <p:style>
-          <a:lnRef idx="1">
-            <a:schemeClr val="accent4"/>
-          </a:lnRef>
-          <a:fillRef idx="2">
-            <a:schemeClr val="accent4"/>
-          </a:fillRef>
-          <a:effectRef idx="1">
-            <a:schemeClr val="accent4"/>
-          </a:effectRef>
-          <a:fontRef idx="minor">
-            <a:schemeClr val="dk1"/>
-          </a:fontRef>
-        </p:style>
-        <p:txBody>
-          <a:bodyPr rtlCol="0" anchor="ctr"/>
-          <a:lstStyle/>
-          <a:p>
-            <a:pPr algn="ctr"/>
-            <a:r>
-              <a:rPr lang="en-US" altLang="ja-JP"/>
-              <a:t>OAuth2AccessDeniedHandler</a:t>
+          <a:noFill/>
+        </p:spPr>
+        <p:txBody>
+          <a:bodyPr wrap="square" rtlCol="0">
+            <a:spAutoFit/>
+          </a:bodyPr>
+          <a:lstStyle/>
+          <a:p>
+            <a:r>
+              <a:rPr lang="en-US" altLang="ja-JP" dirty="0" smtClean="0"/>
+              <a:t>(5)</a:t>
             </a:r>
             <a:endParaRPr lang="en-US" altLang="ja-JP" dirty="0"/>
           </a:p>
         </p:txBody>
       </p:sp>
-      <p:cxnSp>
-        <p:nvCxnSpPr>
-          <p:cNvPr id="128" name="直線矢印コネクタ 127"/>
-          <p:cNvCxnSpPr>
-            <a:stCxn id="114" idx="0"/>
-            <a:endCxn id="27" idx="2"/>
-          </p:cNvCxnSpPr>
-          <p:nvPr/>
-        </p:nvCxnSpPr>
-        <p:spPr>
-          <a:xfrm flipV="1">
-            <a:off x="2023891" y="2805978"/>
-            <a:ext cx="0" cy="304096"/>
-          </a:xfrm>
-          <a:prstGeom prst="straightConnector1">
-            <a:avLst/>
-          </a:prstGeom>
-          <a:ln w="38100">
-            <a:prstDash val="sysDash"/>
-            <a:tailEnd type="arrow"/>
-          </a:ln>
-        </p:spPr>
-        <p:style>
-          <a:lnRef idx="2">
-            <a:schemeClr val="dk1"/>
-          </a:lnRef>
-          <a:fillRef idx="0">
-            <a:schemeClr val="dk1"/>
-          </a:fillRef>
-          <a:effectRef idx="1">
-            <a:schemeClr val="dk1"/>
-          </a:effectRef>
-          <a:fontRef idx="minor">
-            <a:schemeClr val="tx1"/>
-          </a:fontRef>
-        </p:style>
-      </p:cxnSp>
-      <p:cxnSp>
-        <p:nvCxnSpPr>
-          <p:cNvPr id="131" name="直線矢印コネクタ 130"/>
-          <p:cNvCxnSpPr>
-            <a:stCxn id="120" idx="0"/>
-            <a:endCxn id="25" idx="2"/>
-          </p:cNvCxnSpPr>
-          <p:nvPr/>
-        </p:nvCxnSpPr>
-        <p:spPr>
-          <a:xfrm flipV="1">
-            <a:off x="2023891" y="4443480"/>
-            <a:ext cx="0" cy="291396"/>
-          </a:xfrm>
-          <a:prstGeom prst="straightConnector1">
-            <a:avLst/>
-          </a:prstGeom>
-          <a:ln w="38100">
-            <a:prstDash val="sysDash"/>
-            <a:tailEnd type="arrow"/>
-          </a:ln>
-        </p:spPr>
-        <p:style>
-          <a:lnRef idx="2">
-            <a:schemeClr val="dk1"/>
-          </a:lnRef>
-          <a:fillRef idx="0">
-            <a:schemeClr val="dk1"/>
-          </a:fillRef>
-          <a:effectRef idx="1">
-            <a:schemeClr val="dk1"/>
-          </a:effectRef>
-          <a:fontRef idx="minor">
-            <a:schemeClr val="tx1"/>
-          </a:fontRef>
-        </p:style>
-      </p:cxnSp>
     </p:spTree>
     <p:extLst>
       <p:ext uri="{BB962C8B-B14F-4D97-AF65-F5344CB8AC3E}">
-        <p14:creationId xmlns:p14="http://schemas.microsoft.com/office/powerpoint/2010/main" val="4266988225"/>
+        <p14:creationId xmlns:p14="http://schemas.microsoft.com/office/powerpoint/2010/main" val="3205589076"/>
       </p:ext>
     </p:extLst>
   </p:cSld>
@@ -13130,6 +13536,1304 @@
       </p:grpSpPr>
       <p:sp>
         <p:nvSpPr>
+          <p:cNvPr id="7" name="角丸四角形 6"/>
+          <p:cNvSpPr/>
+          <p:nvPr/>
+        </p:nvSpPr>
+        <p:spPr>
+          <a:xfrm>
+            <a:off x="5102882" y="480348"/>
+            <a:ext cx="1835555" cy="514620"/>
+          </a:xfrm>
+          <a:prstGeom prst="roundRect">
+            <a:avLst/>
+          </a:prstGeom>
+          <a:ln/>
+        </p:spPr>
+        <p:style>
+          <a:lnRef idx="1">
+            <a:schemeClr val="accent5"/>
+          </a:lnRef>
+          <a:fillRef idx="3">
+            <a:schemeClr val="accent5"/>
+          </a:fillRef>
+          <a:effectRef idx="2">
+            <a:schemeClr val="accent5"/>
+          </a:effectRef>
+          <a:fontRef idx="minor">
+            <a:schemeClr val="lt1"/>
+          </a:fontRef>
+        </p:style>
+        <p:txBody>
+          <a:bodyPr rtlCol="0" anchor="ctr"/>
+          <a:lstStyle/>
+          <a:p>
+            <a:pPr algn="ctr"/>
+            <a:r>
+              <a:rPr lang="en-US" altLang="ja-JP" sz="1600" dirty="0" smtClean="0"/>
+              <a:t>Client</a:t>
+            </a:r>
+            <a:endParaRPr lang="en-US" altLang="ja-JP" sz="1600" dirty="0"/>
+          </a:p>
+        </p:txBody>
+      </p:sp>
+      <p:sp>
+        <p:nvSpPr>
+          <p:cNvPr id="8" name="角丸四角形 7"/>
+          <p:cNvSpPr/>
+          <p:nvPr/>
+        </p:nvSpPr>
+        <p:spPr>
+          <a:xfrm>
+            <a:off x="76197" y="1509588"/>
+            <a:ext cx="11976099" cy="5055897"/>
+          </a:xfrm>
+          <a:prstGeom prst="roundRect">
+            <a:avLst/>
+          </a:prstGeom>
+        </p:spPr>
+        <p:style>
+          <a:lnRef idx="1">
+            <a:schemeClr val="accent4"/>
+          </a:lnRef>
+          <a:fillRef idx="3">
+            <a:schemeClr val="accent4"/>
+          </a:fillRef>
+          <a:effectRef idx="2">
+            <a:schemeClr val="accent4"/>
+          </a:effectRef>
+          <a:fontRef idx="minor">
+            <a:schemeClr val="lt1"/>
+          </a:fontRef>
+        </p:style>
+        <p:txBody>
+          <a:bodyPr rtlCol="0" anchor="ctr"/>
+          <a:lstStyle/>
+          <a:p>
+            <a:pPr algn="ctr"/>
+            <a:endParaRPr lang="en-US" altLang="ja-JP" sz="1600" dirty="0">
+              <a:solidFill>
+                <a:schemeClr val="bg1"/>
+              </a:solidFill>
+            </a:endParaRPr>
+          </a:p>
+        </p:txBody>
+      </p:sp>
+      <p:sp>
+        <p:nvSpPr>
+          <p:cNvPr id="53" name="正方形/長方形 52"/>
+          <p:cNvSpPr/>
+          <p:nvPr/>
+        </p:nvSpPr>
+        <p:spPr>
+          <a:xfrm>
+            <a:off x="8342990" y="5629654"/>
+            <a:ext cx="3316642" cy="499064"/>
+          </a:xfrm>
+          <a:prstGeom prst="rect">
+            <a:avLst/>
+          </a:prstGeom>
+          <a:effectLst>
+            <a:outerShdw blurRad="50800" dist="38100" dir="2700000" algn="tl" rotWithShape="0">
+              <a:prstClr val="black">
+                <a:alpha val="40000"/>
+              </a:prstClr>
+            </a:outerShdw>
+          </a:effectLst>
+        </p:spPr>
+        <p:style>
+          <a:lnRef idx="1">
+            <a:schemeClr val="accent4"/>
+          </a:lnRef>
+          <a:fillRef idx="2">
+            <a:schemeClr val="accent4"/>
+          </a:fillRef>
+          <a:effectRef idx="1">
+            <a:schemeClr val="accent4"/>
+          </a:effectRef>
+          <a:fontRef idx="minor">
+            <a:schemeClr val="dk1"/>
+          </a:fontRef>
+        </p:style>
+        <p:txBody>
+          <a:bodyPr rtlCol="0" anchor="ctr"/>
+          <a:lstStyle/>
+          <a:p>
+            <a:pPr algn="ctr"/>
+            <a:r>
+              <a:rPr lang="en-US" altLang="ja-JP" dirty="0"/>
+              <a:t>&lt;interface</a:t>
+            </a:r>
+            <a:r>
+              <a:rPr lang="en-US" altLang="ja-JP" dirty="0" smtClean="0"/>
+              <a:t>&gt;</a:t>
+            </a:r>
+          </a:p>
+          <a:p>
+            <a:pPr algn="ctr"/>
+            <a:r>
+              <a:rPr lang="en-US" altLang="ja-JP" i="1" dirty="0" err="1" smtClean="0"/>
+              <a:t>ResourceServerTokenServices</a:t>
+            </a:r>
+            <a:endParaRPr lang="en-US" altLang="ja-JP" i="1" dirty="0"/>
+          </a:p>
+        </p:txBody>
+      </p:sp>
+      <p:sp>
+        <p:nvSpPr>
+          <p:cNvPr id="52" name="正方形/長方形 51"/>
+          <p:cNvSpPr/>
+          <p:nvPr/>
+        </p:nvSpPr>
+        <p:spPr>
+          <a:xfrm>
+            <a:off x="4897239" y="5623553"/>
+            <a:ext cx="2246840" cy="499064"/>
+          </a:xfrm>
+          <a:prstGeom prst="rect">
+            <a:avLst/>
+          </a:prstGeom>
+          <a:effectLst>
+            <a:outerShdw blurRad="50800" dist="38100" dir="2700000" algn="tl" rotWithShape="0">
+              <a:prstClr val="black">
+                <a:alpha val="40000"/>
+              </a:prstClr>
+            </a:outerShdw>
+          </a:effectLst>
+        </p:spPr>
+        <p:style>
+          <a:lnRef idx="1">
+            <a:schemeClr val="accent6"/>
+          </a:lnRef>
+          <a:fillRef idx="2">
+            <a:schemeClr val="accent6"/>
+          </a:fillRef>
+          <a:effectRef idx="1">
+            <a:schemeClr val="accent6"/>
+          </a:effectRef>
+          <a:fontRef idx="minor">
+            <a:schemeClr val="dk1"/>
+          </a:fontRef>
+        </p:style>
+        <p:txBody>
+          <a:bodyPr rtlCol="0" anchor="ctr"/>
+          <a:lstStyle/>
+          <a:p>
+            <a:pPr algn="ctr"/>
+            <a:r>
+              <a:rPr lang="en-US" altLang="ja-JP" dirty="0"/>
+              <a:t>Resource</a:t>
+            </a:r>
+          </a:p>
+        </p:txBody>
+      </p:sp>
+      <p:sp>
+        <p:nvSpPr>
+          <p:cNvPr id="55" name="テキスト ボックス 54"/>
+          <p:cNvSpPr txBox="1"/>
+          <p:nvPr/>
+        </p:nvSpPr>
+        <p:spPr>
+          <a:xfrm>
+            <a:off x="10095698" y="6152670"/>
+            <a:ext cx="2018238" cy="369332"/>
+          </a:xfrm>
+          <a:prstGeom prst="rect">
+            <a:avLst/>
+          </a:prstGeom>
+          <a:noFill/>
+        </p:spPr>
+        <p:txBody>
+          <a:bodyPr wrap="square" rtlCol="0">
+            <a:spAutoFit/>
+          </a:bodyPr>
+          <a:lstStyle/>
+          <a:p>
+            <a:r>
+              <a:rPr lang="en-US" altLang="ja-JP" dirty="0">
+                <a:solidFill>
+                  <a:schemeClr val="bg1"/>
+                </a:solidFill>
+              </a:rPr>
+              <a:t>Resource server</a:t>
+            </a:r>
+          </a:p>
+        </p:txBody>
+      </p:sp>
+      <p:sp>
+        <p:nvSpPr>
+          <p:cNvPr id="16" name="正方形/長方形 15"/>
+          <p:cNvSpPr/>
+          <p:nvPr/>
+        </p:nvSpPr>
+        <p:spPr>
+          <a:xfrm>
+            <a:off x="252171" y="1864056"/>
+            <a:ext cx="11536979" cy="3520744"/>
+          </a:xfrm>
+          <a:prstGeom prst="rect">
+            <a:avLst/>
+          </a:prstGeom>
+          <a:effectLst>
+            <a:outerShdw blurRad="50800" dist="38100" dir="2700000" algn="tl" rotWithShape="0">
+              <a:prstClr val="black">
+                <a:alpha val="40000"/>
+              </a:prstClr>
+            </a:outerShdw>
+          </a:effectLst>
+        </p:spPr>
+        <p:style>
+          <a:lnRef idx="1">
+            <a:schemeClr val="accent2"/>
+          </a:lnRef>
+          <a:fillRef idx="2">
+            <a:schemeClr val="accent2"/>
+          </a:fillRef>
+          <a:effectRef idx="1">
+            <a:schemeClr val="accent2"/>
+          </a:effectRef>
+          <a:fontRef idx="minor">
+            <a:schemeClr val="dk1"/>
+          </a:fontRef>
+        </p:style>
+        <p:txBody>
+          <a:bodyPr rtlCol="0" anchor="ctr"/>
+          <a:lstStyle/>
+          <a:p>
+            <a:pPr algn="ctr"/>
+            <a:endParaRPr lang="ja-JP" altLang="en-US"/>
+          </a:p>
+        </p:txBody>
+      </p:sp>
+      <p:sp>
+        <p:nvSpPr>
+          <p:cNvPr id="51" name="正方形/長方形 50"/>
+          <p:cNvSpPr/>
+          <p:nvPr/>
+        </p:nvSpPr>
+        <p:spPr>
+          <a:xfrm>
+            <a:off x="4364940" y="2304456"/>
+            <a:ext cx="3316642" cy="499064"/>
+          </a:xfrm>
+          <a:prstGeom prst="rect">
+            <a:avLst/>
+          </a:prstGeom>
+          <a:effectLst>
+            <a:outerShdw blurRad="50800" dist="38100" dir="2700000" algn="tl" rotWithShape="0">
+              <a:prstClr val="black">
+                <a:alpha val="40000"/>
+              </a:prstClr>
+            </a:outerShdw>
+          </a:effectLst>
+        </p:spPr>
+        <p:style>
+          <a:lnRef idx="1">
+            <a:schemeClr val="accent4"/>
+          </a:lnRef>
+          <a:fillRef idx="2">
+            <a:schemeClr val="accent4"/>
+          </a:fillRef>
+          <a:effectRef idx="1">
+            <a:schemeClr val="accent4"/>
+          </a:effectRef>
+          <a:fontRef idx="minor">
+            <a:schemeClr val="dk1"/>
+          </a:fontRef>
+        </p:style>
+        <p:txBody>
+          <a:bodyPr rtlCol="0" anchor="ctr"/>
+          <a:lstStyle/>
+          <a:p>
+            <a:pPr algn="ctr"/>
+            <a:r>
+              <a:rPr lang="en-US" altLang="ja-JP" dirty="0" smtClean="0"/>
+              <a:t>OAuth2Authentication</a:t>
+            </a:r>
+          </a:p>
+          <a:p>
+            <a:pPr algn="ctr"/>
+            <a:r>
+              <a:rPr lang="en-US" altLang="ja-JP" dirty="0" err="1" smtClean="0"/>
+              <a:t>ProcessingFilter</a:t>
+            </a:r>
+            <a:endParaRPr lang="en-US" altLang="ja-JP" dirty="0"/>
+          </a:p>
+        </p:txBody>
+      </p:sp>
+      <p:sp>
+        <p:nvSpPr>
+          <p:cNvPr id="56" name="正方形/長方形 55"/>
+          <p:cNvSpPr/>
+          <p:nvPr/>
+        </p:nvSpPr>
+        <p:spPr>
+          <a:xfrm>
+            <a:off x="8324803" y="3499936"/>
+            <a:ext cx="3316642" cy="499064"/>
+          </a:xfrm>
+          <a:prstGeom prst="rect">
+            <a:avLst/>
+          </a:prstGeom>
+          <a:effectLst>
+            <a:outerShdw blurRad="50800" dist="38100" dir="2700000" algn="tl" rotWithShape="0">
+              <a:prstClr val="black">
+                <a:alpha val="40000"/>
+              </a:prstClr>
+            </a:outerShdw>
+          </a:effectLst>
+        </p:spPr>
+        <p:style>
+          <a:lnRef idx="1">
+            <a:schemeClr val="accent4"/>
+          </a:lnRef>
+          <a:fillRef idx="2">
+            <a:schemeClr val="accent4"/>
+          </a:fillRef>
+          <a:effectRef idx="1">
+            <a:schemeClr val="accent4"/>
+          </a:effectRef>
+          <a:fontRef idx="minor">
+            <a:schemeClr val="dk1"/>
+          </a:fontRef>
+        </p:style>
+        <p:txBody>
+          <a:bodyPr rtlCol="0" anchor="ctr"/>
+          <a:lstStyle/>
+          <a:p>
+            <a:pPr algn="ctr"/>
+            <a:r>
+              <a:rPr lang="en-US" altLang="ja-JP" dirty="0"/>
+              <a:t>OAuth2AuthenticationManager</a:t>
+            </a:r>
+          </a:p>
+        </p:txBody>
+      </p:sp>
+      <p:cxnSp>
+        <p:nvCxnSpPr>
+          <p:cNvPr id="82" name="直線矢印コネクタ 81"/>
+          <p:cNvCxnSpPr>
+            <a:stCxn id="51" idx="3"/>
+            <a:endCxn id="37" idx="1"/>
+          </p:cNvCxnSpPr>
+          <p:nvPr/>
+        </p:nvCxnSpPr>
+        <p:spPr>
+          <a:xfrm flipV="1">
+            <a:off x="7681582" y="2548322"/>
+            <a:ext cx="643221" cy="5666"/>
+          </a:xfrm>
+          <a:prstGeom prst="straightConnector1">
+            <a:avLst/>
+          </a:prstGeom>
+          <a:ln w="38100">
+            <a:tailEnd type="arrow"/>
+          </a:ln>
+        </p:spPr>
+        <p:style>
+          <a:lnRef idx="2">
+            <a:schemeClr val="dk1"/>
+          </a:lnRef>
+          <a:fillRef idx="0">
+            <a:schemeClr val="dk1"/>
+          </a:fillRef>
+          <a:effectRef idx="1">
+            <a:schemeClr val="dk1"/>
+          </a:effectRef>
+          <a:fontRef idx="minor">
+            <a:schemeClr val="tx1"/>
+          </a:fontRef>
+        </p:style>
+      </p:cxnSp>
+      <p:sp>
+        <p:nvSpPr>
+          <p:cNvPr id="202" name="テキスト ボックス 201"/>
+          <p:cNvSpPr txBox="1"/>
+          <p:nvPr/>
+        </p:nvSpPr>
+        <p:spPr>
+          <a:xfrm>
+            <a:off x="10170982" y="1847881"/>
+            <a:ext cx="1757869" cy="369332"/>
+          </a:xfrm>
+          <a:prstGeom prst="rect">
+            <a:avLst/>
+          </a:prstGeom>
+          <a:noFill/>
+        </p:spPr>
+        <p:txBody>
+          <a:bodyPr wrap="square" rtlCol="0">
+            <a:spAutoFit/>
+          </a:bodyPr>
+          <a:lstStyle/>
+          <a:p>
+            <a:r>
+              <a:rPr lang="en-US" altLang="ja-JP" dirty="0" smtClean="0"/>
+              <a:t>Spring Security</a:t>
+            </a:r>
+            <a:endParaRPr lang="en-US" altLang="ja-JP" dirty="0"/>
+          </a:p>
+        </p:txBody>
+      </p:sp>
+      <p:sp>
+        <p:nvSpPr>
+          <p:cNvPr id="30" name="テキスト ボックス 29"/>
+          <p:cNvSpPr txBox="1"/>
+          <p:nvPr/>
+        </p:nvSpPr>
+        <p:spPr>
+          <a:xfrm>
+            <a:off x="7750565" y="2185885"/>
+            <a:ext cx="719090" cy="369332"/>
+          </a:xfrm>
+          <a:prstGeom prst="rect">
+            <a:avLst/>
+          </a:prstGeom>
+          <a:noFill/>
+        </p:spPr>
+        <p:txBody>
+          <a:bodyPr wrap="square" rtlCol="0">
+            <a:spAutoFit/>
+          </a:bodyPr>
+          <a:lstStyle/>
+          <a:p>
+            <a:r>
+              <a:rPr lang="en-US" altLang="ja-JP" dirty="0" smtClean="0"/>
+              <a:t>(2)</a:t>
+            </a:r>
+            <a:endParaRPr lang="en-US" altLang="ja-JP" dirty="0"/>
+          </a:p>
+        </p:txBody>
+      </p:sp>
+      <p:sp>
+        <p:nvSpPr>
+          <p:cNvPr id="23" name="テキスト ボックス 22"/>
+          <p:cNvSpPr txBox="1"/>
+          <p:nvPr/>
+        </p:nvSpPr>
+        <p:spPr>
+          <a:xfrm>
+            <a:off x="5502516" y="4611058"/>
+            <a:ext cx="719090" cy="369332"/>
+          </a:xfrm>
+          <a:prstGeom prst="rect">
+            <a:avLst/>
+          </a:prstGeom>
+          <a:noFill/>
+        </p:spPr>
+        <p:txBody>
+          <a:bodyPr wrap="square" rtlCol="0">
+            <a:spAutoFit/>
+          </a:bodyPr>
+          <a:lstStyle/>
+          <a:p>
+            <a:r>
+              <a:rPr lang="en-US" altLang="ja-JP" dirty="0" smtClean="0"/>
+              <a:t>(4)</a:t>
+            </a:r>
+            <a:endParaRPr lang="en-US" altLang="ja-JP" dirty="0"/>
+          </a:p>
+        </p:txBody>
+      </p:sp>
+      <p:sp>
+        <p:nvSpPr>
+          <p:cNvPr id="37" name="正方形/長方形 36"/>
+          <p:cNvSpPr/>
+          <p:nvPr/>
+        </p:nvSpPr>
+        <p:spPr>
+          <a:xfrm>
+            <a:off x="8324803" y="2298790"/>
+            <a:ext cx="3316642" cy="499064"/>
+          </a:xfrm>
+          <a:prstGeom prst="rect">
+            <a:avLst/>
+          </a:prstGeom>
+          <a:effectLst>
+            <a:outerShdw blurRad="50800" dist="38100" dir="2700000" algn="tl" rotWithShape="0">
+              <a:prstClr val="black">
+                <a:alpha val="40000"/>
+              </a:prstClr>
+            </a:outerShdw>
+          </a:effectLst>
+        </p:spPr>
+        <p:style>
+          <a:lnRef idx="1">
+            <a:schemeClr val="accent2"/>
+          </a:lnRef>
+          <a:fillRef idx="2">
+            <a:schemeClr val="accent2"/>
+          </a:fillRef>
+          <a:effectRef idx="1">
+            <a:schemeClr val="accent2"/>
+          </a:effectRef>
+          <a:fontRef idx="minor">
+            <a:schemeClr val="dk1"/>
+          </a:fontRef>
+        </p:style>
+        <p:txBody>
+          <a:bodyPr rtlCol="0" anchor="ctr"/>
+          <a:lstStyle/>
+          <a:p>
+            <a:pPr algn="ctr"/>
+            <a:r>
+              <a:rPr lang="en-US" altLang="ja-JP" dirty="0"/>
+              <a:t>&lt;interface&gt;</a:t>
+            </a:r>
+          </a:p>
+          <a:p>
+            <a:pPr algn="ctr"/>
+            <a:r>
+              <a:rPr lang="en-US" altLang="ja-JP" dirty="0" err="1"/>
+              <a:t>AuthenticationManager</a:t>
+            </a:r>
+            <a:endParaRPr lang="en-US" altLang="ja-JP" dirty="0"/>
+          </a:p>
+        </p:txBody>
+      </p:sp>
+      <p:cxnSp>
+        <p:nvCxnSpPr>
+          <p:cNvPr id="43" name="直線矢印コネクタ 42"/>
+          <p:cNvCxnSpPr>
+            <a:stCxn id="56" idx="0"/>
+            <a:endCxn id="37" idx="2"/>
+          </p:cNvCxnSpPr>
+          <p:nvPr/>
+        </p:nvCxnSpPr>
+        <p:spPr>
+          <a:xfrm flipV="1">
+            <a:off x="9983124" y="2797854"/>
+            <a:ext cx="0" cy="702082"/>
+          </a:xfrm>
+          <a:prstGeom prst="straightConnector1">
+            <a:avLst/>
+          </a:prstGeom>
+          <a:ln w="38100">
+            <a:prstDash val="sysDash"/>
+            <a:tailEnd type="arrow"/>
+          </a:ln>
+        </p:spPr>
+        <p:style>
+          <a:lnRef idx="2">
+            <a:schemeClr val="dk1"/>
+          </a:lnRef>
+          <a:fillRef idx="0">
+            <a:schemeClr val="dk1"/>
+          </a:fillRef>
+          <a:effectRef idx="1">
+            <a:schemeClr val="dk1"/>
+          </a:effectRef>
+          <a:fontRef idx="minor">
+            <a:schemeClr val="tx1"/>
+          </a:fontRef>
+        </p:style>
+      </p:cxnSp>
+      <p:sp>
+        <p:nvSpPr>
+          <p:cNvPr id="27" name="正方形/長方形 26"/>
+          <p:cNvSpPr/>
+          <p:nvPr/>
+        </p:nvSpPr>
+        <p:spPr>
+          <a:xfrm>
+            <a:off x="365570" y="2306914"/>
+            <a:ext cx="3316642" cy="499064"/>
+          </a:xfrm>
+          <a:prstGeom prst="rect">
+            <a:avLst/>
+          </a:prstGeom>
+          <a:effectLst>
+            <a:outerShdw blurRad="50800" dist="38100" dir="2700000" algn="tl" rotWithShape="0">
+              <a:prstClr val="black">
+                <a:alpha val="40000"/>
+              </a:prstClr>
+            </a:outerShdw>
+          </a:effectLst>
+        </p:spPr>
+        <p:style>
+          <a:lnRef idx="1">
+            <a:schemeClr val="accent2"/>
+          </a:lnRef>
+          <a:fillRef idx="2">
+            <a:schemeClr val="accent2"/>
+          </a:fillRef>
+          <a:effectRef idx="1">
+            <a:schemeClr val="accent2"/>
+          </a:effectRef>
+          <a:fontRef idx="minor">
+            <a:schemeClr val="dk1"/>
+          </a:fontRef>
+        </p:style>
+        <p:txBody>
+          <a:bodyPr rtlCol="0" anchor="ctr"/>
+          <a:lstStyle/>
+          <a:p>
+            <a:pPr algn="ctr"/>
+            <a:r>
+              <a:rPr lang="en-US" altLang="ja-JP" dirty="0"/>
+              <a:t>&lt;interface</a:t>
+            </a:r>
+            <a:r>
+              <a:rPr lang="en-US" altLang="ja-JP" dirty="0" smtClean="0"/>
+              <a:t>&gt;</a:t>
+            </a:r>
+          </a:p>
+          <a:p>
+            <a:pPr algn="ctr"/>
+            <a:r>
+              <a:rPr lang="en-US" altLang="ja-JP" i="1" dirty="0" err="1" smtClean="0"/>
+              <a:t>AuthenticationEntryPoint</a:t>
+            </a:r>
+            <a:endParaRPr lang="en-US" altLang="ja-JP" i="1" dirty="0"/>
+          </a:p>
+        </p:txBody>
+      </p:sp>
+      <p:sp>
+        <p:nvSpPr>
+          <p:cNvPr id="24" name="テキスト ボックス 23"/>
+          <p:cNvSpPr txBox="1"/>
+          <p:nvPr/>
+        </p:nvSpPr>
+        <p:spPr>
+          <a:xfrm>
+            <a:off x="1706420" y="1959289"/>
+            <a:ext cx="719090" cy="369332"/>
+          </a:xfrm>
+          <a:prstGeom prst="rect">
+            <a:avLst/>
+          </a:prstGeom>
+          <a:noFill/>
+        </p:spPr>
+        <p:txBody>
+          <a:bodyPr wrap="square" rtlCol="0">
+            <a:spAutoFit/>
+          </a:bodyPr>
+          <a:lstStyle/>
+          <a:p>
+            <a:r>
+              <a:rPr lang="en-US" altLang="ja-JP" dirty="0" smtClean="0"/>
+              <a:t>(2’)</a:t>
+            </a:r>
+            <a:endParaRPr lang="en-US" altLang="ja-JP" dirty="0"/>
+          </a:p>
+        </p:txBody>
+      </p:sp>
+      <p:sp>
+        <p:nvSpPr>
+          <p:cNvPr id="25" name="正方形/長方形 24"/>
+          <p:cNvSpPr/>
+          <p:nvPr/>
+        </p:nvSpPr>
+        <p:spPr>
+          <a:xfrm>
+            <a:off x="365570" y="3944416"/>
+            <a:ext cx="3316642" cy="499064"/>
+          </a:xfrm>
+          <a:prstGeom prst="rect">
+            <a:avLst/>
+          </a:prstGeom>
+          <a:effectLst>
+            <a:outerShdw blurRad="50800" dist="38100" dir="2700000" algn="tl" rotWithShape="0">
+              <a:prstClr val="black">
+                <a:alpha val="40000"/>
+              </a:prstClr>
+            </a:outerShdw>
+          </a:effectLst>
+        </p:spPr>
+        <p:style>
+          <a:lnRef idx="1">
+            <a:schemeClr val="accent2"/>
+          </a:lnRef>
+          <a:fillRef idx="2">
+            <a:schemeClr val="accent2"/>
+          </a:fillRef>
+          <a:effectRef idx="1">
+            <a:schemeClr val="accent2"/>
+          </a:effectRef>
+          <a:fontRef idx="minor">
+            <a:schemeClr val="dk1"/>
+          </a:fontRef>
+        </p:style>
+        <p:txBody>
+          <a:bodyPr rtlCol="0" anchor="ctr"/>
+          <a:lstStyle/>
+          <a:p>
+            <a:pPr algn="ctr"/>
+            <a:r>
+              <a:rPr lang="en-US" altLang="ja-JP" dirty="0"/>
+              <a:t>&lt;interface&gt;</a:t>
+            </a:r>
+          </a:p>
+          <a:p>
+            <a:pPr algn="ctr"/>
+            <a:r>
+              <a:rPr lang="en-US" altLang="ja-JP" i="1" dirty="0" err="1" smtClean="0"/>
+              <a:t>AccessDeniedHandler</a:t>
+            </a:r>
+            <a:endParaRPr lang="en-US" altLang="ja-JP" i="1" dirty="0"/>
+          </a:p>
+        </p:txBody>
+      </p:sp>
+      <p:sp>
+        <p:nvSpPr>
+          <p:cNvPr id="26" name="テキスト ボックス 25"/>
+          <p:cNvSpPr txBox="1"/>
+          <p:nvPr/>
+        </p:nvSpPr>
+        <p:spPr>
+          <a:xfrm>
+            <a:off x="1706420" y="3596190"/>
+            <a:ext cx="719090" cy="369332"/>
+          </a:xfrm>
+          <a:prstGeom prst="rect">
+            <a:avLst/>
+          </a:prstGeom>
+          <a:noFill/>
+        </p:spPr>
+        <p:txBody>
+          <a:bodyPr wrap="square" rtlCol="0">
+            <a:spAutoFit/>
+          </a:bodyPr>
+          <a:lstStyle/>
+          <a:p>
+            <a:r>
+              <a:rPr lang="en-US" altLang="ja-JP" dirty="0" smtClean="0"/>
+              <a:t>(3’)</a:t>
+            </a:r>
+            <a:endParaRPr lang="en-US" altLang="ja-JP" dirty="0"/>
+          </a:p>
+        </p:txBody>
+      </p:sp>
+      <p:cxnSp>
+        <p:nvCxnSpPr>
+          <p:cNvPr id="28" name="直線矢印コネクタ 27"/>
+          <p:cNvCxnSpPr>
+            <a:stCxn id="27" idx="3"/>
+            <a:endCxn id="51" idx="1"/>
+          </p:cNvCxnSpPr>
+          <p:nvPr/>
+        </p:nvCxnSpPr>
+        <p:spPr>
+          <a:xfrm flipV="1">
+            <a:off x="3682212" y="2553988"/>
+            <a:ext cx="682728" cy="2458"/>
+          </a:xfrm>
+          <a:prstGeom prst="straightConnector1">
+            <a:avLst/>
+          </a:prstGeom>
+          <a:ln w="38100">
+            <a:headEnd type="arrow"/>
+            <a:tailEnd type="none"/>
+          </a:ln>
+        </p:spPr>
+        <p:style>
+          <a:lnRef idx="2">
+            <a:schemeClr val="dk1"/>
+          </a:lnRef>
+          <a:fillRef idx="0">
+            <a:schemeClr val="dk1"/>
+          </a:fillRef>
+          <a:effectRef idx="1">
+            <a:schemeClr val="dk1"/>
+          </a:effectRef>
+          <a:fontRef idx="minor">
+            <a:schemeClr val="tx1"/>
+          </a:fontRef>
+        </p:style>
+      </p:cxnSp>
+      <p:sp>
+        <p:nvSpPr>
+          <p:cNvPr id="44" name="正方形/長方形 43"/>
+          <p:cNvSpPr/>
+          <p:nvPr/>
+        </p:nvSpPr>
+        <p:spPr>
+          <a:xfrm>
+            <a:off x="4362339" y="3944416"/>
+            <a:ext cx="3316642" cy="499064"/>
+          </a:xfrm>
+          <a:prstGeom prst="rect">
+            <a:avLst/>
+          </a:prstGeom>
+          <a:effectLst>
+            <a:outerShdw blurRad="50800" dist="38100" dir="2700000" algn="tl" rotWithShape="0">
+              <a:prstClr val="black">
+                <a:alpha val="40000"/>
+              </a:prstClr>
+            </a:outerShdw>
+          </a:effectLst>
+        </p:spPr>
+        <p:style>
+          <a:lnRef idx="1">
+            <a:schemeClr val="accent2"/>
+          </a:lnRef>
+          <a:fillRef idx="2">
+            <a:schemeClr val="accent2"/>
+          </a:fillRef>
+          <a:effectRef idx="1">
+            <a:schemeClr val="accent2"/>
+          </a:effectRef>
+          <a:fontRef idx="minor">
+            <a:schemeClr val="dk1"/>
+          </a:fontRef>
+        </p:style>
+        <p:txBody>
+          <a:bodyPr rtlCol="0" anchor="ctr"/>
+          <a:lstStyle/>
+          <a:p>
+            <a:pPr algn="ctr"/>
+            <a:r>
+              <a:rPr lang="en-US" altLang="ja-JP" dirty="0" err="1"/>
+              <a:t>ExceptionTranslationFilter</a:t>
+            </a:r>
+            <a:endParaRPr lang="en-US" altLang="ja-JP" dirty="0"/>
+          </a:p>
+        </p:txBody>
+      </p:sp>
+      <p:cxnSp>
+        <p:nvCxnSpPr>
+          <p:cNvPr id="47" name="直線矢印コネクタ 46"/>
+          <p:cNvCxnSpPr>
+            <a:stCxn id="51" idx="2"/>
+            <a:endCxn id="44" idx="0"/>
+          </p:cNvCxnSpPr>
+          <p:nvPr/>
+        </p:nvCxnSpPr>
+        <p:spPr>
+          <a:xfrm flipH="1">
+            <a:off x="6020660" y="2803520"/>
+            <a:ext cx="2601" cy="1140896"/>
+          </a:xfrm>
+          <a:prstGeom prst="straightConnector1">
+            <a:avLst/>
+          </a:prstGeom>
+          <a:ln w="38100">
+            <a:tailEnd type="arrow"/>
+          </a:ln>
+        </p:spPr>
+        <p:style>
+          <a:lnRef idx="2">
+            <a:schemeClr val="dk1"/>
+          </a:lnRef>
+          <a:fillRef idx="0">
+            <a:schemeClr val="dk1"/>
+          </a:fillRef>
+          <a:effectRef idx="1">
+            <a:schemeClr val="dk1"/>
+          </a:effectRef>
+          <a:fontRef idx="minor">
+            <a:schemeClr val="tx1"/>
+          </a:fontRef>
+        </p:style>
+      </p:cxnSp>
+      <p:cxnSp>
+        <p:nvCxnSpPr>
+          <p:cNvPr id="50" name="直線矢印コネクタ 49"/>
+          <p:cNvCxnSpPr>
+            <a:stCxn id="25" idx="3"/>
+            <a:endCxn id="44" idx="1"/>
+          </p:cNvCxnSpPr>
+          <p:nvPr/>
+        </p:nvCxnSpPr>
+        <p:spPr>
+          <a:xfrm>
+            <a:off x="3682212" y="4193948"/>
+            <a:ext cx="680127" cy="0"/>
+          </a:xfrm>
+          <a:prstGeom prst="straightConnector1">
+            <a:avLst/>
+          </a:prstGeom>
+          <a:ln w="38100">
+            <a:headEnd type="arrow"/>
+            <a:tailEnd type="none"/>
+          </a:ln>
+        </p:spPr>
+        <p:style>
+          <a:lnRef idx="2">
+            <a:schemeClr val="dk1"/>
+          </a:lnRef>
+          <a:fillRef idx="0">
+            <a:schemeClr val="dk1"/>
+          </a:fillRef>
+          <a:effectRef idx="1">
+            <a:schemeClr val="dk1"/>
+          </a:effectRef>
+          <a:fontRef idx="minor">
+            <a:schemeClr val="tx1"/>
+          </a:fontRef>
+        </p:style>
+      </p:cxnSp>
+      <p:cxnSp>
+        <p:nvCxnSpPr>
+          <p:cNvPr id="92" name="直線矢印コネクタ 91"/>
+          <p:cNvCxnSpPr>
+            <a:stCxn id="7" idx="2"/>
+            <a:endCxn id="51" idx="0"/>
+          </p:cNvCxnSpPr>
+          <p:nvPr/>
+        </p:nvCxnSpPr>
+        <p:spPr>
+          <a:xfrm>
+            <a:off x="6020660" y="994968"/>
+            <a:ext cx="2601" cy="1309488"/>
+          </a:xfrm>
+          <a:prstGeom prst="straightConnector1">
+            <a:avLst/>
+          </a:prstGeom>
+          <a:ln w="38100">
+            <a:tailEnd type="arrow"/>
+          </a:ln>
+        </p:spPr>
+        <p:style>
+          <a:lnRef idx="2">
+            <a:schemeClr val="dk1"/>
+          </a:lnRef>
+          <a:fillRef idx="0">
+            <a:schemeClr val="dk1"/>
+          </a:fillRef>
+          <a:effectRef idx="1">
+            <a:schemeClr val="dk1"/>
+          </a:effectRef>
+          <a:fontRef idx="minor">
+            <a:schemeClr val="tx1"/>
+          </a:fontRef>
+        </p:style>
+      </p:cxnSp>
+      <p:cxnSp>
+        <p:nvCxnSpPr>
+          <p:cNvPr id="54" name="直線矢印コネクタ 53"/>
+          <p:cNvCxnSpPr>
+            <a:stCxn id="44" idx="2"/>
+            <a:endCxn id="52" idx="0"/>
+          </p:cNvCxnSpPr>
+          <p:nvPr/>
+        </p:nvCxnSpPr>
+        <p:spPr>
+          <a:xfrm flipH="1">
+            <a:off x="6020659" y="4443480"/>
+            <a:ext cx="1" cy="1180073"/>
+          </a:xfrm>
+          <a:prstGeom prst="straightConnector1">
+            <a:avLst/>
+          </a:prstGeom>
+          <a:ln w="38100">
+            <a:tailEnd type="arrow"/>
+          </a:ln>
+        </p:spPr>
+        <p:style>
+          <a:lnRef idx="2">
+            <a:schemeClr val="dk1"/>
+          </a:lnRef>
+          <a:fillRef idx="0">
+            <a:schemeClr val="dk1"/>
+          </a:fillRef>
+          <a:effectRef idx="1">
+            <a:schemeClr val="dk1"/>
+          </a:effectRef>
+          <a:fontRef idx="minor">
+            <a:schemeClr val="tx1"/>
+          </a:fontRef>
+        </p:style>
+      </p:cxnSp>
+      <p:sp>
+        <p:nvSpPr>
+          <p:cNvPr id="29" name="テキスト ボックス 28"/>
+          <p:cNvSpPr txBox="1"/>
+          <p:nvPr/>
+        </p:nvSpPr>
+        <p:spPr>
+          <a:xfrm>
+            <a:off x="5502516" y="1949833"/>
+            <a:ext cx="719090" cy="369332"/>
+          </a:xfrm>
+          <a:prstGeom prst="rect">
+            <a:avLst/>
+          </a:prstGeom>
+          <a:noFill/>
+        </p:spPr>
+        <p:txBody>
+          <a:bodyPr wrap="square" rtlCol="0">
+            <a:spAutoFit/>
+          </a:bodyPr>
+          <a:lstStyle/>
+          <a:p>
+            <a:r>
+              <a:rPr lang="en-US" altLang="ja-JP" dirty="0" smtClean="0"/>
+              <a:t>(1)</a:t>
+            </a:r>
+            <a:endParaRPr lang="en-US" altLang="ja-JP" dirty="0"/>
+          </a:p>
+        </p:txBody>
+      </p:sp>
+      <p:cxnSp>
+        <p:nvCxnSpPr>
+          <p:cNvPr id="22" name="直線矢印コネクタ 21"/>
+          <p:cNvCxnSpPr>
+            <a:stCxn id="56" idx="2"/>
+            <a:endCxn id="53" idx="0"/>
+          </p:cNvCxnSpPr>
+          <p:nvPr/>
+        </p:nvCxnSpPr>
+        <p:spPr>
+          <a:xfrm>
+            <a:off x="9983124" y="3999000"/>
+            <a:ext cx="18187" cy="1630654"/>
+          </a:xfrm>
+          <a:prstGeom prst="straightConnector1">
+            <a:avLst/>
+          </a:prstGeom>
+          <a:ln w="38100">
+            <a:tailEnd type="arrow"/>
+          </a:ln>
+        </p:spPr>
+        <p:style>
+          <a:lnRef idx="2">
+            <a:schemeClr val="dk1"/>
+          </a:lnRef>
+          <a:fillRef idx="0">
+            <a:schemeClr val="dk1"/>
+          </a:fillRef>
+          <a:effectRef idx="1">
+            <a:schemeClr val="dk1"/>
+          </a:effectRef>
+          <a:fontRef idx="minor">
+            <a:schemeClr val="tx1"/>
+          </a:fontRef>
+        </p:style>
+      </p:cxnSp>
+      <p:sp>
+        <p:nvSpPr>
+          <p:cNvPr id="105" name="テキスト ボックス 104"/>
+          <p:cNvSpPr txBox="1"/>
+          <p:nvPr/>
+        </p:nvSpPr>
+        <p:spPr>
+          <a:xfrm>
+            <a:off x="5502516" y="3611852"/>
+            <a:ext cx="719090" cy="369332"/>
+          </a:xfrm>
+          <a:prstGeom prst="rect">
+            <a:avLst/>
+          </a:prstGeom>
+          <a:noFill/>
+        </p:spPr>
+        <p:txBody>
+          <a:bodyPr wrap="square" rtlCol="0">
+            <a:spAutoFit/>
+          </a:bodyPr>
+          <a:lstStyle/>
+          <a:p>
+            <a:r>
+              <a:rPr lang="en-US" altLang="ja-JP" dirty="0" smtClean="0"/>
+              <a:t>(3)</a:t>
+            </a:r>
+            <a:endParaRPr lang="en-US" altLang="ja-JP" dirty="0"/>
+          </a:p>
+        </p:txBody>
+      </p:sp>
+      <p:sp>
+        <p:nvSpPr>
+          <p:cNvPr id="114" name="正方形/長方形 113"/>
+          <p:cNvSpPr/>
+          <p:nvPr/>
+        </p:nvSpPr>
+        <p:spPr>
+          <a:xfrm>
+            <a:off x="365570" y="3110074"/>
+            <a:ext cx="3316642" cy="499064"/>
+          </a:xfrm>
+          <a:prstGeom prst="rect">
+            <a:avLst/>
+          </a:prstGeom>
+          <a:effectLst>
+            <a:outerShdw blurRad="50800" dist="38100" dir="2700000" algn="tl" rotWithShape="0">
+              <a:prstClr val="black">
+                <a:alpha val="40000"/>
+              </a:prstClr>
+            </a:outerShdw>
+          </a:effectLst>
+        </p:spPr>
+        <p:style>
+          <a:lnRef idx="1">
+            <a:schemeClr val="accent4"/>
+          </a:lnRef>
+          <a:fillRef idx="2">
+            <a:schemeClr val="accent4"/>
+          </a:fillRef>
+          <a:effectRef idx="1">
+            <a:schemeClr val="accent4"/>
+          </a:effectRef>
+          <a:fontRef idx="minor">
+            <a:schemeClr val="dk1"/>
+          </a:fontRef>
+        </p:style>
+        <p:txBody>
+          <a:bodyPr rtlCol="0" anchor="ctr"/>
+          <a:lstStyle/>
+          <a:p>
+            <a:pPr algn="ctr"/>
+            <a:r>
+              <a:rPr lang="en-US" altLang="ja-JP" dirty="0"/>
+              <a:t>OAuth2AuthenticationEntryPoint</a:t>
+            </a:r>
+          </a:p>
+        </p:txBody>
+      </p:sp>
+      <p:sp>
+        <p:nvSpPr>
+          <p:cNvPr id="120" name="正方形/長方形 119"/>
+          <p:cNvSpPr/>
+          <p:nvPr/>
+        </p:nvSpPr>
+        <p:spPr>
+          <a:xfrm>
+            <a:off x="365570" y="4734876"/>
+            <a:ext cx="3316642" cy="499064"/>
+          </a:xfrm>
+          <a:prstGeom prst="rect">
+            <a:avLst/>
+          </a:prstGeom>
+          <a:effectLst>
+            <a:outerShdw blurRad="50800" dist="38100" dir="2700000" algn="tl" rotWithShape="0">
+              <a:prstClr val="black">
+                <a:alpha val="40000"/>
+              </a:prstClr>
+            </a:outerShdw>
+          </a:effectLst>
+        </p:spPr>
+        <p:style>
+          <a:lnRef idx="1">
+            <a:schemeClr val="accent4"/>
+          </a:lnRef>
+          <a:fillRef idx="2">
+            <a:schemeClr val="accent4"/>
+          </a:fillRef>
+          <a:effectRef idx="1">
+            <a:schemeClr val="accent4"/>
+          </a:effectRef>
+          <a:fontRef idx="minor">
+            <a:schemeClr val="dk1"/>
+          </a:fontRef>
+        </p:style>
+        <p:txBody>
+          <a:bodyPr rtlCol="0" anchor="ctr"/>
+          <a:lstStyle/>
+          <a:p>
+            <a:pPr algn="ctr"/>
+            <a:r>
+              <a:rPr lang="en-US" altLang="ja-JP"/>
+              <a:t>OAuth2AccessDeniedHandler</a:t>
+            </a:r>
+            <a:endParaRPr lang="en-US" altLang="ja-JP" dirty="0"/>
+          </a:p>
+        </p:txBody>
+      </p:sp>
+      <p:cxnSp>
+        <p:nvCxnSpPr>
+          <p:cNvPr id="128" name="直線矢印コネクタ 127"/>
+          <p:cNvCxnSpPr>
+            <a:stCxn id="114" idx="0"/>
+            <a:endCxn id="27" idx="2"/>
+          </p:cNvCxnSpPr>
+          <p:nvPr/>
+        </p:nvCxnSpPr>
+        <p:spPr>
+          <a:xfrm flipV="1">
+            <a:off x="2023891" y="2805978"/>
+            <a:ext cx="0" cy="304096"/>
+          </a:xfrm>
+          <a:prstGeom prst="straightConnector1">
+            <a:avLst/>
+          </a:prstGeom>
+          <a:ln w="38100">
+            <a:prstDash val="sysDash"/>
+            <a:tailEnd type="arrow"/>
+          </a:ln>
+        </p:spPr>
+        <p:style>
+          <a:lnRef idx="2">
+            <a:schemeClr val="dk1"/>
+          </a:lnRef>
+          <a:fillRef idx="0">
+            <a:schemeClr val="dk1"/>
+          </a:fillRef>
+          <a:effectRef idx="1">
+            <a:schemeClr val="dk1"/>
+          </a:effectRef>
+          <a:fontRef idx="minor">
+            <a:schemeClr val="tx1"/>
+          </a:fontRef>
+        </p:style>
+      </p:cxnSp>
+      <p:cxnSp>
+        <p:nvCxnSpPr>
+          <p:cNvPr id="131" name="直線矢印コネクタ 130"/>
+          <p:cNvCxnSpPr>
+            <a:stCxn id="120" idx="0"/>
+            <a:endCxn id="25" idx="2"/>
+          </p:cNvCxnSpPr>
+          <p:nvPr/>
+        </p:nvCxnSpPr>
+        <p:spPr>
+          <a:xfrm flipV="1">
+            <a:off x="2023891" y="4443480"/>
+            <a:ext cx="0" cy="291396"/>
+          </a:xfrm>
+          <a:prstGeom prst="straightConnector1">
+            <a:avLst/>
+          </a:prstGeom>
+          <a:ln w="38100">
+            <a:prstDash val="sysDash"/>
+            <a:tailEnd type="arrow"/>
+          </a:ln>
+        </p:spPr>
+        <p:style>
+          <a:lnRef idx="2">
+            <a:schemeClr val="dk1"/>
+          </a:lnRef>
+          <a:fillRef idx="0">
+            <a:schemeClr val="dk1"/>
+          </a:fillRef>
+          <a:effectRef idx="1">
+            <a:schemeClr val="dk1"/>
+          </a:effectRef>
+          <a:fontRef idx="minor">
+            <a:schemeClr val="tx1"/>
+          </a:fontRef>
+        </p:style>
+      </p:cxnSp>
+    </p:spTree>
+    <p:extLst>
+      <p:ext uri="{BB962C8B-B14F-4D97-AF65-F5344CB8AC3E}">
+        <p14:creationId xmlns:p14="http://schemas.microsoft.com/office/powerpoint/2010/main" val="4266988225"/>
+      </p:ext>
+    </p:extLst>
+  </p:cSld>
+  <p:clrMapOvr>
+    <a:masterClrMapping/>
+  </p:clrMapOvr>
+</p:sld>
+</file>
+
+<file path=ppt/slides/slide16.xml><?xml version="1.0" encoding="utf-8"?>
+<p:sld xmlns:a="http://schemas.openxmlformats.org/drawingml/2006/main" xmlns:r="http://schemas.openxmlformats.org/officeDocument/2006/relationships" xmlns:p="http://schemas.openxmlformats.org/presentationml/2006/main">
+  <p:cSld>
+    <p:spTree>
+      <p:nvGrpSpPr>
+        <p:cNvPr id="1" name=""/>
+        <p:cNvGrpSpPr/>
+        <p:nvPr/>
+      </p:nvGrpSpPr>
+      <p:grpSpPr>
+        <a:xfrm>
+          <a:off x="0" y="0"/>
+          <a:ext cx="0" cy="0"/>
+          <a:chOff x="0" y="0"/>
+          <a:chExt cx="0" cy="0"/>
+        </a:xfrm>
+      </p:grpSpPr>
+      <p:sp>
+        <p:nvSpPr>
           <p:cNvPr id="20" name="角丸四角形 19"/>
           <p:cNvSpPr/>
           <p:nvPr/>
@@ -14531,7 +16235,7 @@
 </p:sld>
 </file>
 
-<file path=ppt/slides/slide16.xml><?xml version="1.0" encoding="utf-8"?>
+<file path=ppt/slides/slide17.xml><?xml version="1.0" encoding="utf-8"?>
 <p:sld xmlns:a="http://schemas.openxmlformats.org/drawingml/2006/main" xmlns:r="http://schemas.openxmlformats.org/officeDocument/2006/relationships" xmlns:p="http://schemas.openxmlformats.org/presentationml/2006/main">
   <p:cSld>
     <p:spTree>
@@ -17299,7 +19003,7 @@
 </p:sld>
 </file>
 
-<file path=ppt/slides/slide17.xml><?xml version="1.0" encoding="utf-8"?>
+<file path=ppt/slides/slide18.xml><?xml version="1.0" encoding="utf-8"?>
 <p:sld xmlns:a="http://schemas.openxmlformats.org/drawingml/2006/main" xmlns:r="http://schemas.openxmlformats.org/officeDocument/2006/relationships" xmlns:p="http://schemas.openxmlformats.org/presentationml/2006/main">
   <p:cSld>
     <p:spTree>
@@ -19044,7 +20748,7 @@
 </p:sld>
 </file>
 
-<file path=ppt/slides/slide18.xml><?xml version="1.0" encoding="utf-8"?>
+<file path=ppt/slides/slide19.xml><?xml version="1.0" encoding="utf-8"?>
 <p:sld xmlns:a="http://schemas.openxmlformats.org/drawingml/2006/main" xmlns:r="http://schemas.openxmlformats.org/officeDocument/2006/relationships" xmlns:p="http://schemas.openxmlformats.org/presentationml/2006/main">
   <p:cSld>
     <p:spTree>
@@ -19445,7 +21149,932 @@
 </p:sld>
 </file>
 
-<file path=ppt/slides/slide19.xml><?xml version="1.0" encoding="utf-8"?>
+<file path=ppt/slides/slide2.xml><?xml version="1.0" encoding="utf-8"?>
+<p:sld xmlns:a="http://schemas.openxmlformats.org/drawingml/2006/main" xmlns:r="http://schemas.openxmlformats.org/officeDocument/2006/relationships" xmlns:p="http://schemas.openxmlformats.org/presentationml/2006/main">
+  <p:cSld>
+    <p:spTree>
+      <p:nvGrpSpPr>
+        <p:cNvPr id="1" name=""/>
+        <p:cNvGrpSpPr/>
+        <p:nvPr/>
+      </p:nvGrpSpPr>
+      <p:grpSpPr>
+        <a:xfrm>
+          <a:off x="0" y="0"/>
+          <a:ext cx="0" cy="0"/>
+          <a:chOff x="0" y="0"/>
+          <a:chExt cx="0" cy="0"/>
+        </a:xfrm>
+      </p:grpSpPr>
+      <p:sp>
+        <p:nvSpPr>
+          <p:cNvPr id="7" name="角丸四角形 6"/>
+          <p:cNvSpPr/>
+          <p:nvPr/>
+        </p:nvSpPr>
+        <p:spPr>
+          <a:xfrm>
+            <a:off x="1127949" y="397030"/>
+            <a:ext cx="9900998" cy="3007101"/>
+          </a:xfrm>
+          <a:prstGeom prst="roundRect">
+            <a:avLst/>
+          </a:prstGeom>
+          <a:noFill/>
+          <a:ln w="34925">
+            <a:solidFill>
+              <a:schemeClr val="tx1">
+                <a:lumMod val="75000"/>
+                <a:lumOff val="25000"/>
+              </a:schemeClr>
+            </a:solidFill>
+            <a:prstDash val="dash"/>
+          </a:ln>
+        </p:spPr>
+        <p:style>
+          <a:lnRef idx="1">
+            <a:schemeClr val="accent1"/>
+          </a:lnRef>
+          <a:fillRef idx="3">
+            <a:schemeClr val="accent1"/>
+          </a:fillRef>
+          <a:effectRef idx="2">
+            <a:schemeClr val="accent1"/>
+          </a:effectRef>
+          <a:fontRef idx="minor">
+            <a:schemeClr val="lt1"/>
+          </a:fontRef>
+        </p:style>
+        <p:txBody>
+          <a:bodyPr rtlCol="0" anchor="t" anchorCtr="0"/>
+          <a:lstStyle/>
+          <a:p>
+            <a:pPr algn="ctr"/>
+            <a:r>
+              <a:rPr kumimoji="1" lang="ja-JP" altLang="en-US" dirty="0" smtClean="0"/>
+              <a:t>あああ</a:t>
+            </a:r>
+            <a:endParaRPr kumimoji="1" lang="ja-JP" altLang="en-US" dirty="0"/>
+          </a:p>
+        </p:txBody>
+      </p:sp>
+      <p:pic>
+        <p:nvPicPr>
+          <p:cNvPr id="42" name="Picture 6" descr="C:\Users\btshimizukza\AppData\Local\Microsoft\Windows\Temporary Internet Files\Low\Content.IE5\TSGXMUM1\MC900433944[1].PNG"/>
+          <p:cNvPicPr>
+            <a:picLocks noChangeAspect="1" noChangeArrowheads="1"/>
+          </p:cNvPicPr>
+          <p:nvPr/>
+        </p:nvPicPr>
+        <p:blipFill>
+          <a:blip r:embed="rId2">
+            <a:extLst>
+              <a:ext uri="{28A0092B-C50C-407E-A947-70E740481C1C}">
+                <a14:useLocalDpi xmlns:a14="http://schemas.microsoft.com/office/drawing/2010/main" val="0"/>
+              </a:ext>
+            </a:extLst>
+          </a:blip>
+          <a:srcRect/>
+          <a:stretch>
+            <a:fillRect/>
+          </a:stretch>
+        </p:blipFill>
+        <p:spPr bwMode="auto">
+          <a:xfrm flipH="1">
+            <a:off x="1854244" y="1424542"/>
+            <a:ext cx="857250" cy="857250"/>
+          </a:xfrm>
+          <a:prstGeom prst="rect">
+            <a:avLst/>
+          </a:prstGeom>
+          <a:noFill/>
+          <a:extLst>
+            <a:ext uri="{909E8E84-426E-40DD-AFC4-6F175D3DCCD1}">
+              <a14:hiddenFill xmlns:a14="http://schemas.microsoft.com/office/drawing/2010/main">
+                <a:solidFill>
+                  <a:srgbClr val="FFFFFF"/>
+                </a:solidFill>
+              </a14:hiddenFill>
+            </a:ext>
+          </a:extLst>
+        </p:spPr>
+      </p:pic>
+      <p:sp>
+        <p:nvSpPr>
+          <p:cNvPr id="43" name="角丸四角形 42"/>
+          <p:cNvSpPr/>
+          <p:nvPr/>
+        </p:nvSpPr>
+        <p:spPr>
+          <a:xfrm>
+            <a:off x="4076630" y="1301783"/>
+            <a:ext cx="2352174" cy="1111818"/>
+          </a:xfrm>
+          <a:prstGeom prst="roundRect">
+            <a:avLst/>
+          </a:prstGeom>
+        </p:spPr>
+        <p:style>
+          <a:lnRef idx="1">
+            <a:schemeClr val="accent1"/>
+          </a:lnRef>
+          <a:fillRef idx="3">
+            <a:schemeClr val="accent1"/>
+          </a:fillRef>
+          <a:effectRef idx="2">
+            <a:schemeClr val="accent1"/>
+          </a:effectRef>
+          <a:fontRef idx="minor">
+            <a:schemeClr val="lt1"/>
+          </a:fontRef>
+        </p:style>
+        <p:txBody>
+          <a:bodyPr rtlCol="0" anchor="ctr"/>
+          <a:lstStyle/>
+          <a:p>
+            <a:pPr algn="ctr"/>
+            <a:r>
+              <a:rPr lang="en-US" altLang="ja-JP" sz="1600" dirty="0" smtClean="0"/>
+              <a:t>Third-party applications </a:t>
+            </a:r>
+          </a:p>
+        </p:txBody>
+      </p:sp>
+      <p:sp>
+        <p:nvSpPr>
+          <p:cNvPr id="44" name="角丸四角形 43"/>
+          <p:cNvSpPr/>
+          <p:nvPr/>
+        </p:nvSpPr>
+        <p:spPr>
+          <a:xfrm>
+            <a:off x="7793940" y="1301783"/>
+            <a:ext cx="2352174" cy="1102769"/>
+          </a:xfrm>
+          <a:prstGeom prst="roundRect">
+            <a:avLst/>
+          </a:prstGeom>
+        </p:spPr>
+        <p:style>
+          <a:lnRef idx="1">
+            <a:schemeClr val="accent1"/>
+          </a:lnRef>
+          <a:fillRef idx="3">
+            <a:schemeClr val="accent1"/>
+          </a:fillRef>
+          <a:effectRef idx="2">
+            <a:schemeClr val="accent1"/>
+          </a:effectRef>
+          <a:fontRef idx="minor">
+            <a:schemeClr val="lt1"/>
+          </a:fontRef>
+        </p:style>
+        <p:txBody>
+          <a:bodyPr rtlCol="0" anchor="ctr" anchorCtr="0"/>
+          <a:lstStyle/>
+          <a:p>
+            <a:pPr algn="ctr"/>
+            <a:r>
+              <a:rPr lang="en-US" altLang="ja-JP" sz="1600" dirty="0" smtClean="0"/>
+              <a:t>HTTP Service</a:t>
+            </a:r>
+          </a:p>
+        </p:txBody>
+      </p:sp>
+      <p:sp>
+        <p:nvSpPr>
+          <p:cNvPr id="46" name="角丸四角形 45"/>
+          <p:cNvSpPr/>
+          <p:nvPr/>
+        </p:nvSpPr>
+        <p:spPr>
+          <a:xfrm>
+            <a:off x="8914652" y="2038667"/>
+            <a:ext cx="1575411" cy="749868"/>
+          </a:xfrm>
+          <a:prstGeom prst="roundRect">
+            <a:avLst/>
+          </a:prstGeom>
+        </p:spPr>
+        <p:style>
+          <a:lnRef idx="2">
+            <a:schemeClr val="accent6">
+              <a:shade val="50000"/>
+            </a:schemeClr>
+          </a:lnRef>
+          <a:fillRef idx="1">
+            <a:schemeClr val="accent6"/>
+          </a:fillRef>
+          <a:effectRef idx="0">
+            <a:schemeClr val="accent6"/>
+          </a:effectRef>
+          <a:fontRef idx="minor">
+            <a:schemeClr val="lt1"/>
+          </a:fontRef>
+        </p:style>
+        <p:txBody>
+          <a:bodyPr rtlCol="0" anchor="ctr"/>
+          <a:lstStyle/>
+          <a:p>
+            <a:pPr algn="ctr"/>
+            <a:r>
+              <a:rPr lang="en-US" altLang="ja-JP" sz="1600" dirty="0"/>
+              <a:t>R</a:t>
+            </a:r>
+            <a:r>
+              <a:rPr lang="en-US" altLang="ja-JP" sz="1600" dirty="0" smtClean="0"/>
+              <a:t>estricted resources</a:t>
+            </a:r>
+          </a:p>
+        </p:txBody>
+      </p:sp>
+      <p:sp>
+        <p:nvSpPr>
+          <p:cNvPr id="65" name="テキスト ボックス 64"/>
+          <p:cNvSpPr txBox="1"/>
+          <p:nvPr/>
+        </p:nvSpPr>
+        <p:spPr>
+          <a:xfrm>
+            <a:off x="1800291" y="2280315"/>
+            <a:ext cx="965156" cy="369332"/>
+          </a:xfrm>
+          <a:prstGeom prst="rect">
+            <a:avLst/>
+          </a:prstGeom>
+          <a:noFill/>
+        </p:spPr>
+        <p:txBody>
+          <a:bodyPr wrap="square" rtlCol="0">
+            <a:spAutoFit/>
+          </a:bodyPr>
+          <a:lstStyle/>
+          <a:p>
+            <a:pPr algn="ctr"/>
+            <a:r>
+              <a:rPr kumimoji="1" lang="en-US" altLang="ja-JP" dirty="0" smtClean="0"/>
+              <a:t>User</a:t>
+            </a:r>
+            <a:endParaRPr kumimoji="1" lang="ja-JP" altLang="en-US" dirty="0"/>
+          </a:p>
+        </p:txBody>
+      </p:sp>
+      <p:cxnSp>
+        <p:nvCxnSpPr>
+          <p:cNvPr id="68" name="カギ線コネクタ 67"/>
+          <p:cNvCxnSpPr/>
+          <p:nvPr/>
+        </p:nvCxnSpPr>
+        <p:spPr>
+          <a:xfrm flipV="1">
+            <a:off x="2765447" y="2400714"/>
+            <a:ext cx="5144393" cy="227378"/>
+          </a:xfrm>
+          <a:prstGeom prst="bentConnector3">
+            <a:avLst>
+              <a:gd name="adj1" fmla="val 99992"/>
+            </a:avLst>
+          </a:prstGeom>
+          <a:ln w="38100">
+            <a:tailEnd type="arrow"/>
+          </a:ln>
+        </p:spPr>
+        <p:style>
+          <a:lnRef idx="2">
+            <a:schemeClr val="accent1"/>
+          </a:lnRef>
+          <a:fillRef idx="0">
+            <a:schemeClr val="accent1"/>
+          </a:fillRef>
+          <a:effectRef idx="1">
+            <a:schemeClr val="accent1"/>
+          </a:effectRef>
+          <a:fontRef idx="minor">
+            <a:schemeClr val="tx1"/>
+          </a:fontRef>
+        </p:style>
+      </p:cxnSp>
+      <p:cxnSp>
+        <p:nvCxnSpPr>
+          <p:cNvPr id="87" name="直線矢印コネクタ 86"/>
+          <p:cNvCxnSpPr/>
+          <p:nvPr/>
+        </p:nvCxnSpPr>
+        <p:spPr>
+          <a:xfrm flipV="1">
+            <a:off x="6428804" y="1933431"/>
+            <a:ext cx="1365136" cy="4524"/>
+          </a:xfrm>
+          <a:prstGeom prst="straightConnector1">
+            <a:avLst/>
+          </a:prstGeom>
+          <a:ln w="38100">
+            <a:headEnd type="arrow"/>
+            <a:tailEnd type="arrow"/>
+          </a:ln>
+        </p:spPr>
+        <p:style>
+          <a:lnRef idx="2">
+            <a:schemeClr val="accent1"/>
+          </a:lnRef>
+          <a:fillRef idx="0">
+            <a:schemeClr val="accent1"/>
+          </a:fillRef>
+          <a:effectRef idx="1">
+            <a:schemeClr val="accent1"/>
+          </a:effectRef>
+          <a:fontRef idx="minor">
+            <a:schemeClr val="tx1"/>
+          </a:fontRef>
+        </p:style>
+      </p:cxnSp>
+      <p:sp>
+        <p:nvSpPr>
+          <p:cNvPr id="88" name="フローチャート: 複数書類 87"/>
+          <p:cNvSpPr/>
+          <p:nvPr/>
+        </p:nvSpPr>
+        <p:spPr>
+          <a:xfrm>
+            <a:off x="6818266" y="1771787"/>
+            <a:ext cx="617220" cy="381095"/>
+          </a:xfrm>
+          <a:prstGeom prst="flowChartMultidocument">
+            <a:avLst/>
+          </a:prstGeom>
+        </p:spPr>
+        <p:style>
+          <a:lnRef idx="2">
+            <a:schemeClr val="accent1">
+              <a:shade val="50000"/>
+            </a:schemeClr>
+          </a:lnRef>
+          <a:fillRef idx="1">
+            <a:schemeClr val="accent1"/>
+          </a:fillRef>
+          <a:effectRef idx="0">
+            <a:schemeClr val="accent1"/>
+          </a:effectRef>
+          <a:fontRef idx="minor">
+            <a:schemeClr val="lt1"/>
+          </a:fontRef>
+        </p:style>
+        <p:txBody>
+          <a:bodyPr rtlCol="0" anchor="ctr"/>
+          <a:lstStyle/>
+          <a:p>
+            <a:pPr algn="ctr"/>
+            <a:endParaRPr kumimoji="1" lang="ja-JP" altLang="en-US"/>
+          </a:p>
+        </p:txBody>
+      </p:sp>
+      <p:grpSp>
+        <p:nvGrpSpPr>
+          <p:cNvPr id="57" name="グループ化 56"/>
+          <p:cNvGrpSpPr/>
+          <p:nvPr/>
+        </p:nvGrpSpPr>
+        <p:grpSpPr>
+          <a:xfrm rot="18983385">
+            <a:off x="6735012" y="2476937"/>
+            <a:ext cx="863272" cy="330850"/>
+            <a:chOff x="2042159" y="1239289"/>
+            <a:chExt cx="3420984" cy="1311097"/>
+          </a:xfrm>
+        </p:grpSpPr>
+        <p:sp>
+          <p:nvSpPr>
+            <p:cNvPr id="58" name="円/楕円 57"/>
+            <p:cNvSpPr/>
+            <p:nvPr/>
+          </p:nvSpPr>
+          <p:spPr>
+            <a:xfrm>
+              <a:off x="4101068" y="1239289"/>
+              <a:ext cx="1362075" cy="1311097"/>
+            </a:xfrm>
+            <a:prstGeom prst="ellipse">
+              <a:avLst/>
+            </a:prstGeom>
+            <a:solidFill>
+              <a:srgbClr val="FFC000"/>
+            </a:solidFill>
+            <a:ln>
+              <a:noFill/>
+            </a:ln>
+          </p:spPr>
+          <p:style>
+            <a:lnRef idx="2">
+              <a:schemeClr val="accent1">
+                <a:shade val="50000"/>
+              </a:schemeClr>
+            </a:lnRef>
+            <a:fillRef idx="1">
+              <a:schemeClr val="accent1"/>
+            </a:fillRef>
+            <a:effectRef idx="0">
+              <a:schemeClr val="accent1"/>
+            </a:effectRef>
+            <a:fontRef idx="minor">
+              <a:schemeClr val="lt1"/>
+            </a:fontRef>
+          </p:style>
+          <p:txBody>
+            <a:bodyPr rtlCol="0" anchor="ctr"/>
+            <a:lstStyle/>
+            <a:p>
+              <a:pPr algn="ctr"/>
+              <a:endParaRPr kumimoji="1" lang="ja-JP" altLang="en-US"/>
+            </a:p>
+          </p:txBody>
+        </p:sp>
+        <p:sp>
+          <p:nvSpPr>
+            <p:cNvPr id="59" name="台形 58"/>
+            <p:cNvSpPr/>
+            <p:nvPr/>
+          </p:nvSpPr>
+          <p:spPr>
+            <a:xfrm>
+              <a:off x="2042159" y="1677381"/>
+              <a:ext cx="647700" cy="226017"/>
+            </a:xfrm>
+            <a:prstGeom prst="trapezoid">
+              <a:avLst>
+                <a:gd name="adj" fmla="val 80181"/>
+              </a:avLst>
+            </a:prstGeom>
+            <a:solidFill>
+              <a:srgbClr val="FFC000"/>
+            </a:solidFill>
+            <a:ln>
+              <a:noFill/>
+            </a:ln>
+          </p:spPr>
+          <p:style>
+            <a:lnRef idx="2">
+              <a:schemeClr val="accent1">
+                <a:shade val="50000"/>
+              </a:schemeClr>
+            </a:lnRef>
+            <a:fillRef idx="1">
+              <a:schemeClr val="accent1"/>
+            </a:fillRef>
+            <a:effectRef idx="0">
+              <a:schemeClr val="accent1"/>
+            </a:effectRef>
+            <a:fontRef idx="minor">
+              <a:schemeClr val="lt1"/>
+            </a:fontRef>
+          </p:style>
+          <p:txBody>
+            <a:bodyPr rtlCol="0" anchor="ctr"/>
+            <a:lstStyle/>
+            <a:p>
+              <a:pPr algn="ctr"/>
+              <a:endParaRPr kumimoji="1" lang="ja-JP" altLang="en-US"/>
+            </a:p>
+          </p:txBody>
+        </p:sp>
+        <p:sp>
+          <p:nvSpPr>
+            <p:cNvPr id="60" name="台形 59"/>
+            <p:cNvSpPr/>
+            <p:nvPr/>
+          </p:nvSpPr>
+          <p:spPr>
+            <a:xfrm>
+              <a:off x="2577665" y="1677381"/>
+              <a:ext cx="474252" cy="226017"/>
+            </a:xfrm>
+            <a:prstGeom prst="trapezoid">
+              <a:avLst>
+                <a:gd name="adj" fmla="val 80181"/>
+              </a:avLst>
+            </a:prstGeom>
+            <a:solidFill>
+              <a:srgbClr val="FFC000"/>
+            </a:solidFill>
+            <a:ln>
+              <a:noFill/>
+            </a:ln>
+          </p:spPr>
+          <p:style>
+            <a:lnRef idx="2">
+              <a:schemeClr val="accent1">
+                <a:shade val="50000"/>
+              </a:schemeClr>
+            </a:lnRef>
+            <a:fillRef idx="1">
+              <a:schemeClr val="accent1"/>
+            </a:fillRef>
+            <a:effectRef idx="0">
+              <a:schemeClr val="accent1"/>
+            </a:effectRef>
+            <a:fontRef idx="minor">
+              <a:schemeClr val="lt1"/>
+            </a:fontRef>
+          </p:style>
+          <p:txBody>
+            <a:bodyPr rtlCol="0" anchor="ctr"/>
+            <a:lstStyle/>
+            <a:p>
+              <a:pPr algn="ctr"/>
+              <a:endParaRPr kumimoji="1" lang="ja-JP" altLang="en-US"/>
+            </a:p>
+          </p:txBody>
+        </p:sp>
+        <p:sp>
+          <p:nvSpPr>
+            <p:cNvPr id="61" name="台形 60"/>
+            <p:cNvSpPr/>
+            <p:nvPr/>
+          </p:nvSpPr>
+          <p:spPr>
+            <a:xfrm>
+              <a:off x="2901514" y="1677381"/>
+              <a:ext cx="647700" cy="226017"/>
+            </a:xfrm>
+            <a:prstGeom prst="trapezoid">
+              <a:avLst>
+                <a:gd name="adj" fmla="val 80181"/>
+              </a:avLst>
+            </a:prstGeom>
+            <a:solidFill>
+              <a:srgbClr val="FFC000"/>
+            </a:solidFill>
+            <a:ln>
+              <a:noFill/>
+            </a:ln>
+          </p:spPr>
+          <p:style>
+            <a:lnRef idx="2">
+              <a:schemeClr val="accent1">
+                <a:shade val="50000"/>
+              </a:schemeClr>
+            </a:lnRef>
+            <a:fillRef idx="1">
+              <a:schemeClr val="accent1"/>
+            </a:fillRef>
+            <a:effectRef idx="0">
+              <a:schemeClr val="accent1"/>
+            </a:effectRef>
+            <a:fontRef idx="minor">
+              <a:schemeClr val="lt1"/>
+            </a:fontRef>
+          </p:style>
+          <p:txBody>
+            <a:bodyPr rtlCol="0" anchor="ctr"/>
+            <a:lstStyle/>
+            <a:p>
+              <a:pPr algn="ctr"/>
+              <a:endParaRPr kumimoji="1" lang="ja-JP" altLang="en-US"/>
+            </a:p>
+          </p:txBody>
+        </p:sp>
+        <p:sp>
+          <p:nvSpPr>
+            <p:cNvPr id="62" name="台形 61"/>
+            <p:cNvSpPr/>
+            <p:nvPr/>
+          </p:nvSpPr>
+          <p:spPr>
+            <a:xfrm>
+              <a:off x="3375711" y="1677381"/>
+              <a:ext cx="1082601" cy="226017"/>
+            </a:xfrm>
+            <a:prstGeom prst="trapezoid">
+              <a:avLst>
+                <a:gd name="adj" fmla="val 80181"/>
+              </a:avLst>
+            </a:prstGeom>
+            <a:solidFill>
+              <a:srgbClr val="FFC000"/>
+            </a:solidFill>
+            <a:ln>
+              <a:noFill/>
+            </a:ln>
+          </p:spPr>
+          <p:style>
+            <a:lnRef idx="2">
+              <a:schemeClr val="accent1">
+                <a:shade val="50000"/>
+              </a:schemeClr>
+            </a:lnRef>
+            <a:fillRef idx="1">
+              <a:schemeClr val="accent1"/>
+            </a:fillRef>
+            <a:effectRef idx="0">
+              <a:schemeClr val="accent1"/>
+            </a:effectRef>
+            <a:fontRef idx="minor">
+              <a:schemeClr val="lt1"/>
+            </a:fontRef>
+          </p:style>
+          <p:txBody>
+            <a:bodyPr rtlCol="0" anchor="ctr"/>
+            <a:lstStyle/>
+            <a:p>
+              <a:pPr algn="ctr"/>
+              <a:endParaRPr kumimoji="1" lang="ja-JP" altLang="en-US"/>
+            </a:p>
+          </p:txBody>
+        </p:sp>
+        <p:sp>
+          <p:nvSpPr>
+            <p:cNvPr id="63" name="正方形/長方形 62"/>
+            <p:cNvSpPr/>
+            <p:nvPr/>
+          </p:nvSpPr>
+          <p:spPr>
+            <a:xfrm>
+              <a:off x="2046128" y="1903398"/>
+              <a:ext cx="2420915" cy="190694"/>
+            </a:xfrm>
+            <a:prstGeom prst="rect">
+              <a:avLst/>
+            </a:prstGeom>
+            <a:solidFill>
+              <a:srgbClr val="FFC000"/>
+            </a:solidFill>
+            <a:ln>
+              <a:noFill/>
+            </a:ln>
+          </p:spPr>
+          <p:style>
+            <a:lnRef idx="2">
+              <a:schemeClr val="accent1">
+                <a:shade val="50000"/>
+              </a:schemeClr>
+            </a:lnRef>
+            <a:fillRef idx="1">
+              <a:schemeClr val="accent1"/>
+            </a:fillRef>
+            <a:effectRef idx="0">
+              <a:schemeClr val="accent1"/>
+            </a:effectRef>
+            <a:fontRef idx="minor">
+              <a:schemeClr val="lt1"/>
+            </a:fontRef>
+          </p:style>
+          <p:txBody>
+            <a:bodyPr rtlCol="0" anchor="ctr"/>
+            <a:lstStyle/>
+            <a:p>
+              <a:pPr algn="ctr"/>
+              <a:endParaRPr kumimoji="1" lang="ja-JP" altLang="en-US"/>
+            </a:p>
+          </p:txBody>
+        </p:sp>
+        <p:sp>
+          <p:nvSpPr>
+            <p:cNvPr id="64" name="円/楕円 63"/>
+            <p:cNvSpPr/>
+            <p:nvPr/>
+          </p:nvSpPr>
+          <p:spPr>
+            <a:xfrm>
+              <a:off x="5115588" y="1759909"/>
+              <a:ext cx="270615" cy="260487"/>
+            </a:xfrm>
+            <a:prstGeom prst="ellipse">
+              <a:avLst/>
+            </a:prstGeom>
+            <a:solidFill>
+              <a:schemeClr val="bg1"/>
+            </a:solidFill>
+            <a:ln>
+              <a:noFill/>
+            </a:ln>
+          </p:spPr>
+          <p:style>
+            <a:lnRef idx="2">
+              <a:schemeClr val="accent1">
+                <a:shade val="50000"/>
+              </a:schemeClr>
+            </a:lnRef>
+            <a:fillRef idx="1">
+              <a:schemeClr val="accent1"/>
+            </a:fillRef>
+            <a:effectRef idx="0">
+              <a:schemeClr val="accent1"/>
+            </a:effectRef>
+            <a:fontRef idx="minor">
+              <a:schemeClr val="lt1"/>
+            </a:fontRef>
+          </p:style>
+          <p:txBody>
+            <a:bodyPr rtlCol="0" anchor="ctr"/>
+            <a:lstStyle/>
+            <a:p>
+              <a:pPr algn="ctr"/>
+              <a:endParaRPr kumimoji="1" lang="ja-JP" altLang="en-US"/>
+            </a:p>
+          </p:txBody>
+        </p:sp>
+      </p:grpSp>
+      <p:cxnSp>
+        <p:nvCxnSpPr>
+          <p:cNvPr id="98" name="直線矢印コネクタ 97"/>
+          <p:cNvCxnSpPr>
+            <a:stCxn id="42" idx="1"/>
+            <a:endCxn id="43" idx="1"/>
+          </p:cNvCxnSpPr>
+          <p:nvPr/>
+        </p:nvCxnSpPr>
+        <p:spPr>
+          <a:xfrm>
+            <a:off x="2711494" y="1853167"/>
+            <a:ext cx="1365136" cy="4525"/>
+          </a:xfrm>
+          <a:prstGeom prst="straightConnector1">
+            <a:avLst/>
+          </a:prstGeom>
+          <a:ln w="38100">
+            <a:tailEnd type="arrow"/>
+          </a:ln>
+        </p:spPr>
+        <p:style>
+          <a:lnRef idx="2">
+            <a:schemeClr val="accent1"/>
+          </a:lnRef>
+          <a:fillRef idx="0">
+            <a:schemeClr val="accent1"/>
+          </a:fillRef>
+          <a:effectRef idx="1">
+            <a:schemeClr val="accent1"/>
+          </a:effectRef>
+          <a:fontRef idx="minor">
+            <a:schemeClr val="tx1"/>
+          </a:fontRef>
+        </p:style>
+      </p:cxnSp>
+      <p:sp>
+        <p:nvSpPr>
+          <p:cNvPr id="120" name="線吹き出し 2 (枠付き) 119"/>
+          <p:cNvSpPr/>
+          <p:nvPr/>
+        </p:nvSpPr>
+        <p:spPr>
+          <a:xfrm>
+            <a:off x="6549550" y="931401"/>
+            <a:ext cx="1406306" cy="553092"/>
+          </a:xfrm>
+          <a:prstGeom prst="borderCallout2">
+            <a:avLst>
+              <a:gd name="adj1" fmla="val 18750"/>
+              <a:gd name="adj2" fmla="val -8333"/>
+              <a:gd name="adj3" fmla="val 18750"/>
+              <a:gd name="adj4" fmla="val -16667"/>
+              <a:gd name="adj5" fmla="val 141366"/>
+              <a:gd name="adj6" fmla="val 21451"/>
+            </a:avLst>
+          </a:prstGeom>
+          <a:ln>
+            <a:solidFill>
+              <a:schemeClr val="accent5"/>
+            </a:solidFill>
+          </a:ln>
+        </p:spPr>
+        <p:style>
+          <a:lnRef idx="2">
+            <a:schemeClr val="accent6"/>
+          </a:lnRef>
+          <a:fillRef idx="1">
+            <a:schemeClr val="lt1"/>
+          </a:fillRef>
+          <a:effectRef idx="0">
+            <a:schemeClr val="accent6"/>
+          </a:effectRef>
+          <a:fontRef idx="minor">
+            <a:schemeClr val="dk1"/>
+          </a:fontRef>
+        </p:style>
+        <p:txBody>
+          <a:bodyPr rtlCol="0" anchor="ctr"/>
+          <a:lstStyle/>
+          <a:p>
+            <a:pPr algn="ctr"/>
+            <a:r>
+              <a:rPr lang="en-US" altLang="ja-JP" dirty="0" smtClean="0"/>
+              <a:t>Limited </a:t>
+            </a:r>
+            <a:r>
+              <a:rPr lang="en-US" altLang="ja-JP" dirty="0"/>
+              <a:t>access </a:t>
+            </a:r>
+          </a:p>
+        </p:txBody>
+      </p:sp>
+      <p:sp>
+        <p:nvSpPr>
+          <p:cNvPr id="50" name="テキスト ボックス 49"/>
+          <p:cNvSpPr txBox="1"/>
+          <p:nvPr/>
+        </p:nvSpPr>
+        <p:spPr>
+          <a:xfrm>
+            <a:off x="1255750" y="533473"/>
+            <a:ext cx="3466911" cy="369332"/>
+          </a:xfrm>
+          <a:prstGeom prst="rect">
+            <a:avLst/>
+          </a:prstGeom>
+          <a:noFill/>
+        </p:spPr>
+        <p:txBody>
+          <a:bodyPr wrap="none" rtlCol="0">
+            <a:spAutoFit/>
+          </a:bodyPr>
+          <a:lstStyle/>
+          <a:p>
+            <a:r>
+              <a:rPr lang="en-US" altLang="ja-JP" dirty="0" smtClean="0"/>
+              <a:t>(2) OAuth2.0 </a:t>
+            </a:r>
+            <a:r>
+              <a:rPr lang="en-US" altLang="ja-JP" dirty="0"/>
+              <a:t>authentication model</a:t>
+            </a:r>
+            <a:endParaRPr kumimoji="1" lang="ja-JP" altLang="en-US" dirty="0"/>
+          </a:p>
+        </p:txBody>
+      </p:sp>
+      <p:sp>
+        <p:nvSpPr>
+          <p:cNvPr id="55" name="線吹き出し 2 (枠付き) 54"/>
+          <p:cNvSpPr/>
+          <p:nvPr/>
+        </p:nvSpPr>
+        <p:spPr>
+          <a:xfrm>
+            <a:off x="2839899" y="2716782"/>
+            <a:ext cx="3755020" cy="553092"/>
+          </a:xfrm>
+          <a:prstGeom prst="borderCallout2">
+            <a:avLst>
+              <a:gd name="adj1" fmla="val 41553"/>
+              <a:gd name="adj2" fmla="val 102928"/>
+              <a:gd name="adj3" fmla="val 40405"/>
+              <a:gd name="adj4" fmla="val 106851"/>
+              <a:gd name="adj5" fmla="val 22993"/>
+              <a:gd name="adj6" fmla="val 110009"/>
+            </a:avLst>
+          </a:prstGeom>
+          <a:ln>
+            <a:solidFill>
+              <a:schemeClr val="accent5"/>
+            </a:solidFill>
+          </a:ln>
+        </p:spPr>
+        <p:style>
+          <a:lnRef idx="2">
+            <a:schemeClr val="accent6"/>
+          </a:lnRef>
+          <a:fillRef idx="1">
+            <a:schemeClr val="lt1"/>
+          </a:fillRef>
+          <a:effectRef idx="0">
+            <a:schemeClr val="accent6"/>
+          </a:effectRef>
+          <a:fontRef idx="minor">
+            <a:schemeClr val="dk1"/>
+          </a:fontRef>
+        </p:style>
+        <p:txBody>
+          <a:bodyPr rtlCol="0" anchor="ctr"/>
+          <a:lstStyle/>
+          <a:p>
+            <a:pPr algn="ctr"/>
+            <a:r>
+              <a:rPr lang="en-US" altLang="ja-JP" dirty="0" smtClean="0"/>
+              <a:t>Authenticate without going through the Third-party applications</a:t>
+            </a:r>
+            <a:endParaRPr lang="en-US" altLang="ja-JP" dirty="0"/>
+          </a:p>
+        </p:txBody>
+      </p:sp>
+    </p:spTree>
+    <p:extLst>
+      <p:ext uri="{BB962C8B-B14F-4D97-AF65-F5344CB8AC3E}">
+        <p14:creationId xmlns:p14="http://schemas.microsoft.com/office/powerpoint/2010/main" val="1122431861"/>
+      </p:ext>
+    </p:extLst>
+  </p:cSld>
+  <p:clrMapOvr>
+    <a:masterClrMapping/>
+  </p:clrMapOvr>
+  <p:timing>
+    <p:tnLst>
+      <p:par>
+        <p:cTn id="1" dur="indefinite" restart="never" nodeType="tmRoot"/>
+      </p:par>
+    </p:tnLst>
+  </p:timing>
+</p:sld>
+</file>
+
+<file path=ppt/slides/slide20.xml><?xml version="1.0" encoding="utf-8"?>
 <p:sld xmlns:a="http://schemas.openxmlformats.org/drawingml/2006/main" xmlns:r="http://schemas.openxmlformats.org/officeDocument/2006/relationships" xmlns:p="http://schemas.openxmlformats.org/presentationml/2006/main">
   <p:cSld>
     <p:spTree>
@@ -19877,932 +22506,7 @@
 </p:sld>
 </file>
 
-<file path=ppt/slides/slide2.xml><?xml version="1.0" encoding="utf-8"?>
-<p:sld xmlns:a="http://schemas.openxmlformats.org/drawingml/2006/main" xmlns:r="http://schemas.openxmlformats.org/officeDocument/2006/relationships" xmlns:p="http://schemas.openxmlformats.org/presentationml/2006/main">
-  <p:cSld>
-    <p:spTree>
-      <p:nvGrpSpPr>
-        <p:cNvPr id="1" name=""/>
-        <p:cNvGrpSpPr/>
-        <p:nvPr/>
-      </p:nvGrpSpPr>
-      <p:grpSpPr>
-        <a:xfrm>
-          <a:off x="0" y="0"/>
-          <a:ext cx="0" cy="0"/>
-          <a:chOff x="0" y="0"/>
-          <a:chExt cx="0" cy="0"/>
-        </a:xfrm>
-      </p:grpSpPr>
-      <p:sp>
-        <p:nvSpPr>
-          <p:cNvPr id="7" name="角丸四角形 6"/>
-          <p:cNvSpPr/>
-          <p:nvPr/>
-        </p:nvSpPr>
-        <p:spPr>
-          <a:xfrm>
-            <a:off x="1127949" y="397030"/>
-            <a:ext cx="9900998" cy="3007101"/>
-          </a:xfrm>
-          <a:prstGeom prst="roundRect">
-            <a:avLst/>
-          </a:prstGeom>
-          <a:noFill/>
-          <a:ln w="34925">
-            <a:solidFill>
-              <a:schemeClr val="tx1">
-                <a:lumMod val="75000"/>
-                <a:lumOff val="25000"/>
-              </a:schemeClr>
-            </a:solidFill>
-            <a:prstDash val="dash"/>
-          </a:ln>
-        </p:spPr>
-        <p:style>
-          <a:lnRef idx="1">
-            <a:schemeClr val="accent1"/>
-          </a:lnRef>
-          <a:fillRef idx="3">
-            <a:schemeClr val="accent1"/>
-          </a:fillRef>
-          <a:effectRef idx="2">
-            <a:schemeClr val="accent1"/>
-          </a:effectRef>
-          <a:fontRef idx="minor">
-            <a:schemeClr val="lt1"/>
-          </a:fontRef>
-        </p:style>
-        <p:txBody>
-          <a:bodyPr rtlCol="0" anchor="t" anchorCtr="0"/>
-          <a:lstStyle/>
-          <a:p>
-            <a:pPr algn="ctr"/>
-            <a:r>
-              <a:rPr kumimoji="1" lang="ja-JP" altLang="en-US" dirty="0" smtClean="0"/>
-              <a:t>あああ</a:t>
-            </a:r>
-            <a:endParaRPr kumimoji="1" lang="ja-JP" altLang="en-US" dirty="0"/>
-          </a:p>
-        </p:txBody>
-      </p:sp>
-      <p:pic>
-        <p:nvPicPr>
-          <p:cNvPr id="42" name="Picture 6" descr="C:\Users\btshimizukza\AppData\Local\Microsoft\Windows\Temporary Internet Files\Low\Content.IE5\TSGXMUM1\MC900433944[1].PNG"/>
-          <p:cNvPicPr>
-            <a:picLocks noChangeAspect="1" noChangeArrowheads="1"/>
-          </p:cNvPicPr>
-          <p:nvPr/>
-        </p:nvPicPr>
-        <p:blipFill>
-          <a:blip r:embed="rId2">
-            <a:extLst>
-              <a:ext uri="{28A0092B-C50C-407E-A947-70E740481C1C}">
-                <a14:useLocalDpi xmlns:a14="http://schemas.microsoft.com/office/drawing/2010/main" val="0"/>
-              </a:ext>
-            </a:extLst>
-          </a:blip>
-          <a:srcRect/>
-          <a:stretch>
-            <a:fillRect/>
-          </a:stretch>
-        </p:blipFill>
-        <p:spPr bwMode="auto">
-          <a:xfrm flipH="1">
-            <a:off x="1854244" y="1424542"/>
-            <a:ext cx="857250" cy="857250"/>
-          </a:xfrm>
-          <a:prstGeom prst="rect">
-            <a:avLst/>
-          </a:prstGeom>
-          <a:noFill/>
-          <a:extLst>
-            <a:ext uri="{909E8E84-426E-40DD-AFC4-6F175D3DCCD1}">
-              <a14:hiddenFill xmlns:a14="http://schemas.microsoft.com/office/drawing/2010/main">
-                <a:solidFill>
-                  <a:srgbClr val="FFFFFF"/>
-                </a:solidFill>
-              </a14:hiddenFill>
-            </a:ext>
-          </a:extLst>
-        </p:spPr>
-      </p:pic>
-      <p:sp>
-        <p:nvSpPr>
-          <p:cNvPr id="43" name="角丸四角形 42"/>
-          <p:cNvSpPr/>
-          <p:nvPr/>
-        </p:nvSpPr>
-        <p:spPr>
-          <a:xfrm>
-            <a:off x="4076630" y="1301783"/>
-            <a:ext cx="2352174" cy="1111818"/>
-          </a:xfrm>
-          <a:prstGeom prst="roundRect">
-            <a:avLst/>
-          </a:prstGeom>
-        </p:spPr>
-        <p:style>
-          <a:lnRef idx="1">
-            <a:schemeClr val="accent1"/>
-          </a:lnRef>
-          <a:fillRef idx="3">
-            <a:schemeClr val="accent1"/>
-          </a:fillRef>
-          <a:effectRef idx="2">
-            <a:schemeClr val="accent1"/>
-          </a:effectRef>
-          <a:fontRef idx="minor">
-            <a:schemeClr val="lt1"/>
-          </a:fontRef>
-        </p:style>
-        <p:txBody>
-          <a:bodyPr rtlCol="0" anchor="ctr"/>
-          <a:lstStyle/>
-          <a:p>
-            <a:pPr algn="ctr"/>
-            <a:r>
-              <a:rPr lang="en-US" altLang="ja-JP" sz="1600" dirty="0" smtClean="0"/>
-              <a:t>Third-party applications </a:t>
-            </a:r>
-          </a:p>
-        </p:txBody>
-      </p:sp>
-      <p:sp>
-        <p:nvSpPr>
-          <p:cNvPr id="44" name="角丸四角形 43"/>
-          <p:cNvSpPr/>
-          <p:nvPr/>
-        </p:nvSpPr>
-        <p:spPr>
-          <a:xfrm>
-            <a:off x="7793940" y="1301783"/>
-            <a:ext cx="2352174" cy="1102769"/>
-          </a:xfrm>
-          <a:prstGeom prst="roundRect">
-            <a:avLst/>
-          </a:prstGeom>
-        </p:spPr>
-        <p:style>
-          <a:lnRef idx="1">
-            <a:schemeClr val="accent1"/>
-          </a:lnRef>
-          <a:fillRef idx="3">
-            <a:schemeClr val="accent1"/>
-          </a:fillRef>
-          <a:effectRef idx="2">
-            <a:schemeClr val="accent1"/>
-          </a:effectRef>
-          <a:fontRef idx="minor">
-            <a:schemeClr val="lt1"/>
-          </a:fontRef>
-        </p:style>
-        <p:txBody>
-          <a:bodyPr rtlCol="0" anchor="ctr" anchorCtr="0"/>
-          <a:lstStyle/>
-          <a:p>
-            <a:pPr algn="ctr"/>
-            <a:r>
-              <a:rPr lang="en-US" altLang="ja-JP" sz="1600" dirty="0" smtClean="0"/>
-              <a:t>HTTP Service</a:t>
-            </a:r>
-          </a:p>
-        </p:txBody>
-      </p:sp>
-      <p:sp>
-        <p:nvSpPr>
-          <p:cNvPr id="46" name="角丸四角形 45"/>
-          <p:cNvSpPr/>
-          <p:nvPr/>
-        </p:nvSpPr>
-        <p:spPr>
-          <a:xfrm>
-            <a:off x="8914652" y="2038667"/>
-            <a:ext cx="1575411" cy="749868"/>
-          </a:xfrm>
-          <a:prstGeom prst="roundRect">
-            <a:avLst/>
-          </a:prstGeom>
-        </p:spPr>
-        <p:style>
-          <a:lnRef idx="2">
-            <a:schemeClr val="accent6">
-              <a:shade val="50000"/>
-            </a:schemeClr>
-          </a:lnRef>
-          <a:fillRef idx="1">
-            <a:schemeClr val="accent6"/>
-          </a:fillRef>
-          <a:effectRef idx="0">
-            <a:schemeClr val="accent6"/>
-          </a:effectRef>
-          <a:fontRef idx="minor">
-            <a:schemeClr val="lt1"/>
-          </a:fontRef>
-        </p:style>
-        <p:txBody>
-          <a:bodyPr rtlCol="0" anchor="ctr"/>
-          <a:lstStyle/>
-          <a:p>
-            <a:pPr algn="ctr"/>
-            <a:r>
-              <a:rPr lang="en-US" altLang="ja-JP" sz="1600" dirty="0"/>
-              <a:t>R</a:t>
-            </a:r>
-            <a:r>
-              <a:rPr lang="en-US" altLang="ja-JP" sz="1600" dirty="0" smtClean="0"/>
-              <a:t>estricted resources</a:t>
-            </a:r>
-          </a:p>
-        </p:txBody>
-      </p:sp>
-      <p:sp>
-        <p:nvSpPr>
-          <p:cNvPr id="65" name="テキスト ボックス 64"/>
-          <p:cNvSpPr txBox="1"/>
-          <p:nvPr/>
-        </p:nvSpPr>
-        <p:spPr>
-          <a:xfrm>
-            <a:off x="1800291" y="2280315"/>
-            <a:ext cx="965156" cy="369332"/>
-          </a:xfrm>
-          <a:prstGeom prst="rect">
-            <a:avLst/>
-          </a:prstGeom>
-          <a:noFill/>
-        </p:spPr>
-        <p:txBody>
-          <a:bodyPr wrap="square" rtlCol="0">
-            <a:spAutoFit/>
-          </a:bodyPr>
-          <a:lstStyle/>
-          <a:p>
-            <a:pPr algn="ctr"/>
-            <a:r>
-              <a:rPr kumimoji="1" lang="en-US" altLang="ja-JP" dirty="0" smtClean="0"/>
-              <a:t>User</a:t>
-            </a:r>
-            <a:endParaRPr kumimoji="1" lang="ja-JP" altLang="en-US" dirty="0"/>
-          </a:p>
-        </p:txBody>
-      </p:sp>
-      <p:cxnSp>
-        <p:nvCxnSpPr>
-          <p:cNvPr id="68" name="カギ線コネクタ 67"/>
-          <p:cNvCxnSpPr/>
-          <p:nvPr/>
-        </p:nvCxnSpPr>
-        <p:spPr>
-          <a:xfrm flipV="1">
-            <a:off x="2765447" y="2400714"/>
-            <a:ext cx="5144393" cy="227378"/>
-          </a:xfrm>
-          <a:prstGeom prst="bentConnector3">
-            <a:avLst>
-              <a:gd name="adj1" fmla="val 99992"/>
-            </a:avLst>
-          </a:prstGeom>
-          <a:ln w="38100">
-            <a:tailEnd type="arrow"/>
-          </a:ln>
-        </p:spPr>
-        <p:style>
-          <a:lnRef idx="2">
-            <a:schemeClr val="accent1"/>
-          </a:lnRef>
-          <a:fillRef idx="0">
-            <a:schemeClr val="accent1"/>
-          </a:fillRef>
-          <a:effectRef idx="1">
-            <a:schemeClr val="accent1"/>
-          </a:effectRef>
-          <a:fontRef idx="minor">
-            <a:schemeClr val="tx1"/>
-          </a:fontRef>
-        </p:style>
-      </p:cxnSp>
-      <p:cxnSp>
-        <p:nvCxnSpPr>
-          <p:cNvPr id="87" name="直線矢印コネクタ 86"/>
-          <p:cNvCxnSpPr/>
-          <p:nvPr/>
-        </p:nvCxnSpPr>
-        <p:spPr>
-          <a:xfrm flipV="1">
-            <a:off x="6428804" y="1933431"/>
-            <a:ext cx="1365136" cy="4524"/>
-          </a:xfrm>
-          <a:prstGeom prst="straightConnector1">
-            <a:avLst/>
-          </a:prstGeom>
-          <a:ln w="38100">
-            <a:headEnd type="arrow"/>
-            <a:tailEnd type="arrow"/>
-          </a:ln>
-        </p:spPr>
-        <p:style>
-          <a:lnRef idx="2">
-            <a:schemeClr val="accent1"/>
-          </a:lnRef>
-          <a:fillRef idx="0">
-            <a:schemeClr val="accent1"/>
-          </a:fillRef>
-          <a:effectRef idx="1">
-            <a:schemeClr val="accent1"/>
-          </a:effectRef>
-          <a:fontRef idx="minor">
-            <a:schemeClr val="tx1"/>
-          </a:fontRef>
-        </p:style>
-      </p:cxnSp>
-      <p:sp>
-        <p:nvSpPr>
-          <p:cNvPr id="88" name="フローチャート: 複数書類 87"/>
-          <p:cNvSpPr/>
-          <p:nvPr/>
-        </p:nvSpPr>
-        <p:spPr>
-          <a:xfrm>
-            <a:off x="6818266" y="1771787"/>
-            <a:ext cx="617220" cy="381095"/>
-          </a:xfrm>
-          <a:prstGeom prst="flowChartMultidocument">
-            <a:avLst/>
-          </a:prstGeom>
-        </p:spPr>
-        <p:style>
-          <a:lnRef idx="2">
-            <a:schemeClr val="accent1">
-              <a:shade val="50000"/>
-            </a:schemeClr>
-          </a:lnRef>
-          <a:fillRef idx="1">
-            <a:schemeClr val="accent1"/>
-          </a:fillRef>
-          <a:effectRef idx="0">
-            <a:schemeClr val="accent1"/>
-          </a:effectRef>
-          <a:fontRef idx="minor">
-            <a:schemeClr val="lt1"/>
-          </a:fontRef>
-        </p:style>
-        <p:txBody>
-          <a:bodyPr rtlCol="0" anchor="ctr"/>
-          <a:lstStyle/>
-          <a:p>
-            <a:pPr algn="ctr"/>
-            <a:endParaRPr kumimoji="1" lang="ja-JP" altLang="en-US"/>
-          </a:p>
-        </p:txBody>
-      </p:sp>
-      <p:grpSp>
-        <p:nvGrpSpPr>
-          <p:cNvPr id="57" name="グループ化 56"/>
-          <p:cNvGrpSpPr/>
-          <p:nvPr/>
-        </p:nvGrpSpPr>
-        <p:grpSpPr>
-          <a:xfrm rot="18983385">
-            <a:off x="6735012" y="2476937"/>
-            <a:ext cx="863272" cy="330850"/>
-            <a:chOff x="2042159" y="1239289"/>
-            <a:chExt cx="3420984" cy="1311097"/>
-          </a:xfrm>
-        </p:grpSpPr>
-        <p:sp>
-          <p:nvSpPr>
-            <p:cNvPr id="58" name="円/楕円 57"/>
-            <p:cNvSpPr/>
-            <p:nvPr/>
-          </p:nvSpPr>
-          <p:spPr>
-            <a:xfrm>
-              <a:off x="4101068" y="1239289"/>
-              <a:ext cx="1362075" cy="1311097"/>
-            </a:xfrm>
-            <a:prstGeom prst="ellipse">
-              <a:avLst/>
-            </a:prstGeom>
-            <a:solidFill>
-              <a:srgbClr val="FFC000"/>
-            </a:solidFill>
-            <a:ln>
-              <a:noFill/>
-            </a:ln>
-          </p:spPr>
-          <p:style>
-            <a:lnRef idx="2">
-              <a:schemeClr val="accent1">
-                <a:shade val="50000"/>
-              </a:schemeClr>
-            </a:lnRef>
-            <a:fillRef idx="1">
-              <a:schemeClr val="accent1"/>
-            </a:fillRef>
-            <a:effectRef idx="0">
-              <a:schemeClr val="accent1"/>
-            </a:effectRef>
-            <a:fontRef idx="minor">
-              <a:schemeClr val="lt1"/>
-            </a:fontRef>
-          </p:style>
-          <p:txBody>
-            <a:bodyPr rtlCol="0" anchor="ctr"/>
-            <a:lstStyle/>
-            <a:p>
-              <a:pPr algn="ctr"/>
-              <a:endParaRPr kumimoji="1" lang="ja-JP" altLang="en-US"/>
-            </a:p>
-          </p:txBody>
-        </p:sp>
-        <p:sp>
-          <p:nvSpPr>
-            <p:cNvPr id="59" name="台形 58"/>
-            <p:cNvSpPr/>
-            <p:nvPr/>
-          </p:nvSpPr>
-          <p:spPr>
-            <a:xfrm>
-              <a:off x="2042159" y="1677381"/>
-              <a:ext cx="647700" cy="226017"/>
-            </a:xfrm>
-            <a:prstGeom prst="trapezoid">
-              <a:avLst>
-                <a:gd name="adj" fmla="val 80181"/>
-              </a:avLst>
-            </a:prstGeom>
-            <a:solidFill>
-              <a:srgbClr val="FFC000"/>
-            </a:solidFill>
-            <a:ln>
-              <a:noFill/>
-            </a:ln>
-          </p:spPr>
-          <p:style>
-            <a:lnRef idx="2">
-              <a:schemeClr val="accent1">
-                <a:shade val="50000"/>
-              </a:schemeClr>
-            </a:lnRef>
-            <a:fillRef idx="1">
-              <a:schemeClr val="accent1"/>
-            </a:fillRef>
-            <a:effectRef idx="0">
-              <a:schemeClr val="accent1"/>
-            </a:effectRef>
-            <a:fontRef idx="minor">
-              <a:schemeClr val="lt1"/>
-            </a:fontRef>
-          </p:style>
-          <p:txBody>
-            <a:bodyPr rtlCol="0" anchor="ctr"/>
-            <a:lstStyle/>
-            <a:p>
-              <a:pPr algn="ctr"/>
-              <a:endParaRPr kumimoji="1" lang="ja-JP" altLang="en-US"/>
-            </a:p>
-          </p:txBody>
-        </p:sp>
-        <p:sp>
-          <p:nvSpPr>
-            <p:cNvPr id="60" name="台形 59"/>
-            <p:cNvSpPr/>
-            <p:nvPr/>
-          </p:nvSpPr>
-          <p:spPr>
-            <a:xfrm>
-              <a:off x="2577665" y="1677381"/>
-              <a:ext cx="474252" cy="226017"/>
-            </a:xfrm>
-            <a:prstGeom prst="trapezoid">
-              <a:avLst>
-                <a:gd name="adj" fmla="val 80181"/>
-              </a:avLst>
-            </a:prstGeom>
-            <a:solidFill>
-              <a:srgbClr val="FFC000"/>
-            </a:solidFill>
-            <a:ln>
-              <a:noFill/>
-            </a:ln>
-          </p:spPr>
-          <p:style>
-            <a:lnRef idx="2">
-              <a:schemeClr val="accent1">
-                <a:shade val="50000"/>
-              </a:schemeClr>
-            </a:lnRef>
-            <a:fillRef idx="1">
-              <a:schemeClr val="accent1"/>
-            </a:fillRef>
-            <a:effectRef idx="0">
-              <a:schemeClr val="accent1"/>
-            </a:effectRef>
-            <a:fontRef idx="minor">
-              <a:schemeClr val="lt1"/>
-            </a:fontRef>
-          </p:style>
-          <p:txBody>
-            <a:bodyPr rtlCol="0" anchor="ctr"/>
-            <a:lstStyle/>
-            <a:p>
-              <a:pPr algn="ctr"/>
-              <a:endParaRPr kumimoji="1" lang="ja-JP" altLang="en-US"/>
-            </a:p>
-          </p:txBody>
-        </p:sp>
-        <p:sp>
-          <p:nvSpPr>
-            <p:cNvPr id="61" name="台形 60"/>
-            <p:cNvSpPr/>
-            <p:nvPr/>
-          </p:nvSpPr>
-          <p:spPr>
-            <a:xfrm>
-              <a:off x="2901514" y="1677381"/>
-              <a:ext cx="647700" cy="226017"/>
-            </a:xfrm>
-            <a:prstGeom prst="trapezoid">
-              <a:avLst>
-                <a:gd name="adj" fmla="val 80181"/>
-              </a:avLst>
-            </a:prstGeom>
-            <a:solidFill>
-              <a:srgbClr val="FFC000"/>
-            </a:solidFill>
-            <a:ln>
-              <a:noFill/>
-            </a:ln>
-          </p:spPr>
-          <p:style>
-            <a:lnRef idx="2">
-              <a:schemeClr val="accent1">
-                <a:shade val="50000"/>
-              </a:schemeClr>
-            </a:lnRef>
-            <a:fillRef idx="1">
-              <a:schemeClr val="accent1"/>
-            </a:fillRef>
-            <a:effectRef idx="0">
-              <a:schemeClr val="accent1"/>
-            </a:effectRef>
-            <a:fontRef idx="minor">
-              <a:schemeClr val="lt1"/>
-            </a:fontRef>
-          </p:style>
-          <p:txBody>
-            <a:bodyPr rtlCol="0" anchor="ctr"/>
-            <a:lstStyle/>
-            <a:p>
-              <a:pPr algn="ctr"/>
-              <a:endParaRPr kumimoji="1" lang="ja-JP" altLang="en-US"/>
-            </a:p>
-          </p:txBody>
-        </p:sp>
-        <p:sp>
-          <p:nvSpPr>
-            <p:cNvPr id="62" name="台形 61"/>
-            <p:cNvSpPr/>
-            <p:nvPr/>
-          </p:nvSpPr>
-          <p:spPr>
-            <a:xfrm>
-              <a:off x="3375711" y="1677381"/>
-              <a:ext cx="1082601" cy="226017"/>
-            </a:xfrm>
-            <a:prstGeom prst="trapezoid">
-              <a:avLst>
-                <a:gd name="adj" fmla="val 80181"/>
-              </a:avLst>
-            </a:prstGeom>
-            <a:solidFill>
-              <a:srgbClr val="FFC000"/>
-            </a:solidFill>
-            <a:ln>
-              <a:noFill/>
-            </a:ln>
-          </p:spPr>
-          <p:style>
-            <a:lnRef idx="2">
-              <a:schemeClr val="accent1">
-                <a:shade val="50000"/>
-              </a:schemeClr>
-            </a:lnRef>
-            <a:fillRef idx="1">
-              <a:schemeClr val="accent1"/>
-            </a:fillRef>
-            <a:effectRef idx="0">
-              <a:schemeClr val="accent1"/>
-            </a:effectRef>
-            <a:fontRef idx="minor">
-              <a:schemeClr val="lt1"/>
-            </a:fontRef>
-          </p:style>
-          <p:txBody>
-            <a:bodyPr rtlCol="0" anchor="ctr"/>
-            <a:lstStyle/>
-            <a:p>
-              <a:pPr algn="ctr"/>
-              <a:endParaRPr kumimoji="1" lang="ja-JP" altLang="en-US"/>
-            </a:p>
-          </p:txBody>
-        </p:sp>
-        <p:sp>
-          <p:nvSpPr>
-            <p:cNvPr id="63" name="正方形/長方形 62"/>
-            <p:cNvSpPr/>
-            <p:nvPr/>
-          </p:nvSpPr>
-          <p:spPr>
-            <a:xfrm>
-              <a:off x="2046128" y="1903398"/>
-              <a:ext cx="2420915" cy="190694"/>
-            </a:xfrm>
-            <a:prstGeom prst="rect">
-              <a:avLst/>
-            </a:prstGeom>
-            <a:solidFill>
-              <a:srgbClr val="FFC000"/>
-            </a:solidFill>
-            <a:ln>
-              <a:noFill/>
-            </a:ln>
-          </p:spPr>
-          <p:style>
-            <a:lnRef idx="2">
-              <a:schemeClr val="accent1">
-                <a:shade val="50000"/>
-              </a:schemeClr>
-            </a:lnRef>
-            <a:fillRef idx="1">
-              <a:schemeClr val="accent1"/>
-            </a:fillRef>
-            <a:effectRef idx="0">
-              <a:schemeClr val="accent1"/>
-            </a:effectRef>
-            <a:fontRef idx="minor">
-              <a:schemeClr val="lt1"/>
-            </a:fontRef>
-          </p:style>
-          <p:txBody>
-            <a:bodyPr rtlCol="0" anchor="ctr"/>
-            <a:lstStyle/>
-            <a:p>
-              <a:pPr algn="ctr"/>
-              <a:endParaRPr kumimoji="1" lang="ja-JP" altLang="en-US"/>
-            </a:p>
-          </p:txBody>
-        </p:sp>
-        <p:sp>
-          <p:nvSpPr>
-            <p:cNvPr id="64" name="円/楕円 63"/>
-            <p:cNvSpPr/>
-            <p:nvPr/>
-          </p:nvSpPr>
-          <p:spPr>
-            <a:xfrm>
-              <a:off x="5115588" y="1759909"/>
-              <a:ext cx="270615" cy="260487"/>
-            </a:xfrm>
-            <a:prstGeom prst="ellipse">
-              <a:avLst/>
-            </a:prstGeom>
-            <a:solidFill>
-              <a:schemeClr val="bg1"/>
-            </a:solidFill>
-            <a:ln>
-              <a:noFill/>
-            </a:ln>
-          </p:spPr>
-          <p:style>
-            <a:lnRef idx="2">
-              <a:schemeClr val="accent1">
-                <a:shade val="50000"/>
-              </a:schemeClr>
-            </a:lnRef>
-            <a:fillRef idx="1">
-              <a:schemeClr val="accent1"/>
-            </a:fillRef>
-            <a:effectRef idx="0">
-              <a:schemeClr val="accent1"/>
-            </a:effectRef>
-            <a:fontRef idx="minor">
-              <a:schemeClr val="lt1"/>
-            </a:fontRef>
-          </p:style>
-          <p:txBody>
-            <a:bodyPr rtlCol="0" anchor="ctr"/>
-            <a:lstStyle/>
-            <a:p>
-              <a:pPr algn="ctr"/>
-              <a:endParaRPr kumimoji="1" lang="ja-JP" altLang="en-US"/>
-            </a:p>
-          </p:txBody>
-        </p:sp>
-      </p:grpSp>
-      <p:cxnSp>
-        <p:nvCxnSpPr>
-          <p:cNvPr id="98" name="直線矢印コネクタ 97"/>
-          <p:cNvCxnSpPr>
-            <a:stCxn id="42" idx="1"/>
-            <a:endCxn id="43" idx="1"/>
-          </p:cNvCxnSpPr>
-          <p:nvPr/>
-        </p:nvCxnSpPr>
-        <p:spPr>
-          <a:xfrm>
-            <a:off x="2711494" y="1853167"/>
-            <a:ext cx="1365136" cy="4525"/>
-          </a:xfrm>
-          <a:prstGeom prst="straightConnector1">
-            <a:avLst/>
-          </a:prstGeom>
-          <a:ln w="38100">
-            <a:tailEnd type="arrow"/>
-          </a:ln>
-        </p:spPr>
-        <p:style>
-          <a:lnRef idx="2">
-            <a:schemeClr val="accent1"/>
-          </a:lnRef>
-          <a:fillRef idx="0">
-            <a:schemeClr val="accent1"/>
-          </a:fillRef>
-          <a:effectRef idx="1">
-            <a:schemeClr val="accent1"/>
-          </a:effectRef>
-          <a:fontRef idx="minor">
-            <a:schemeClr val="tx1"/>
-          </a:fontRef>
-        </p:style>
-      </p:cxnSp>
-      <p:sp>
-        <p:nvSpPr>
-          <p:cNvPr id="120" name="線吹き出し 2 (枠付き) 119"/>
-          <p:cNvSpPr/>
-          <p:nvPr/>
-        </p:nvSpPr>
-        <p:spPr>
-          <a:xfrm>
-            <a:off x="6549550" y="931401"/>
-            <a:ext cx="1406306" cy="553092"/>
-          </a:xfrm>
-          <a:prstGeom prst="borderCallout2">
-            <a:avLst>
-              <a:gd name="adj1" fmla="val 18750"/>
-              <a:gd name="adj2" fmla="val -8333"/>
-              <a:gd name="adj3" fmla="val 18750"/>
-              <a:gd name="adj4" fmla="val -16667"/>
-              <a:gd name="adj5" fmla="val 141366"/>
-              <a:gd name="adj6" fmla="val 21451"/>
-            </a:avLst>
-          </a:prstGeom>
-          <a:ln>
-            <a:solidFill>
-              <a:schemeClr val="accent5"/>
-            </a:solidFill>
-          </a:ln>
-        </p:spPr>
-        <p:style>
-          <a:lnRef idx="2">
-            <a:schemeClr val="accent6"/>
-          </a:lnRef>
-          <a:fillRef idx="1">
-            <a:schemeClr val="lt1"/>
-          </a:fillRef>
-          <a:effectRef idx="0">
-            <a:schemeClr val="accent6"/>
-          </a:effectRef>
-          <a:fontRef idx="minor">
-            <a:schemeClr val="dk1"/>
-          </a:fontRef>
-        </p:style>
-        <p:txBody>
-          <a:bodyPr rtlCol="0" anchor="ctr"/>
-          <a:lstStyle/>
-          <a:p>
-            <a:pPr algn="ctr"/>
-            <a:r>
-              <a:rPr lang="en-US" altLang="ja-JP" dirty="0" smtClean="0"/>
-              <a:t>Limited </a:t>
-            </a:r>
-            <a:r>
-              <a:rPr lang="en-US" altLang="ja-JP" dirty="0"/>
-              <a:t>access </a:t>
-            </a:r>
-          </a:p>
-        </p:txBody>
-      </p:sp>
-      <p:sp>
-        <p:nvSpPr>
-          <p:cNvPr id="50" name="テキスト ボックス 49"/>
-          <p:cNvSpPr txBox="1"/>
-          <p:nvPr/>
-        </p:nvSpPr>
-        <p:spPr>
-          <a:xfrm>
-            <a:off x="1255750" y="533473"/>
-            <a:ext cx="3466911" cy="369332"/>
-          </a:xfrm>
-          <a:prstGeom prst="rect">
-            <a:avLst/>
-          </a:prstGeom>
-          <a:noFill/>
-        </p:spPr>
-        <p:txBody>
-          <a:bodyPr wrap="none" rtlCol="0">
-            <a:spAutoFit/>
-          </a:bodyPr>
-          <a:lstStyle/>
-          <a:p>
-            <a:r>
-              <a:rPr lang="en-US" altLang="ja-JP" dirty="0" smtClean="0"/>
-              <a:t>(2) OAuth2.0 </a:t>
-            </a:r>
-            <a:r>
-              <a:rPr lang="en-US" altLang="ja-JP" dirty="0"/>
-              <a:t>authentication model</a:t>
-            </a:r>
-            <a:endParaRPr kumimoji="1" lang="ja-JP" altLang="en-US" dirty="0"/>
-          </a:p>
-        </p:txBody>
-      </p:sp>
-      <p:sp>
-        <p:nvSpPr>
-          <p:cNvPr id="55" name="線吹き出し 2 (枠付き) 54"/>
-          <p:cNvSpPr/>
-          <p:nvPr/>
-        </p:nvSpPr>
-        <p:spPr>
-          <a:xfrm>
-            <a:off x="2839899" y="2716782"/>
-            <a:ext cx="3755020" cy="553092"/>
-          </a:xfrm>
-          <a:prstGeom prst="borderCallout2">
-            <a:avLst>
-              <a:gd name="adj1" fmla="val 41553"/>
-              <a:gd name="adj2" fmla="val 102928"/>
-              <a:gd name="adj3" fmla="val 40405"/>
-              <a:gd name="adj4" fmla="val 106851"/>
-              <a:gd name="adj5" fmla="val 22993"/>
-              <a:gd name="adj6" fmla="val 110009"/>
-            </a:avLst>
-          </a:prstGeom>
-          <a:ln>
-            <a:solidFill>
-              <a:schemeClr val="accent5"/>
-            </a:solidFill>
-          </a:ln>
-        </p:spPr>
-        <p:style>
-          <a:lnRef idx="2">
-            <a:schemeClr val="accent6"/>
-          </a:lnRef>
-          <a:fillRef idx="1">
-            <a:schemeClr val="lt1"/>
-          </a:fillRef>
-          <a:effectRef idx="0">
-            <a:schemeClr val="accent6"/>
-          </a:effectRef>
-          <a:fontRef idx="minor">
-            <a:schemeClr val="dk1"/>
-          </a:fontRef>
-        </p:style>
-        <p:txBody>
-          <a:bodyPr rtlCol="0" anchor="ctr"/>
-          <a:lstStyle/>
-          <a:p>
-            <a:pPr algn="ctr"/>
-            <a:r>
-              <a:rPr lang="en-US" altLang="ja-JP" dirty="0" smtClean="0"/>
-              <a:t>Authenticate without going through the Third-party applications</a:t>
-            </a:r>
-            <a:endParaRPr lang="en-US" altLang="ja-JP" dirty="0"/>
-          </a:p>
-        </p:txBody>
-      </p:sp>
-    </p:spTree>
-    <p:extLst>
-      <p:ext uri="{BB962C8B-B14F-4D97-AF65-F5344CB8AC3E}">
-        <p14:creationId xmlns:p14="http://schemas.microsoft.com/office/powerpoint/2010/main" val="1122431861"/>
-      </p:ext>
-    </p:extLst>
-  </p:cSld>
-  <p:clrMapOvr>
-    <a:masterClrMapping/>
-  </p:clrMapOvr>
-  <p:timing>
-    <p:tnLst>
-      <p:par>
-        <p:cTn id="1" dur="indefinite" restart="never" nodeType="tmRoot"/>
-      </p:par>
-    </p:tnLst>
-  </p:timing>
-</p:sld>
-</file>
-
-<file path=ppt/slides/slide20.xml><?xml version="1.0" encoding="utf-8"?>
+<file path=ppt/slides/slide21.xml><?xml version="1.0" encoding="utf-8"?>
 <p:sld xmlns:a="http://schemas.openxmlformats.org/drawingml/2006/main" xmlns:r="http://schemas.openxmlformats.org/officeDocument/2006/relationships" xmlns:p="http://schemas.openxmlformats.org/presentationml/2006/main">
   <p:cSld>
     <p:spTree>

--- a/source/Security/images_OAuth/materialOAuth.pptx
+++ b/source/Security/images_OAuth/materialOAuth.pptx
@@ -5,7 +5,7 @@
     <p:sldMasterId id="2147483648" r:id="rId1"/>
   </p:sldMasterIdLst>
   <p:notesMasterIdLst>
-    <p:notesMasterId r:id="rId23"/>
+    <p:notesMasterId r:id="rId25"/>
   </p:notesMasterIdLst>
   <p:sldIdLst>
     <p:sldId id="272" r:id="rId2"/>
@@ -29,6 +29,8 @@
     <p:sldId id="257" r:id="rId20"/>
     <p:sldId id="270" r:id="rId21"/>
     <p:sldId id="271" r:id="rId22"/>
+    <p:sldId id="296" r:id="rId23"/>
+    <p:sldId id="298" r:id="rId24"/>
   </p:sldIdLst>
   <p:sldSz cx="12192000" cy="6858000"/>
   <p:notesSz cx="6858000" cy="9144000"/>
@@ -163,6 +165,12 @@
             <p14:sldId id="271"/>
           </p14:sldIdLst>
         </p14:section>
+        <p14:section name="Appendix" id="{082A9C9C-DA9A-4752-A7DE-699D2A27A3BD}">
+          <p14:sldIdLst>
+            <p14:sldId id="296"/>
+            <p14:sldId id="298"/>
+          </p14:sldIdLst>
+        </p14:section>
       </p14:sectionLst>
     </p:ext>
     <p:ext uri="{EFAFB233-063F-42B5-8137-9DF3F51BA10A}">
@@ -254,7 +262,7 @@
           <a:p>
             <a:fld id="{E364C4AB-FECB-4A61-B71C-A45CCAC46987}" type="datetimeFigureOut">
               <a:rPr kumimoji="1" lang="ja-JP" altLang="en-US" smtClean="0"/>
-              <a:t>2017/8/28</a:t>
+              <a:t>2017/8/31</a:t>
             </a:fld>
             <a:endParaRPr kumimoji="1" lang="ja-JP" altLang="en-US"/>
           </a:p>
@@ -638,6 +646,174 @@
 </p:notes>
 </file>
 
+<file path=ppt/notesSlides/notesSlide10.xml><?xml version="1.0" encoding="utf-8"?>
+<p:notes xmlns:a="http://schemas.openxmlformats.org/drawingml/2006/main" xmlns:r="http://schemas.openxmlformats.org/officeDocument/2006/relationships" xmlns:p="http://schemas.openxmlformats.org/presentationml/2006/main">
+  <p:cSld>
+    <p:spTree>
+      <p:nvGrpSpPr>
+        <p:cNvPr id="1" name=""/>
+        <p:cNvGrpSpPr/>
+        <p:nvPr/>
+      </p:nvGrpSpPr>
+      <p:grpSpPr>
+        <a:xfrm>
+          <a:off x="0" y="0"/>
+          <a:ext cx="0" cy="0"/>
+          <a:chOff x="0" y="0"/>
+          <a:chExt cx="0" cy="0"/>
+        </a:xfrm>
+      </p:grpSpPr>
+      <p:sp>
+        <p:nvSpPr>
+          <p:cNvPr id="2" name="スライド イメージ プレースホルダー 1"/>
+          <p:cNvSpPr>
+            <a:spLocks noGrp="1" noRot="1" noChangeAspect="1"/>
+          </p:cNvSpPr>
+          <p:nvPr>
+            <p:ph type="sldImg"/>
+          </p:nvPr>
+        </p:nvSpPr>
+        <p:spPr/>
+      </p:sp>
+      <p:sp>
+        <p:nvSpPr>
+          <p:cNvPr id="3" name="ノート プレースホルダー 2"/>
+          <p:cNvSpPr>
+            <a:spLocks noGrp="1"/>
+          </p:cNvSpPr>
+          <p:nvPr>
+            <p:ph type="body" idx="1"/>
+          </p:nvPr>
+        </p:nvSpPr>
+        <p:spPr/>
+        <p:txBody>
+          <a:bodyPr/>
+          <a:lstStyle/>
+          <a:p>
+            <a:endParaRPr kumimoji="1" lang="ja-JP" altLang="en-US" dirty="0"/>
+          </a:p>
+        </p:txBody>
+      </p:sp>
+      <p:sp>
+        <p:nvSpPr>
+          <p:cNvPr id="4" name="スライド番号プレースホルダー 3"/>
+          <p:cNvSpPr>
+            <a:spLocks noGrp="1"/>
+          </p:cNvSpPr>
+          <p:nvPr>
+            <p:ph type="sldNum" sz="quarter" idx="10"/>
+          </p:nvPr>
+        </p:nvSpPr>
+        <p:spPr/>
+        <p:txBody>
+          <a:bodyPr/>
+          <a:lstStyle/>
+          <a:p>
+            <a:fld id="{9F1B7F1F-FDAA-480C-AB59-C4CE09E787E7}" type="slidenum">
+              <a:rPr kumimoji="1" lang="ja-JP" altLang="en-US" smtClean="0"/>
+              <a:t>22</a:t>
+            </a:fld>
+            <a:endParaRPr kumimoji="1" lang="ja-JP" altLang="en-US"/>
+          </a:p>
+        </p:txBody>
+      </p:sp>
+    </p:spTree>
+    <p:extLst>
+      <p:ext uri="{BB962C8B-B14F-4D97-AF65-F5344CB8AC3E}">
+        <p14:creationId xmlns:p14="http://schemas.microsoft.com/office/powerpoint/2010/main" val="1589784847"/>
+      </p:ext>
+    </p:extLst>
+  </p:cSld>
+  <p:clrMapOvr>
+    <a:masterClrMapping/>
+  </p:clrMapOvr>
+</p:notes>
+</file>
+
+<file path=ppt/notesSlides/notesSlide11.xml><?xml version="1.0" encoding="utf-8"?>
+<p:notes xmlns:a="http://schemas.openxmlformats.org/drawingml/2006/main" xmlns:r="http://schemas.openxmlformats.org/officeDocument/2006/relationships" xmlns:p="http://schemas.openxmlformats.org/presentationml/2006/main">
+  <p:cSld>
+    <p:spTree>
+      <p:nvGrpSpPr>
+        <p:cNvPr id="1" name=""/>
+        <p:cNvGrpSpPr/>
+        <p:nvPr/>
+      </p:nvGrpSpPr>
+      <p:grpSpPr>
+        <a:xfrm>
+          <a:off x="0" y="0"/>
+          <a:ext cx="0" cy="0"/>
+          <a:chOff x="0" y="0"/>
+          <a:chExt cx="0" cy="0"/>
+        </a:xfrm>
+      </p:grpSpPr>
+      <p:sp>
+        <p:nvSpPr>
+          <p:cNvPr id="2" name="スライド イメージ プレースホルダー 1"/>
+          <p:cNvSpPr>
+            <a:spLocks noGrp="1" noRot="1" noChangeAspect="1"/>
+          </p:cNvSpPr>
+          <p:nvPr>
+            <p:ph type="sldImg"/>
+          </p:nvPr>
+        </p:nvSpPr>
+        <p:spPr/>
+      </p:sp>
+      <p:sp>
+        <p:nvSpPr>
+          <p:cNvPr id="3" name="ノート プレースホルダー 2"/>
+          <p:cNvSpPr>
+            <a:spLocks noGrp="1"/>
+          </p:cNvSpPr>
+          <p:nvPr>
+            <p:ph type="body" idx="1"/>
+          </p:nvPr>
+        </p:nvSpPr>
+        <p:spPr/>
+        <p:txBody>
+          <a:bodyPr/>
+          <a:lstStyle/>
+          <a:p>
+            <a:endParaRPr kumimoji="1" lang="ja-JP" altLang="en-US" dirty="0"/>
+          </a:p>
+        </p:txBody>
+      </p:sp>
+      <p:sp>
+        <p:nvSpPr>
+          <p:cNvPr id="4" name="スライド番号プレースホルダー 3"/>
+          <p:cNvSpPr>
+            <a:spLocks noGrp="1"/>
+          </p:cNvSpPr>
+          <p:nvPr>
+            <p:ph type="sldNum" sz="quarter" idx="10"/>
+          </p:nvPr>
+        </p:nvSpPr>
+        <p:spPr/>
+        <p:txBody>
+          <a:bodyPr/>
+          <a:lstStyle/>
+          <a:p>
+            <a:fld id="{9F1B7F1F-FDAA-480C-AB59-C4CE09E787E7}" type="slidenum">
+              <a:rPr kumimoji="1" lang="ja-JP" altLang="en-US" smtClean="0"/>
+              <a:t>23</a:t>
+            </a:fld>
+            <a:endParaRPr kumimoji="1" lang="ja-JP" altLang="en-US"/>
+          </a:p>
+        </p:txBody>
+      </p:sp>
+    </p:spTree>
+    <p:extLst>
+      <p:ext uri="{BB962C8B-B14F-4D97-AF65-F5344CB8AC3E}">
+        <p14:creationId xmlns:p14="http://schemas.microsoft.com/office/powerpoint/2010/main" val="400695699"/>
+      </p:ext>
+    </p:extLst>
+  </p:cSld>
+  <p:clrMapOvr>
+    <a:masterClrMapping/>
+  </p:clrMapOvr>
+</p:notes>
+</file>
+
 <file path=ppt/notesSlides/notesSlide2.xml><?xml version="1.0" encoding="utf-8"?>
 <p:notes xmlns:a="http://schemas.openxmlformats.org/drawingml/2006/main" xmlns:r="http://schemas.openxmlformats.org/officeDocument/2006/relationships" xmlns:p="http://schemas.openxmlformats.org/presentationml/2006/main">
   <p:cSld>
@@ -1441,7 +1617,7 @@
           <a:p>
             <a:fld id="{22B92BF3-AD3C-41E2-AD5A-4FFB42BC5A7D}" type="datetimeFigureOut">
               <a:rPr kumimoji="1" lang="ja-JP" altLang="en-US" smtClean="0"/>
-              <a:t>2017/8/28</a:t>
+              <a:t>2017/8/31</a:t>
             </a:fld>
             <a:endParaRPr kumimoji="1" lang="ja-JP" altLang="en-US"/>
           </a:p>
@@ -1643,7 +1819,7 @@
           <a:p>
             <a:fld id="{22B92BF3-AD3C-41E2-AD5A-4FFB42BC5A7D}" type="datetimeFigureOut">
               <a:rPr kumimoji="1" lang="ja-JP" altLang="en-US" smtClean="0"/>
-              <a:t>2017/8/28</a:t>
+              <a:t>2017/8/31</a:t>
             </a:fld>
             <a:endParaRPr kumimoji="1" lang="ja-JP" altLang="en-US"/>
           </a:p>
@@ -1855,7 +2031,7 @@
           <a:p>
             <a:fld id="{22B92BF3-AD3C-41E2-AD5A-4FFB42BC5A7D}" type="datetimeFigureOut">
               <a:rPr kumimoji="1" lang="ja-JP" altLang="en-US" smtClean="0"/>
-              <a:t>2017/8/28</a:t>
+              <a:t>2017/8/31</a:t>
             </a:fld>
             <a:endParaRPr kumimoji="1" lang="ja-JP" altLang="en-US"/>
           </a:p>
@@ -2057,7 +2233,7 @@
           <a:p>
             <a:fld id="{22B92BF3-AD3C-41E2-AD5A-4FFB42BC5A7D}" type="datetimeFigureOut">
               <a:rPr kumimoji="1" lang="ja-JP" altLang="en-US" smtClean="0"/>
-              <a:t>2017/8/28</a:t>
+              <a:t>2017/8/31</a:t>
             </a:fld>
             <a:endParaRPr kumimoji="1" lang="ja-JP" altLang="en-US"/>
           </a:p>
@@ -2303,7 +2479,7 @@
           <a:p>
             <a:fld id="{22B92BF3-AD3C-41E2-AD5A-4FFB42BC5A7D}" type="datetimeFigureOut">
               <a:rPr kumimoji="1" lang="ja-JP" altLang="en-US" smtClean="0"/>
-              <a:t>2017/8/28</a:t>
+              <a:t>2017/8/31</a:t>
             </a:fld>
             <a:endParaRPr kumimoji="1" lang="ja-JP" altLang="en-US"/>
           </a:p>
@@ -2599,7 +2775,7 @@
           <a:p>
             <a:fld id="{22B92BF3-AD3C-41E2-AD5A-4FFB42BC5A7D}" type="datetimeFigureOut">
               <a:rPr kumimoji="1" lang="ja-JP" altLang="en-US" smtClean="0"/>
-              <a:t>2017/8/28</a:t>
+              <a:t>2017/8/31</a:t>
             </a:fld>
             <a:endParaRPr kumimoji="1" lang="ja-JP" altLang="en-US"/>
           </a:p>
@@ -3030,7 +3206,7 @@
           <a:p>
             <a:fld id="{22B92BF3-AD3C-41E2-AD5A-4FFB42BC5A7D}" type="datetimeFigureOut">
               <a:rPr kumimoji="1" lang="ja-JP" altLang="en-US" smtClean="0"/>
-              <a:t>2017/8/28</a:t>
+              <a:t>2017/8/31</a:t>
             </a:fld>
             <a:endParaRPr kumimoji="1" lang="ja-JP" altLang="en-US"/>
           </a:p>
@@ -3148,7 +3324,7 @@
           <a:p>
             <a:fld id="{22B92BF3-AD3C-41E2-AD5A-4FFB42BC5A7D}" type="datetimeFigureOut">
               <a:rPr kumimoji="1" lang="ja-JP" altLang="en-US" smtClean="0"/>
-              <a:t>2017/8/28</a:t>
+              <a:t>2017/8/31</a:t>
             </a:fld>
             <a:endParaRPr kumimoji="1" lang="ja-JP" altLang="en-US"/>
           </a:p>
@@ -3243,7 +3419,7 @@
           <a:p>
             <a:fld id="{22B92BF3-AD3C-41E2-AD5A-4FFB42BC5A7D}" type="datetimeFigureOut">
               <a:rPr kumimoji="1" lang="ja-JP" altLang="en-US" smtClean="0"/>
-              <a:t>2017/8/28</a:t>
+              <a:t>2017/8/31</a:t>
             </a:fld>
             <a:endParaRPr kumimoji="1" lang="ja-JP" altLang="en-US"/>
           </a:p>
@@ -3552,7 +3728,7 @@
           <a:p>
             <a:fld id="{22B92BF3-AD3C-41E2-AD5A-4FFB42BC5A7D}" type="datetimeFigureOut">
               <a:rPr kumimoji="1" lang="ja-JP" altLang="en-US" smtClean="0"/>
-              <a:t>2017/8/28</a:t>
+              <a:t>2017/8/31</a:t>
             </a:fld>
             <a:endParaRPr kumimoji="1" lang="ja-JP" altLang="en-US"/>
           </a:p>
@@ -3805,7 +3981,7 @@
           <a:p>
             <a:fld id="{22B92BF3-AD3C-41E2-AD5A-4FFB42BC5A7D}" type="datetimeFigureOut">
               <a:rPr kumimoji="1" lang="ja-JP" altLang="en-US" smtClean="0"/>
-              <a:t>2017/8/28</a:t>
+              <a:t>2017/8/31</a:t>
             </a:fld>
             <a:endParaRPr kumimoji="1" lang="ja-JP" altLang="en-US"/>
           </a:p>
@@ -4050,7 +4226,7 @@
           <a:p>
             <a:fld id="{22B92BF3-AD3C-41E2-AD5A-4FFB42BC5A7D}" type="datetimeFigureOut">
               <a:rPr kumimoji="1" lang="ja-JP" altLang="en-US" smtClean="0"/>
-              <a:t>2017/8/28</a:t>
+              <a:t>2017/8/31</a:t>
             </a:fld>
             <a:endParaRPr kumimoji="1" lang="ja-JP" altLang="en-US"/>
           </a:p>
@@ -12465,6 +12641,13 @@
   <p:clrMapOvr>
     <a:masterClrMapping/>
   </p:clrMapOvr>
+  <p:timing>
+    <p:tnLst>
+      <p:par>
+        <p:cTn id="1" dur="indefinite" restart="never" nodeType="tmRoot"/>
+      </p:par>
+    </p:tnLst>
+  </p:timing>
 </p:sld>
 </file>
 
@@ -16232,6 +16415,13 @@
   <p:clrMapOvr>
     <a:masterClrMapping/>
   </p:clrMapOvr>
+  <p:timing>
+    <p:tnLst>
+      <p:par>
+        <p:cTn id="1" dur="indefinite" restart="never" nodeType="tmRoot"/>
+      </p:par>
+    </p:tnLst>
+  </p:timing>
 </p:sld>
 </file>
 
@@ -23668,6 +23858,2927 @@
 </p:sld>
 </file>
 
+<file path=ppt/slides/slide22.xml><?xml version="1.0" encoding="utf-8"?>
+<p:sld xmlns:a="http://schemas.openxmlformats.org/drawingml/2006/main" xmlns:r="http://schemas.openxmlformats.org/officeDocument/2006/relationships" xmlns:p="http://schemas.openxmlformats.org/presentationml/2006/main">
+  <p:cSld>
+    <p:spTree>
+      <p:nvGrpSpPr>
+        <p:cNvPr id="1" name=""/>
+        <p:cNvGrpSpPr/>
+        <p:nvPr/>
+      </p:nvGrpSpPr>
+      <p:grpSpPr>
+        <a:xfrm>
+          <a:off x="0" y="0"/>
+          <a:ext cx="0" cy="0"/>
+          <a:chOff x="0" y="0"/>
+          <a:chExt cx="0" cy="0"/>
+        </a:xfrm>
+      </p:grpSpPr>
+      <p:sp>
+        <p:nvSpPr>
+          <p:cNvPr id="20" name="角丸四角形 19"/>
+          <p:cNvSpPr/>
+          <p:nvPr/>
+        </p:nvSpPr>
+        <p:spPr>
+          <a:xfrm>
+            <a:off x="0" y="81280"/>
+            <a:ext cx="8676640" cy="6705600"/>
+          </a:xfrm>
+          <a:prstGeom prst="roundRect">
+            <a:avLst/>
+          </a:prstGeom>
+          <a:ln/>
+        </p:spPr>
+        <p:style>
+          <a:lnRef idx="1">
+            <a:schemeClr val="accent5"/>
+          </a:lnRef>
+          <a:fillRef idx="3">
+            <a:schemeClr val="accent5"/>
+          </a:fillRef>
+          <a:effectRef idx="2">
+            <a:schemeClr val="accent5"/>
+          </a:effectRef>
+          <a:fontRef idx="minor">
+            <a:schemeClr val="lt1"/>
+          </a:fontRef>
+        </p:style>
+        <p:txBody>
+          <a:bodyPr rtlCol="0" anchor="ctr"/>
+          <a:lstStyle/>
+          <a:p>
+            <a:pPr algn="ctr"/>
+            <a:endParaRPr lang="en-US" altLang="ja-JP" sz="1600" dirty="0"/>
+          </a:p>
+        </p:txBody>
+      </p:sp>
+      <p:sp>
+        <p:nvSpPr>
+          <p:cNvPr id="5" name="角丸四角形 4"/>
+          <p:cNvSpPr/>
+          <p:nvPr/>
+        </p:nvSpPr>
+        <p:spPr>
+          <a:xfrm>
+            <a:off x="9121251" y="3526691"/>
+            <a:ext cx="2844800" cy="708156"/>
+          </a:xfrm>
+          <a:prstGeom prst="roundRect">
+            <a:avLst/>
+          </a:prstGeom>
+        </p:spPr>
+        <p:style>
+          <a:lnRef idx="1">
+            <a:schemeClr val="accent2"/>
+          </a:lnRef>
+          <a:fillRef idx="3">
+            <a:schemeClr val="accent2"/>
+          </a:fillRef>
+          <a:effectRef idx="2">
+            <a:schemeClr val="accent2"/>
+          </a:effectRef>
+          <a:fontRef idx="minor">
+            <a:schemeClr val="lt1"/>
+          </a:fontRef>
+        </p:style>
+        <p:txBody>
+          <a:bodyPr rtlCol="0" anchor="ctr"/>
+          <a:lstStyle/>
+          <a:p>
+            <a:pPr algn="ctr"/>
+            <a:r>
+              <a:rPr lang="en-US" altLang="ja-JP" sz="1600" dirty="0"/>
+              <a:t>Authorization server</a:t>
+            </a:r>
+          </a:p>
+        </p:txBody>
+      </p:sp>
+      <p:sp>
+        <p:nvSpPr>
+          <p:cNvPr id="73" name="テキスト ボックス 72"/>
+          <p:cNvSpPr txBox="1"/>
+          <p:nvPr/>
+        </p:nvSpPr>
+        <p:spPr>
+          <a:xfrm>
+            <a:off x="7273778" y="6137349"/>
+            <a:ext cx="1009119" cy="369332"/>
+          </a:xfrm>
+          <a:prstGeom prst="rect">
+            <a:avLst/>
+          </a:prstGeom>
+          <a:noFill/>
+        </p:spPr>
+        <p:txBody>
+          <a:bodyPr wrap="square" rtlCol="0">
+            <a:spAutoFit/>
+          </a:bodyPr>
+          <a:lstStyle/>
+          <a:p>
+            <a:r>
+              <a:rPr lang="en-US" altLang="ja-JP" dirty="0" smtClean="0">
+                <a:solidFill>
+                  <a:schemeClr val="bg1"/>
+                </a:solidFill>
+              </a:rPr>
+              <a:t>Client</a:t>
+            </a:r>
+            <a:endParaRPr lang="en-US" altLang="ja-JP" dirty="0">
+              <a:solidFill>
+                <a:schemeClr val="bg1"/>
+              </a:solidFill>
+            </a:endParaRPr>
+          </a:p>
+        </p:txBody>
+      </p:sp>
+      <p:sp>
+        <p:nvSpPr>
+          <p:cNvPr id="51" name="正方形/長方形 50"/>
+          <p:cNvSpPr/>
+          <p:nvPr/>
+        </p:nvSpPr>
+        <p:spPr>
+          <a:xfrm>
+            <a:off x="2801629" y="463890"/>
+            <a:ext cx="3314880" cy="499168"/>
+          </a:xfrm>
+          <a:prstGeom prst="rect">
+            <a:avLst/>
+          </a:prstGeom>
+          <a:effectLst>
+            <a:outerShdw blurRad="50800" dist="38100" dir="2700000" algn="tl" rotWithShape="0">
+              <a:prstClr val="black">
+                <a:alpha val="40000"/>
+              </a:prstClr>
+            </a:outerShdw>
+          </a:effectLst>
+        </p:spPr>
+        <p:style>
+          <a:lnRef idx="1">
+            <a:schemeClr val="accent4"/>
+          </a:lnRef>
+          <a:fillRef idx="2">
+            <a:schemeClr val="accent4"/>
+          </a:fillRef>
+          <a:effectRef idx="1">
+            <a:schemeClr val="accent4"/>
+          </a:effectRef>
+          <a:fontRef idx="minor">
+            <a:schemeClr val="dk1"/>
+          </a:fontRef>
+        </p:style>
+        <p:txBody>
+          <a:bodyPr rtlCol="0" anchor="ctr"/>
+          <a:lstStyle/>
+          <a:p>
+            <a:pPr algn="ctr"/>
+            <a:r>
+              <a:rPr lang="en-US" altLang="ja-JP" dirty="0"/>
+              <a:t>OAuth2RestTemplate</a:t>
+            </a:r>
+          </a:p>
+        </p:txBody>
+      </p:sp>
+      <p:sp>
+        <p:nvSpPr>
+          <p:cNvPr id="32" name="正方形/長方形 31"/>
+          <p:cNvSpPr/>
+          <p:nvPr/>
+        </p:nvSpPr>
+        <p:spPr>
+          <a:xfrm>
+            <a:off x="622466" y="2541456"/>
+            <a:ext cx="3316642" cy="497128"/>
+          </a:xfrm>
+          <a:prstGeom prst="rect">
+            <a:avLst/>
+          </a:prstGeom>
+          <a:effectLst>
+            <a:outerShdw blurRad="50800" dist="38100" dir="2700000" algn="tl" rotWithShape="0">
+              <a:prstClr val="black">
+                <a:alpha val="40000"/>
+              </a:prstClr>
+            </a:outerShdw>
+          </a:effectLst>
+        </p:spPr>
+        <p:style>
+          <a:lnRef idx="1">
+            <a:schemeClr val="accent4"/>
+          </a:lnRef>
+          <a:fillRef idx="2">
+            <a:schemeClr val="accent4"/>
+          </a:fillRef>
+          <a:effectRef idx="1">
+            <a:schemeClr val="accent4"/>
+          </a:effectRef>
+          <a:fontRef idx="minor">
+            <a:schemeClr val="dk1"/>
+          </a:fontRef>
+        </p:style>
+        <p:txBody>
+          <a:bodyPr rtlCol="0" anchor="ctr"/>
+          <a:lstStyle/>
+          <a:p>
+            <a:pPr algn="ctr"/>
+            <a:r>
+              <a:rPr lang="en-US" altLang="ja-JP" dirty="0" smtClean="0"/>
+              <a:t>&lt;&lt;</a:t>
+            </a:r>
+            <a:r>
+              <a:rPr lang="en-US" altLang="ja-JP" dirty="0"/>
+              <a:t>interface</a:t>
+            </a:r>
+            <a:r>
+              <a:rPr lang="en-US" altLang="ja-JP" dirty="0" smtClean="0"/>
+              <a:t>&gt;&gt;</a:t>
+            </a:r>
+          </a:p>
+          <a:p>
+            <a:pPr algn="ctr"/>
+            <a:r>
+              <a:rPr lang="en-US" altLang="ja-JP" dirty="0" err="1" smtClean="0"/>
+              <a:t>AccessTokenProvider</a:t>
+            </a:r>
+            <a:endParaRPr lang="en-US" altLang="ja-JP" dirty="0"/>
+          </a:p>
+        </p:txBody>
+      </p:sp>
+      <p:sp>
+        <p:nvSpPr>
+          <p:cNvPr id="82" name="正方形/長方形 81"/>
+          <p:cNvSpPr/>
+          <p:nvPr/>
+        </p:nvSpPr>
+        <p:spPr>
+          <a:xfrm>
+            <a:off x="4966255" y="1707740"/>
+            <a:ext cx="3316642" cy="497128"/>
+          </a:xfrm>
+          <a:prstGeom prst="rect">
+            <a:avLst/>
+          </a:prstGeom>
+          <a:effectLst>
+            <a:outerShdw blurRad="50800" dist="38100" dir="2700000" algn="tl" rotWithShape="0">
+              <a:prstClr val="black">
+                <a:alpha val="40000"/>
+              </a:prstClr>
+            </a:outerShdw>
+          </a:effectLst>
+        </p:spPr>
+        <p:style>
+          <a:lnRef idx="1">
+            <a:schemeClr val="accent4"/>
+          </a:lnRef>
+          <a:fillRef idx="2">
+            <a:schemeClr val="accent4"/>
+          </a:fillRef>
+          <a:effectRef idx="1">
+            <a:schemeClr val="accent4"/>
+          </a:effectRef>
+          <a:fontRef idx="minor">
+            <a:schemeClr val="dk1"/>
+          </a:fontRef>
+        </p:style>
+        <p:txBody>
+          <a:bodyPr rtlCol="0" anchor="ctr"/>
+          <a:lstStyle/>
+          <a:p>
+            <a:pPr algn="ctr"/>
+            <a:r>
+              <a:rPr lang="en-US" altLang="ja-JP" dirty="0" smtClean="0"/>
+              <a:t>&lt;&lt;</a:t>
+            </a:r>
+            <a:r>
+              <a:rPr lang="en-US" altLang="ja-JP" dirty="0"/>
+              <a:t>interface</a:t>
+            </a:r>
+            <a:r>
+              <a:rPr lang="en-US" altLang="ja-JP" dirty="0" smtClean="0"/>
+              <a:t>&gt;&gt;</a:t>
+            </a:r>
+          </a:p>
+          <a:p>
+            <a:pPr algn="ctr"/>
+            <a:r>
+              <a:rPr lang="en-US" altLang="ja-JP" dirty="0"/>
+              <a:t>OAuth2ProtectedResourceDetails</a:t>
+            </a:r>
+          </a:p>
+        </p:txBody>
+      </p:sp>
+      <p:sp>
+        <p:nvSpPr>
+          <p:cNvPr id="42" name="正方形/長方形 41"/>
+          <p:cNvSpPr/>
+          <p:nvPr/>
+        </p:nvSpPr>
+        <p:spPr>
+          <a:xfrm>
+            <a:off x="622466" y="3486579"/>
+            <a:ext cx="3316642" cy="497128"/>
+          </a:xfrm>
+          <a:prstGeom prst="rect">
+            <a:avLst/>
+          </a:prstGeom>
+          <a:effectLst>
+            <a:outerShdw blurRad="50800" dist="38100" dir="2700000" algn="tl" rotWithShape="0">
+              <a:prstClr val="black">
+                <a:alpha val="40000"/>
+              </a:prstClr>
+            </a:outerShdw>
+          </a:effectLst>
+        </p:spPr>
+        <p:style>
+          <a:lnRef idx="1">
+            <a:schemeClr val="accent4"/>
+          </a:lnRef>
+          <a:fillRef idx="2">
+            <a:schemeClr val="accent4"/>
+          </a:fillRef>
+          <a:effectRef idx="1">
+            <a:schemeClr val="accent4"/>
+          </a:effectRef>
+          <a:fontRef idx="minor">
+            <a:schemeClr val="dk1"/>
+          </a:fontRef>
+        </p:style>
+        <p:txBody>
+          <a:bodyPr rtlCol="0" anchor="ctr"/>
+          <a:lstStyle/>
+          <a:p>
+            <a:pPr algn="ctr"/>
+            <a:r>
+              <a:rPr lang="en-US" altLang="ja-JP" dirty="0" err="1" smtClean="0"/>
+              <a:t>AuthorizationCode</a:t>
+            </a:r>
+            <a:endParaRPr lang="en-US" altLang="ja-JP" dirty="0" smtClean="0"/>
+          </a:p>
+          <a:p>
+            <a:pPr algn="ctr"/>
+            <a:r>
+              <a:rPr lang="en-US" altLang="ja-JP" dirty="0" err="1" smtClean="0"/>
+              <a:t>AccessTokenProvider</a:t>
+            </a:r>
+            <a:endParaRPr lang="en-US" altLang="ja-JP" i="1" dirty="0"/>
+          </a:p>
+        </p:txBody>
+      </p:sp>
+      <p:sp>
+        <p:nvSpPr>
+          <p:cNvPr id="47" name="正方形/長方形 46"/>
+          <p:cNvSpPr/>
+          <p:nvPr/>
+        </p:nvSpPr>
+        <p:spPr>
+          <a:xfrm>
+            <a:off x="650176" y="4868369"/>
+            <a:ext cx="3316642" cy="497128"/>
+          </a:xfrm>
+          <a:prstGeom prst="rect">
+            <a:avLst/>
+          </a:prstGeom>
+          <a:effectLst>
+            <a:outerShdw blurRad="50800" dist="38100" dir="2700000" algn="tl" rotWithShape="0">
+              <a:prstClr val="black">
+                <a:alpha val="40000"/>
+              </a:prstClr>
+            </a:outerShdw>
+          </a:effectLst>
+        </p:spPr>
+        <p:style>
+          <a:lnRef idx="1">
+            <a:schemeClr val="accent4"/>
+          </a:lnRef>
+          <a:fillRef idx="2">
+            <a:schemeClr val="accent4"/>
+          </a:fillRef>
+          <a:effectRef idx="1">
+            <a:schemeClr val="accent4"/>
+          </a:effectRef>
+          <a:fontRef idx="minor">
+            <a:schemeClr val="dk1"/>
+          </a:fontRef>
+        </p:style>
+        <p:txBody>
+          <a:bodyPr rtlCol="0" anchor="ctr"/>
+          <a:lstStyle/>
+          <a:p>
+            <a:pPr algn="ctr"/>
+            <a:r>
+              <a:rPr lang="en-US" altLang="ja-JP" dirty="0" smtClean="0"/>
+              <a:t>&lt;&lt;interface&gt;&gt;</a:t>
+            </a:r>
+          </a:p>
+          <a:p>
+            <a:pPr algn="ctr"/>
+            <a:r>
+              <a:rPr lang="en-US" altLang="ja-JP" dirty="0" err="1"/>
+              <a:t>RequestEnhancer</a:t>
+            </a:r>
+            <a:endParaRPr lang="en-US" altLang="ja-JP" i="1" dirty="0"/>
+          </a:p>
+        </p:txBody>
+      </p:sp>
+      <p:cxnSp>
+        <p:nvCxnSpPr>
+          <p:cNvPr id="55" name="直線矢印コネクタ 54"/>
+          <p:cNvCxnSpPr>
+            <a:stCxn id="42" idx="0"/>
+            <a:endCxn id="32" idx="2"/>
+          </p:cNvCxnSpPr>
+          <p:nvPr/>
+        </p:nvCxnSpPr>
+        <p:spPr>
+          <a:xfrm flipV="1">
+            <a:off x="2280787" y="3038584"/>
+            <a:ext cx="0" cy="447995"/>
+          </a:xfrm>
+          <a:prstGeom prst="straightConnector1">
+            <a:avLst/>
+          </a:prstGeom>
+          <a:ln w="38100">
+            <a:prstDash val="sysDot"/>
+            <a:headEnd type="none"/>
+            <a:tailEnd type="triangle" w="lg" len="lg"/>
+          </a:ln>
+        </p:spPr>
+        <p:style>
+          <a:lnRef idx="2">
+            <a:schemeClr val="dk1"/>
+          </a:lnRef>
+          <a:fillRef idx="0">
+            <a:schemeClr val="dk1"/>
+          </a:fillRef>
+          <a:effectRef idx="1">
+            <a:schemeClr val="dk1"/>
+          </a:effectRef>
+          <a:fontRef idx="minor">
+            <a:schemeClr val="tx1"/>
+          </a:fontRef>
+        </p:style>
+      </p:cxnSp>
+      <p:sp>
+        <p:nvSpPr>
+          <p:cNvPr id="64" name="正方形/長方形 63"/>
+          <p:cNvSpPr/>
+          <p:nvPr/>
+        </p:nvSpPr>
+        <p:spPr>
+          <a:xfrm>
+            <a:off x="4966255" y="4859983"/>
+            <a:ext cx="3316642" cy="497128"/>
+          </a:xfrm>
+          <a:prstGeom prst="rect">
+            <a:avLst/>
+          </a:prstGeom>
+          <a:effectLst>
+            <a:outerShdw blurRad="50800" dist="38100" dir="2700000" algn="tl" rotWithShape="0">
+              <a:prstClr val="black">
+                <a:alpha val="40000"/>
+              </a:prstClr>
+            </a:outerShdw>
+          </a:effectLst>
+        </p:spPr>
+        <p:style>
+          <a:lnRef idx="1">
+            <a:schemeClr val="accent4"/>
+          </a:lnRef>
+          <a:fillRef idx="2">
+            <a:schemeClr val="accent4"/>
+          </a:fillRef>
+          <a:effectRef idx="1">
+            <a:schemeClr val="accent4"/>
+          </a:effectRef>
+          <a:fontRef idx="minor">
+            <a:schemeClr val="dk1"/>
+          </a:fontRef>
+        </p:style>
+        <p:txBody>
+          <a:bodyPr rtlCol="0" anchor="ctr"/>
+          <a:lstStyle/>
+          <a:p>
+            <a:pPr algn="ctr"/>
+            <a:r>
+              <a:rPr lang="en-US" altLang="ja-JP" dirty="0" smtClean="0"/>
+              <a:t>&lt;&lt;interface&gt;&gt;</a:t>
+            </a:r>
+          </a:p>
+          <a:p>
+            <a:pPr algn="ctr"/>
+            <a:r>
+              <a:rPr lang="en-US" altLang="ja-JP" dirty="0" err="1"/>
+              <a:t>ClientAuthenticationHandler</a:t>
+            </a:r>
+            <a:endParaRPr lang="en-US" altLang="ja-JP" dirty="0"/>
+          </a:p>
+        </p:txBody>
+      </p:sp>
+      <p:cxnSp>
+        <p:nvCxnSpPr>
+          <p:cNvPr id="74" name="直線矢印コネクタ 73"/>
+          <p:cNvCxnSpPr/>
+          <p:nvPr/>
+        </p:nvCxnSpPr>
+        <p:spPr>
+          <a:xfrm>
+            <a:off x="4140725" y="3714680"/>
+            <a:ext cx="4980526" cy="0"/>
+          </a:xfrm>
+          <a:prstGeom prst="straightConnector1">
+            <a:avLst/>
+          </a:prstGeom>
+          <a:ln w="38100">
+            <a:headEnd type="arrow"/>
+            <a:tailEnd type="none"/>
+          </a:ln>
+        </p:spPr>
+        <p:style>
+          <a:lnRef idx="2">
+            <a:schemeClr val="dk1"/>
+          </a:lnRef>
+          <a:fillRef idx="0">
+            <a:schemeClr val="dk1"/>
+          </a:fillRef>
+          <a:effectRef idx="1">
+            <a:schemeClr val="dk1"/>
+          </a:effectRef>
+          <a:fontRef idx="minor">
+            <a:schemeClr val="tx1"/>
+          </a:fontRef>
+        </p:style>
+      </p:cxnSp>
+      <p:sp>
+        <p:nvSpPr>
+          <p:cNvPr id="76" name="正方形/長方形 75"/>
+          <p:cNvSpPr/>
+          <p:nvPr/>
+        </p:nvSpPr>
+        <p:spPr>
+          <a:xfrm>
+            <a:off x="4966255" y="2651988"/>
+            <a:ext cx="3316642" cy="497128"/>
+          </a:xfrm>
+          <a:prstGeom prst="rect">
+            <a:avLst/>
+          </a:prstGeom>
+          <a:effectLst>
+            <a:outerShdw blurRad="50800" dist="38100" dir="2700000" algn="tl" rotWithShape="0">
+              <a:prstClr val="black">
+                <a:alpha val="40000"/>
+              </a:prstClr>
+            </a:outerShdw>
+          </a:effectLst>
+        </p:spPr>
+        <p:style>
+          <a:lnRef idx="1">
+            <a:schemeClr val="accent4"/>
+          </a:lnRef>
+          <a:fillRef idx="2">
+            <a:schemeClr val="accent4"/>
+          </a:fillRef>
+          <a:effectRef idx="1">
+            <a:schemeClr val="accent4"/>
+          </a:effectRef>
+          <a:fontRef idx="minor">
+            <a:schemeClr val="dk1"/>
+          </a:fontRef>
+        </p:style>
+        <p:txBody>
+          <a:bodyPr rtlCol="0" anchor="ctr"/>
+          <a:lstStyle/>
+          <a:p>
+            <a:pPr algn="ctr"/>
+            <a:r>
+              <a:rPr lang="en-US" altLang="ja-JP" dirty="0" err="1" smtClean="0"/>
+              <a:t>AuthorizationCode</a:t>
+            </a:r>
+            <a:endParaRPr lang="en-US" altLang="ja-JP" dirty="0" smtClean="0"/>
+          </a:p>
+          <a:p>
+            <a:pPr algn="ctr"/>
+            <a:r>
+              <a:rPr lang="en-US" altLang="ja-JP" dirty="0" err="1" smtClean="0"/>
+              <a:t>ResourceDetails</a:t>
+            </a:r>
+            <a:endParaRPr lang="en-US" altLang="ja-JP" dirty="0"/>
+          </a:p>
+        </p:txBody>
+      </p:sp>
+      <p:cxnSp>
+        <p:nvCxnSpPr>
+          <p:cNvPr id="81" name="直線矢印コネクタ 80"/>
+          <p:cNvCxnSpPr>
+            <a:stCxn id="76" idx="0"/>
+            <a:endCxn id="82" idx="2"/>
+          </p:cNvCxnSpPr>
+          <p:nvPr/>
+        </p:nvCxnSpPr>
+        <p:spPr>
+          <a:xfrm flipV="1">
+            <a:off x="6624576" y="2204868"/>
+            <a:ext cx="0" cy="447120"/>
+          </a:xfrm>
+          <a:prstGeom prst="straightConnector1">
+            <a:avLst/>
+          </a:prstGeom>
+          <a:ln w="38100">
+            <a:prstDash val="sysDot"/>
+            <a:headEnd type="none"/>
+            <a:tailEnd type="triangle" w="lg" len="lg"/>
+          </a:ln>
+        </p:spPr>
+        <p:style>
+          <a:lnRef idx="2">
+            <a:schemeClr val="dk1"/>
+          </a:lnRef>
+          <a:fillRef idx="0">
+            <a:schemeClr val="dk1"/>
+          </a:fillRef>
+          <a:effectRef idx="1">
+            <a:schemeClr val="dk1"/>
+          </a:effectRef>
+          <a:fontRef idx="minor">
+            <a:schemeClr val="tx1"/>
+          </a:fontRef>
+        </p:style>
+      </p:cxnSp>
+      <p:cxnSp>
+        <p:nvCxnSpPr>
+          <p:cNvPr id="90" name="カギ線コネクタ 89"/>
+          <p:cNvCxnSpPr>
+            <a:stCxn id="51" idx="2"/>
+            <a:endCxn id="53" idx="0"/>
+          </p:cNvCxnSpPr>
+          <p:nvPr/>
+        </p:nvCxnSpPr>
+        <p:spPr>
+          <a:xfrm rot="16200000" flipH="1">
+            <a:off x="5261647" y="160479"/>
+            <a:ext cx="596151" cy="2201307"/>
+          </a:xfrm>
+          <a:prstGeom prst="bentConnector3">
+            <a:avLst>
+              <a:gd name="adj1" fmla="val 50000"/>
+            </a:avLst>
+          </a:prstGeom>
+          <a:ln w="38100">
+            <a:tailEnd type="arrow"/>
+          </a:ln>
+        </p:spPr>
+        <p:style>
+          <a:lnRef idx="2">
+            <a:schemeClr val="dk1"/>
+          </a:lnRef>
+          <a:fillRef idx="0">
+            <a:schemeClr val="dk1"/>
+          </a:fillRef>
+          <a:effectRef idx="1">
+            <a:schemeClr val="dk1"/>
+          </a:effectRef>
+          <a:fontRef idx="minor">
+            <a:schemeClr val="tx1"/>
+          </a:fontRef>
+        </p:style>
+      </p:cxnSp>
+      <p:cxnSp>
+        <p:nvCxnSpPr>
+          <p:cNvPr id="95" name="カギ線コネクタ 94"/>
+          <p:cNvCxnSpPr>
+            <a:stCxn id="51" idx="2"/>
+            <a:endCxn id="24" idx="0"/>
+          </p:cNvCxnSpPr>
+          <p:nvPr/>
+        </p:nvCxnSpPr>
+        <p:spPr>
+          <a:xfrm rot="5400000">
+            <a:off x="2694109" y="567912"/>
+            <a:ext cx="1369814" cy="2160106"/>
+          </a:xfrm>
+          <a:prstGeom prst="bentConnector3">
+            <a:avLst>
+              <a:gd name="adj1" fmla="val 50000"/>
+            </a:avLst>
+          </a:prstGeom>
+          <a:ln w="38100">
+            <a:tailEnd type="arrow"/>
+          </a:ln>
+        </p:spPr>
+        <p:style>
+          <a:lnRef idx="2">
+            <a:schemeClr val="dk1"/>
+          </a:lnRef>
+          <a:fillRef idx="0">
+            <a:schemeClr val="dk1"/>
+          </a:fillRef>
+          <a:effectRef idx="1">
+            <a:schemeClr val="dk1"/>
+          </a:effectRef>
+          <a:fontRef idx="minor">
+            <a:schemeClr val="tx1"/>
+          </a:fontRef>
+        </p:style>
+      </p:cxnSp>
+      <p:cxnSp>
+        <p:nvCxnSpPr>
+          <p:cNvPr id="134" name="カギ線コネクタ 133"/>
+          <p:cNvCxnSpPr>
+            <a:stCxn id="24" idx="2"/>
+            <a:endCxn id="64" idx="0"/>
+          </p:cNvCxnSpPr>
+          <p:nvPr/>
+        </p:nvCxnSpPr>
+        <p:spPr>
+          <a:xfrm rot="16200000" flipH="1">
+            <a:off x="4152474" y="2387881"/>
+            <a:ext cx="618590" cy="4325613"/>
+          </a:xfrm>
+          <a:prstGeom prst="bentConnector3">
+            <a:avLst>
+              <a:gd name="adj1" fmla="val 50000"/>
+            </a:avLst>
+          </a:prstGeom>
+          <a:ln w="38100">
+            <a:tailEnd type="arrow"/>
+          </a:ln>
+        </p:spPr>
+        <p:style>
+          <a:lnRef idx="2">
+            <a:schemeClr val="dk1"/>
+          </a:lnRef>
+          <a:fillRef idx="0">
+            <a:schemeClr val="dk1"/>
+          </a:fillRef>
+          <a:effectRef idx="1">
+            <a:schemeClr val="dk1"/>
+          </a:effectRef>
+          <a:fontRef idx="minor">
+            <a:schemeClr val="tx1"/>
+          </a:fontRef>
+        </p:style>
+      </p:cxnSp>
+      <p:sp>
+        <p:nvSpPr>
+          <p:cNvPr id="146" name="角丸四角形 145"/>
+          <p:cNvSpPr/>
+          <p:nvPr/>
+        </p:nvSpPr>
+        <p:spPr>
+          <a:xfrm>
+            <a:off x="9121251" y="363817"/>
+            <a:ext cx="2844800" cy="699313"/>
+          </a:xfrm>
+          <a:prstGeom prst="roundRect">
+            <a:avLst/>
+          </a:prstGeom>
+        </p:spPr>
+        <p:style>
+          <a:lnRef idx="1">
+            <a:schemeClr val="accent4"/>
+          </a:lnRef>
+          <a:fillRef idx="3">
+            <a:schemeClr val="accent4"/>
+          </a:fillRef>
+          <a:effectRef idx="2">
+            <a:schemeClr val="accent4"/>
+          </a:effectRef>
+          <a:fontRef idx="minor">
+            <a:schemeClr val="lt1"/>
+          </a:fontRef>
+        </p:style>
+        <p:txBody>
+          <a:bodyPr rtlCol="0" anchor="ctr"/>
+          <a:lstStyle/>
+          <a:p>
+            <a:pPr algn="ctr"/>
+            <a:r>
+              <a:rPr lang="en-US" altLang="ja-JP" sz="1600" dirty="0">
+                <a:solidFill>
+                  <a:schemeClr val="bg1"/>
+                </a:solidFill>
+              </a:rPr>
+              <a:t>Resource </a:t>
+            </a:r>
+            <a:r>
+              <a:rPr lang="en-US" altLang="ja-JP" sz="1600" dirty="0" smtClean="0">
+                <a:solidFill>
+                  <a:schemeClr val="bg1"/>
+                </a:solidFill>
+              </a:rPr>
+              <a:t>server</a:t>
+            </a:r>
+            <a:endParaRPr lang="en-US" altLang="ja-JP" sz="1600" dirty="0">
+              <a:solidFill>
+                <a:schemeClr val="bg1"/>
+              </a:solidFill>
+            </a:endParaRPr>
+          </a:p>
+        </p:txBody>
+      </p:sp>
+      <p:cxnSp>
+        <p:nvCxnSpPr>
+          <p:cNvPr id="147" name="直線矢印コネクタ 146"/>
+          <p:cNvCxnSpPr>
+            <a:stCxn id="51" idx="3"/>
+            <a:endCxn id="146" idx="1"/>
+          </p:cNvCxnSpPr>
+          <p:nvPr/>
+        </p:nvCxnSpPr>
+        <p:spPr>
+          <a:xfrm>
+            <a:off x="6116509" y="713474"/>
+            <a:ext cx="3004742" cy="0"/>
+          </a:xfrm>
+          <a:prstGeom prst="straightConnector1">
+            <a:avLst/>
+          </a:prstGeom>
+          <a:ln w="38100">
+            <a:tailEnd type="arrow"/>
+          </a:ln>
+        </p:spPr>
+        <p:style>
+          <a:lnRef idx="2">
+            <a:schemeClr val="dk1"/>
+          </a:lnRef>
+          <a:fillRef idx="0">
+            <a:schemeClr val="dk1"/>
+          </a:fillRef>
+          <a:effectRef idx="1">
+            <a:schemeClr val="dk1"/>
+          </a:effectRef>
+          <a:fontRef idx="minor">
+            <a:schemeClr val="tx1"/>
+          </a:fontRef>
+        </p:style>
+      </p:cxnSp>
+      <p:sp>
+        <p:nvSpPr>
+          <p:cNvPr id="35" name="テキスト ボックス 34"/>
+          <p:cNvSpPr txBox="1"/>
+          <p:nvPr/>
+        </p:nvSpPr>
+        <p:spPr>
+          <a:xfrm>
+            <a:off x="2788773" y="446671"/>
+            <a:ext cx="719090" cy="369332"/>
+          </a:xfrm>
+          <a:prstGeom prst="rect">
+            <a:avLst/>
+          </a:prstGeom>
+          <a:noFill/>
+        </p:spPr>
+        <p:txBody>
+          <a:bodyPr wrap="square" rtlCol="0">
+            <a:spAutoFit/>
+          </a:bodyPr>
+          <a:lstStyle/>
+          <a:p>
+            <a:r>
+              <a:rPr lang="en-US" altLang="ja-JP" dirty="0" smtClean="0"/>
+              <a:t>(1)</a:t>
+            </a:r>
+            <a:endParaRPr lang="en-US" altLang="ja-JP" dirty="0"/>
+          </a:p>
+        </p:txBody>
+      </p:sp>
+      <p:sp>
+        <p:nvSpPr>
+          <p:cNvPr id="36" name="テキスト ボックス 35"/>
+          <p:cNvSpPr txBox="1"/>
+          <p:nvPr/>
+        </p:nvSpPr>
+        <p:spPr>
+          <a:xfrm>
+            <a:off x="4049412" y="1076466"/>
+            <a:ext cx="719090" cy="369332"/>
+          </a:xfrm>
+          <a:prstGeom prst="rect">
+            <a:avLst/>
+          </a:prstGeom>
+          <a:noFill/>
+        </p:spPr>
+        <p:txBody>
+          <a:bodyPr wrap="square" rtlCol="0">
+            <a:spAutoFit/>
+          </a:bodyPr>
+          <a:lstStyle/>
+          <a:p>
+            <a:r>
+              <a:rPr lang="en-US" altLang="ja-JP" dirty="0" smtClean="0">
+                <a:solidFill>
+                  <a:schemeClr val="bg1"/>
+                </a:solidFill>
+              </a:rPr>
+              <a:t>(2)</a:t>
+            </a:r>
+            <a:endParaRPr lang="en-US" altLang="ja-JP" dirty="0">
+              <a:solidFill>
+                <a:schemeClr val="bg1"/>
+              </a:solidFill>
+            </a:endParaRPr>
+          </a:p>
+        </p:txBody>
+      </p:sp>
+      <p:sp>
+        <p:nvSpPr>
+          <p:cNvPr id="40" name="テキスト ボックス 39"/>
+          <p:cNvSpPr txBox="1"/>
+          <p:nvPr/>
+        </p:nvSpPr>
+        <p:spPr>
+          <a:xfrm>
+            <a:off x="1812847" y="4353281"/>
+            <a:ext cx="719090" cy="369332"/>
+          </a:xfrm>
+          <a:prstGeom prst="rect">
+            <a:avLst/>
+          </a:prstGeom>
+          <a:noFill/>
+        </p:spPr>
+        <p:txBody>
+          <a:bodyPr wrap="square" rtlCol="0">
+            <a:spAutoFit/>
+          </a:bodyPr>
+          <a:lstStyle/>
+          <a:p>
+            <a:r>
+              <a:rPr lang="en-US" altLang="ja-JP" dirty="0" smtClean="0">
+                <a:solidFill>
+                  <a:schemeClr val="bg1"/>
+                </a:solidFill>
+              </a:rPr>
+              <a:t>(3)</a:t>
+            </a:r>
+            <a:endParaRPr lang="en-US" altLang="ja-JP" dirty="0">
+              <a:solidFill>
+                <a:schemeClr val="bg1"/>
+              </a:solidFill>
+            </a:endParaRPr>
+          </a:p>
+        </p:txBody>
+      </p:sp>
+      <p:sp>
+        <p:nvSpPr>
+          <p:cNvPr id="41" name="テキスト ボックス 40"/>
+          <p:cNvSpPr txBox="1"/>
+          <p:nvPr/>
+        </p:nvSpPr>
+        <p:spPr>
+          <a:xfrm>
+            <a:off x="8142593" y="4079745"/>
+            <a:ext cx="719090" cy="369332"/>
+          </a:xfrm>
+          <a:prstGeom prst="rect">
+            <a:avLst/>
+          </a:prstGeom>
+          <a:noFill/>
+        </p:spPr>
+        <p:txBody>
+          <a:bodyPr wrap="square" rtlCol="0">
+            <a:spAutoFit/>
+          </a:bodyPr>
+          <a:lstStyle/>
+          <a:p>
+            <a:r>
+              <a:rPr lang="en-US" altLang="ja-JP" dirty="0" smtClean="0">
+                <a:solidFill>
+                  <a:schemeClr val="bg1"/>
+                </a:solidFill>
+              </a:rPr>
+              <a:t>(4)</a:t>
+            </a:r>
+            <a:endParaRPr lang="en-US" altLang="ja-JP" dirty="0">
+              <a:solidFill>
+                <a:schemeClr val="bg1"/>
+              </a:solidFill>
+            </a:endParaRPr>
+          </a:p>
+        </p:txBody>
+      </p:sp>
+      <p:sp>
+        <p:nvSpPr>
+          <p:cNvPr id="43" name="テキスト ボックス 42"/>
+          <p:cNvSpPr txBox="1"/>
+          <p:nvPr/>
+        </p:nvSpPr>
+        <p:spPr>
+          <a:xfrm>
+            <a:off x="4284566" y="3330338"/>
+            <a:ext cx="719090" cy="369332"/>
+          </a:xfrm>
+          <a:prstGeom prst="rect">
+            <a:avLst/>
+          </a:prstGeom>
+          <a:noFill/>
+        </p:spPr>
+        <p:txBody>
+          <a:bodyPr wrap="square" rtlCol="0">
+            <a:spAutoFit/>
+          </a:bodyPr>
+          <a:lstStyle/>
+          <a:p>
+            <a:r>
+              <a:rPr lang="en-US" altLang="ja-JP" dirty="0" smtClean="0">
+                <a:solidFill>
+                  <a:schemeClr val="bg1"/>
+                </a:solidFill>
+              </a:rPr>
+              <a:t>(5)</a:t>
+            </a:r>
+            <a:endParaRPr lang="en-US" altLang="ja-JP" dirty="0">
+              <a:solidFill>
+                <a:schemeClr val="bg1"/>
+              </a:solidFill>
+            </a:endParaRPr>
+          </a:p>
+        </p:txBody>
+      </p:sp>
+      <p:sp>
+        <p:nvSpPr>
+          <p:cNvPr id="24" name="正方形/長方形 23"/>
+          <p:cNvSpPr/>
+          <p:nvPr/>
+        </p:nvSpPr>
+        <p:spPr>
+          <a:xfrm>
+            <a:off x="457200" y="2332872"/>
+            <a:ext cx="3683525" cy="1908521"/>
+          </a:xfrm>
+          <a:prstGeom prst="rect">
+            <a:avLst/>
+          </a:prstGeom>
+          <a:noFill/>
+          <a:ln w="57150">
+            <a:solidFill>
+              <a:srgbClr val="F7D6D3"/>
+            </a:solidFill>
+          </a:ln>
+        </p:spPr>
+        <p:style>
+          <a:lnRef idx="1">
+            <a:schemeClr val="accent2"/>
+          </a:lnRef>
+          <a:fillRef idx="2">
+            <a:schemeClr val="accent2"/>
+          </a:fillRef>
+          <a:effectRef idx="1">
+            <a:schemeClr val="accent2"/>
+          </a:effectRef>
+          <a:fontRef idx="minor">
+            <a:schemeClr val="dk1"/>
+          </a:fontRef>
+        </p:style>
+        <p:txBody>
+          <a:bodyPr rtlCol="0" anchor="ctr"/>
+          <a:lstStyle/>
+          <a:p>
+            <a:pPr algn="ctr"/>
+            <a:endParaRPr kumimoji="1" lang="ja-JP" altLang="en-US"/>
+          </a:p>
+        </p:txBody>
+      </p:sp>
+      <p:sp>
+        <p:nvSpPr>
+          <p:cNvPr id="53" name="正方形/長方形 52"/>
+          <p:cNvSpPr/>
+          <p:nvPr/>
+        </p:nvSpPr>
+        <p:spPr>
+          <a:xfrm>
+            <a:off x="4818613" y="1559209"/>
+            <a:ext cx="3683525" cy="1911256"/>
+          </a:xfrm>
+          <a:prstGeom prst="rect">
+            <a:avLst/>
+          </a:prstGeom>
+          <a:noFill/>
+          <a:ln w="57150">
+            <a:solidFill>
+              <a:srgbClr val="F7D6D3"/>
+            </a:solidFill>
+          </a:ln>
+        </p:spPr>
+        <p:style>
+          <a:lnRef idx="1">
+            <a:schemeClr val="accent2"/>
+          </a:lnRef>
+          <a:fillRef idx="2">
+            <a:schemeClr val="accent2"/>
+          </a:fillRef>
+          <a:effectRef idx="1">
+            <a:schemeClr val="accent2"/>
+          </a:effectRef>
+          <a:fontRef idx="minor">
+            <a:schemeClr val="dk1"/>
+          </a:fontRef>
+        </p:style>
+        <p:txBody>
+          <a:bodyPr rtlCol="0" anchor="ctr"/>
+          <a:lstStyle/>
+          <a:p>
+            <a:pPr algn="ctr"/>
+            <a:endParaRPr kumimoji="1" lang="ja-JP" altLang="en-US"/>
+          </a:p>
+        </p:txBody>
+      </p:sp>
+      <p:cxnSp>
+        <p:nvCxnSpPr>
+          <p:cNvPr id="37" name="直線矢印コネクタ 36"/>
+          <p:cNvCxnSpPr>
+            <a:stCxn id="24" idx="2"/>
+            <a:endCxn id="86" idx="0"/>
+          </p:cNvCxnSpPr>
+          <p:nvPr/>
+        </p:nvCxnSpPr>
+        <p:spPr>
+          <a:xfrm>
+            <a:off x="2298963" y="4241393"/>
+            <a:ext cx="4767" cy="524238"/>
+          </a:xfrm>
+          <a:prstGeom prst="straightConnector1">
+            <a:avLst/>
+          </a:prstGeom>
+          <a:ln w="38100">
+            <a:headEnd type="none"/>
+            <a:tailEnd type="arrow"/>
+          </a:ln>
+        </p:spPr>
+        <p:style>
+          <a:lnRef idx="2">
+            <a:schemeClr val="dk1"/>
+          </a:lnRef>
+          <a:fillRef idx="0">
+            <a:schemeClr val="dk1"/>
+          </a:fillRef>
+          <a:effectRef idx="1">
+            <a:schemeClr val="dk1"/>
+          </a:effectRef>
+          <a:fontRef idx="minor">
+            <a:schemeClr val="tx1"/>
+          </a:fontRef>
+        </p:style>
+      </p:cxnSp>
+      <p:sp>
+        <p:nvSpPr>
+          <p:cNvPr id="70" name="正方形/長方形 69"/>
+          <p:cNvSpPr/>
+          <p:nvPr/>
+        </p:nvSpPr>
+        <p:spPr>
+          <a:xfrm>
+            <a:off x="650176" y="5743438"/>
+            <a:ext cx="3316642" cy="497128"/>
+          </a:xfrm>
+          <a:prstGeom prst="rect">
+            <a:avLst/>
+          </a:prstGeom>
+          <a:effectLst>
+            <a:outerShdw blurRad="50800" dist="38100" dir="2700000" algn="tl" rotWithShape="0">
+              <a:prstClr val="black">
+                <a:alpha val="40000"/>
+              </a:prstClr>
+            </a:outerShdw>
+          </a:effectLst>
+        </p:spPr>
+        <p:style>
+          <a:lnRef idx="1">
+            <a:schemeClr val="accent4"/>
+          </a:lnRef>
+          <a:fillRef idx="2">
+            <a:schemeClr val="accent4"/>
+          </a:fillRef>
+          <a:effectRef idx="1">
+            <a:schemeClr val="accent4"/>
+          </a:effectRef>
+          <a:fontRef idx="minor">
+            <a:schemeClr val="dk1"/>
+          </a:fontRef>
+        </p:style>
+        <p:txBody>
+          <a:bodyPr rtlCol="0" anchor="ctr"/>
+          <a:lstStyle/>
+          <a:p>
+            <a:pPr algn="ctr"/>
+            <a:r>
+              <a:rPr lang="en-US" altLang="ja-JP" dirty="0" err="1"/>
+              <a:t>DefaultRequestEnhancer</a:t>
+            </a:r>
+            <a:endParaRPr lang="en-US" altLang="ja-JP" i="1" dirty="0"/>
+          </a:p>
+        </p:txBody>
+      </p:sp>
+      <p:cxnSp>
+        <p:nvCxnSpPr>
+          <p:cNvPr id="71" name="直線矢印コネクタ 70"/>
+          <p:cNvCxnSpPr>
+            <a:stCxn id="70" idx="0"/>
+            <a:endCxn id="47" idx="2"/>
+          </p:cNvCxnSpPr>
+          <p:nvPr/>
+        </p:nvCxnSpPr>
+        <p:spPr>
+          <a:xfrm flipV="1">
+            <a:off x="2308497" y="5365497"/>
+            <a:ext cx="0" cy="377941"/>
+          </a:xfrm>
+          <a:prstGeom prst="straightConnector1">
+            <a:avLst/>
+          </a:prstGeom>
+          <a:ln w="38100">
+            <a:prstDash val="sysDot"/>
+            <a:headEnd type="none"/>
+            <a:tailEnd type="triangle" w="lg" len="lg"/>
+          </a:ln>
+        </p:spPr>
+        <p:style>
+          <a:lnRef idx="2">
+            <a:schemeClr val="dk1"/>
+          </a:lnRef>
+          <a:fillRef idx="0">
+            <a:schemeClr val="dk1"/>
+          </a:fillRef>
+          <a:effectRef idx="1">
+            <a:schemeClr val="dk1"/>
+          </a:effectRef>
+          <a:fontRef idx="minor">
+            <a:schemeClr val="tx1"/>
+          </a:fontRef>
+        </p:style>
+      </p:cxnSp>
+      <p:sp>
+        <p:nvSpPr>
+          <p:cNvPr id="86" name="正方形/長方形 85"/>
+          <p:cNvSpPr/>
+          <p:nvPr/>
+        </p:nvSpPr>
+        <p:spPr>
+          <a:xfrm>
+            <a:off x="461967" y="4765631"/>
+            <a:ext cx="3683525" cy="1621990"/>
+          </a:xfrm>
+          <a:prstGeom prst="rect">
+            <a:avLst/>
+          </a:prstGeom>
+          <a:noFill/>
+          <a:ln w="57150">
+            <a:solidFill>
+              <a:srgbClr val="F7D6D3"/>
+            </a:solidFill>
+          </a:ln>
+        </p:spPr>
+        <p:style>
+          <a:lnRef idx="1">
+            <a:schemeClr val="accent2"/>
+          </a:lnRef>
+          <a:fillRef idx="2">
+            <a:schemeClr val="accent2"/>
+          </a:fillRef>
+          <a:effectRef idx="1">
+            <a:schemeClr val="accent2"/>
+          </a:effectRef>
+          <a:fontRef idx="minor">
+            <a:schemeClr val="dk1"/>
+          </a:fontRef>
+        </p:style>
+        <p:txBody>
+          <a:bodyPr rtlCol="0" anchor="ctr"/>
+          <a:lstStyle/>
+          <a:p>
+            <a:pPr algn="ctr"/>
+            <a:endParaRPr kumimoji="1" lang="ja-JP" altLang="en-US"/>
+          </a:p>
+        </p:txBody>
+      </p:sp>
+      <p:cxnSp>
+        <p:nvCxnSpPr>
+          <p:cNvPr id="45" name="直線矢印コネクタ 44"/>
+          <p:cNvCxnSpPr/>
+          <p:nvPr/>
+        </p:nvCxnSpPr>
+        <p:spPr>
+          <a:xfrm>
+            <a:off x="4140725" y="4044671"/>
+            <a:ext cx="4980526" cy="0"/>
+          </a:xfrm>
+          <a:prstGeom prst="straightConnector1">
+            <a:avLst/>
+          </a:prstGeom>
+          <a:ln w="38100">
+            <a:tailEnd type="arrow"/>
+          </a:ln>
+        </p:spPr>
+        <p:style>
+          <a:lnRef idx="2">
+            <a:schemeClr val="dk1"/>
+          </a:lnRef>
+          <a:fillRef idx="0">
+            <a:schemeClr val="dk1"/>
+          </a:fillRef>
+          <a:effectRef idx="1">
+            <a:schemeClr val="dk1"/>
+          </a:effectRef>
+          <a:fontRef idx="minor">
+            <a:schemeClr val="tx1"/>
+          </a:fontRef>
+        </p:style>
+      </p:cxnSp>
+      <p:cxnSp>
+        <p:nvCxnSpPr>
+          <p:cNvPr id="46" name="カギ線コネクタ 45"/>
+          <p:cNvCxnSpPr>
+            <a:endCxn id="51" idx="1"/>
+          </p:cNvCxnSpPr>
+          <p:nvPr/>
+        </p:nvCxnSpPr>
+        <p:spPr>
+          <a:xfrm rot="5400000" flipH="1" flipV="1">
+            <a:off x="1267857" y="780723"/>
+            <a:ext cx="1601021" cy="1466524"/>
+          </a:xfrm>
+          <a:prstGeom prst="bentConnector2">
+            <a:avLst/>
+          </a:prstGeom>
+          <a:ln w="38100">
+            <a:tailEnd type="arrow"/>
+          </a:ln>
+        </p:spPr>
+        <p:style>
+          <a:lnRef idx="2">
+            <a:schemeClr val="dk1"/>
+          </a:lnRef>
+          <a:fillRef idx="0">
+            <a:schemeClr val="dk1"/>
+          </a:fillRef>
+          <a:effectRef idx="1">
+            <a:schemeClr val="dk1"/>
+          </a:effectRef>
+          <a:fontRef idx="minor">
+            <a:schemeClr val="tx1"/>
+          </a:fontRef>
+        </p:style>
+      </p:cxnSp>
+      <p:sp>
+        <p:nvSpPr>
+          <p:cNvPr id="34" name="テキスト ボックス 33"/>
+          <p:cNvSpPr txBox="1"/>
+          <p:nvPr/>
+        </p:nvSpPr>
+        <p:spPr>
+          <a:xfrm>
+            <a:off x="882009" y="1855600"/>
+            <a:ext cx="719090" cy="369332"/>
+          </a:xfrm>
+          <a:prstGeom prst="rect">
+            <a:avLst/>
+          </a:prstGeom>
+          <a:noFill/>
+        </p:spPr>
+        <p:txBody>
+          <a:bodyPr wrap="square" rtlCol="0">
+            <a:spAutoFit/>
+          </a:bodyPr>
+          <a:lstStyle/>
+          <a:p>
+            <a:r>
+              <a:rPr lang="en-US" altLang="ja-JP" dirty="0" smtClean="0">
+                <a:solidFill>
+                  <a:schemeClr val="bg1"/>
+                </a:solidFill>
+              </a:rPr>
+              <a:t>(6)</a:t>
+            </a:r>
+            <a:endParaRPr lang="en-US" altLang="ja-JP" dirty="0">
+              <a:solidFill>
+                <a:schemeClr val="bg1"/>
+              </a:solidFill>
+            </a:endParaRPr>
+          </a:p>
+        </p:txBody>
+      </p:sp>
+      <p:sp>
+        <p:nvSpPr>
+          <p:cNvPr id="38" name="テキスト ボックス 37"/>
+          <p:cNvSpPr txBox="1"/>
+          <p:nvPr/>
+        </p:nvSpPr>
+        <p:spPr>
+          <a:xfrm>
+            <a:off x="6116509" y="202374"/>
+            <a:ext cx="719090" cy="369332"/>
+          </a:xfrm>
+          <a:prstGeom prst="rect">
+            <a:avLst/>
+          </a:prstGeom>
+          <a:noFill/>
+        </p:spPr>
+        <p:txBody>
+          <a:bodyPr wrap="square" rtlCol="0">
+            <a:spAutoFit/>
+          </a:bodyPr>
+          <a:lstStyle/>
+          <a:p>
+            <a:r>
+              <a:rPr lang="en-US" altLang="ja-JP" dirty="0" smtClean="0">
+                <a:solidFill>
+                  <a:schemeClr val="bg1"/>
+                </a:solidFill>
+              </a:rPr>
+              <a:t>(6)’</a:t>
+            </a:r>
+            <a:endParaRPr lang="en-US" altLang="ja-JP" dirty="0">
+              <a:solidFill>
+                <a:schemeClr val="bg1"/>
+              </a:solidFill>
+            </a:endParaRPr>
+          </a:p>
+        </p:txBody>
+      </p:sp>
+    </p:spTree>
+    <p:extLst>
+      <p:ext uri="{BB962C8B-B14F-4D97-AF65-F5344CB8AC3E}">
+        <p14:creationId xmlns:p14="http://schemas.microsoft.com/office/powerpoint/2010/main" val="313282989"/>
+      </p:ext>
+    </p:extLst>
+  </p:cSld>
+  <p:clrMapOvr>
+    <a:masterClrMapping/>
+  </p:clrMapOvr>
+  <p:timing>
+    <p:tnLst>
+      <p:par>
+        <p:cTn id="1" dur="indefinite" restart="never" nodeType="tmRoot"/>
+      </p:par>
+    </p:tnLst>
+  </p:timing>
+</p:sld>
+</file>
+
+<file path=ppt/slides/slide23.xml><?xml version="1.0" encoding="utf-8"?>
+<p:sld xmlns:a="http://schemas.openxmlformats.org/drawingml/2006/main" xmlns:r="http://schemas.openxmlformats.org/officeDocument/2006/relationships" xmlns:p="http://schemas.openxmlformats.org/presentationml/2006/main">
+  <p:cSld>
+    <p:spTree>
+      <p:nvGrpSpPr>
+        <p:cNvPr id="1" name=""/>
+        <p:cNvGrpSpPr/>
+        <p:nvPr/>
+      </p:nvGrpSpPr>
+      <p:grpSpPr>
+        <a:xfrm>
+          <a:off x="0" y="0"/>
+          <a:ext cx="0" cy="0"/>
+          <a:chOff x="0" y="0"/>
+          <a:chExt cx="0" cy="0"/>
+        </a:xfrm>
+      </p:grpSpPr>
+      <p:sp>
+        <p:nvSpPr>
+          <p:cNvPr id="8" name="角丸四角形 7"/>
+          <p:cNvSpPr/>
+          <p:nvPr/>
+        </p:nvSpPr>
+        <p:spPr>
+          <a:xfrm>
+            <a:off x="553320" y="1249451"/>
+            <a:ext cx="11414561" cy="5060163"/>
+          </a:xfrm>
+          <a:prstGeom prst="roundRect">
+            <a:avLst/>
+          </a:prstGeom>
+        </p:spPr>
+        <p:style>
+          <a:lnRef idx="1">
+            <a:schemeClr val="accent2"/>
+          </a:lnRef>
+          <a:fillRef idx="3">
+            <a:schemeClr val="accent2"/>
+          </a:fillRef>
+          <a:effectRef idx="2">
+            <a:schemeClr val="accent2"/>
+          </a:effectRef>
+          <a:fontRef idx="minor">
+            <a:schemeClr val="lt1"/>
+          </a:fontRef>
+        </p:style>
+        <p:txBody>
+          <a:bodyPr rtlCol="0" anchor="ctr"/>
+          <a:lstStyle/>
+          <a:p>
+            <a:pPr algn="ctr"/>
+            <a:endParaRPr lang="en-US" altLang="ja-JP" sz="1600" dirty="0"/>
+          </a:p>
+        </p:txBody>
+      </p:sp>
+      <p:sp>
+        <p:nvSpPr>
+          <p:cNvPr id="73" name="テキスト ボックス 72"/>
+          <p:cNvSpPr txBox="1"/>
+          <p:nvPr/>
+        </p:nvSpPr>
+        <p:spPr>
+          <a:xfrm>
+            <a:off x="9159414" y="5967660"/>
+            <a:ext cx="2200826" cy="369332"/>
+          </a:xfrm>
+          <a:prstGeom prst="rect">
+            <a:avLst/>
+          </a:prstGeom>
+          <a:noFill/>
+        </p:spPr>
+        <p:txBody>
+          <a:bodyPr wrap="square" rtlCol="0">
+            <a:spAutoFit/>
+          </a:bodyPr>
+          <a:lstStyle/>
+          <a:p>
+            <a:r>
+              <a:rPr lang="en-US" altLang="ja-JP" dirty="0">
+                <a:solidFill>
+                  <a:schemeClr val="bg1"/>
+                </a:solidFill>
+              </a:rPr>
+              <a:t>Authorization </a:t>
+            </a:r>
+            <a:r>
+              <a:rPr lang="en-US" altLang="ja-JP" dirty="0" smtClean="0">
+                <a:solidFill>
+                  <a:schemeClr val="bg1"/>
+                </a:solidFill>
+              </a:rPr>
+              <a:t>server</a:t>
+            </a:r>
+            <a:endParaRPr lang="en-US" altLang="ja-JP" dirty="0">
+              <a:solidFill>
+                <a:schemeClr val="bg1"/>
+              </a:solidFill>
+            </a:endParaRPr>
+          </a:p>
+        </p:txBody>
+      </p:sp>
+      <p:sp>
+        <p:nvSpPr>
+          <p:cNvPr id="7" name="角丸四角形 6"/>
+          <p:cNvSpPr/>
+          <p:nvPr/>
+        </p:nvSpPr>
+        <p:spPr>
+          <a:xfrm>
+            <a:off x="1426482" y="598133"/>
+            <a:ext cx="1835555" cy="514620"/>
+          </a:xfrm>
+          <a:prstGeom prst="roundRect">
+            <a:avLst/>
+          </a:prstGeom>
+          <a:ln/>
+        </p:spPr>
+        <p:style>
+          <a:lnRef idx="1">
+            <a:schemeClr val="accent5"/>
+          </a:lnRef>
+          <a:fillRef idx="3">
+            <a:schemeClr val="accent5"/>
+          </a:fillRef>
+          <a:effectRef idx="2">
+            <a:schemeClr val="accent5"/>
+          </a:effectRef>
+          <a:fontRef idx="minor">
+            <a:schemeClr val="lt1"/>
+          </a:fontRef>
+        </p:style>
+        <p:txBody>
+          <a:bodyPr rtlCol="0" anchor="ctr"/>
+          <a:lstStyle/>
+          <a:p>
+            <a:pPr algn="ctr"/>
+            <a:r>
+              <a:rPr lang="en-US" altLang="ja-JP" sz="1600" dirty="0" smtClean="0"/>
+              <a:t>Client</a:t>
+            </a:r>
+            <a:endParaRPr lang="en-US" altLang="ja-JP" sz="1600" dirty="0"/>
+          </a:p>
+        </p:txBody>
+      </p:sp>
+      <p:sp>
+        <p:nvSpPr>
+          <p:cNvPr id="62" name="正方形/長方形 61"/>
+          <p:cNvSpPr/>
+          <p:nvPr/>
+        </p:nvSpPr>
+        <p:spPr>
+          <a:xfrm>
+            <a:off x="8440990" y="3900744"/>
+            <a:ext cx="2989234" cy="499064"/>
+          </a:xfrm>
+          <a:prstGeom prst="rect">
+            <a:avLst/>
+          </a:prstGeom>
+          <a:effectLst>
+            <a:outerShdw blurRad="50800" dist="38100" dir="2700000" algn="tl" rotWithShape="0">
+              <a:prstClr val="black">
+                <a:alpha val="40000"/>
+              </a:prstClr>
+            </a:outerShdw>
+          </a:effectLst>
+        </p:spPr>
+        <p:style>
+          <a:lnRef idx="1">
+            <a:schemeClr val="accent4"/>
+          </a:lnRef>
+          <a:fillRef idx="2">
+            <a:schemeClr val="accent4"/>
+          </a:fillRef>
+          <a:effectRef idx="1">
+            <a:schemeClr val="accent4"/>
+          </a:effectRef>
+          <a:fontRef idx="minor">
+            <a:schemeClr val="dk1"/>
+          </a:fontRef>
+        </p:style>
+        <p:txBody>
+          <a:bodyPr rtlCol="0" anchor="ctr"/>
+          <a:lstStyle/>
+          <a:p>
+            <a:pPr algn="ctr"/>
+            <a:r>
+              <a:rPr lang="en-US" altLang="ja-JP" dirty="0" err="1"/>
+              <a:t>DefaultTokenServices</a:t>
+            </a:r>
+            <a:endParaRPr lang="en-US" altLang="ja-JP" dirty="0"/>
+          </a:p>
+        </p:txBody>
+      </p:sp>
+      <p:sp>
+        <p:nvSpPr>
+          <p:cNvPr id="63" name="正方形/長方形 62"/>
+          <p:cNvSpPr/>
+          <p:nvPr/>
+        </p:nvSpPr>
+        <p:spPr>
+          <a:xfrm>
+            <a:off x="849644" y="2646751"/>
+            <a:ext cx="2989232" cy="499064"/>
+          </a:xfrm>
+          <a:prstGeom prst="rect">
+            <a:avLst/>
+          </a:prstGeom>
+          <a:effectLst>
+            <a:outerShdw blurRad="50800" dist="38100" dir="2700000" algn="tl" rotWithShape="0">
+              <a:prstClr val="black">
+                <a:alpha val="40000"/>
+              </a:prstClr>
+            </a:outerShdw>
+          </a:effectLst>
+        </p:spPr>
+        <p:style>
+          <a:lnRef idx="1">
+            <a:schemeClr val="accent4"/>
+          </a:lnRef>
+          <a:fillRef idx="2">
+            <a:schemeClr val="accent4"/>
+          </a:fillRef>
+          <a:effectRef idx="1">
+            <a:schemeClr val="accent4"/>
+          </a:effectRef>
+          <a:fontRef idx="minor">
+            <a:schemeClr val="dk1"/>
+          </a:fontRef>
+        </p:style>
+        <p:txBody>
+          <a:bodyPr rtlCol="0" anchor="ctr"/>
+          <a:lstStyle/>
+          <a:p>
+            <a:pPr algn="ctr"/>
+            <a:r>
+              <a:rPr lang="en-US" altLang="ja-JP" dirty="0" err="1"/>
+              <a:t>TokenEndpoint</a:t>
+            </a:r>
+            <a:endParaRPr lang="en-US" altLang="ja-JP" dirty="0"/>
+          </a:p>
+        </p:txBody>
+      </p:sp>
+      <p:sp>
+        <p:nvSpPr>
+          <p:cNvPr id="65" name="正方形/長方形 64"/>
+          <p:cNvSpPr/>
+          <p:nvPr/>
+        </p:nvSpPr>
+        <p:spPr>
+          <a:xfrm>
+            <a:off x="4584142" y="2646751"/>
+            <a:ext cx="2995583" cy="499064"/>
+          </a:xfrm>
+          <a:prstGeom prst="rect">
+            <a:avLst/>
+          </a:prstGeom>
+          <a:effectLst>
+            <a:outerShdw blurRad="50800" dist="38100" dir="2700000" algn="tl" rotWithShape="0">
+              <a:prstClr val="black">
+                <a:alpha val="40000"/>
+              </a:prstClr>
+            </a:outerShdw>
+          </a:effectLst>
+        </p:spPr>
+        <p:style>
+          <a:lnRef idx="1">
+            <a:schemeClr val="accent4"/>
+          </a:lnRef>
+          <a:fillRef idx="2">
+            <a:schemeClr val="accent4"/>
+          </a:fillRef>
+          <a:effectRef idx="1">
+            <a:schemeClr val="accent4"/>
+          </a:effectRef>
+          <a:fontRef idx="minor">
+            <a:schemeClr val="dk1"/>
+          </a:fontRef>
+        </p:style>
+        <p:txBody>
+          <a:bodyPr rtlCol="0" anchor="ctr"/>
+          <a:lstStyle/>
+          <a:p>
+            <a:pPr algn="ctr"/>
+            <a:r>
+              <a:rPr lang="en-US" altLang="ja-JP" dirty="0" smtClean="0"/>
+              <a:t>&lt;&lt;interface&gt;&gt;</a:t>
+            </a:r>
+          </a:p>
+          <a:p>
+            <a:pPr algn="ctr"/>
+            <a:r>
+              <a:rPr lang="en-US" altLang="ja-JP" dirty="0" err="1" smtClean="0"/>
+              <a:t>TokenGranter</a:t>
+            </a:r>
+            <a:endParaRPr lang="en-US" altLang="ja-JP" dirty="0"/>
+          </a:p>
+        </p:txBody>
+      </p:sp>
+      <p:sp>
+        <p:nvSpPr>
+          <p:cNvPr id="70" name="正方形/長方形 69"/>
+          <p:cNvSpPr/>
+          <p:nvPr/>
+        </p:nvSpPr>
+        <p:spPr>
+          <a:xfrm>
+            <a:off x="8163622" y="3035394"/>
+            <a:ext cx="3524872" cy="499064"/>
+          </a:xfrm>
+          <a:prstGeom prst="rect">
+            <a:avLst/>
+          </a:prstGeom>
+          <a:effectLst>
+            <a:outerShdw blurRad="50800" dist="38100" dir="2700000" algn="tl" rotWithShape="0">
+              <a:prstClr val="black">
+                <a:alpha val="40000"/>
+              </a:prstClr>
+            </a:outerShdw>
+          </a:effectLst>
+        </p:spPr>
+        <p:style>
+          <a:lnRef idx="1">
+            <a:schemeClr val="accent4"/>
+          </a:lnRef>
+          <a:fillRef idx="2">
+            <a:schemeClr val="accent4"/>
+          </a:fillRef>
+          <a:effectRef idx="1">
+            <a:schemeClr val="accent4"/>
+          </a:effectRef>
+          <a:fontRef idx="minor">
+            <a:schemeClr val="dk1"/>
+          </a:fontRef>
+        </p:style>
+        <p:txBody>
+          <a:bodyPr rtlCol="0" anchor="ctr"/>
+          <a:lstStyle/>
+          <a:p>
+            <a:pPr algn="ctr"/>
+            <a:r>
+              <a:rPr lang="en-US" altLang="ja-JP" dirty="0" smtClean="0"/>
+              <a:t>&lt;&lt;interface&gt;&gt;</a:t>
+            </a:r>
+          </a:p>
+          <a:p>
+            <a:pPr algn="ctr"/>
+            <a:r>
+              <a:rPr lang="en-US" altLang="ja-JP" dirty="0" err="1" smtClean="0"/>
+              <a:t>AuthorizationServerTokenServices</a:t>
+            </a:r>
+            <a:endParaRPr lang="en-US" altLang="ja-JP" dirty="0"/>
+          </a:p>
+        </p:txBody>
+      </p:sp>
+      <p:sp>
+        <p:nvSpPr>
+          <p:cNvPr id="92" name="正方形/長方形 91"/>
+          <p:cNvSpPr/>
+          <p:nvPr/>
+        </p:nvSpPr>
+        <p:spPr>
+          <a:xfrm>
+            <a:off x="8475282" y="5149794"/>
+            <a:ext cx="2989232" cy="499064"/>
+          </a:xfrm>
+          <a:prstGeom prst="rect">
+            <a:avLst/>
+          </a:prstGeom>
+          <a:effectLst>
+            <a:outerShdw blurRad="50800" dist="38100" dir="2700000" algn="tl" rotWithShape="0">
+              <a:prstClr val="black">
+                <a:alpha val="40000"/>
+              </a:prstClr>
+            </a:outerShdw>
+          </a:effectLst>
+        </p:spPr>
+        <p:style>
+          <a:lnRef idx="1">
+            <a:schemeClr val="accent4"/>
+          </a:lnRef>
+          <a:fillRef idx="2">
+            <a:schemeClr val="accent4"/>
+          </a:fillRef>
+          <a:effectRef idx="1">
+            <a:schemeClr val="accent4"/>
+          </a:effectRef>
+          <a:fontRef idx="minor">
+            <a:schemeClr val="dk1"/>
+          </a:fontRef>
+        </p:style>
+        <p:txBody>
+          <a:bodyPr rtlCol="0" anchor="ctr"/>
+          <a:lstStyle/>
+          <a:p>
+            <a:pPr algn="ctr"/>
+            <a:r>
+              <a:rPr lang="en-US" altLang="ja-JP" dirty="0" smtClean="0"/>
+              <a:t>&lt;&lt;interface&gt;&gt;</a:t>
+            </a:r>
+          </a:p>
+          <a:p>
+            <a:pPr algn="ctr"/>
+            <a:r>
+              <a:rPr lang="en-US" altLang="ja-JP" dirty="0" err="1" smtClean="0"/>
+              <a:t>TokenStore</a:t>
+            </a:r>
+            <a:endParaRPr lang="en-US" altLang="ja-JP" dirty="0"/>
+          </a:p>
+        </p:txBody>
+      </p:sp>
+      <p:sp>
+        <p:nvSpPr>
+          <p:cNvPr id="36" name="正方形/長方形 35"/>
+          <p:cNvSpPr/>
+          <p:nvPr/>
+        </p:nvSpPr>
+        <p:spPr>
+          <a:xfrm>
+            <a:off x="802925" y="1599665"/>
+            <a:ext cx="3668948" cy="456073"/>
+          </a:xfrm>
+          <a:prstGeom prst="rect">
+            <a:avLst/>
+          </a:prstGeom>
+          <a:effectLst>
+            <a:outerShdw blurRad="50800" dist="38100" dir="2700000" algn="tl" rotWithShape="0">
+              <a:prstClr val="black">
+                <a:alpha val="40000"/>
+              </a:prstClr>
+            </a:outerShdw>
+          </a:effectLst>
+        </p:spPr>
+        <p:style>
+          <a:lnRef idx="1">
+            <a:schemeClr val="accent2"/>
+          </a:lnRef>
+          <a:fillRef idx="2">
+            <a:schemeClr val="accent2"/>
+          </a:fillRef>
+          <a:effectRef idx="1">
+            <a:schemeClr val="accent2"/>
+          </a:effectRef>
+          <a:fontRef idx="minor">
+            <a:schemeClr val="dk1"/>
+          </a:fontRef>
+        </p:style>
+        <p:txBody>
+          <a:bodyPr rtlCol="0" anchor="ctr"/>
+          <a:lstStyle/>
+          <a:p>
+            <a:pPr algn="ctr"/>
+            <a:endParaRPr lang="ja-JP" altLang="en-US"/>
+          </a:p>
+        </p:txBody>
+      </p:sp>
+      <p:sp>
+        <p:nvSpPr>
+          <p:cNvPr id="37" name="テキスト ボックス 36"/>
+          <p:cNvSpPr txBox="1"/>
+          <p:nvPr/>
+        </p:nvSpPr>
+        <p:spPr>
+          <a:xfrm>
+            <a:off x="2481530" y="1642131"/>
+            <a:ext cx="1677988" cy="369332"/>
+          </a:xfrm>
+          <a:prstGeom prst="rect">
+            <a:avLst/>
+          </a:prstGeom>
+          <a:noFill/>
+        </p:spPr>
+        <p:txBody>
+          <a:bodyPr wrap="square" rtlCol="0">
+            <a:spAutoFit/>
+          </a:bodyPr>
+          <a:lstStyle/>
+          <a:p>
+            <a:r>
+              <a:rPr lang="en-US" altLang="ja-JP" dirty="0" smtClean="0"/>
+              <a:t>Spring Security</a:t>
+            </a:r>
+            <a:endParaRPr lang="en-US" altLang="ja-JP" dirty="0"/>
+          </a:p>
+        </p:txBody>
+      </p:sp>
+      <p:cxnSp>
+        <p:nvCxnSpPr>
+          <p:cNvPr id="186" name="直線矢印コネクタ 185"/>
+          <p:cNvCxnSpPr>
+            <a:stCxn id="7" idx="2"/>
+            <a:endCxn id="63" idx="0"/>
+          </p:cNvCxnSpPr>
+          <p:nvPr/>
+        </p:nvCxnSpPr>
+        <p:spPr>
+          <a:xfrm>
+            <a:off x="2344260" y="1112753"/>
+            <a:ext cx="0" cy="1533998"/>
+          </a:xfrm>
+          <a:prstGeom prst="straightConnector1">
+            <a:avLst/>
+          </a:prstGeom>
+          <a:ln w="38100">
+            <a:tailEnd type="arrow"/>
+          </a:ln>
+        </p:spPr>
+        <p:style>
+          <a:lnRef idx="2">
+            <a:schemeClr val="dk1"/>
+          </a:lnRef>
+          <a:fillRef idx="0">
+            <a:schemeClr val="dk1"/>
+          </a:fillRef>
+          <a:effectRef idx="1">
+            <a:schemeClr val="dk1"/>
+          </a:effectRef>
+          <a:fontRef idx="minor">
+            <a:schemeClr val="tx1"/>
+          </a:fontRef>
+        </p:style>
+      </p:cxnSp>
+      <p:sp>
+        <p:nvSpPr>
+          <p:cNvPr id="48" name="正方形/長方形 47"/>
+          <p:cNvSpPr/>
+          <p:nvPr/>
+        </p:nvSpPr>
+        <p:spPr>
+          <a:xfrm>
+            <a:off x="8349306" y="2015423"/>
+            <a:ext cx="2989232" cy="499064"/>
+          </a:xfrm>
+          <a:prstGeom prst="rect">
+            <a:avLst/>
+          </a:prstGeom>
+          <a:effectLst>
+            <a:outerShdw blurRad="50800" dist="38100" dir="2700000" algn="tl" rotWithShape="0">
+              <a:prstClr val="black">
+                <a:alpha val="40000"/>
+              </a:prstClr>
+            </a:outerShdw>
+          </a:effectLst>
+        </p:spPr>
+        <p:style>
+          <a:lnRef idx="1">
+            <a:schemeClr val="accent4"/>
+          </a:lnRef>
+          <a:fillRef idx="2">
+            <a:schemeClr val="accent4"/>
+          </a:fillRef>
+          <a:effectRef idx="1">
+            <a:schemeClr val="accent4"/>
+          </a:effectRef>
+          <a:fontRef idx="minor">
+            <a:schemeClr val="dk1"/>
+          </a:fontRef>
+        </p:style>
+        <p:txBody>
+          <a:bodyPr rtlCol="0" anchor="ctr"/>
+          <a:lstStyle/>
+          <a:p>
+            <a:pPr algn="ctr"/>
+            <a:r>
+              <a:rPr lang="en-US" altLang="ja-JP" dirty="0"/>
+              <a:t>&lt;&lt;interface&gt;&gt;</a:t>
+            </a:r>
+          </a:p>
+          <a:p>
+            <a:pPr algn="ctr"/>
+            <a:r>
+              <a:rPr lang="en-US" altLang="ja-JP" dirty="0" err="1" smtClean="0"/>
+              <a:t>ClientDetailsService</a:t>
+            </a:r>
+            <a:endParaRPr lang="en-US" altLang="ja-JP" dirty="0"/>
+          </a:p>
+        </p:txBody>
+      </p:sp>
+      <p:sp>
+        <p:nvSpPr>
+          <p:cNvPr id="60" name="正方形/長方形 59"/>
+          <p:cNvSpPr/>
+          <p:nvPr/>
+        </p:nvSpPr>
+        <p:spPr>
+          <a:xfrm>
+            <a:off x="4587317" y="3713084"/>
+            <a:ext cx="2989232" cy="530456"/>
+          </a:xfrm>
+          <a:prstGeom prst="rect">
+            <a:avLst/>
+          </a:prstGeom>
+          <a:effectLst>
+            <a:outerShdw blurRad="50800" dist="38100" dir="2700000" algn="tl" rotWithShape="0">
+              <a:prstClr val="black">
+                <a:alpha val="40000"/>
+              </a:prstClr>
+            </a:outerShdw>
+          </a:effectLst>
+        </p:spPr>
+        <p:style>
+          <a:lnRef idx="1">
+            <a:schemeClr val="accent4"/>
+          </a:lnRef>
+          <a:fillRef idx="2">
+            <a:schemeClr val="accent4"/>
+          </a:fillRef>
+          <a:effectRef idx="1">
+            <a:schemeClr val="accent4"/>
+          </a:effectRef>
+          <a:fontRef idx="minor">
+            <a:schemeClr val="dk1"/>
+          </a:fontRef>
+        </p:style>
+        <p:txBody>
+          <a:bodyPr rtlCol="0" anchor="ctr"/>
+          <a:lstStyle/>
+          <a:p>
+            <a:pPr algn="ctr"/>
+            <a:r>
+              <a:rPr lang="en-US" altLang="ja-JP" dirty="0" err="1" smtClean="0"/>
+              <a:t>AuthorizationCode</a:t>
+            </a:r>
+            <a:endParaRPr lang="en-US" altLang="ja-JP" dirty="0" smtClean="0"/>
+          </a:p>
+          <a:p>
+            <a:pPr algn="ctr"/>
+            <a:r>
+              <a:rPr lang="en-US" altLang="ja-JP" dirty="0" err="1" smtClean="0"/>
+              <a:t>TokenGranter</a:t>
+            </a:r>
+            <a:endParaRPr lang="en-US" altLang="ja-JP" dirty="0"/>
+          </a:p>
+        </p:txBody>
+      </p:sp>
+      <p:sp>
+        <p:nvSpPr>
+          <p:cNvPr id="66" name="正方形/長方形 65"/>
+          <p:cNvSpPr/>
+          <p:nvPr/>
+        </p:nvSpPr>
+        <p:spPr>
+          <a:xfrm>
+            <a:off x="849643" y="3701850"/>
+            <a:ext cx="2989232" cy="530456"/>
+          </a:xfrm>
+          <a:prstGeom prst="rect">
+            <a:avLst/>
+          </a:prstGeom>
+          <a:effectLst>
+            <a:outerShdw blurRad="50800" dist="38100" dir="2700000" algn="tl" rotWithShape="0">
+              <a:prstClr val="black">
+                <a:alpha val="40000"/>
+              </a:prstClr>
+            </a:outerShdw>
+          </a:effectLst>
+        </p:spPr>
+        <p:style>
+          <a:lnRef idx="1">
+            <a:schemeClr val="accent4"/>
+          </a:lnRef>
+          <a:fillRef idx="2">
+            <a:schemeClr val="accent4"/>
+          </a:fillRef>
+          <a:effectRef idx="1">
+            <a:schemeClr val="accent4"/>
+          </a:effectRef>
+          <a:fontRef idx="minor">
+            <a:schemeClr val="dk1"/>
+          </a:fontRef>
+        </p:style>
+        <p:txBody>
+          <a:bodyPr rtlCol="0" anchor="ctr"/>
+          <a:lstStyle/>
+          <a:p>
+            <a:pPr algn="ctr"/>
+            <a:r>
+              <a:rPr lang="en-US" altLang="ja-JP" dirty="0"/>
+              <a:t>&lt;&lt;interface&gt;&gt;</a:t>
+            </a:r>
+          </a:p>
+          <a:p>
+            <a:pPr algn="ctr"/>
+            <a:r>
+              <a:rPr lang="en-US" altLang="ja-JP" dirty="0" err="1" smtClean="0"/>
+              <a:t>AuthorizationCodeServices</a:t>
+            </a:r>
+            <a:endParaRPr lang="en-US" altLang="ja-JP" dirty="0"/>
+          </a:p>
+        </p:txBody>
+      </p:sp>
+      <p:cxnSp>
+        <p:nvCxnSpPr>
+          <p:cNvPr id="84" name="カギ線コネクタ 83"/>
+          <p:cNvCxnSpPr>
+            <a:stCxn id="63" idx="3"/>
+          </p:cNvCxnSpPr>
+          <p:nvPr/>
+        </p:nvCxnSpPr>
+        <p:spPr>
+          <a:xfrm>
+            <a:off x="3838876" y="2896283"/>
+            <a:ext cx="632997" cy="2696"/>
+          </a:xfrm>
+          <a:prstGeom prst="straightConnector1">
+            <a:avLst/>
+          </a:prstGeom>
+          <a:ln w="38100">
+            <a:tailEnd type="arrow"/>
+          </a:ln>
+        </p:spPr>
+        <p:style>
+          <a:lnRef idx="2">
+            <a:schemeClr val="dk1"/>
+          </a:lnRef>
+          <a:fillRef idx="0">
+            <a:schemeClr val="dk1"/>
+          </a:fillRef>
+          <a:effectRef idx="1">
+            <a:schemeClr val="dk1"/>
+          </a:effectRef>
+          <a:fontRef idx="minor">
+            <a:schemeClr val="tx1"/>
+          </a:fontRef>
+        </p:style>
+      </p:cxnSp>
+      <p:cxnSp>
+        <p:nvCxnSpPr>
+          <p:cNvPr id="88" name="カギ線コネクタ 87"/>
+          <p:cNvCxnSpPr>
+            <a:stCxn id="60" idx="0"/>
+            <a:endCxn id="65" idx="2"/>
+          </p:cNvCxnSpPr>
+          <p:nvPr/>
+        </p:nvCxnSpPr>
+        <p:spPr>
+          <a:xfrm flipV="1">
+            <a:off x="6081933" y="3145815"/>
+            <a:ext cx="1" cy="567269"/>
+          </a:xfrm>
+          <a:prstGeom prst="straightConnector1">
+            <a:avLst/>
+          </a:prstGeom>
+          <a:ln w="38100">
+            <a:prstDash val="sysDot"/>
+            <a:headEnd type="none"/>
+            <a:tailEnd type="triangle" w="lg" len="lg"/>
+          </a:ln>
+        </p:spPr>
+        <p:style>
+          <a:lnRef idx="2">
+            <a:schemeClr val="dk1"/>
+          </a:lnRef>
+          <a:fillRef idx="0">
+            <a:schemeClr val="dk1"/>
+          </a:fillRef>
+          <a:effectRef idx="1">
+            <a:schemeClr val="dk1"/>
+          </a:effectRef>
+          <a:fontRef idx="minor">
+            <a:schemeClr val="tx1"/>
+          </a:fontRef>
+        </p:style>
+      </p:cxnSp>
+      <p:cxnSp>
+        <p:nvCxnSpPr>
+          <p:cNvPr id="101" name="カギ線コネクタ 100"/>
+          <p:cNvCxnSpPr/>
+          <p:nvPr/>
+        </p:nvCxnSpPr>
+        <p:spPr>
+          <a:xfrm flipH="1">
+            <a:off x="3838875" y="3875086"/>
+            <a:ext cx="619195" cy="0"/>
+          </a:xfrm>
+          <a:prstGeom prst="straightConnector1">
+            <a:avLst/>
+          </a:prstGeom>
+          <a:ln w="38100">
+            <a:tailEnd type="arrow"/>
+          </a:ln>
+        </p:spPr>
+        <p:style>
+          <a:lnRef idx="2">
+            <a:schemeClr val="dk1"/>
+          </a:lnRef>
+          <a:fillRef idx="0">
+            <a:schemeClr val="dk1"/>
+          </a:fillRef>
+          <a:effectRef idx="1">
+            <a:schemeClr val="dk1"/>
+          </a:effectRef>
+          <a:fontRef idx="minor">
+            <a:schemeClr val="tx1"/>
+          </a:fontRef>
+        </p:style>
+      </p:cxnSp>
+      <p:cxnSp>
+        <p:nvCxnSpPr>
+          <p:cNvPr id="107" name="カギ線コネクタ 106"/>
+          <p:cNvCxnSpPr/>
+          <p:nvPr/>
+        </p:nvCxnSpPr>
+        <p:spPr>
+          <a:xfrm>
+            <a:off x="7699447" y="3534118"/>
+            <a:ext cx="417274" cy="0"/>
+          </a:xfrm>
+          <a:prstGeom prst="straightConnector1">
+            <a:avLst/>
+          </a:prstGeom>
+          <a:ln w="38100">
+            <a:tailEnd type="arrow"/>
+          </a:ln>
+        </p:spPr>
+        <p:style>
+          <a:lnRef idx="2">
+            <a:schemeClr val="dk1"/>
+          </a:lnRef>
+          <a:fillRef idx="0">
+            <a:schemeClr val="dk1"/>
+          </a:fillRef>
+          <a:effectRef idx="1">
+            <a:schemeClr val="dk1"/>
+          </a:effectRef>
+          <a:fontRef idx="minor">
+            <a:schemeClr val="tx1"/>
+          </a:fontRef>
+        </p:style>
+      </p:cxnSp>
+      <p:cxnSp>
+        <p:nvCxnSpPr>
+          <p:cNvPr id="109" name="カギ線コネクタ 108"/>
+          <p:cNvCxnSpPr>
+            <a:stCxn id="45" idx="3"/>
+            <a:endCxn id="48" idx="1"/>
+          </p:cNvCxnSpPr>
+          <p:nvPr/>
+        </p:nvCxnSpPr>
+        <p:spPr>
+          <a:xfrm flipV="1">
+            <a:off x="7699447" y="2264955"/>
+            <a:ext cx="649859" cy="1261143"/>
+          </a:xfrm>
+          <a:prstGeom prst="bentConnector3">
+            <a:avLst>
+              <a:gd name="adj1" fmla="val 23617"/>
+            </a:avLst>
+          </a:prstGeom>
+          <a:ln w="38100">
+            <a:tailEnd type="arrow"/>
+          </a:ln>
+        </p:spPr>
+        <p:style>
+          <a:lnRef idx="2">
+            <a:schemeClr val="dk1"/>
+          </a:lnRef>
+          <a:fillRef idx="0">
+            <a:schemeClr val="dk1"/>
+          </a:fillRef>
+          <a:effectRef idx="1">
+            <a:schemeClr val="dk1"/>
+          </a:effectRef>
+          <a:fontRef idx="minor">
+            <a:schemeClr val="tx1"/>
+          </a:fontRef>
+        </p:style>
+      </p:cxnSp>
+      <p:cxnSp>
+        <p:nvCxnSpPr>
+          <p:cNvPr id="115" name="カギ線コネクタ 114"/>
+          <p:cNvCxnSpPr>
+            <a:stCxn id="62" idx="0"/>
+            <a:endCxn id="70" idx="2"/>
+          </p:cNvCxnSpPr>
+          <p:nvPr/>
+        </p:nvCxnSpPr>
+        <p:spPr>
+          <a:xfrm flipH="1" flipV="1">
+            <a:off x="9926058" y="3534458"/>
+            <a:ext cx="9549" cy="366286"/>
+          </a:xfrm>
+          <a:prstGeom prst="straightConnector1">
+            <a:avLst/>
+          </a:prstGeom>
+          <a:ln w="38100">
+            <a:prstDash val="sysDot"/>
+            <a:headEnd type="none"/>
+            <a:tailEnd type="triangle" w="lg" len="lg"/>
+          </a:ln>
+        </p:spPr>
+        <p:style>
+          <a:lnRef idx="2">
+            <a:schemeClr val="dk1"/>
+          </a:lnRef>
+          <a:fillRef idx="0">
+            <a:schemeClr val="dk1"/>
+          </a:fillRef>
+          <a:effectRef idx="1">
+            <a:schemeClr val="dk1"/>
+          </a:effectRef>
+          <a:fontRef idx="minor">
+            <a:schemeClr val="tx1"/>
+          </a:fontRef>
+        </p:style>
+      </p:cxnSp>
+      <p:cxnSp>
+        <p:nvCxnSpPr>
+          <p:cNvPr id="134" name="カギ線コネクタ 133"/>
+          <p:cNvCxnSpPr>
+            <a:stCxn id="67" idx="2"/>
+            <a:endCxn id="92" idx="0"/>
+          </p:cNvCxnSpPr>
+          <p:nvPr/>
+        </p:nvCxnSpPr>
+        <p:spPr>
+          <a:xfrm>
+            <a:off x="9959072" y="4531345"/>
+            <a:ext cx="10826" cy="618449"/>
+          </a:xfrm>
+          <a:prstGeom prst="straightConnector1">
+            <a:avLst/>
+          </a:prstGeom>
+          <a:ln w="38100">
+            <a:tailEnd type="arrow"/>
+          </a:ln>
+        </p:spPr>
+        <p:style>
+          <a:lnRef idx="2">
+            <a:schemeClr val="dk1"/>
+          </a:lnRef>
+          <a:fillRef idx="0">
+            <a:schemeClr val="dk1"/>
+          </a:fillRef>
+          <a:effectRef idx="1">
+            <a:schemeClr val="dk1"/>
+          </a:effectRef>
+          <a:fontRef idx="minor">
+            <a:schemeClr val="tx1"/>
+          </a:fontRef>
+        </p:style>
+      </p:cxnSp>
+      <p:cxnSp>
+        <p:nvCxnSpPr>
+          <p:cNvPr id="248" name="カギ線コネクタ 247"/>
+          <p:cNvCxnSpPr>
+            <a:stCxn id="63" idx="3"/>
+            <a:endCxn id="48" idx="1"/>
+          </p:cNvCxnSpPr>
+          <p:nvPr/>
+        </p:nvCxnSpPr>
+        <p:spPr>
+          <a:xfrm flipV="1">
+            <a:off x="3838876" y="2264955"/>
+            <a:ext cx="4510430" cy="631328"/>
+          </a:xfrm>
+          <a:prstGeom prst="bentConnector3">
+            <a:avLst>
+              <a:gd name="adj1" fmla="val 5146"/>
+            </a:avLst>
+          </a:prstGeom>
+          <a:ln w="38100">
+            <a:tailEnd type="arrow"/>
+          </a:ln>
+        </p:spPr>
+        <p:style>
+          <a:lnRef idx="2">
+            <a:schemeClr val="dk1"/>
+          </a:lnRef>
+          <a:fillRef idx="0">
+            <a:schemeClr val="dk1"/>
+          </a:fillRef>
+          <a:effectRef idx="1">
+            <a:schemeClr val="dk1"/>
+          </a:effectRef>
+          <a:fontRef idx="minor">
+            <a:schemeClr val="tx1"/>
+          </a:fontRef>
+        </p:style>
+      </p:cxnSp>
+      <p:sp>
+        <p:nvSpPr>
+          <p:cNvPr id="361" name="正方形/長方形 360"/>
+          <p:cNvSpPr/>
+          <p:nvPr/>
+        </p:nvSpPr>
+        <p:spPr>
+          <a:xfrm>
+            <a:off x="4584141" y="5149794"/>
+            <a:ext cx="2989232" cy="499064"/>
+          </a:xfrm>
+          <a:prstGeom prst="rect">
+            <a:avLst/>
+          </a:prstGeom>
+          <a:effectLst>
+            <a:outerShdw blurRad="50800" dist="38100" dir="2700000" algn="tl" rotWithShape="0">
+              <a:prstClr val="black">
+                <a:alpha val="40000"/>
+              </a:prstClr>
+            </a:outerShdw>
+          </a:effectLst>
+        </p:spPr>
+        <p:style>
+          <a:lnRef idx="1">
+            <a:schemeClr val="accent4"/>
+          </a:lnRef>
+          <a:fillRef idx="2">
+            <a:schemeClr val="accent4"/>
+          </a:fillRef>
+          <a:effectRef idx="1">
+            <a:schemeClr val="accent4"/>
+          </a:effectRef>
+          <a:fontRef idx="minor">
+            <a:schemeClr val="dk1"/>
+          </a:fontRef>
+        </p:style>
+        <p:txBody>
+          <a:bodyPr rtlCol="0" anchor="ctr"/>
+          <a:lstStyle/>
+          <a:p>
+            <a:pPr algn="ctr"/>
+            <a:r>
+              <a:rPr lang="en-US" altLang="ja-JP" dirty="0" smtClean="0"/>
+              <a:t>&lt;&lt;interface&gt;&gt;</a:t>
+            </a:r>
+          </a:p>
+          <a:p>
+            <a:pPr algn="ctr"/>
+            <a:r>
+              <a:rPr lang="en-US" altLang="ja-JP" dirty="0" err="1"/>
+              <a:t>TokenEnhancer</a:t>
+            </a:r>
+            <a:endParaRPr lang="en-US" altLang="ja-JP" dirty="0"/>
+          </a:p>
+        </p:txBody>
+      </p:sp>
+      <p:cxnSp>
+        <p:nvCxnSpPr>
+          <p:cNvPr id="363" name="カギ線コネクタ 362"/>
+          <p:cNvCxnSpPr>
+            <a:stCxn id="67" idx="2"/>
+            <a:endCxn id="361" idx="0"/>
+          </p:cNvCxnSpPr>
+          <p:nvPr/>
+        </p:nvCxnSpPr>
+        <p:spPr>
+          <a:xfrm rot="5400000">
+            <a:off x="7709691" y="2900412"/>
+            <a:ext cx="618449" cy="3880315"/>
+          </a:xfrm>
+          <a:prstGeom prst="bentConnector3">
+            <a:avLst>
+              <a:gd name="adj1" fmla="val 50000"/>
+            </a:avLst>
+          </a:prstGeom>
+          <a:ln w="38100">
+            <a:tailEnd type="arrow"/>
+          </a:ln>
+        </p:spPr>
+        <p:style>
+          <a:lnRef idx="2">
+            <a:schemeClr val="dk1"/>
+          </a:lnRef>
+          <a:fillRef idx="0">
+            <a:schemeClr val="dk1"/>
+          </a:fillRef>
+          <a:effectRef idx="1">
+            <a:schemeClr val="dk1"/>
+          </a:effectRef>
+          <a:fontRef idx="minor">
+            <a:schemeClr val="tx1"/>
+          </a:fontRef>
+        </p:style>
+      </p:cxnSp>
+      <p:sp>
+        <p:nvSpPr>
+          <p:cNvPr id="34" name="テキスト ボックス 33"/>
+          <p:cNvSpPr txBox="1"/>
+          <p:nvPr/>
+        </p:nvSpPr>
+        <p:spPr>
+          <a:xfrm>
+            <a:off x="2372478" y="1226361"/>
+            <a:ext cx="719090" cy="369332"/>
+          </a:xfrm>
+          <a:prstGeom prst="rect">
+            <a:avLst/>
+          </a:prstGeom>
+          <a:noFill/>
+        </p:spPr>
+        <p:txBody>
+          <a:bodyPr wrap="square" rtlCol="0">
+            <a:spAutoFit/>
+          </a:bodyPr>
+          <a:lstStyle/>
+          <a:p>
+            <a:r>
+              <a:rPr lang="en-US" altLang="ja-JP" dirty="0" smtClean="0"/>
+              <a:t>(1)</a:t>
+            </a:r>
+            <a:endParaRPr lang="en-US" altLang="ja-JP" dirty="0"/>
+          </a:p>
+        </p:txBody>
+      </p:sp>
+      <p:sp>
+        <p:nvSpPr>
+          <p:cNvPr id="35" name="テキスト ボックス 34"/>
+          <p:cNvSpPr txBox="1"/>
+          <p:nvPr/>
+        </p:nvSpPr>
+        <p:spPr>
+          <a:xfrm>
+            <a:off x="3966030" y="2919775"/>
+            <a:ext cx="719090" cy="369332"/>
+          </a:xfrm>
+          <a:prstGeom prst="rect">
+            <a:avLst/>
+          </a:prstGeom>
+          <a:noFill/>
+        </p:spPr>
+        <p:txBody>
+          <a:bodyPr wrap="square" rtlCol="0">
+            <a:spAutoFit/>
+          </a:bodyPr>
+          <a:lstStyle/>
+          <a:p>
+            <a:r>
+              <a:rPr lang="en-US" altLang="ja-JP" smtClean="0"/>
+              <a:t>(2)</a:t>
+            </a:r>
+            <a:endParaRPr lang="en-US" altLang="ja-JP" dirty="0"/>
+          </a:p>
+        </p:txBody>
+      </p:sp>
+      <p:sp>
+        <p:nvSpPr>
+          <p:cNvPr id="38" name="テキスト ボックス 37"/>
+          <p:cNvSpPr txBox="1"/>
+          <p:nvPr/>
+        </p:nvSpPr>
+        <p:spPr>
+          <a:xfrm>
+            <a:off x="7870039" y="2439032"/>
+            <a:ext cx="719090" cy="369332"/>
+          </a:xfrm>
+          <a:prstGeom prst="rect">
+            <a:avLst/>
+          </a:prstGeom>
+          <a:noFill/>
+        </p:spPr>
+        <p:txBody>
+          <a:bodyPr wrap="square" rtlCol="0">
+            <a:spAutoFit/>
+          </a:bodyPr>
+          <a:lstStyle/>
+          <a:p>
+            <a:r>
+              <a:rPr lang="en-US" altLang="ja-JP" dirty="0" smtClean="0"/>
+              <a:t>(3)</a:t>
+            </a:r>
+            <a:endParaRPr lang="en-US" altLang="ja-JP" dirty="0"/>
+          </a:p>
+        </p:txBody>
+      </p:sp>
+      <p:sp>
+        <p:nvSpPr>
+          <p:cNvPr id="39" name="テキスト ボックス 38"/>
+          <p:cNvSpPr txBox="1"/>
+          <p:nvPr/>
+        </p:nvSpPr>
+        <p:spPr>
+          <a:xfrm>
+            <a:off x="3960615" y="3492714"/>
+            <a:ext cx="719090" cy="369332"/>
+          </a:xfrm>
+          <a:prstGeom prst="rect">
+            <a:avLst/>
+          </a:prstGeom>
+          <a:noFill/>
+        </p:spPr>
+        <p:txBody>
+          <a:bodyPr wrap="square" rtlCol="0">
+            <a:spAutoFit/>
+          </a:bodyPr>
+          <a:lstStyle/>
+          <a:p>
+            <a:r>
+              <a:rPr lang="en-US" altLang="ja-JP" dirty="0" smtClean="0"/>
+              <a:t>(4)</a:t>
+            </a:r>
+            <a:endParaRPr lang="en-US" altLang="ja-JP" dirty="0"/>
+          </a:p>
+        </p:txBody>
+      </p:sp>
+      <p:sp>
+        <p:nvSpPr>
+          <p:cNvPr id="40" name="テキスト ボックス 39"/>
+          <p:cNvSpPr txBox="1"/>
+          <p:nvPr/>
+        </p:nvSpPr>
+        <p:spPr>
+          <a:xfrm>
+            <a:off x="3966895" y="4136346"/>
+            <a:ext cx="719090" cy="369332"/>
+          </a:xfrm>
+          <a:prstGeom prst="rect">
+            <a:avLst/>
+          </a:prstGeom>
+          <a:noFill/>
+        </p:spPr>
+        <p:txBody>
+          <a:bodyPr wrap="square" rtlCol="0">
+            <a:spAutoFit/>
+          </a:bodyPr>
+          <a:lstStyle/>
+          <a:p>
+            <a:r>
+              <a:rPr lang="en-US" altLang="ja-JP" dirty="0" smtClean="0"/>
+              <a:t>(5)</a:t>
+            </a:r>
+            <a:endParaRPr lang="en-US" altLang="ja-JP" dirty="0"/>
+          </a:p>
+        </p:txBody>
+      </p:sp>
+      <p:sp>
+        <p:nvSpPr>
+          <p:cNvPr id="41" name="テキスト ボックス 40"/>
+          <p:cNvSpPr txBox="1"/>
+          <p:nvPr/>
+        </p:nvSpPr>
+        <p:spPr>
+          <a:xfrm>
+            <a:off x="7757176" y="4846863"/>
+            <a:ext cx="719090" cy="369332"/>
+          </a:xfrm>
+          <a:prstGeom prst="rect">
+            <a:avLst/>
+          </a:prstGeom>
+          <a:noFill/>
+        </p:spPr>
+        <p:txBody>
+          <a:bodyPr wrap="square" rtlCol="0">
+            <a:spAutoFit/>
+          </a:bodyPr>
+          <a:lstStyle/>
+          <a:p>
+            <a:r>
+              <a:rPr lang="en-US" altLang="ja-JP" dirty="0" smtClean="0"/>
+              <a:t>(7)</a:t>
+            </a:r>
+            <a:endParaRPr lang="en-US" altLang="ja-JP" dirty="0"/>
+          </a:p>
+        </p:txBody>
+      </p:sp>
+      <p:sp>
+        <p:nvSpPr>
+          <p:cNvPr id="42" name="テキスト ボックス 41"/>
+          <p:cNvSpPr txBox="1"/>
+          <p:nvPr/>
+        </p:nvSpPr>
+        <p:spPr>
+          <a:xfrm>
+            <a:off x="10004481" y="4610499"/>
+            <a:ext cx="719090" cy="369332"/>
+          </a:xfrm>
+          <a:prstGeom prst="rect">
+            <a:avLst/>
+          </a:prstGeom>
+          <a:noFill/>
+        </p:spPr>
+        <p:txBody>
+          <a:bodyPr wrap="square" rtlCol="0">
+            <a:spAutoFit/>
+          </a:bodyPr>
+          <a:lstStyle/>
+          <a:p>
+            <a:r>
+              <a:rPr lang="en-US" altLang="ja-JP" smtClean="0"/>
+              <a:t>(8)</a:t>
+            </a:r>
+            <a:endParaRPr lang="en-US" altLang="ja-JP" dirty="0"/>
+          </a:p>
+        </p:txBody>
+      </p:sp>
+      <p:sp>
+        <p:nvSpPr>
+          <p:cNvPr id="43" name="テキスト ボックス 42"/>
+          <p:cNvSpPr txBox="1"/>
+          <p:nvPr/>
+        </p:nvSpPr>
+        <p:spPr>
+          <a:xfrm>
+            <a:off x="7682189" y="3804236"/>
+            <a:ext cx="719090" cy="369332"/>
+          </a:xfrm>
+          <a:prstGeom prst="rect">
+            <a:avLst/>
+          </a:prstGeom>
+          <a:noFill/>
+        </p:spPr>
+        <p:txBody>
+          <a:bodyPr wrap="square" rtlCol="0">
+            <a:spAutoFit/>
+          </a:bodyPr>
+          <a:lstStyle/>
+          <a:p>
+            <a:r>
+              <a:rPr lang="en-US" altLang="ja-JP" dirty="0" smtClean="0"/>
+              <a:t>(6)</a:t>
+            </a:r>
+            <a:endParaRPr lang="en-US" altLang="ja-JP" dirty="0"/>
+          </a:p>
+        </p:txBody>
+      </p:sp>
+      <p:sp>
+        <p:nvSpPr>
+          <p:cNvPr id="45" name="正方形/長方形 44"/>
+          <p:cNvSpPr/>
+          <p:nvPr/>
+        </p:nvSpPr>
+        <p:spPr>
+          <a:xfrm>
+            <a:off x="4458070" y="2514486"/>
+            <a:ext cx="3241377" cy="2023223"/>
+          </a:xfrm>
+          <a:prstGeom prst="rect">
+            <a:avLst/>
+          </a:prstGeom>
+          <a:noFill/>
+          <a:ln w="38100">
+            <a:solidFill>
+              <a:schemeClr val="accent1">
+                <a:lumMod val="60000"/>
+                <a:lumOff val="40000"/>
+              </a:schemeClr>
+            </a:solidFill>
+          </a:ln>
+        </p:spPr>
+        <p:style>
+          <a:lnRef idx="2">
+            <a:schemeClr val="accent1">
+              <a:shade val="50000"/>
+            </a:schemeClr>
+          </a:lnRef>
+          <a:fillRef idx="1">
+            <a:schemeClr val="accent1"/>
+          </a:fillRef>
+          <a:effectRef idx="0">
+            <a:schemeClr val="accent1"/>
+          </a:effectRef>
+          <a:fontRef idx="minor">
+            <a:schemeClr val="lt1"/>
+          </a:fontRef>
+        </p:style>
+        <p:txBody>
+          <a:bodyPr rtlCol="0" anchor="ctr"/>
+          <a:lstStyle/>
+          <a:p>
+            <a:pPr algn="ctr"/>
+            <a:endParaRPr kumimoji="1" lang="ja-JP" altLang="en-US"/>
+          </a:p>
+        </p:txBody>
+      </p:sp>
+      <p:sp>
+        <p:nvSpPr>
+          <p:cNvPr id="67" name="正方形/長方形 66"/>
+          <p:cNvSpPr/>
+          <p:nvPr/>
+        </p:nvSpPr>
+        <p:spPr>
+          <a:xfrm>
+            <a:off x="8116721" y="2917323"/>
+            <a:ext cx="3684701" cy="1614022"/>
+          </a:xfrm>
+          <a:prstGeom prst="rect">
+            <a:avLst/>
+          </a:prstGeom>
+          <a:noFill/>
+          <a:ln w="38100">
+            <a:solidFill>
+              <a:schemeClr val="accent1">
+                <a:lumMod val="60000"/>
+                <a:lumOff val="40000"/>
+              </a:schemeClr>
+            </a:solidFill>
+          </a:ln>
+        </p:spPr>
+        <p:style>
+          <a:lnRef idx="2">
+            <a:schemeClr val="accent1">
+              <a:shade val="50000"/>
+            </a:schemeClr>
+          </a:lnRef>
+          <a:fillRef idx="1">
+            <a:schemeClr val="accent1"/>
+          </a:fillRef>
+          <a:effectRef idx="0">
+            <a:schemeClr val="accent1"/>
+          </a:effectRef>
+          <a:fontRef idx="minor">
+            <a:schemeClr val="lt1"/>
+          </a:fontRef>
+        </p:style>
+        <p:txBody>
+          <a:bodyPr rtlCol="0" anchor="ctr"/>
+          <a:lstStyle/>
+          <a:p>
+            <a:pPr algn="ctr"/>
+            <a:endParaRPr kumimoji="1" lang="ja-JP" altLang="en-US"/>
+          </a:p>
+        </p:txBody>
+      </p:sp>
+      <p:cxnSp>
+        <p:nvCxnSpPr>
+          <p:cNvPr id="86" name="カギ線コネクタ 100"/>
+          <p:cNvCxnSpPr/>
+          <p:nvPr/>
+        </p:nvCxnSpPr>
+        <p:spPr>
+          <a:xfrm flipH="1">
+            <a:off x="3838874" y="4116134"/>
+            <a:ext cx="619195" cy="0"/>
+          </a:xfrm>
+          <a:prstGeom prst="straightConnector1">
+            <a:avLst/>
+          </a:prstGeom>
+          <a:ln w="38100">
+            <a:headEnd type="arrow"/>
+            <a:tailEnd type="none"/>
+          </a:ln>
+        </p:spPr>
+        <p:style>
+          <a:lnRef idx="2">
+            <a:schemeClr val="dk1"/>
+          </a:lnRef>
+          <a:fillRef idx="0">
+            <a:schemeClr val="dk1"/>
+          </a:fillRef>
+          <a:effectRef idx="1">
+            <a:schemeClr val="dk1"/>
+          </a:effectRef>
+          <a:fontRef idx="minor">
+            <a:schemeClr val="tx1"/>
+          </a:fontRef>
+        </p:style>
+      </p:cxnSp>
+    </p:spTree>
+    <p:extLst>
+      <p:ext uri="{BB962C8B-B14F-4D97-AF65-F5344CB8AC3E}">
+        <p14:creationId xmlns:p14="http://schemas.microsoft.com/office/powerpoint/2010/main" val="827273343"/>
+      </p:ext>
+    </p:extLst>
+  </p:cSld>
+  <p:clrMapOvr>
+    <a:masterClrMapping/>
+  </p:clrMapOvr>
+  <p:timing>
+    <p:tnLst>
+      <p:par>
+        <p:cTn id="1" dur="indefinite" restart="never" nodeType="tmRoot"/>
+      </p:par>
+    </p:tnLst>
+  </p:timing>
+</p:sld>
+</file>
+
 <file path=ppt/slides/slide3.xml><?xml version="1.0" encoding="utf-8"?>
 <p:sld xmlns:a="http://schemas.openxmlformats.org/drawingml/2006/main" xmlns:r="http://schemas.openxmlformats.org/officeDocument/2006/relationships" xmlns:p="http://schemas.openxmlformats.org/presentationml/2006/main">
   <p:cSld>

--- a/source/Security/images_OAuth/materialOAuth.pptx
+++ b/source/Security/images_OAuth/materialOAuth.pptx
@@ -21,13 +21,13 @@
     <p:sldId id="264" r:id="rId12"/>
     <p:sldId id="285" r:id="rId13"/>
     <p:sldId id="295" r:id="rId14"/>
-    <p:sldId id="281" r:id="rId15"/>
+    <p:sldId id="300" r:id="rId15"/>
     <p:sldId id="286" r:id="rId16"/>
     <p:sldId id="274" r:id="rId17"/>
     <p:sldId id="268" r:id="rId18"/>
     <p:sldId id="269" r:id="rId19"/>
     <p:sldId id="257" r:id="rId20"/>
-    <p:sldId id="270" r:id="rId21"/>
+    <p:sldId id="299" r:id="rId21"/>
     <p:sldId id="271" r:id="rId22"/>
     <p:sldId id="296" r:id="rId23"/>
     <p:sldId id="298" r:id="rId24"/>
@@ -147,7 +147,7 @@
             <p14:sldId id="264"/>
             <p14:sldId id="285"/>
             <p14:sldId id="295"/>
-            <p14:sldId id="281"/>
+            <p14:sldId id="300"/>
             <p14:sldId id="286"/>
             <p14:sldId id="274"/>
           </p14:sldIdLst>
@@ -161,7 +161,7 @@
         <p14:section name="How to Extend" id="{26D12C5C-39A1-4EE1-A6D1-BDC8A15DC492}">
           <p14:sldIdLst>
             <p14:sldId id="257"/>
-            <p14:sldId id="270"/>
+            <p14:sldId id="299"/>
             <p14:sldId id="271"/>
           </p14:sldIdLst>
         </p14:section>
@@ -262,7 +262,7 @@
           <a:p>
             <a:fld id="{E364C4AB-FECB-4A61-B71C-A45CCAC46987}" type="datetimeFigureOut">
               <a:rPr kumimoji="1" lang="ja-JP" altLang="en-US" smtClean="0"/>
-              <a:t>2017/8/31</a:t>
+              <a:t>2017/9/7</a:t>
             </a:fld>
             <a:endParaRPr kumimoji="1" lang="ja-JP" altLang="en-US"/>
           </a:p>
@@ -1392,7 +1392,7 @@
     </p:spTree>
     <p:extLst>
       <p:ext uri="{BB962C8B-B14F-4D97-AF65-F5344CB8AC3E}">
-        <p14:creationId xmlns:p14="http://schemas.microsoft.com/office/powerpoint/2010/main" val="427632005"/>
+        <p14:creationId xmlns:p14="http://schemas.microsoft.com/office/powerpoint/2010/main" val="1419956975"/>
       </p:ext>
     </p:extLst>
   </p:cSld>
@@ -1617,7 +1617,7 @@
           <a:p>
             <a:fld id="{22B92BF3-AD3C-41E2-AD5A-4FFB42BC5A7D}" type="datetimeFigureOut">
               <a:rPr kumimoji="1" lang="ja-JP" altLang="en-US" smtClean="0"/>
-              <a:t>2017/8/31</a:t>
+              <a:t>2017/9/7</a:t>
             </a:fld>
             <a:endParaRPr kumimoji="1" lang="ja-JP" altLang="en-US"/>
           </a:p>
@@ -1819,7 +1819,7 @@
           <a:p>
             <a:fld id="{22B92BF3-AD3C-41E2-AD5A-4FFB42BC5A7D}" type="datetimeFigureOut">
               <a:rPr kumimoji="1" lang="ja-JP" altLang="en-US" smtClean="0"/>
-              <a:t>2017/8/31</a:t>
+              <a:t>2017/9/7</a:t>
             </a:fld>
             <a:endParaRPr kumimoji="1" lang="ja-JP" altLang="en-US"/>
           </a:p>
@@ -2031,7 +2031,7 @@
           <a:p>
             <a:fld id="{22B92BF3-AD3C-41E2-AD5A-4FFB42BC5A7D}" type="datetimeFigureOut">
               <a:rPr kumimoji="1" lang="ja-JP" altLang="en-US" smtClean="0"/>
-              <a:t>2017/8/31</a:t>
+              <a:t>2017/9/7</a:t>
             </a:fld>
             <a:endParaRPr kumimoji="1" lang="ja-JP" altLang="en-US"/>
           </a:p>
@@ -2233,7 +2233,7 @@
           <a:p>
             <a:fld id="{22B92BF3-AD3C-41E2-AD5A-4FFB42BC5A7D}" type="datetimeFigureOut">
               <a:rPr kumimoji="1" lang="ja-JP" altLang="en-US" smtClean="0"/>
-              <a:t>2017/8/31</a:t>
+              <a:t>2017/9/7</a:t>
             </a:fld>
             <a:endParaRPr kumimoji="1" lang="ja-JP" altLang="en-US"/>
           </a:p>
@@ -2479,7 +2479,7 @@
           <a:p>
             <a:fld id="{22B92BF3-AD3C-41E2-AD5A-4FFB42BC5A7D}" type="datetimeFigureOut">
               <a:rPr kumimoji="1" lang="ja-JP" altLang="en-US" smtClean="0"/>
-              <a:t>2017/8/31</a:t>
+              <a:t>2017/9/7</a:t>
             </a:fld>
             <a:endParaRPr kumimoji="1" lang="ja-JP" altLang="en-US"/>
           </a:p>
@@ -2775,7 +2775,7 @@
           <a:p>
             <a:fld id="{22B92BF3-AD3C-41E2-AD5A-4FFB42BC5A7D}" type="datetimeFigureOut">
               <a:rPr kumimoji="1" lang="ja-JP" altLang="en-US" smtClean="0"/>
-              <a:t>2017/8/31</a:t>
+              <a:t>2017/9/7</a:t>
             </a:fld>
             <a:endParaRPr kumimoji="1" lang="ja-JP" altLang="en-US"/>
           </a:p>
@@ -3206,7 +3206,7 @@
           <a:p>
             <a:fld id="{22B92BF3-AD3C-41E2-AD5A-4FFB42BC5A7D}" type="datetimeFigureOut">
               <a:rPr kumimoji="1" lang="ja-JP" altLang="en-US" smtClean="0"/>
-              <a:t>2017/8/31</a:t>
+              <a:t>2017/9/7</a:t>
             </a:fld>
             <a:endParaRPr kumimoji="1" lang="ja-JP" altLang="en-US"/>
           </a:p>
@@ -3324,7 +3324,7 @@
           <a:p>
             <a:fld id="{22B92BF3-AD3C-41E2-AD5A-4FFB42BC5A7D}" type="datetimeFigureOut">
               <a:rPr kumimoji="1" lang="ja-JP" altLang="en-US" smtClean="0"/>
-              <a:t>2017/8/31</a:t>
+              <a:t>2017/9/7</a:t>
             </a:fld>
             <a:endParaRPr kumimoji="1" lang="ja-JP" altLang="en-US"/>
           </a:p>
@@ -3419,7 +3419,7 @@
           <a:p>
             <a:fld id="{22B92BF3-AD3C-41E2-AD5A-4FFB42BC5A7D}" type="datetimeFigureOut">
               <a:rPr kumimoji="1" lang="ja-JP" altLang="en-US" smtClean="0"/>
-              <a:t>2017/8/31</a:t>
+              <a:t>2017/9/7</a:t>
             </a:fld>
             <a:endParaRPr kumimoji="1" lang="ja-JP" altLang="en-US"/>
           </a:p>
@@ -3728,7 +3728,7 @@
           <a:p>
             <a:fld id="{22B92BF3-AD3C-41E2-AD5A-4FFB42BC5A7D}" type="datetimeFigureOut">
               <a:rPr kumimoji="1" lang="ja-JP" altLang="en-US" smtClean="0"/>
-              <a:t>2017/8/31</a:t>
+              <a:t>2017/9/7</a:t>
             </a:fld>
             <a:endParaRPr kumimoji="1" lang="ja-JP" altLang="en-US"/>
           </a:p>
@@ -3981,7 +3981,7 @@
           <a:p>
             <a:fld id="{22B92BF3-AD3C-41E2-AD5A-4FFB42BC5A7D}" type="datetimeFigureOut">
               <a:rPr kumimoji="1" lang="ja-JP" altLang="en-US" smtClean="0"/>
-              <a:t>2017/8/31</a:t>
+              <a:t>2017/9/7</a:t>
             </a:fld>
             <a:endParaRPr kumimoji="1" lang="ja-JP" altLang="en-US"/>
           </a:p>
@@ -4226,7 +4226,7 @@
           <a:p>
             <a:fld id="{22B92BF3-AD3C-41E2-AD5A-4FFB42BC5A7D}" type="datetimeFigureOut">
               <a:rPr kumimoji="1" lang="ja-JP" altLang="en-US" smtClean="0"/>
-              <a:t>2017/8/31</a:t>
+              <a:t>2017/9/7</a:t>
             </a:fld>
             <a:endParaRPr kumimoji="1" lang="ja-JP" altLang="en-US"/>
           </a:p>
@@ -13681,6 +13681,36 @@
           <a:p>
             <a:r>
               <a:rPr lang="en-US" altLang="ja-JP" dirty="0" smtClean="0"/>
+              <a:t>(6)</a:t>
+            </a:r>
+            <a:endParaRPr lang="en-US" altLang="ja-JP" dirty="0"/>
+          </a:p>
+        </p:txBody>
+      </p:sp>
+      <p:sp>
+        <p:nvSpPr>
+          <p:cNvPr id="28" name="テキスト ボックス 27"/>
+          <p:cNvSpPr txBox="1"/>
+          <p:nvPr/>
+        </p:nvSpPr>
+        <p:spPr>
+          <a:xfrm>
+            <a:off x="10039132" y="2627436"/>
+            <a:ext cx="719090" cy="369332"/>
+          </a:xfrm>
+          <a:prstGeom prst="rect">
+            <a:avLst/>
+          </a:prstGeom>
+          <a:noFill/>
+        </p:spPr>
+        <p:txBody>
+          <a:bodyPr wrap="square" rtlCol="0">
+            <a:spAutoFit/>
+          </a:bodyPr>
+          <a:lstStyle/>
+          <a:p>
+            <a:r>
+              <a:rPr lang="en-US" altLang="ja-JP" dirty="0" smtClean="0"/>
               <a:t>(5)</a:t>
             </a:r>
             <a:endParaRPr lang="en-US" altLang="ja-JP" dirty="0"/>
@@ -13690,7 +13720,7 @@
     </p:spTree>
     <p:extLst>
       <p:ext uri="{BB962C8B-B14F-4D97-AF65-F5344CB8AC3E}">
-        <p14:creationId xmlns:p14="http://schemas.microsoft.com/office/powerpoint/2010/main" val="3205589076"/>
+        <p14:creationId xmlns:p14="http://schemas.microsoft.com/office/powerpoint/2010/main" val="763483088"/>
       </p:ext>
     </p:extLst>
   </p:cSld>
@@ -22621,7 +22651,7 @@
         <p:spPr>
           <a:xfrm>
             <a:off x="659332" y="1610571"/>
-            <a:ext cx="1366993" cy="717761"/>
+            <a:ext cx="1448868" cy="405047"/>
           </a:xfrm>
           <a:prstGeom prst="rect">
             <a:avLst/>
@@ -22642,44 +22672,10 @@
           </a:p>
         </p:txBody>
       </p:sp>
-      <p:sp>
-        <p:nvSpPr>
-          <p:cNvPr id="25" name="テキスト ボックス 24"/>
-          <p:cNvSpPr txBox="1"/>
-          <p:nvPr/>
-        </p:nvSpPr>
-        <p:spPr>
-          <a:xfrm>
-            <a:off x="1983898" y="1610571"/>
-            <a:ext cx="1158960" cy="405047"/>
-          </a:xfrm>
-          <a:prstGeom prst="rect">
-            <a:avLst/>
-          </a:prstGeom>
-          <a:noFill/>
-        </p:spPr>
-        <p:txBody>
-          <a:bodyPr wrap="square" rtlCol="0">
-            <a:spAutoFit/>
-          </a:bodyPr>
-          <a:lstStyle/>
-          <a:p>
-            <a:r>
-              <a:rPr lang="ja-JP" altLang="en-US" sz="2032" dirty="0"/>
-              <a:t>・・・</a:t>
-            </a:r>
-            <a:r>
-              <a:rPr lang="en-US" altLang="ja-JP" sz="2032" dirty="0"/>
-              <a:t>(1)</a:t>
-            </a:r>
-            <a:endParaRPr lang="ja-JP" altLang="en-US" sz="2032" dirty="0"/>
-          </a:p>
-        </p:txBody>
-      </p:sp>
     </p:spTree>
     <p:extLst>
       <p:ext uri="{BB962C8B-B14F-4D97-AF65-F5344CB8AC3E}">
-        <p14:creationId xmlns:p14="http://schemas.microsoft.com/office/powerpoint/2010/main" val="1887756056"/>
+        <p14:creationId xmlns:p14="http://schemas.microsoft.com/office/powerpoint/2010/main" val="779814625"/>
       </p:ext>
     </p:extLst>
   </p:cSld>
